--- a/Nodejs/Node.js - prezentacija.pptx
+++ b/Nodejs/Node.js - prezentacija.pptx
@@ -19,6 +19,13 @@
     <p:sldId id="267" r:id="rId13"/>
     <p:sldId id="268" r:id="rId14"/>
     <p:sldId id="269" r:id="rId15"/>
+    <p:sldId id="270" r:id="rId16"/>
+    <p:sldId id="271" r:id="rId17"/>
+    <p:sldId id="272" r:id="rId18"/>
+    <p:sldId id="273" r:id="rId19"/>
+    <p:sldId id="274" r:id="rId20"/>
+    <p:sldId id="275" r:id="rId21"/>
+    <p:sldId id="276" r:id="rId22"/>
   </p:sldIdLst>
   <p:sldSz cx="12192000" cy="6858000"/>
   <p:notesSz cx="6858000" cy="9144000"/>
@@ -117,6 +124,11 @@
       </a:defRPr>
     </a:lvl9pPr>
   </p:defaultTextStyle>
+  <p:extLst>
+    <p:ext uri="{EFAFB233-063F-42B5-8137-9DF3F51BA10A}">
+      <p15:sldGuideLst xmlns:p15="http://schemas.microsoft.com/office/powerpoint/2012/main"/>
+    </p:ext>
+  </p:extLst>
 </p:presentation>
 </file>
 
@@ -177,7 +189,7 @@
           <a:noFill/>
           <a:extLst>
             <a:ext uri="{909E8E84-426E-40dd-AFC4-6F175D3DCCD1}">
-              <a14:hiddenFill xmlns:a14="http://schemas.microsoft.com/office/drawing/2010/main" xmlns="">
+              <a14:hiddenFill xmlns="" xmlns:a14="http://schemas.microsoft.com/office/drawing/2010/main">
                 <a:solidFill>
                   <a:srgbClr val="FFFFFF"/>
                 </a:solidFill>
@@ -237,7 +249,7 @@
             </a:ln>
             <a:extLst>
               <a:ext uri="{91240B29-F687-4f45-9708-019B960494DF}">
-                <a14:hiddenLine xmlns:a14="http://schemas.microsoft.com/office/drawing/2010/main" xmlns="" w="9525">
+                <a14:hiddenLine xmlns="" xmlns:a14="http://schemas.microsoft.com/office/drawing/2010/main" w="9525">
                   <a:solidFill>
                     <a:srgbClr val="000000"/>
                   </a:solidFill>
@@ -327,7 +339,7 @@
             </a:ln>
             <a:extLst>
               <a:ext uri="{91240B29-F687-4f45-9708-019B960494DF}">
-                <a14:hiddenLine xmlns:a14="http://schemas.microsoft.com/office/drawing/2010/main" xmlns="" w="9525">
+                <a14:hiddenLine xmlns="" xmlns:a14="http://schemas.microsoft.com/office/drawing/2010/main" w="9525">
                   <a:solidFill>
                     <a:srgbClr val="000000"/>
                   </a:solidFill>
@@ -417,7 +429,7 @@
             </a:ln>
             <a:extLst>
               <a:ext uri="{91240B29-F687-4f45-9708-019B960494DF}">
-                <a14:hiddenLine xmlns:a14="http://schemas.microsoft.com/office/drawing/2010/main" xmlns="" w="9525">
+                <a14:hiddenLine xmlns="" xmlns:a14="http://schemas.microsoft.com/office/drawing/2010/main" w="9525">
                   <a:solidFill>
                     <a:srgbClr val="000000"/>
                   </a:solidFill>
@@ -451,7 +463,7 @@
             </a:ln>
             <a:extLst>
               <a:ext uri="{91240B29-F687-4f45-9708-019B960494DF}">
-                <a14:hiddenLine xmlns:a14="http://schemas.microsoft.com/office/drawing/2010/main" xmlns="" w="9525">
+                <a14:hiddenLine xmlns="" xmlns:a14="http://schemas.microsoft.com/office/drawing/2010/main" w="9525">
                   <a:solidFill>
                     <a:srgbClr val="000000"/>
                   </a:solidFill>
@@ -541,7 +553,7 @@
             </a:ln>
             <a:extLst>
               <a:ext uri="{91240B29-F687-4f45-9708-019B960494DF}">
-                <a14:hiddenLine xmlns:a14="http://schemas.microsoft.com/office/drawing/2010/main" xmlns="" w="9525">
+                <a14:hiddenLine xmlns="" xmlns:a14="http://schemas.microsoft.com/office/drawing/2010/main" w="9525">
                   <a:solidFill>
                     <a:srgbClr val="000000"/>
                   </a:solidFill>
@@ -603,7 +615,7 @@
             </a:ln>
             <a:extLst>
               <a:ext uri="{91240B29-F687-4f45-9708-019B960494DF}">
-                <a14:hiddenLine xmlns:a14="http://schemas.microsoft.com/office/drawing/2010/main" xmlns="" w="9525">
+                <a14:hiddenLine xmlns="" xmlns:a14="http://schemas.microsoft.com/office/drawing/2010/main" w="9525">
                   <a:solidFill>
                     <a:srgbClr val="000000"/>
                   </a:solidFill>
@@ -665,7 +677,7 @@
             </a:ln>
             <a:extLst>
               <a:ext uri="{91240B29-F687-4f45-9708-019B960494DF}">
-                <a14:hiddenLine xmlns:a14="http://schemas.microsoft.com/office/drawing/2010/main" xmlns="" w="9525">
+                <a14:hiddenLine xmlns="" xmlns:a14="http://schemas.microsoft.com/office/drawing/2010/main" w="9525">
                   <a:solidFill>
                     <a:srgbClr val="000000"/>
                   </a:solidFill>
@@ -755,7 +767,7 @@
             </a:ln>
             <a:extLst>
               <a:ext uri="{91240B29-F687-4f45-9708-019B960494DF}">
-                <a14:hiddenLine xmlns:a14="http://schemas.microsoft.com/office/drawing/2010/main" xmlns="" w="9525">
+                <a14:hiddenLine xmlns="" xmlns:a14="http://schemas.microsoft.com/office/drawing/2010/main" w="9525">
                   <a:solidFill>
                     <a:srgbClr val="000000"/>
                   </a:solidFill>
@@ -817,7 +829,7 @@
             </a:ln>
             <a:extLst>
               <a:ext uri="{91240B29-F687-4f45-9708-019B960494DF}">
-                <a14:hiddenLine xmlns:a14="http://schemas.microsoft.com/office/drawing/2010/main" xmlns="" w="9525">
+                <a14:hiddenLine xmlns="" xmlns:a14="http://schemas.microsoft.com/office/drawing/2010/main" w="9525">
                   <a:solidFill>
                     <a:srgbClr val="000000"/>
                   </a:solidFill>
@@ -879,7 +891,7 @@
             </a:ln>
             <a:extLst>
               <a:ext uri="{91240B29-F687-4f45-9708-019B960494DF}">
-                <a14:hiddenLine xmlns:a14="http://schemas.microsoft.com/office/drawing/2010/main" xmlns="" w="9525">
+                <a14:hiddenLine xmlns="" xmlns:a14="http://schemas.microsoft.com/office/drawing/2010/main" w="9525">
                   <a:solidFill>
                     <a:srgbClr val="000000"/>
                   </a:solidFill>
@@ -969,7 +981,7 @@
             </a:ln>
             <a:extLst>
               <a:ext uri="{91240B29-F687-4f45-9708-019B960494DF}">
-                <a14:hiddenLine xmlns:a14="http://schemas.microsoft.com/office/drawing/2010/main" xmlns="" w="9525">
+                <a14:hiddenLine xmlns="" xmlns:a14="http://schemas.microsoft.com/office/drawing/2010/main" w="9525">
                   <a:solidFill>
                     <a:srgbClr val="000000"/>
                   </a:solidFill>
@@ -1059,7 +1071,7 @@
             </a:ln>
             <a:extLst>
               <a:ext uri="{91240B29-F687-4f45-9708-019B960494DF}">
-                <a14:hiddenLine xmlns:a14="http://schemas.microsoft.com/office/drawing/2010/main" xmlns="" w="9525">
+                <a14:hiddenLine xmlns="" xmlns:a14="http://schemas.microsoft.com/office/drawing/2010/main" w="9525">
                   <a:solidFill>
                     <a:srgbClr val="000000"/>
                   </a:solidFill>
@@ -1121,7 +1133,7 @@
             </a:ln>
             <a:extLst>
               <a:ext uri="{91240B29-F687-4f45-9708-019B960494DF}">
-                <a14:hiddenLine xmlns:a14="http://schemas.microsoft.com/office/drawing/2010/main" xmlns="" w="9525">
+                <a14:hiddenLine xmlns="" xmlns:a14="http://schemas.microsoft.com/office/drawing/2010/main" w="9525">
                   <a:solidFill>
                     <a:srgbClr val="000000"/>
                   </a:solidFill>
@@ -1231,7 +1243,7 @@
             </a:ln>
             <a:extLst>
               <a:ext uri="{91240B29-F687-4f45-9708-019B960494DF}">
-                <a14:hiddenLine xmlns:a14="http://schemas.microsoft.com/office/drawing/2010/main" xmlns="" w="9525">
+                <a14:hiddenLine xmlns="" xmlns:a14="http://schemas.microsoft.com/office/drawing/2010/main" w="9525">
                   <a:solidFill>
                     <a:srgbClr val="000000"/>
                   </a:solidFill>
@@ -1293,7 +1305,7 @@
             </a:ln>
             <a:extLst>
               <a:ext uri="{91240B29-F687-4f45-9708-019B960494DF}">
-                <a14:hiddenLine xmlns:a14="http://schemas.microsoft.com/office/drawing/2010/main" xmlns="" w="9525">
+                <a14:hiddenLine xmlns="" xmlns:a14="http://schemas.microsoft.com/office/drawing/2010/main" w="9525">
                   <a:solidFill>
                     <a:srgbClr val="000000"/>
                   </a:solidFill>
@@ -1383,7 +1395,7 @@
             </a:ln>
             <a:extLst>
               <a:ext uri="{91240B29-F687-4f45-9708-019B960494DF}">
-                <a14:hiddenLine xmlns:a14="http://schemas.microsoft.com/office/drawing/2010/main" xmlns="" w="9525">
+                <a14:hiddenLine xmlns="" xmlns:a14="http://schemas.microsoft.com/office/drawing/2010/main" w="9525">
                   <a:solidFill>
                     <a:srgbClr val="000000"/>
                   </a:solidFill>
@@ -1473,7 +1485,7 @@
             </a:ln>
             <a:extLst>
               <a:ext uri="{91240B29-F687-4f45-9708-019B960494DF}">
-                <a14:hiddenLine xmlns:a14="http://schemas.microsoft.com/office/drawing/2010/main" xmlns="" w="9525">
+                <a14:hiddenLine xmlns="" xmlns:a14="http://schemas.microsoft.com/office/drawing/2010/main" w="9525">
                   <a:solidFill>
                     <a:srgbClr val="000000"/>
                   </a:solidFill>
@@ -1535,7 +1547,7 @@
             </a:ln>
             <a:extLst>
               <a:ext uri="{91240B29-F687-4f45-9708-019B960494DF}">
-                <a14:hiddenLine xmlns:a14="http://schemas.microsoft.com/office/drawing/2010/main" xmlns="" w="9525">
+                <a14:hiddenLine xmlns="" xmlns:a14="http://schemas.microsoft.com/office/drawing/2010/main" w="9525">
                   <a:solidFill>
                     <a:srgbClr val="000000"/>
                   </a:solidFill>
@@ -1625,7 +1637,7 @@
             </a:ln>
             <a:extLst>
               <a:ext uri="{91240B29-F687-4f45-9708-019B960494DF}">
-                <a14:hiddenLine xmlns:a14="http://schemas.microsoft.com/office/drawing/2010/main" xmlns="" w="9525">
+                <a14:hiddenLine xmlns="" xmlns:a14="http://schemas.microsoft.com/office/drawing/2010/main" w="9525">
                   <a:solidFill>
                     <a:srgbClr val="000000"/>
                   </a:solidFill>
@@ -1715,7 +1727,7 @@
             </a:ln>
             <a:extLst>
               <a:ext uri="{91240B29-F687-4f45-9708-019B960494DF}">
-                <a14:hiddenLine xmlns:a14="http://schemas.microsoft.com/office/drawing/2010/main" xmlns="" w="9525">
+                <a14:hiddenLine xmlns="" xmlns:a14="http://schemas.microsoft.com/office/drawing/2010/main" w="9525">
                   <a:solidFill>
                     <a:srgbClr val="000000"/>
                   </a:solidFill>
@@ -1771,7 +1783,7 @@
             </a:ln>
             <a:extLst>
               <a:ext uri="{91240B29-F687-4f45-9708-019B960494DF}">
-                <a14:hiddenLine xmlns:a14="http://schemas.microsoft.com/office/drawing/2010/main" xmlns="" w="9525">
+                <a14:hiddenLine xmlns="" xmlns:a14="http://schemas.microsoft.com/office/drawing/2010/main" w="9525">
                   <a:solidFill>
                     <a:srgbClr val="000000"/>
                   </a:solidFill>
@@ -1861,7 +1873,7 @@
             </a:ln>
             <a:extLst>
               <a:ext uri="{91240B29-F687-4f45-9708-019B960494DF}">
-                <a14:hiddenLine xmlns:a14="http://schemas.microsoft.com/office/drawing/2010/main" xmlns="" w="9525">
+                <a14:hiddenLine xmlns="" xmlns:a14="http://schemas.microsoft.com/office/drawing/2010/main" w="9525">
                   <a:solidFill>
                     <a:srgbClr val="000000"/>
                   </a:solidFill>
@@ -1917,7 +1929,7 @@
             </a:ln>
             <a:extLst>
               <a:ext uri="{91240B29-F687-4f45-9708-019B960494DF}">
-                <a14:hiddenLine xmlns:a14="http://schemas.microsoft.com/office/drawing/2010/main" xmlns="" w="9525">
+                <a14:hiddenLine xmlns="" xmlns:a14="http://schemas.microsoft.com/office/drawing/2010/main" w="9525">
                   <a:solidFill>
                     <a:srgbClr val="000000"/>
                   </a:solidFill>
@@ -2007,7 +2019,7 @@
             </a:ln>
             <a:extLst>
               <a:ext uri="{91240B29-F687-4f45-9708-019B960494DF}">
-                <a14:hiddenLine xmlns:a14="http://schemas.microsoft.com/office/drawing/2010/main" xmlns="" w="9525">
+                <a14:hiddenLine xmlns="" xmlns:a14="http://schemas.microsoft.com/office/drawing/2010/main" w="9525">
                   <a:solidFill>
                     <a:srgbClr val="000000"/>
                   </a:solidFill>
@@ -2075,7 +2087,7 @@
             </a:ln>
             <a:extLst>
               <a:ext uri="{91240B29-F687-4f45-9708-019B960494DF}">
-                <a14:hiddenLine xmlns:a14="http://schemas.microsoft.com/office/drawing/2010/main" xmlns="" w="9525">
+                <a14:hiddenLine xmlns="" xmlns:a14="http://schemas.microsoft.com/office/drawing/2010/main" w="9525">
                   <a:solidFill>
                     <a:srgbClr val="000000"/>
                   </a:solidFill>
@@ -2165,7 +2177,7 @@
             </a:ln>
             <a:extLst>
               <a:ext uri="{91240B29-F687-4f45-9708-019B960494DF}">
-                <a14:hiddenLine xmlns:a14="http://schemas.microsoft.com/office/drawing/2010/main" xmlns="" w="9525">
+                <a14:hiddenLine xmlns="" xmlns:a14="http://schemas.microsoft.com/office/drawing/2010/main" w="9525">
                   <a:solidFill>
                     <a:srgbClr val="000000"/>
                   </a:solidFill>
@@ -2233,7 +2245,7 @@
             </a:ln>
             <a:extLst>
               <a:ext uri="{91240B29-F687-4f45-9708-019B960494DF}">
-                <a14:hiddenLine xmlns:a14="http://schemas.microsoft.com/office/drawing/2010/main" xmlns="" w="9525">
+                <a14:hiddenLine xmlns="" xmlns:a14="http://schemas.microsoft.com/office/drawing/2010/main" w="9525">
                   <a:solidFill>
                     <a:srgbClr val="000000"/>
                   </a:solidFill>
@@ -2323,7 +2335,7 @@
             </a:ln>
             <a:extLst>
               <a:ext uri="{91240B29-F687-4f45-9708-019B960494DF}">
-                <a14:hiddenLine xmlns:a14="http://schemas.microsoft.com/office/drawing/2010/main" xmlns="" w="9525">
+                <a14:hiddenLine xmlns="" xmlns:a14="http://schemas.microsoft.com/office/drawing/2010/main" w="9525">
                   <a:solidFill>
                     <a:srgbClr val="000000"/>
                   </a:solidFill>
@@ -2357,7 +2369,7 @@
             </a:ln>
             <a:extLst>
               <a:ext uri="{91240B29-F687-4f45-9708-019B960494DF}">
-                <a14:hiddenLine xmlns:a14="http://schemas.microsoft.com/office/drawing/2010/main" xmlns="" w="9525">
+                <a14:hiddenLine xmlns="" xmlns:a14="http://schemas.microsoft.com/office/drawing/2010/main" w="9525">
                   <a:solidFill>
                     <a:srgbClr val="000000"/>
                   </a:solidFill>
@@ -2447,7 +2459,7 @@
             </a:ln>
             <a:extLst>
               <a:ext uri="{91240B29-F687-4f45-9708-019B960494DF}">
-                <a14:hiddenLine xmlns:a14="http://schemas.microsoft.com/office/drawing/2010/main" xmlns="" w="9525">
+                <a14:hiddenLine xmlns="" xmlns:a14="http://schemas.microsoft.com/office/drawing/2010/main" w="9525">
                   <a:solidFill>
                     <a:srgbClr val="000000"/>
                   </a:solidFill>
@@ -2509,7 +2521,7 @@
             </a:ln>
             <a:extLst>
               <a:ext uri="{91240B29-F687-4f45-9708-019B960494DF}">
-                <a14:hiddenLine xmlns:a14="http://schemas.microsoft.com/office/drawing/2010/main" xmlns="" w="9525">
+                <a14:hiddenLine xmlns="" xmlns:a14="http://schemas.microsoft.com/office/drawing/2010/main" w="9525">
                   <a:solidFill>
                     <a:srgbClr val="000000"/>
                   </a:solidFill>
@@ -2571,7 +2583,7 @@
             </a:ln>
             <a:extLst>
               <a:ext uri="{91240B29-F687-4f45-9708-019B960494DF}">
-                <a14:hiddenLine xmlns:a14="http://schemas.microsoft.com/office/drawing/2010/main" xmlns="" w="9525">
+                <a14:hiddenLine xmlns="" xmlns:a14="http://schemas.microsoft.com/office/drawing/2010/main" w="9525">
                   <a:solidFill>
                     <a:srgbClr val="000000"/>
                   </a:solidFill>
@@ -2661,7 +2673,7 @@
             </a:ln>
             <a:extLst>
               <a:ext uri="{91240B29-F687-4f45-9708-019B960494DF}">
-                <a14:hiddenLine xmlns:a14="http://schemas.microsoft.com/office/drawing/2010/main" xmlns="" w="9525">
+                <a14:hiddenLine xmlns="" xmlns:a14="http://schemas.microsoft.com/office/drawing/2010/main" w="9525">
                   <a:solidFill>
                     <a:srgbClr val="000000"/>
                   </a:solidFill>
@@ -2729,7 +2741,7 @@
             </a:ln>
             <a:extLst>
               <a:ext uri="{91240B29-F687-4f45-9708-019B960494DF}">
-                <a14:hiddenLine xmlns:a14="http://schemas.microsoft.com/office/drawing/2010/main" xmlns="" w="9525">
+                <a14:hiddenLine xmlns="" xmlns:a14="http://schemas.microsoft.com/office/drawing/2010/main" w="9525">
                   <a:solidFill>
                     <a:srgbClr val="000000"/>
                   </a:solidFill>
@@ -2791,7 +2803,7 @@
             </a:ln>
             <a:extLst>
               <a:ext uri="{91240B29-F687-4f45-9708-019B960494DF}">
-                <a14:hiddenLine xmlns:a14="http://schemas.microsoft.com/office/drawing/2010/main" xmlns="" w="9525">
+                <a14:hiddenLine xmlns="" xmlns:a14="http://schemas.microsoft.com/office/drawing/2010/main" w="9525">
                   <a:solidFill>
                     <a:srgbClr val="000000"/>
                   </a:solidFill>
@@ -2881,7 +2893,7 @@
             </a:ln>
             <a:extLst>
               <a:ext uri="{91240B29-F687-4f45-9708-019B960494DF}">
-                <a14:hiddenLine xmlns:a14="http://schemas.microsoft.com/office/drawing/2010/main" xmlns="" w="9525">
+                <a14:hiddenLine xmlns="" xmlns:a14="http://schemas.microsoft.com/office/drawing/2010/main" w="9525">
                   <a:solidFill>
                     <a:srgbClr val="000000"/>
                   </a:solidFill>
@@ -2943,7 +2955,7 @@
             </a:ln>
             <a:extLst>
               <a:ext uri="{91240B29-F687-4f45-9708-019B960494DF}">
-                <a14:hiddenLine xmlns:a14="http://schemas.microsoft.com/office/drawing/2010/main" xmlns="" w="9525">
+                <a14:hiddenLine xmlns="" xmlns:a14="http://schemas.microsoft.com/office/drawing/2010/main" w="9525">
                   <a:solidFill>
                     <a:srgbClr val="000000"/>
                   </a:solidFill>
@@ -3033,7 +3045,7 @@
             </a:ln>
             <a:extLst>
               <a:ext uri="{91240B29-F687-4f45-9708-019B960494DF}">
-                <a14:hiddenLine xmlns:a14="http://schemas.microsoft.com/office/drawing/2010/main" xmlns="" w="9525">
+                <a14:hiddenLine xmlns="" xmlns:a14="http://schemas.microsoft.com/office/drawing/2010/main" w="9525">
                   <a:solidFill>
                     <a:srgbClr val="000000"/>
                   </a:solidFill>
@@ -3095,7 +3107,7 @@
             </a:ln>
             <a:extLst>
               <a:ext uri="{91240B29-F687-4f45-9708-019B960494DF}">
-                <a14:hiddenLine xmlns:a14="http://schemas.microsoft.com/office/drawing/2010/main" xmlns="" w="9525">
+                <a14:hiddenLine xmlns="" xmlns:a14="http://schemas.microsoft.com/office/drawing/2010/main" w="9525">
                   <a:solidFill>
                     <a:srgbClr val="000000"/>
                   </a:solidFill>
@@ -3185,7 +3197,7 @@
             </a:ln>
             <a:extLst>
               <a:ext uri="{91240B29-F687-4f45-9708-019B960494DF}">
-                <a14:hiddenLine xmlns:a14="http://schemas.microsoft.com/office/drawing/2010/main" xmlns="" w="9525">
+                <a14:hiddenLine xmlns="" xmlns:a14="http://schemas.microsoft.com/office/drawing/2010/main" w="9525">
                   <a:solidFill>
                     <a:srgbClr val="000000"/>
                   </a:solidFill>
@@ -3219,7 +3231,7 @@
             </a:ln>
             <a:extLst>
               <a:ext uri="{91240B29-F687-4f45-9708-019B960494DF}">
-                <a14:hiddenLine xmlns:a14="http://schemas.microsoft.com/office/drawing/2010/main" xmlns="" w="9525">
+                <a14:hiddenLine xmlns="" xmlns:a14="http://schemas.microsoft.com/office/drawing/2010/main" w="9525">
                   <a:solidFill>
                     <a:srgbClr val="000000"/>
                   </a:solidFill>
@@ -3284,7 +3296,7 @@
             </a:ln>
             <a:extLst>
               <a:ext uri="{91240B29-F687-4f45-9708-019B960494DF}">
-                <a14:hiddenLine xmlns:a14="http://schemas.microsoft.com/office/drawing/2010/main" xmlns="" w="9525">
+                <a14:hiddenLine xmlns="" xmlns:a14="http://schemas.microsoft.com/office/drawing/2010/main" w="9525">
                   <a:solidFill>
                     <a:srgbClr val="000000"/>
                   </a:solidFill>
@@ -3374,7 +3386,7 @@
             </a:ln>
             <a:extLst>
               <a:ext uri="{91240B29-F687-4f45-9708-019B960494DF}">
-                <a14:hiddenLine xmlns:a14="http://schemas.microsoft.com/office/drawing/2010/main" xmlns="" w="9525">
+                <a14:hiddenLine xmlns="" xmlns:a14="http://schemas.microsoft.com/office/drawing/2010/main" w="9525">
                   <a:solidFill>
                     <a:srgbClr val="000000"/>
                   </a:solidFill>
@@ -3436,7 +3448,7 @@
             </a:ln>
             <a:extLst>
               <a:ext uri="{91240B29-F687-4f45-9708-019B960494DF}">
-                <a14:hiddenLine xmlns:a14="http://schemas.microsoft.com/office/drawing/2010/main" xmlns="" w="9525">
+                <a14:hiddenLine xmlns="" xmlns:a14="http://schemas.microsoft.com/office/drawing/2010/main" w="9525">
                   <a:solidFill>
                     <a:srgbClr val="000000"/>
                   </a:solidFill>
@@ -3526,7 +3538,7 @@
             </a:ln>
             <a:extLst>
               <a:ext uri="{91240B29-F687-4f45-9708-019B960494DF}">
-                <a14:hiddenLine xmlns:a14="http://schemas.microsoft.com/office/drawing/2010/main" xmlns="" w="9525">
+                <a14:hiddenLine xmlns="" xmlns:a14="http://schemas.microsoft.com/office/drawing/2010/main" w="9525">
                   <a:solidFill>
                     <a:srgbClr val="000000"/>
                   </a:solidFill>
@@ -3616,7 +3628,7 @@
             </a:ln>
             <a:extLst>
               <a:ext uri="{91240B29-F687-4f45-9708-019B960494DF}">
-                <a14:hiddenLine xmlns:a14="http://schemas.microsoft.com/office/drawing/2010/main" xmlns="" w="9525">
+                <a14:hiddenLine xmlns="" xmlns:a14="http://schemas.microsoft.com/office/drawing/2010/main" w="9525">
                   <a:solidFill>
                     <a:srgbClr val="000000"/>
                   </a:solidFill>
@@ -3681,7 +3693,7 @@
             </a:ln>
             <a:extLst>
               <a:ext uri="{91240B29-F687-4f45-9708-019B960494DF}">
-                <a14:hiddenLine xmlns:a14="http://schemas.microsoft.com/office/drawing/2010/main" xmlns="" w="9525">
+                <a14:hiddenLine xmlns="" xmlns:a14="http://schemas.microsoft.com/office/drawing/2010/main" w="9525">
                   <a:solidFill>
                     <a:srgbClr val="000000"/>
                   </a:solidFill>
@@ -3743,7 +3755,7 @@
             </a:ln>
             <a:extLst>
               <a:ext uri="{91240B29-F687-4f45-9708-019B960494DF}">
-                <a14:hiddenLine xmlns:a14="http://schemas.microsoft.com/office/drawing/2010/main" xmlns="" w="9525">
+                <a14:hiddenLine xmlns="" xmlns:a14="http://schemas.microsoft.com/office/drawing/2010/main" w="9525">
                   <a:solidFill>
                     <a:srgbClr val="000000"/>
                   </a:solidFill>
@@ -3833,7 +3845,7 @@
             </a:ln>
             <a:extLst>
               <a:ext uri="{91240B29-F687-4f45-9708-019B960494DF}">
-                <a14:hiddenLine xmlns:a14="http://schemas.microsoft.com/office/drawing/2010/main" xmlns="" w="9525">
+                <a14:hiddenLine xmlns="" xmlns:a14="http://schemas.microsoft.com/office/drawing/2010/main" w="9525">
                   <a:solidFill>
                     <a:srgbClr val="000000"/>
                   </a:solidFill>
@@ -3923,7 +3935,7 @@
             </a:ln>
             <a:extLst>
               <a:ext uri="{91240B29-F687-4f45-9708-019B960494DF}">
-                <a14:hiddenLine xmlns:a14="http://schemas.microsoft.com/office/drawing/2010/main" xmlns="" w="9525">
+                <a14:hiddenLine xmlns="" xmlns:a14="http://schemas.microsoft.com/office/drawing/2010/main" w="9525">
                   <a:solidFill>
                     <a:srgbClr val="000000"/>
                   </a:solidFill>
@@ -3985,7 +3997,7 @@
             </a:ln>
             <a:extLst>
               <a:ext uri="{91240B29-F687-4f45-9708-019B960494DF}">
-                <a14:hiddenLine xmlns:a14="http://schemas.microsoft.com/office/drawing/2010/main" xmlns="" w="9525">
+                <a14:hiddenLine xmlns="" xmlns:a14="http://schemas.microsoft.com/office/drawing/2010/main" w="9525">
                   <a:solidFill>
                     <a:srgbClr val="000000"/>
                   </a:solidFill>
@@ -4105,7 +4117,7 @@
             </a:ln>
             <a:extLst>
               <a:ext uri="{91240B29-F687-4f45-9708-019B960494DF}">
-                <a14:hiddenLine xmlns:a14="http://schemas.microsoft.com/office/drawing/2010/main" xmlns="" w="9525">
+                <a14:hiddenLine xmlns="" xmlns:a14="http://schemas.microsoft.com/office/drawing/2010/main" w="9525">
                   <a:solidFill>
                     <a:srgbClr val="000000"/>
                   </a:solidFill>
@@ -4173,7 +4185,7 @@
             </a:ln>
             <a:extLst>
               <a:ext uri="{91240B29-F687-4f45-9708-019B960494DF}">
-                <a14:hiddenLine xmlns:a14="http://schemas.microsoft.com/office/drawing/2010/main" xmlns="" w="9525">
+                <a14:hiddenLine xmlns="" xmlns:a14="http://schemas.microsoft.com/office/drawing/2010/main" w="9525">
                   <a:solidFill>
                     <a:srgbClr val="000000"/>
                   </a:solidFill>
@@ -4263,7 +4275,7 @@
             </a:ln>
             <a:extLst>
               <a:ext uri="{91240B29-F687-4f45-9708-019B960494DF}">
-                <a14:hiddenLine xmlns:a14="http://schemas.microsoft.com/office/drawing/2010/main" xmlns="" w="9525">
+                <a14:hiddenLine xmlns="" xmlns:a14="http://schemas.microsoft.com/office/drawing/2010/main" w="9525">
                   <a:solidFill>
                     <a:srgbClr val="000000"/>
                   </a:solidFill>
@@ -4403,7 +4415,7 @@
           <a:p>
             <a:fld id="{48A87A34-81AB-432B-8DAE-1953F412C126}" type="datetimeFigureOut">
               <a:rPr lang="en-US" dirty="0"/>
-              <a:t>10/30/2022</a:t>
+              <a:t>10/31/2022</a:t>
             </a:fld>
             <a:endParaRPr lang="en-US" dirty="0"/>
           </a:p>
@@ -4665,7 +4677,7 @@
           <a:p>
             <a:fld id="{48A87A34-81AB-432B-8DAE-1953F412C126}" type="datetimeFigureOut">
               <a:rPr lang="en-US" dirty="0"/>
-              <a:t>10/30/2022</a:t>
+              <a:t>10/31/2022</a:t>
             </a:fld>
             <a:endParaRPr lang="en-US" dirty="0"/>
           </a:p>
@@ -4856,7 +4868,7 @@
           <a:p>
             <a:fld id="{48A87A34-81AB-432B-8DAE-1953F412C126}" type="datetimeFigureOut">
               <a:rPr lang="en-US" dirty="0"/>
-              <a:t>10/30/2022</a:t>
+              <a:t>10/31/2022</a:t>
             </a:fld>
             <a:endParaRPr lang="en-US" dirty="0"/>
           </a:p>
@@ -5114,7 +5126,7 @@
           <a:p>
             <a:fld id="{48A87A34-81AB-432B-8DAE-1953F412C126}" type="datetimeFigureOut">
               <a:rPr lang="en-US" dirty="0"/>
-              <a:t>10/30/2022</a:t>
+              <a:t>10/31/2022</a:t>
             </a:fld>
             <a:endParaRPr lang="en-US" dirty="0"/>
           </a:p>
@@ -5543,7 +5555,7 @@
           <a:p>
             <a:fld id="{48A87A34-81AB-432B-8DAE-1953F412C126}" type="datetimeFigureOut">
               <a:rPr lang="en-US" dirty="0"/>
-              <a:t>10/30/2022</a:t>
+              <a:t>10/31/2022</a:t>
             </a:fld>
             <a:endParaRPr lang="en-US" dirty="0"/>
           </a:p>
@@ -6084,7 +6096,7 @@
           <a:p>
             <a:fld id="{48A87A34-81AB-432B-8DAE-1953F412C126}" type="datetimeFigureOut">
               <a:rPr lang="en-US" dirty="0"/>
-              <a:t>10/30/2022</a:t>
+              <a:t>10/31/2022</a:t>
             </a:fld>
             <a:endParaRPr lang="en-US" dirty="0"/>
           </a:p>
@@ -6799,7 +6811,7 @@
           <a:p>
             <a:fld id="{48A87A34-81AB-432B-8DAE-1953F412C126}" type="datetimeFigureOut">
               <a:rPr lang="en-US" dirty="0"/>
-              <a:t>10/30/2022</a:t>
+              <a:t>10/31/2022</a:t>
             </a:fld>
             <a:endParaRPr lang="en-US" dirty="0"/>
           </a:p>
@@ -6964,7 +6976,7 @@
           <a:p>
             <a:fld id="{48A87A34-81AB-432B-8DAE-1953F412C126}" type="datetimeFigureOut">
               <a:rPr lang="en-US" dirty="0"/>
-              <a:t>10/30/2022</a:t>
+              <a:t>10/31/2022</a:t>
             </a:fld>
             <a:endParaRPr lang="en-US" dirty="0"/>
           </a:p>
@@ -7139,7 +7151,7 @@
           <a:p>
             <a:fld id="{48A87A34-81AB-432B-8DAE-1953F412C126}" type="datetimeFigureOut">
               <a:rPr lang="en-US" dirty="0"/>
-              <a:t>10/30/2022</a:t>
+              <a:t>10/31/2022</a:t>
             </a:fld>
             <a:endParaRPr lang="en-US" dirty="0"/>
           </a:p>
@@ -7304,7 +7316,7 @@
           <a:p>
             <a:fld id="{48A87A34-81AB-432B-8DAE-1953F412C126}" type="datetimeFigureOut">
               <a:rPr lang="en-US" dirty="0"/>
-              <a:t>10/30/2022</a:t>
+              <a:t>10/31/2022</a:t>
             </a:fld>
             <a:endParaRPr lang="en-US" dirty="0"/>
           </a:p>
@@ -7549,7 +7561,7 @@
           <a:p>
             <a:fld id="{48A87A34-81AB-432B-8DAE-1953F412C126}" type="datetimeFigureOut">
               <a:rPr lang="en-US" dirty="0"/>
-              <a:t>10/30/2022</a:t>
+              <a:t>10/31/2022</a:t>
             </a:fld>
             <a:endParaRPr lang="en-US" dirty="0"/>
           </a:p>
@@ -7776,7 +7788,7 @@
           <a:p>
             <a:fld id="{48A87A34-81AB-432B-8DAE-1953F412C126}" type="datetimeFigureOut">
               <a:rPr lang="en-US" dirty="0"/>
-              <a:t>10/30/2022</a:t>
+              <a:t>10/31/2022</a:t>
             </a:fld>
             <a:endParaRPr lang="en-US" dirty="0"/>
           </a:p>
@@ -8152,7 +8164,7 @@
           <a:p>
             <a:fld id="{48A87A34-81AB-432B-8DAE-1953F412C126}" type="datetimeFigureOut">
               <a:rPr lang="en-US" dirty="0"/>
-              <a:t>10/30/2022</a:t>
+              <a:t>10/31/2022</a:t>
             </a:fld>
             <a:endParaRPr lang="en-US" dirty="0"/>
           </a:p>
@@ -8265,7 +8277,7 @@
           <a:p>
             <a:fld id="{48A87A34-81AB-432B-8DAE-1953F412C126}" type="datetimeFigureOut">
               <a:rPr lang="en-US" dirty="0"/>
-              <a:t>10/30/2022</a:t>
+              <a:t>10/31/2022</a:t>
             </a:fld>
             <a:endParaRPr lang="en-US" dirty="0"/>
           </a:p>
@@ -8355,7 +8367,7 @@
           <a:p>
             <a:fld id="{48A87A34-81AB-432B-8DAE-1953F412C126}" type="datetimeFigureOut">
               <a:rPr lang="en-US" dirty="0"/>
-              <a:t>10/30/2022</a:t>
+              <a:t>10/31/2022</a:t>
             </a:fld>
             <a:endParaRPr lang="en-US" dirty="0"/>
           </a:p>
@@ -8599,7 +8611,7 @@
           <a:p>
             <a:fld id="{48A87A34-81AB-432B-8DAE-1953F412C126}" type="datetimeFigureOut">
               <a:rPr lang="en-US" dirty="0"/>
-              <a:t>10/30/2022</a:t>
+              <a:t>10/31/2022</a:t>
             </a:fld>
             <a:endParaRPr lang="en-US" dirty="0"/>
           </a:p>
@@ -8874,7 +8886,7 @@
           <a:p>
             <a:fld id="{48A87A34-81AB-432B-8DAE-1953F412C126}" type="datetimeFigureOut">
               <a:rPr lang="en-US" dirty="0"/>
-              <a:t>10/30/2022</a:t>
+              <a:t>10/31/2022</a:t>
             </a:fld>
             <a:endParaRPr lang="en-US" dirty="0"/>
           </a:p>
@@ -8992,7 +9004,7 @@
           <a:noFill/>
           <a:extLst>
             <a:ext uri="{909E8E84-426E-40dd-AFC4-6F175D3DCCD1}">
-              <a14:hiddenFill xmlns:a14="http://schemas.microsoft.com/office/drawing/2010/main" xmlns="">
+              <a14:hiddenFill xmlns="" xmlns:a14="http://schemas.microsoft.com/office/drawing/2010/main">
                 <a:solidFill>
                   <a:srgbClr val="FFFFFF"/>
                 </a:solidFill>
@@ -9066,7 +9078,7 @@
               </a:ln>
               <a:extLst>
                 <a:ext uri="{91240B29-F687-4f45-9708-019B960494DF}">
-                  <a14:hiddenLine xmlns:a14="http://schemas.microsoft.com/office/drawing/2010/main" xmlns="" w="9525">
+                  <a14:hiddenLine xmlns="" xmlns:a14="http://schemas.microsoft.com/office/drawing/2010/main" w="9525">
                     <a:solidFill>
                       <a:srgbClr val="000000"/>
                     </a:solidFill>
@@ -9156,7 +9168,7 @@
               </a:ln>
               <a:extLst>
                 <a:ext uri="{91240B29-F687-4f45-9708-019B960494DF}">
-                  <a14:hiddenLine xmlns:a14="http://schemas.microsoft.com/office/drawing/2010/main" xmlns="" w="9525">
+                  <a14:hiddenLine xmlns="" xmlns:a14="http://schemas.microsoft.com/office/drawing/2010/main" w="9525">
                     <a:solidFill>
                       <a:srgbClr val="000000"/>
                     </a:solidFill>
@@ -9246,7 +9258,7 @@
               </a:ln>
               <a:extLst>
                 <a:ext uri="{91240B29-F687-4f45-9708-019B960494DF}">
-                  <a14:hiddenLine xmlns:a14="http://schemas.microsoft.com/office/drawing/2010/main" xmlns="" w="9525">
+                  <a14:hiddenLine xmlns="" xmlns:a14="http://schemas.microsoft.com/office/drawing/2010/main" w="9525">
                     <a:solidFill>
                       <a:srgbClr val="000000"/>
                     </a:solidFill>
@@ -9308,7 +9320,7 @@
               </a:ln>
               <a:extLst>
                 <a:ext uri="{91240B29-F687-4f45-9708-019B960494DF}">
-                  <a14:hiddenLine xmlns:a14="http://schemas.microsoft.com/office/drawing/2010/main" xmlns="" w="9525">
+                  <a14:hiddenLine xmlns="" xmlns:a14="http://schemas.microsoft.com/office/drawing/2010/main" w="9525">
                     <a:solidFill>
                       <a:srgbClr val="000000"/>
                     </a:solidFill>
@@ -9398,7 +9410,7 @@
               </a:ln>
               <a:extLst>
                 <a:ext uri="{91240B29-F687-4f45-9708-019B960494DF}">
-                  <a14:hiddenLine xmlns:a14="http://schemas.microsoft.com/office/drawing/2010/main" xmlns="" w="9525">
+                  <a14:hiddenLine xmlns="" xmlns:a14="http://schemas.microsoft.com/office/drawing/2010/main" w="9525">
                     <a:solidFill>
                       <a:srgbClr val="000000"/>
                     </a:solidFill>
@@ -9460,7 +9472,7 @@
               </a:ln>
               <a:extLst>
                 <a:ext uri="{91240B29-F687-4f45-9708-019B960494DF}">
-                  <a14:hiddenLine xmlns:a14="http://schemas.microsoft.com/office/drawing/2010/main" xmlns="" w="9525">
+                  <a14:hiddenLine xmlns="" xmlns:a14="http://schemas.microsoft.com/office/drawing/2010/main" w="9525">
                     <a:solidFill>
                       <a:srgbClr val="000000"/>
                     </a:solidFill>
@@ -9522,7 +9534,7 @@
               </a:ln>
               <a:extLst>
                 <a:ext uri="{91240B29-F687-4f45-9708-019B960494DF}">
-                  <a14:hiddenLine xmlns:a14="http://schemas.microsoft.com/office/drawing/2010/main" xmlns="" w="9525">
+                  <a14:hiddenLine xmlns="" xmlns:a14="http://schemas.microsoft.com/office/drawing/2010/main" w="9525">
                     <a:solidFill>
                       <a:srgbClr val="000000"/>
                     </a:solidFill>
@@ -9612,7 +9624,7 @@
               </a:ln>
               <a:extLst>
                 <a:ext uri="{91240B29-F687-4f45-9708-019B960494DF}">
-                  <a14:hiddenLine xmlns:a14="http://schemas.microsoft.com/office/drawing/2010/main" xmlns="" w="9525">
+                  <a14:hiddenLine xmlns="" xmlns:a14="http://schemas.microsoft.com/office/drawing/2010/main" w="9525">
                     <a:solidFill>
                       <a:srgbClr val="000000"/>
                     </a:solidFill>
@@ -9702,7 +9714,7 @@
               </a:ln>
               <a:extLst>
                 <a:ext uri="{91240B29-F687-4f45-9708-019B960494DF}">
-                  <a14:hiddenLine xmlns:a14="http://schemas.microsoft.com/office/drawing/2010/main" xmlns="" w="9525">
+                  <a14:hiddenLine xmlns="" xmlns:a14="http://schemas.microsoft.com/office/drawing/2010/main" w="9525">
                     <a:solidFill>
                       <a:srgbClr val="000000"/>
                     </a:solidFill>
@@ -9764,7 +9776,7 @@
               </a:ln>
               <a:extLst>
                 <a:ext uri="{91240B29-F687-4f45-9708-019B960494DF}">
-                  <a14:hiddenLine xmlns:a14="http://schemas.microsoft.com/office/drawing/2010/main" xmlns="" w="9525">
+                  <a14:hiddenLine xmlns="" xmlns:a14="http://schemas.microsoft.com/office/drawing/2010/main" w="9525">
                     <a:solidFill>
                       <a:srgbClr val="000000"/>
                     </a:solidFill>
@@ -9874,7 +9886,7 @@
               </a:ln>
               <a:extLst>
                 <a:ext uri="{91240B29-F687-4f45-9708-019B960494DF}">
-                  <a14:hiddenLine xmlns:a14="http://schemas.microsoft.com/office/drawing/2010/main" xmlns="" w="9525">
+                  <a14:hiddenLine xmlns="" xmlns:a14="http://schemas.microsoft.com/office/drawing/2010/main" w="9525">
                     <a:solidFill>
                       <a:srgbClr val="000000"/>
                     </a:solidFill>
@@ -9958,7 +9970,7 @@
               </a:ln>
               <a:extLst>
                 <a:ext uri="{91240B29-F687-4f45-9708-019B960494DF}">
-                  <a14:hiddenLine xmlns:a14="http://schemas.microsoft.com/office/drawing/2010/main" xmlns="" w="9525">
+                  <a14:hiddenLine xmlns="" xmlns:a14="http://schemas.microsoft.com/office/drawing/2010/main" w="9525">
                     <a:solidFill>
                       <a:srgbClr val="000000"/>
                     </a:solidFill>
@@ -10020,7 +10032,7 @@
               </a:ln>
               <a:extLst>
                 <a:ext uri="{91240B29-F687-4f45-9708-019B960494DF}">
-                  <a14:hiddenLine xmlns:a14="http://schemas.microsoft.com/office/drawing/2010/main" xmlns="" w="9525">
+                  <a14:hiddenLine xmlns="" xmlns:a14="http://schemas.microsoft.com/office/drawing/2010/main" w="9525">
                     <a:solidFill>
                       <a:srgbClr val="000000"/>
                     </a:solidFill>
@@ -10082,7 +10094,7 @@
               </a:ln>
               <a:extLst>
                 <a:ext uri="{91240B29-F687-4f45-9708-019B960494DF}">
-                  <a14:hiddenLine xmlns:a14="http://schemas.microsoft.com/office/drawing/2010/main" xmlns="" w="9525">
+                  <a14:hiddenLine xmlns="" xmlns:a14="http://schemas.microsoft.com/office/drawing/2010/main" w="9525">
                     <a:solidFill>
                       <a:srgbClr val="000000"/>
                     </a:solidFill>
@@ -10172,7 +10184,7 @@
               </a:ln>
               <a:extLst>
                 <a:ext uri="{91240B29-F687-4f45-9708-019B960494DF}">
-                  <a14:hiddenLine xmlns:a14="http://schemas.microsoft.com/office/drawing/2010/main" xmlns="" w="9525">
+                  <a14:hiddenLine xmlns="" xmlns:a14="http://schemas.microsoft.com/office/drawing/2010/main" w="9525">
                     <a:solidFill>
                       <a:srgbClr val="000000"/>
                     </a:solidFill>
@@ -10206,7 +10218,7 @@
               </a:ln>
               <a:extLst>
                 <a:ext uri="{91240B29-F687-4f45-9708-019B960494DF}">
-                  <a14:hiddenLine xmlns:a14="http://schemas.microsoft.com/office/drawing/2010/main" xmlns="" w="9525">
+                  <a14:hiddenLine xmlns="" xmlns:a14="http://schemas.microsoft.com/office/drawing/2010/main" w="9525">
                     <a:solidFill>
                       <a:srgbClr val="000000"/>
                     </a:solidFill>
@@ -10271,7 +10283,7 @@
               </a:ln>
               <a:extLst>
                 <a:ext uri="{91240B29-F687-4f45-9708-019B960494DF}">
-                  <a14:hiddenLine xmlns:a14="http://schemas.microsoft.com/office/drawing/2010/main" xmlns="" w="9525">
+                  <a14:hiddenLine xmlns="" xmlns:a14="http://schemas.microsoft.com/office/drawing/2010/main" w="9525">
                     <a:solidFill>
                       <a:srgbClr val="000000"/>
                     </a:solidFill>
@@ -10361,7 +10373,7 @@
               </a:ln>
               <a:extLst>
                 <a:ext uri="{91240B29-F687-4f45-9708-019B960494DF}">
-                  <a14:hiddenLine xmlns:a14="http://schemas.microsoft.com/office/drawing/2010/main" xmlns="" w="9525">
+                  <a14:hiddenLine xmlns="" xmlns:a14="http://schemas.microsoft.com/office/drawing/2010/main" w="9525">
                     <a:solidFill>
                       <a:srgbClr val="000000"/>
                     </a:solidFill>
@@ -10423,7 +10435,7 @@
               </a:ln>
               <a:extLst>
                 <a:ext uri="{91240B29-F687-4f45-9708-019B960494DF}">
-                  <a14:hiddenLine xmlns:a14="http://schemas.microsoft.com/office/drawing/2010/main" xmlns="" w="9525">
+                  <a14:hiddenLine xmlns="" xmlns:a14="http://schemas.microsoft.com/office/drawing/2010/main" w="9525">
                     <a:solidFill>
                       <a:srgbClr val="000000"/>
                     </a:solidFill>
@@ -10513,7 +10525,7 @@
               </a:ln>
               <a:extLst>
                 <a:ext uri="{91240B29-F687-4f45-9708-019B960494DF}">
-                  <a14:hiddenLine xmlns:a14="http://schemas.microsoft.com/office/drawing/2010/main" xmlns="" w="9525">
+                  <a14:hiddenLine xmlns="" xmlns:a14="http://schemas.microsoft.com/office/drawing/2010/main" w="9525">
                     <a:solidFill>
                       <a:srgbClr val="000000"/>
                     </a:solidFill>
@@ -10578,7 +10590,7 @@
               </a:ln>
               <a:extLst>
                 <a:ext uri="{91240B29-F687-4f45-9708-019B960494DF}">
-                  <a14:hiddenLine xmlns:a14="http://schemas.microsoft.com/office/drawing/2010/main" xmlns="" w="9525">
+                  <a14:hiddenLine xmlns="" xmlns:a14="http://schemas.microsoft.com/office/drawing/2010/main" w="9525">
                     <a:solidFill>
                       <a:srgbClr val="000000"/>
                     </a:solidFill>
@@ -10640,7 +10652,7 @@
               </a:ln>
               <a:extLst>
                 <a:ext uri="{91240B29-F687-4f45-9708-019B960494DF}">
-                  <a14:hiddenLine xmlns:a14="http://schemas.microsoft.com/office/drawing/2010/main" xmlns="" w="9525">
+                  <a14:hiddenLine xmlns="" xmlns:a14="http://schemas.microsoft.com/office/drawing/2010/main" w="9525">
                     <a:solidFill>
                       <a:srgbClr val="000000"/>
                     </a:solidFill>
@@ -10730,7 +10742,7 @@
               </a:ln>
               <a:extLst>
                 <a:ext uri="{91240B29-F687-4f45-9708-019B960494DF}">
-                  <a14:hiddenLine xmlns:a14="http://schemas.microsoft.com/office/drawing/2010/main" xmlns="" w="9525">
+                  <a14:hiddenLine xmlns="" xmlns:a14="http://schemas.microsoft.com/office/drawing/2010/main" w="9525">
                     <a:solidFill>
                       <a:srgbClr val="000000"/>
                     </a:solidFill>
@@ -10820,7 +10832,7 @@
               </a:ln>
               <a:extLst>
                 <a:ext uri="{91240B29-F687-4f45-9708-019B960494DF}">
-                  <a14:hiddenLine xmlns:a14="http://schemas.microsoft.com/office/drawing/2010/main" xmlns="" w="9525">
+                  <a14:hiddenLine xmlns="" xmlns:a14="http://schemas.microsoft.com/office/drawing/2010/main" w="9525">
                     <a:solidFill>
                       <a:srgbClr val="000000"/>
                     </a:solidFill>
@@ -10885,7 +10897,7 @@
               </a:ln>
               <a:extLst>
                 <a:ext uri="{91240B29-F687-4f45-9708-019B960494DF}">
-                  <a14:hiddenLine xmlns:a14="http://schemas.microsoft.com/office/drawing/2010/main" xmlns="" w="9525">
+                  <a14:hiddenLine xmlns="" xmlns:a14="http://schemas.microsoft.com/office/drawing/2010/main" w="9525">
                     <a:solidFill>
                       <a:srgbClr val="000000"/>
                     </a:solidFill>
@@ -11005,7 +11017,7 @@
               </a:ln>
               <a:extLst>
                 <a:ext uri="{91240B29-F687-4f45-9708-019B960494DF}">
-                  <a14:hiddenLine xmlns:a14="http://schemas.microsoft.com/office/drawing/2010/main" xmlns="" w="9525">
+                  <a14:hiddenLine xmlns="" xmlns:a14="http://schemas.microsoft.com/office/drawing/2010/main" w="9525">
                     <a:solidFill>
                       <a:srgbClr val="000000"/>
                     </a:solidFill>
@@ -11103,7 +11115,7 @@
               </a:ln>
               <a:extLst>
                 <a:ext uri="{91240B29-F687-4f45-9708-019B960494DF}">
-                  <a14:hiddenLine xmlns:a14="http://schemas.microsoft.com/office/drawing/2010/main" xmlns="" w="9525">
+                  <a14:hiddenLine xmlns="" xmlns:a14="http://schemas.microsoft.com/office/drawing/2010/main" w="9525">
                     <a:solidFill>
                       <a:srgbClr val="000000"/>
                     </a:solidFill>
@@ -11218,7 +11230,7 @@
               </a:ln>
               <a:extLst>
                 <a:ext uri="{91240B29-F687-4f45-9708-019B960494DF}">
-                  <a14:hiddenLine xmlns:a14="http://schemas.microsoft.com/office/drawing/2010/main" xmlns="" w="9525">
+                  <a14:hiddenLine xmlns="" xmlns:a14="http://schemas.microsoft.com/office/drawing/2010/main" w="9525">
                     <a:solidFill>
                       <a:srgbClr val="000000"/>
                     </a:solidFill>
@@ -11308,7 +11320,7 @@
               </a:ln>
               <a:extLst>
                 <a:ext uri="{91240B29-F687-4f45-9708-019B960494DF}">
-                  <a14:hiddenLine xmlns:a14="http://schemas.microsoft.com/office/drawing/2010/main" xmlns="" w="9525">
+                  <a14:hiddenLine xmlns="" xmlns:a14="http://schemas.microsoft.com/office/drawing/2010/main" w="9525">
                     <a:solidFill>
                       <a:srgbClr val="000000"/>
                     </a:solidFill>
@@ -11373,7 +11385,7 @@
               </a:ln>
               <a:extLst>
                 <a:ext uri="{91240B29-F687-4f45-9708-019B960494DF}">
-                  <a14:hiddenLine xmlns:a14="http://schemas.microsoft.com/office/drawing/2010/main" xmlns="" w="9525">
+                  <a14:hiddenLine xmlns="" xmlns:a14="http://schemas.microsoft.com/office/drawing/2010/main" w="9525">
                     <a:solidFill>
                       <a:srgbClr val="000000"/>
                     </a:solidFill>
@@ -11463,7 +11475,7 @@
               </a:ln>
               <a:extLst>
                 <a:ext uri="{91240B29-F687-4f45-9708-019B960494DF}">
-                  <a14:hiddenLine xmlns:a14="http://schemas.microsoft.com/office/drawing/2010/main" xmlns="" w="9525">
+                  <a14:hiddenLine xmlns="" xmlns:a14="http://schemas.microsoft.com/office/drawing/2010/main" w="9525">
                     <a:solidFill>
                       <a:srgbClr val="000000"/>
                     </a:solidFill>
@@ -11531,7 +11543,7 @@
               </a:ln>
               <a:extLst>
                 <a:ext uri="{91240B29-F687-4f45-9708-019B960494DF}">
-                  <a14:hiddenLine xmlns:a14="http://schemas.microsoft.com/office/drawing/2010/main" xmlns="" w="9525">
+                  <a14:hiddenLine xmlns="" xmlns:a14="http://schemas.microsoft.com/office/drawing/2010/main" w="9525">
                     <a:solidFill>
                       <a:srgbClr val="000000"/>
                     </a:solidFill>
@@ -11621,7 +11633,7 @@
               </a:ln>
               <a:extLst>
                 <a:ext uri="{91240B29-F687-4f45-9708-019B960494DF}">
-                  <a14:hiddenLine xmlns:a14="http://schemas.microsoft.com/office/drawing/2010/main" xmlns="" w="9525">
+                  <a14:hiddenLine xmlns="" xmlns:a14="http://schemas.microsoft.com/office/drawing/2010/main" w="9525">
                     <a:solidFill>
                       <a:srgbClr val="000000"/>
                     </a:solidFill>
@@ -11689,7 +11701,7 @@
               </a:ln>
               <a:extLst>
                 <a:ext uri="{91240B29-F687-4f45-9708-019B960494DF}">
-                  <a14:hiddenLine xmlns:a14="http://schemas.microsoft.com/office/drawing/2010/main" xmlns="" w="9525">
+                  <a14:hiddenLine xmlns="" xmlns:a14="http://schemas.microsoft.com/office/drawing/2010/main" w="9525">
                     <a:solidFill>
                       <a:srgbClr val="000000"/>
                     </a:solidFill>
@@ -11779,7 +11791,7 @@
               </a:ln>
               <a:extLst>
                 <a:ext uri="{91240B29-F687-4f45-9708-019B960494DF}">
-                  <a14:hiddenLine xmlns:a14="http://schemas.microsoft.com/office/drawing/2010/main" xmlns="" w="9525">
+                  <a14:hiddenLine xmlns="" xmlns:a14="http://schemas.microsoft.com/office/drawing/2010/main" w="9525">
                     <a:solidFill>
                       <a:srgbClr val="000000"/>
                     </a:solidFill>
@@ -11813,7 +11825,7 @@
               </a:ln>
               <a:extLst>
                 <a:ext uri="{91240B29-F687-4f45-9708-019B960494DF}">
-                  <a14:hiddenLine xmlns:a14="http://schemas.microsoft.com/office/drawing/2010/main" xmlns="" w="9525">
+                  <a14:hiddenLine xmlns="" xmlns:a14="http://schemas.microsoft.com/office/drawing/2010/main" w="9525">
                     <a:solidFill>
                       <a:srgbClr val="000000"/>
                     </a:solidFill>
@@ -11954,7 +11966,7 @@
             <a:fld id="{48A87A34-81AB-432B-8DAE-1953F412C126}" type="datetimeFigureOut">
               <a:rPr lang="en-US" dirty="0"/>
               <a:pPr/>
-              <a:t>10/30/2022</a:t>
+              <a:t>10/31/2022</a:t>
             </a:fld>
             <a:endParaRPr lang="en-US" dirty="0"/>
           </a:p>
@@ -12899,6 +12911,717 @@
 </p:sld>
 </file>
 
+<file path=ppt/slides/slide15.xml><?xml version="1.0" encoding="utf-8"?>
+<p:sld xmlns:a="http://schemas.openxmlformats.org/drawingml/2006/main" xmlns:r="http://schemas.openxmlformats.org/officeDocument/2006/relationships" xmlns:p="http://schemas.openxmlformats.org/presentationml/2006/main">
+  <p:cSld>
+    <p:spTree>
+      <p:nvGrpSpPr>
+        <p:cNvPr id="1" name=""/>
+        <p:cNvGrpSpPr/>
+        <p:nvPr/>
+      </p:nvGrpSpPr>
+      <p:grpSpPr>
+        <a:xfrm>
+          <a:off x="0" y="0"/>
+          <a:ext cx="0" cy="0"/>
+          <a:chOff x="0" y="0"/>
+          <a:chExt cx="0" cy="0"/>
+        </a:xfrm>
+      </p:grpSpPr>
+      <p:sp>
+        <p:nvSpPr>
+          <p:cNvPr id="2" name="Title 1"/>
+          <p:cNvSpPr>
+            <a:spLocks noGrp="1"/>
+          </p:cNvSpPr>
+          <p:nvPr>
+            <p:ph type="title"/>
+          </p:nvPr>
+        </p:nvSpPr>
+        <p:spPr/>
+        <p:txBody>
+          <a:bodyPr/>
+          <a:lstStyle/>
+          <a:p>
+            <a:r>
+              <a:rPr lang="sr-Latn-RS" dirty="0" smtClean="0"/>
+              <a:t>Ugrađeni moduli</a:t>
+            </a:r>
+            <a:endParaRPr lang="en-US" dirty="0"/>
+          </a:p>
+        </p:txBody>
+      </p:sp>
+      <p:sp>
+        <p:nvSpPr>
+          <p:cNvPr id="3" name="Content Placeholder 2"/>
+          <p:cNvSpPr>
+            <a:spLocks noGrp="1"/>
+          </p:cNvSpPr>
+          <p:nvPr>
+            <p:ph idx="1"/>
+          </p:nvPr>
+        </p:nvSpPr>
+        <p:spPr/>
+        <p:txBody>
+          <a:bodyPr/>
+          <a:lstStyle/>
+          <a:p>
+            <a:r>
+              <a:rPr lang="sr-Latn-RS" dirty="0" smtClean="0"/>
+              <a:t>Nodejs dolazi sa nekim predefinisanim i ugraćenim modulima. Neki od njih su:</a:t>
+            </a:r>
+          </a:p>
+          <a:p>
+            <a:pPr lvl="1"/>
+            <a:r>
+              <a:rPr lang="sr-Latn-RS" dirty="0" smtClean="0"/>
+              <a:t>OS</a:t>
+            </a:r>
+          </a:p>
+          <a:p>
+            <a:pPr lvl="1"/>
+            <a:r>
+              <a:rPr lang="sr-Latn-RS" dirty="0" smtClean="0"/>
+              <a:t>Path</a:t>
+            </a:r>
+          </a:p>
+          <a:p>
+            <a:pPr lvl="1"/>
+            <a:r>
+              <a:rPr lang="sr-Latn-RS" dirty="0" smtClean="0"/>
+              <a:t>Fs</a:t>
+            </a:r>
+          </a:p>
+          <a:p>
+            <a:pPr lvl="1"/>
+            <a:r>
+              <a:rPr lang="sr-Latn-RS" dirty="0" smtClean="0"/>
+              <a:t>http</a:t>
+            </a:r>
+          </a:p>
+          <a:p>
+            <a:r>
+              <a:rPr lang="sr-Latn-RS" dirty="0" smtClean="0"/>
+              <a:t>Node ima mnogo ugrađenim metoda. Pogledajte celu listu i kako da ih koristite u node dokumntaciji</a:t>
+            </a:r>
+            <a:endParaRPr lang="en-US" dirty="0"/>
+          </a:p>
+        </p:txBody>
+      </p:sp>
+    </p:spTree>
+    <p:extLst>
+      <p:ext uri="{BB962C8B-B14F-4D97-AF65-F5344CB8AC3E}">
+        <p14:creationId xmlns:p14="http://schemas.microsoft.com/office/powerpoint/2010/main" val="3633169692"/>
+      </p:ext>
+    </p:extLst>
+  </p:cSld>
+  <p:clrMapOvr>
+    <a:masterClrMapping/>
+  </p:clrMapOvr>
+</p:sld>
+</file>
+
+<file path=ppt/slides/slide16.xml><?xml version="1.0" encoding="utf-8"?>
+<p:sld xmlns:a="http://schemas.openxmlformats.org/drawingml/2006/main" xmlns:r="http://schemas.openxmlformats.org/officeDocument/2006/relationships" xmlns:p="http://schemas.openxmlformats.org/presentationml/2006/main">
+  <p:cSld>
+    <p:spTree>
+      <p:nvGrpSpPr>
+        <p:cNvPr id="1" name=""/>
+        <p:cNvGrpSpPr/>
+        <p:nvPr/>
+      </p:nvGrpSpPr>
+      <p:grpSpPr>
+        <a:xfrm>
+          <a:off x="0" y="0"/>
+          <a:ext cx="0" cy="0"/>
+          <a:chOff x="0" y="0"/>
+          <a:chExt cx="0" cy="0"/>
+        </a:xfrm>
+      </p:grpSpPr>
+      <p:sp>
+        <p:nvSpPr>
+          <p:cNvPr id="2" name="Title 1"/>
+          <p:cNvSpPr>
+            <a:spLocks noGrp="1"/>
+          </p:cNvSpPr>
+          <p:nvPr>
+            <p:ph type="title"/>
+          </p:nvPr>
+        </p:nvSpPr>
+        <p:spPr/>
+        <p:txBody>
+          <a:bodyPr/>
+          <a:lstStyle/>
+          <a:p>
+            <a:r>
+              <a:rPr lang="sr-Latn-RS" dirty="0" smtClean="0"/>
+              <a:t>os</a:t>
+            </a:r>
+            <a:endParaRPr lang="en-US" dirty="0"/>
+          </a:p>
+        </p:txBody>
+      </p:sp>
+      <p:sp>
+        <p:nvSpPr>
+          <p:cNvPr id="3" name="Content Placeholder 2"/>
+          <p:cNvSpPr>
+            <a:spLocks noGrp="1"/>
+          </p:cNvSpPr>
+          <p:nvPr>
+            <p:ph idx="1"/>
+          </p:nvPr>
+        </p:nvSpPr>
+        <p:spPr/>
+        <p:txBody>
+          <a:bodyPr/>
+          <a:lstStyle/>
+          <a:p>
+            <a:r>
+              <a:rPr lang="sr-Latn-RS" dirty="0" smtClean="0"/>
+              <a:t>Omogućava rad sa operativnim sistemom i serverom</a:t>
+            </a:r>
+          </a:p>
+        </p:txBody>
+      </p:sp>
+      <p:pic>
+        <p:nvPicPr>
+          <p:cNvPr id="4" name="Picture 3"/>
+          <p:cNvPicPr>
+            <a:picLocks noChangeAspect="1"/>
+          </p:cNvPicPr>
+          <p:nvPr/>
+        </p:nvPicPr>
+        <p:blipFill>
+          <a:blip r:embed="rId2"/>
+          <a:stretch>
+            <a:fillRect/>
+          </a:stretch>
+        </p:blipFill>
+        <p:spPr>
+          <a:xfrm>
+            <a:off x="732884" y="3051233"/>
+            <a:ext cx="4877423" cy="3177037"/>
+          </a:xfrm>
+          <a:prstGeom prst="rect">
+            <a:avLst/>
+          </a:prstGeom>
+        </p:spPr>
+      </p:pic>
+      <p:pic>
+        <p:nvPicPr>
+          <p:cNvPr id="5" name="Picture 4"/>
+          <p:cNvPicPr>
+            <a:picLocks noChangeAspect="1"/>
+          </p:cNvPicPr>
+          <p:nvPr/>
+        </p:nvPicPr>
+        <p:blipFill>
+          <a:blip r:embed="rId3"/>
+          <a:stretch>
+            <a:fillRect/>
+          </a:stretch>
+        </p:blipFill>
+        <p:spPr>
+          <a:xfrm>
+            <a:off x="6728783" y="2989770"/>
+            <a:ext cx="3409950" cy="3238500"/>
+          </a:xfrm>
+          <a:prstGeom prst="rect">
+            <a:avLst/>
+          </a:prstGeom>
+        </p:spPr>
+      </p:pic>
+    </p:spTree>
+    <p:extLst>
+      <p:ext uri="{BB962C8B-B14F-4D97-AF65-F5344CB8AC3E}">
+        <p14:creationId xmlns:p14="http://schemas.microsoft.com/office/powerpoint/2010/main" val="667103477"/>
+      </p:ext>
+    </p:extLst>
+  </p:cSld>
+  <p:clrMapOvr>
+    <a:masterClrMapping/>
+  </p:clrMapOvr>
+</p:sld>
+</file>
+
+<file path=ppt/slides/slide17.xml><?xml version="1.0" encoding="utf-8"?>
+<p:sld xmlns:a="http://schemas.openxmlformats.org/drawingml/2006/main" xmlns:r="http://schemas.openxmlformats.org/officeDocument/2006/relationships" xmlns:p="http://schemas.openxmlformats.org/presentationml/2006/main">
+  <p:cSld>
+    <p:spTree>
+      <p:nvGrpSpPr>
+        <p:cNvPr id="1" name=""/>
+        <p:cNvGrpSpPr/>
+        <p:nvPr/>
+      </p:nvGrpSpPr>
+      <p:grpSpPr>
+        <a:xfrm>
+          <a:off x="0" y="0"/>
+          <a:ext cx="0" cy="0"/>
+          <a:chOff x="0" y="0"/>
+          <a:chExt cx="0" cy="0"/>
+        </a:xfrm>
+      </p:grpSpPr>
+      <p:sp>
+        <p:nvSpPr>
+          <p:cNvPr id="2" name="Title 1"/>
+          <p:cNvSpPr>
+            <a:spLocks noGrp="1"/>
+          </p:cNvSpPr>
+          <p:nvPr>
+            <p:ph type="title"/>
+          </p:nvPr>
+        </p:nvSpPr>
+        <p:spPr/>
+        <p:txBody>
+          <a:bodyPr/>
+          <a:lstStyle/>
+          <a:p>
+            <a:r>
+              <a:rPr lang="sr-Latn-RS" dirty="0" smtClean="0"/>
+              <a:t>path</a:t>
+            </a:r>
+            <a:endParaRPr lang="en-US" dirty="0"/>
+          </a:p>
+        </p:txBody>
+      </p:sp>
+      <p:sp>
+        <p:nvSpPr>
+          <p:cNvPr id="3" name="Content Placeholder 2"/>
+          <p:cNvSpPr>
+            <a:spLocks noGrp="1"/>
+          </p:cNvSpPr>
+          <p:nvPr>
+            <p:ph idx="1"/>
+          </p:nvPr>
+        </p:nvSpPr>
+        <p:spPr/>
+        <p:txBody>
+          <a:bodyPr/>
+          <a:lstStyle/>
+          <a:p>
+            <a:r>
+              <a:rPr lang="sr-Latn-RS" dirty="0" smtClean="0"/>
+              <a:t>Path modul nam omogućava lakši rad sa putanjama</a:t>
+            </a:r>
+          </a:p>
+          <a:p>
+            <a:endParaRPr lang="en-US" dirty="0"/>
+          </a:p>
+        </p:txBody>
+      </p:sp>
+      <p:pic>
+        <p:nvPicPr>
+          <p:cNvPr id="4" name="Picture 3"/>
+          <p:cNvPicPr>
+            <a:picLocks noChangeAspect="1"/>
+          </p:cNvPicPr>
+          <p:nvPr/>
+        </p:nvPicPr>
+        <p:blipFill>
+          <a:blip r:embed="rId2"/>
+          <a:stretch>
+            <a:fillRect/>
+          </a:stretch>
+        </p:blipFill>
+        <p:spPr>
+          <a:xfrm>
+            <a:off x="734772" y="2916701"/>
+            <a:ext cx="10563701" cy="2287543"/>
+          </a:xfrm>
+          <a:prstGeom prst="rect">
+            <a:avLst/>
+          </a:prstGeom>
+        </p:spPr>
+      </p:pic>
+      <p:pic>
+        <p:nvPicPr>
+          <p:cNvPr id="5" name="Picture 4"/>
+          <p:cNvPicPr>
+            <a:picLocks noChangeAspect="1"/>
+          </p:cNvPicPr>
+          <p:nvPr/>
+        </p:nvPicPr>
+        <p:blipFill>
+          <a:blip r:embed="rId3"/>
+          <a:stretch>
+            <a:fillRect/>
+          </a:stretch>
+        </p:blipFill>
+        <p:spPr>
+          <a:xfrm>
+            <a:off x="100281" y="5356643"/>
+            <a:ext cx="11985326" cy="1032865"/>
+          </a:xfrm>
+          <a:prstGeom prst="rect">
+            <a:avLst/>
+          </a:prstGeom>
+        </p:spPr>
+      </p:pic>
+    </p:spTree>
+    <p:extLst>
+      <p:ext uri="{BB962C8B-B14F-4D97-AF65-F5344CB8AC3E}">
+        <p14:creationId xmlns:p14="http://schemas.microsoft.com/office/powerpoint/2010/main" val="3466766331"/>
+      </p:ext>
+    </p:extLst>
+  </p:cSld>
+  <p:clrMapOvr>
+    <a:masterClrMapping/>
+  </p:clrMapOvr>
+</p:sld>
+</file>
+
+<file path=ppt/slides/slide18.xml><?xml version="1.0" encoding="utf-8"?>
+<p:sld xmlns:a="http://schemas.openxmlformats.org/drawingml/2006/main" xmlns:r="http://schemas.openxmlformats.org/officeDocument/2006/relationships" xmlns:p="http://schemas.openxmlformats.org/presentationml/2006/main">
+  <p:cSld>
+    <p:spTree>
+      <p:nvGrpSpPr>
+        <p:cNvPr id="1" name=""/>
+        <p:cNvGrpSpPr/>
+        <p:nvPr/>
+      </p:nvGrpSpPr>
+      <p:grpSpPr>
+        <a:xfrm>
+          <a:off x="0" y="0"/>
+          <a:ext cx="0" cy="0"/>
+          <a:chOff x="0" y="0"/>
+          <a:chExt cx="0" cy="0"/>
+        </a:xfrm>
+      </p:grpSpPr>
+      <p:sp>
+        <p:nvSpPr>
+          <p:cNvPr id="2" name="Title 1"/>
+          <p:cNvSpPr>
+            <a:spLocks noGrp="1"/>
+          </p:cNvSpPr>
+          <p:nvPr>
+            <p:ph type="title"/>
+          </p:nvPr>
+        </p:nvSpPr>
+        <p:spPr/>
+        <p:txBody>
+          <a:bodyPr/>
+          <a:lstStyle/>
+          <a:p>
+            <a:r>
+              <a:rPr lang="sr-Latn-RS" dirty="0" smtClean="0"/>
+              <a:t>FS - Sync</a:t>
+            </a:r>
+            <a:endParaRPr lang="en-US" dirty="0"/>
+          </a:p>
+        </p:txBody>
+      </p:sp>
+      <p:sp>
+        <p:nvSpPr>
+          <p:cNvPr id="3" name="Content Placeholder 2"/>
+          <p:cNvSpPr>
+            <a:spLocks noGrp="1"/>
+          </p:cNvSpPr>
+          <p:nvPr>
+            <p:ph idx="1"/>
+          </p:nvPr>
+        </p:nvSpPr>
+        <p:spPr>
+          <a:xfrm>
+            <a:off x="1141410" y="1526950"/>
+            <a:ext cx="9905999" cy="3541714"/>
+          </a:xfrm>
+        </p:spPr>
+        <p:txBody>
+          <a:bodyPr/>
+          <a:lstStyle/>
+          <a:p>
+            <a:r>
+              <a:rPr lang="sr-Latn-RS" dirty="0" smtClean="0"/>
+              <a:t>Fs modul nam omogućava rad sa fajlovima (FileSystem-om)</a:t>
+            </a:r>
+            <a:endParaRPr lang="en-US" dirty="0"/>
+          </a:p>
+        </p:txBody>
+      </p:sp>
+      <p:pic>
+        <p:nvPicPr>
+          <p:cNvPr id="4" name="Picture 3"/>
+          <p:cNvPicPr>
+            <a:picLocks noChangeAspect="1"/>
+          </p:cNvPicPr>
+          <p:nvPr/>
+        </p:nvPicPr>
+        <p:blipFill>
+          <a:blip r:embed="rId2"/>
+          <a:stretch>
+            <a:fillRect/>
+          </a:stretch>
+        </p:blipFill>
+        <p:spPr>
+          <a:xfrm>
+            <a:off x="1141410" y="5634862"/>
+            <a:ext cx="3680128" cy="684468"/>
+          </a:xfrm>
+          <a:prstGeom prst="rect">
+            <a:avLst/>
+          </a:prstGeom>
+        </p:spPr>
+      </p:pic>
+      <p:pic>
+        <p:nvPicPr>
+          <p:cNvPr id="5" name="Picture 4"/>
+          <p:cNvPicPr>
+            <a:picLocks noChangeAspect="1"/>
+          </p:cNvPicPr>
+          <p:nvPr/>
+        </p:nvPicPr>
+        <p:blipFill>
+          <a:blip r:embed="rId3"/>
+          <a:stretch>
+            <a:fillRect/>
+          </a:stretch>
+        </p:blipFill>
+        <p:spPr>
+          <a:xfrm>
+            <a:off x="952257" y="2068991"/>
+            <a:ext cx="9201034" cy="2042162"/>
+          </a:xfrm>
+          <a:prstGeom prst="rect">
+            <a:avLst/>
+          </a:prstGeom>
+        </p:spPr>
+      </p:pic>
+      <p:pic>
+        <p:nvPicPr>
+          <p:cNvPr id="6" name="Picture 5"/>
+          <p:cNvPicPr>
+            <a:picLocks noChangeAspect="1"/>
+          </p:cNvPicPr>
+          <p:nvPr/>
+        </p:nvPicPr>
+        <p:blipFill>
+          <a:blip r:embed="rId4"/>
+          <a:stretch>
+            <a:fillRect/>
+          </a:stretch>
+        </p:blipFill>
+        <p:spPr>
+          <a:xfrm>
+            <a:off x="6607836" y="4267814"/>
+            <a:ext cx="4882550" cy="766491"/>
+          </a:xfrm>
+          <a:prstGeom prst="rect">
+            <a:avLst/>
+          </a:prstGeom>
+        </p:spPr>
+      </p:pic>
+      <p:pic>
+        <p:nvPicPr>
+          <p:cNvPr id="7" name="Picture 6"/>
+          <p:cNvPicPr>
+            <a:picLocks noChangeAspect="1"/>
+          </p:cNvPicPr>
+          <p:nvPr/>
+        </p:nvPicPr>
+        <p:blipFill>
+          <a:blip r:embed="rId5"/>
+          <a:stretch>
+            <a:fillRect/>
+          </a:stretch>
+        </p:blipFill>
+        <p:spPr>
+          <a:xfrm>
+            <a:off x="279397" y="4267814"/>
+            <a:ext cx="5674742" cy="1101069"/>
+          </a:xfrm>
+          <a:prstGeom prst="rect">
+            <a:avLst/>
+          </a:prstGeom>
+        </p:spPr>
+      </p:pic>
+      <p:pic>
+        <p:nvPicPr>
+          <p:cNvPr id="8" name="Picture 7"/>
+          <p:cNvPicPr>
+            <a:picLocks noChangeAspect="1"/>
+          </p:cNvPicPr>
+          <p:nvPr/>
+        </p:nvPicPr>
+        <p:blipFill>
+          <a:blip r:embed="rId6"/>
+          <a:stretch>
+            <a:fillRect/>
+          </a:stretch>
+        </p:blipFill>
+        <p:spPr>
+          <a:xfrm>
+            <a:off x="6600340" y="5116101"/>
+            <a:ext cx="4890046" cy="1653190"/>
+          </a:xfrm>
+          <a:prstGeom prst="rect">
+            <a:avLst/>
+          </a:prstGeom>
+        </p:spPr>
+      </p:pic>
+    </p:spTree>
+    <p:extLst>
+      <p:ext uri="{BB962C8B-B14F-4D97-AF65-F5344CB8AC3E}">
+        <p14:creationId xmlns:p14="http://schemas.microsoft.com/office/powerpoint/2010/main" val="3838123326"/>
+      </p:ext>
+    </p:extLst>
+  </p:cSld>
+  <p:clrMapOvr>
+    <a:masterClrMapping/>
+  </p:clrMapOvr>
+</p:sld>
+</file>
+
+<file path=ppt/slides/slide19.xml><?xml version="1.0" encoding="utf-8"?>
+<p:sld xmlns:a="http://schemas.openxmlformats.org/drawingml/2006/main" xmlns:r="http://schemas.openxmlformats.org/officeDocument/2006/relationships" xmlns:p="http://schemas.openxmlformats.org/presentationml/2006/main">
+  <p:cSld>
+    <p:spTree>
+      <p:nvGrpSpPr>
+        <p:cNvPr id="1" name=""/>
+        <p:cNvGrpSpPr/>
+        <p:nvPr/>
+      </p:nvGrpSpPr>
+      <p:grpSpPr>
+        <a:xfrm>
+          <a:off x="0" y="0"/>
+          <a:ext cx="0" cy="0"/>
+          <a:chOff x="0" y="0"/>
+          <a:chExt cx="0" cy="0"/>
+        </a:xfrm>
+      </p:grpSpPr>
+      <p:sp>
+        <p:nvSpPr>
+          <p:cNvPr id="2" name="Title 1"/>
+          <p:cNvSpPr>
+            <a:spLocks noGrp="1"/>
+          </p:cNvSpPr>
+          <p:nvPr>
+            <p:ph type="title"/>
+          </p:nvPr>
+        </p:nvSpPr>
+        <p:spPr/>
+        <p:txBody>
+          <a:bodyPr/>
+          <a:lstStyle/>
+          <a:p>
+            <a:r>
+              <a:rPr lang="sr-Latn-RS" dirty="0" smtClean="0"/>
+              <a:t>Fs async</a:t>
+            </a:r>
+            <a:endParaRPr lang="en-US" dirty="0"/>
+          </a:p>
+        </p:txBody>
+      </p:sp>
+      <p:pic>
+        <p:nvPicPr>
+          <p:cNvPr id="4" name="Content Placeholder 3"/>
+          <p:cNvPicPr>
+            <a:picLocks noGrp="1" noChangeAspect="1"/>
+          </p:cNvPicPr>
+          <p:nvPr>
+            <p:ph idx="1"/>
+          </p:nvPr>
+        </p:nvPicPr>
+        <p:blipFill>
+          <a:blip r:embed="rId2"/>
+          <a:stretch>
+            <a:fillRect/>
+          </a:stretch>
+        </p:blipFill>
+        <p:spPr>
+          <a:xfrm>
+            <a:off x="1288030" y="5924626"/>
+            <a:ext cx="9391650" cy="666750"/>
+          </a:xfrm>
+          <a:prstGeom prst="rect">
+            <a:avLst/>
+          </a:prstGeom>
+        </p:spPr>
+      </p:pic>
+      <p:pic>
+        <p:nvPicPr>
+          <p:cNvPr id="5" name="Picture 4"/>
+          <p:cNvPicPr>
+            <a:picLocks noChangeAspect="1"/>
+          </p:cNvPicPr>
+          <p:nvPr/>
+        </p:nvPicPr>
+        <p:blipFill>
+          <a:blip r:embed="rId3"/>
+          <a:stretch>
+            <a:fillRect/>
+          </a:stretch>
+        </p:blipFill>
+        <p:spPr>
+          <a:xfrm>
+            <a:off x="772063" y="4938261"/>
+            <a:ext cx="3733800" cy="742950"/>
+          </a:xfrm>
+          <a:prstGeom prst="rect">
+            <a:avLst/>
+          </a:prstGeom>
+        </p:spPr>
+      </p:pic>
+      <p:pic>
+        <p:nvPicPr>
+          <p:cNvPr id="6" name="Picture 5"/>
+          <p:cNvPicPr>
+            <a:picLocks noChangeAspect="1"/>
+          </p:cNvPicPr>
+          <p:nvPr/>
+        </p:nvPicPr>
+        <p:blipFill>
+          <a:blip r:embed="rId4"/>
+          <a:stretch>
+            <a:fillRect/>
+          </a:stretch>
+        </p:blipFill>
+        <p:spPr>
+          <a:xfrm>
+            <a:off x="1288030" y="1625511"/>
+            <a:ext cx="9391650" cy="3103839"/>
+          </a:xfrm>
+          <a:prstGeom prst="rect">
+            <a:avLst/>
+          </a:prstGeom>
+        </p:spPr>
+      </p:pic>
+      <p:pic>
+        <p:nvPicPr>
+          <p:cNvPr id="7" name="Picture 6"/>
+          <p:cNvPicPr>
+            <a:picLocks noChangeAspect="1"/>
+          </p:cNvPicPr>
+          <p:nvPr/>
+        </p:nvPicPr>
+        <p:blipFill>
+          <a:blip r:embed="rId5"/>
+          <a:stretch>
+            <a:fillRect/>
+          </a:stretch>
+        </p:blipFill>
+        <p:spPr>
+          <a:xfrm>
+            <a:off x="4612255" y="4823961"/>
+            <a:ext cx="6067425" cy="971550"/>
+          </a:xfrm>
+          <a:prstGeom prst="rect">
+            <a:avLst/>
+          </a:prstGeom>
+        </p:spPr>
+      </p:pic>
+    </p:spTree>
+    <p:extLst>
+      <p:ext uri="{BB962C8B-B14F-4D97-AF65-F5344CB8AC3E}">
+        <p14:creationId xmlns:p14="http://schemas.microsoft.com/office/powerpoint/2010/main" val="2999183821"/>
+      </p:ext>
+    </p:extLst>
+  </p:cSld>
+  <p:clrMapOvr>
+    <a:masterClrMapping/>
+  </p:clrMapOvr>
+</p:sld>
+</file>
+
 <file path=ppt/slides/slide2.xml><?xml version="1.0" encoding="utf-8"?>
 <p:sld xmlns:a="http://schemas.openxmlformats.org/drawingml/2006/main" xmlns:r="http://schemas.openxmlformats.org/officeDocument/2006/relationships" xmlns:p="http://schemas.openxmlformats.org/presentationml/2006/main">
   <p:cSld>
@@ -12965,6 +13688,304 @@
     <p:extLst>
       <p:ext uri="{BB962C8B-B14F-4D97-AF65-F5344CB8AC3E}">
         <p14:creationId xmlns:p14="http://schemas.microsoft.com/office/powerpoint/2010/main" val="646969650"/>
+      </p:ext>
+    </p:extLst>
+  </p:cSld>
+  <p:clrMapOvr>
+    <a:masterClrMapping/>
+  </p:clrMapOvr>
+</p:sld>
+</file>
+
+<file path=ppt/slides/slide20.xml><?xml version="1.0" encoding="utf-8"?>
+<p:sld xmlns:a="http://schemas.openxmlformats.org/drawingml/2006/main" xmlns:r="http://schemas.openxmlformats.org/officeDocument/2006/relationships" xmlns:p="http://schemas.openxmlformats.org/presentationml/2006/main">
+  <p:cSld>
+    <p:spTree>
+      <p:nvGrpSpPr>
+        <p:cNvPr id="1" name=""/>
+        <p:cNvGrpSpPr/>
+        <p:nvPr/>
+      </p:nvGrpSpPr>
+      <p:grpSpPr>
+        <a:xfrm>
+          <a:off x="0" y="0"/>
+          <a:ext cx="0" cy="0"/>
+          <a:chOff x="0" y="0"/>
+          <a:chExt cx="0" cy="0"/>
+        </a:xfrm>
+      </p:grpSpPr>
+      <p:sp>
+        <p:nvSpPr>
+          <p:cNvPr id="2" name="Title 1"/>
+          <p:cNvSpPr>
+            <a:spLocks noGrp="1"/>
+          </p:cNvSpPr>
+          <p:nvPr>
+            <p:ph type="title"/>
+          </p:nvPr>
+        </p:nvSpPr>
+        <p:spPr/>
+        <p:txBody>
+          <a:bodyPr/>
+          <a:lstStyle/>
+          <a:p>
+            <a:r>
+              <a:rPr lang="sr-Latn-RS" dirty="0" smtClean="0"/>
+              <a:t>http</a:t>
+            </a:r>
+            <a:endParaRPr lang="en-US" dirty="0"/>
+          </a:p>
+        </p:txBody>
+      </p:sp>
+      <p:sp>
+        <p:nvSpPr>
+          <p:cNvPr id="3" name="Content Placeholder 2"/>
+          <p:cNvSpPr>
+            <a:spLocks noGrp="1"/>
+          </p:cNvSpPr>
+          <p:nvPr>
+            <p:ph idx="1"/>
+          </p:nvPr>
+        </p:nvSpPr>
+        <p:spPr/>
+        <p:txBody>
+          <a:bodyPr/>
+          <a:lstStyle/>
+          <a:p>
+            <a:r>
+              <a:rPr lang="sr-Latn-RS" dirty="0" smtClean="0"/>
+              <a:t>http modul se može koristiti za kreiranje servera</a:t>
+            </a:r>
+            <a:endParaRPr lang="en-US" dirty="0"/>
+          </a:p>
+        </p:txBody>
+      </p:sp>
+      <p:pic>
+        <p:nvPicPr>
+          <p:cNvPr id="4" name="Picture 3"/>
+          <p:cNvPicPr>
+            <a:picLocks noChangeAspect="1"/>
+          </p:cNvPicPr>
+          <p:nvPr/>
+        </p:nvPicPr>
+        <p:blipFill>
+          <a:blip r:embed="rId2"/>
+          <a:stretch>
+            <a:fillRect/>
+          </a:stretch>
+        </p:blipFill>
+        <p:spPr>
+          <a:xfrm>
+            <a:off x="689707" y="2746961"/>
+            <a:ext cx="6844432" cy="2546765"/>
+          </a:xfrm>
+          <a:prstGeom prst="rect">
+            <a:avLst/>
+          </a:prstGeom>
+        </p:spPr>
+      </p:pic>
+      <p:pic>
+        <p:nvPicPr>
+          <p:cNvPr id="5" name="Picture 4"/>
+          <p:cNvPicPr>
+            <a:picLocks noChangeAspect="1"/>
+          </p:cNvPicPr>
+          <p:nvPr/>
+        </p:nvPicPr>
+        <p:blipFill>
+          <a:blip r:embed="rId3"/>
+          <a:stretch>
+            <a:fillRect/>
+          </a:stretch>
+        </p:blipFill>
+        <p:spPr>
+          <a:xfrm>
+            <a:off x="534431" y="5873169"/>
+            <a:ext cx="7367365" cy="682451"/>
+          </a:xfrm>
+          <a:prstGeom prst="rect">
+            <a:avLst/>
+          </a:prstGeom>
+        </p:spPr>
+      </p:pic>
+      <p:pic>
+        <p:nvPicPr>
+          <p:cNvPr id="6" name="Picture 5"/>
+          <p:cNvPicPr>
+            <a:picLocks noChangeAspect="1"/>
+          </p:cNvPicPr>
+          <p:nvPr/>
+        </p:nvPicPr>
+        <p:blipFill>
+          <a:blip r:embed="rId4"/>
+          <a:stretch>
+            <a:fillRect/>
+          </a:stretch>
+        </p:blipFill>
+        <p:spPr>
+          <a:xfrm>
+            <a:off x="7633030" y="2562226"/>
+            <a:ext cx="4448175" cy="3228975"/>
+          </a:xfrm>
+          <a:prstGeom prst="rect">
+            <a:avLst/>
+          </a:prstGeom>
+        </p:spPr>
+      </p:pic>
+    </p:spTree>
+    <p:extLst>
+      <p:ext uri="{BB962C8B-B14F-4D97-AF65-F5344CB8AC3E}">
+        <p14:creationId xmlns:p14="http://schemas.microsoft.com/office/powerpoint/2010/main" val="4184201808"/>
+      </p:ext>
+    </p:extLst>
+  </p:cSld>
+  <p:clrMapOvr>
+    <a:masterClrMapping/>
+  </p:clrMapOvr>
+</p:sld>
+</file>
+
+<file path=ppt/slides/slide21.xml><?xml version="1.0" encoding="utf-8"?>
+<p:sld xmlns:a="http://schemas.openxmlformats.org/drawingml/2006/main" xmlns:r="http://schemas.openxmlformats.org/officeDocument/2006/relationships" xmlns:p="http://schemas.openxmlformats.org/presentationml/2006/main">
+  <p:cSld>
+    <p:spTree>
+      <p:nvGrpSpPr>
+        <p:cNvPr id="1" name=""/>
+        <p:cNvGrpSpPr/>
+        <p:nvPr/>
+      </p:nvGrpSpPr>
+      <p:grpSpPr>
+        <a:xfrm>
+          <a:off x="0" y="0"/>
+          <a:ext cx="0" cy="0"/>
+          <a:chOff x="0" y="0"/>
+          <a:chExt cx="0" cy="0"/>
+        </a:xfrm>
+      </p:grpSpPr>
+      <p:pic>
+        <p:nvPicPr>
+          <p:cNvPr id="4" name="Picture 3"/>
+          <p:cNvPicPr>
+            <a:picLocks noChangeAspect="1"/>
+          </p:cNvPicPr>
+          <p:nvPr/>
+        </p:nvPicPr>
+        <p:blipFill>
+          <a:blip r:embed="rId2"/>
+          <a:stretch>
+            <a:fillRect/>
+          </a:stretch>
+        </p:blipFill>
+        <p:spPr>
+          <a:xfrm>
+            <a:off x="802346" y="211976"/>
+            <a:ext cx="6279941" cy="6093271"/>
+          </a:xfrm>
+          <a:prstGeom prst="rect">
+            <a:avLst/>
+          </a:prstGeom>
+        </p:spPr>
+      </p:pic>
+      <p:pic>
+        <p:nvPicPr>
+          <p:cNvPr id="5" name="Picture 4"/>
+          <p:cNvPicPr>
+            <a:picLocks noChangeAspect="1"/>
+          </p:cNvPicPr>
+          <p:nvPr/>
+        </p:nvPicPr>
+        <p:blipFill>
+          <a:blip r:embed="rId3"/>
+          <a:stretch>
+            <a:fillRect/>
+          </a:stretch>
+        </p:blipFill>
+        <p:spPr>
+          <a:xfrm>
+            <a:off x="8093375" y="211975"/>
+            <a:ext cx="2853546" cy="1489108"/>
+          </a:xfrm>
+          <a:prstGeom prst="rect">
+            <a:avLst/>
+          </a:prstGeom>
+        </p:spPr>
+      </p:pic>
+      <p:pic>
+        <p:nvPicPr>
+          <p:cNvPr id="6" name="Picture 5"/>
+          <p:cNvPicPr>
+            <a:picLocks noChangeAspect="1"/>
+          </p:cNvPicPr>
+          <p:nvPr/>
+        </p:nvPicPr>
+        <p:blipFill>
+          <a:blip r:embed="rId4"/>
+          <a:stretch>
+            <a:fillRect/>
+          </a:stretch>
+        </p:blipFill>
+        <p:spPr>
+          <a:xfrm>
+            <a:off x="8093375" y="1901355"/>
+            <a:ext cx="2853546" cy="1415236"/>
+          </a:xfrm>
+          <a:prstGeom prst="rect">
+            <a:avLst/>
+          </a:prstGeom>
+        </p:spPr>
+      </p:pic>
+      <p:pic>
+        <p:nvPicPr>
+          <p:cNvPr id="7" name="Picture 6"/>
+          <p:cNvPicPr>
+            <a:picLocks noChangeAspect="1"/>
+          </p:cNvPicPr>
+          <p:nvPr/>
+        </p:nvPicPr>
+        <p:blipFill>
+          <a:blip r:embed="rId5"/>
+          <a:stretch>
+            <a:fillRect/>
+          </a:stretch>
+        </p:blipFill>
+        <p:spPr>
+          <a:xfrm>
+            <a:off x="8093375" y="3516863"/>
+            <a:ext cx="2853546" cy="1218922"/>
+          </a:xfrm>
+          <a:prstGeom prst="rect">
+            <a:avLst/>
+          </a:prstGeom>
+        </p:spPr>
+      </p:pic>
+      <p:pic>
+        <p:nvPicPr>
+          <p:cNvPr id="8" name="Picture 7"/>
+          <p:cNvPicPr>
+            <a:picLocks noChangeAspect="1"/>
+          </p:cNvPicPr>
+          <p:nvPr/>
+        </p:nvPicPr>
+        <p:blipFill>
+          <a:blip r:embed="rId6"/>
+          <a:stretch>
+            <a:fillRect/>
+          </a:stretch>
+        </p:blipFill>
+        <p:spPr>
+          <a:xfrm>
+            <a:off x="8093375" y="4936057"/>
+            <a:ext cx="2853546" cy="1369190"/>
+          </a:xfrm>
+          <a:prstGeom prst="rect">
+            <a:avLst/>
+          </a:prstGeom>
+        </p:spPr>
+      </p:pic>
+    </p:spTree>
+    <p:extLst>
+      <p:ext uri="{BB962C8B-B14F-4D97-AF65-F5344CB8AC3E}">
+        <p14:creationId xmlns:p14="http://schemas.microsoft.com/office/powerpoint/2010/main" val="3992518448"/>
       </p:ext>
     </p:extLst>
   </p:cSld>

--- a/Nodejs/Node.js - prezentacija.pptx
+++ b/Nodejs/Node.js - prezentacija.pptx
@@ -26,6 +26,18 @@
     <p:sldId id="274" r:id="rId20"/>
     <p:sldId id="275" r:id="rId21"/>
     <p:sldId id="276" r:id="rId22"/>
+    <p:sldId id="277" r:id="rId23"/>
+    <p:sldId id="278" r:id="rId24"/>
+    <p:sldId id="279" r:id="rId25"/>
+    <p:sldId id="280" r:id="rId26"/>
+    <p:sldId id="281" r:id="rId27"/>
+    <p:sldId id="283" r:id="rId28"/>
+    <p:sldId id="284" r:id="rId29"/>
+    <p:sldId id="282" r:id="rId30"/>
+    <p:sldId id="285" r:id="rId31"/>
+    <p:sldId id="286" r:id="rId32"/>
+    <p:sldId id="287" r:id="rId33"/>
+    <p:sldId id="288" r:id="rId34"/>
   </p:sldIdLst>
   <p:sldSz cx="12192000" cy="6858000"/>
   <p:notesSz cx="6858000" cy="9144000"/>
@@ -189,7 +201,7 @@
           <a:noFill/>
           <a:extLst>
             <a:ext uri="{909E8E84-426E-40dd-AFC4-6F175D3DCCD1}">
-              <a14:hiddenFill xmlns="" xmlns:a14="http://schemas.microsoft.com/office/drawing/2010/main">
+              <a14:hiddenFill xmlns:a14="http://schemas.microsoft.com/office/drawing/2010/main" xmlns="">
                 <a:solidFill>
                   <a:srgbClr val="FFFFFF"/>
                 </a:solidFill>
@@ -249,7 +261,7 @@
             </a:ln>
             <a:extLst>
               <a:ext uri="{91240B29-F687-4f45-9708-019B960494DF}">
-                <a14:hiddenLine xmlns="" xmlns:a14="http://schemas.microsoft.com/office/drawing/2010/main" w="9525">
+                <a14:hiddenLine xmlns:a14="http://schemas.microsoft.com/office/drawing/2010/main" xmlns="" w="9525">
                   <a:solidFill>
                     <a:srgbClr val="000000"/>
                   </a:solidFill>
@@ -339,7 +351,7 @@
             </a:ln>
             <a:extLst>
               <a:ext uri="{91240B29-F687-4f45-9708-019B960494DF}">
-                <a14:hiddenLine xmlns="" xmlns:a14="http://schemas.microsoft.com/office/drawing/2010/main" w="9525">
+                <a14:hiddenLine xmlns:a14="http://schemas.microsoft.com/office/drawing/2010/main" xmlns="" w="9525">
                   <a:solidFill>
                     <a:srgbClr val="000000"/>
                   </a:solidFill>
@@ -429,7 +441,7 @@
             </a:ln>
             <a:extLst>
               <a:ext uri="{91240B29-F687-4f45-9708-019B960494DF}">
-                <a14:hiddenLine xmlns="" xmlns:a14="http://schemas.microsoft.com/office/drawing/2010/main" w="9525">
+                <a14:hiddenLine xmlns:a14="http://schemas.microsoft.com/office/drawing/2010/main" xmlns="" w="9525">
                   <a:solidFill>
                     <a:srgbClr val="000000"/>
                   </a:solidFill>
@@ -463,7 +475,7 @@
             </a:ln>
             <a:extLst>
               <a:ext uri="{91240B29-F687-4f45-9708-019B960494DF}">
-                <a14:hiddenLine xmlns="" xmlns:a14="http://schemas.microsoft.com/office/drawing/2010/main" w="9525">
+                <a14:hiddenLine xmlns:a14="http://schemas.microsoft.com/office/drawing/2010/main" xmlns="" w="9525">
                   <a:solidFill>
                     <a:srgbClr val="000000"/>
                   </a:solidFill>
@@ -553,7 +565,7 @@
             </a:ln>
             <a:extLst>
               <a:ext uri="{91240B29-F687-4f45-9708-019B960494DF}">
-                <a14:hiddenLine xmlns="" xmlns:a14="http://schemas.microsoft.com/office/drawing/2010/main" w="9525">
+                <a14:hiddenLine xmlns:a14="http://schemas.microsoft.com/office/drawing/2010/main" xmlns="" w="9525">
                   <a:solidFill>
                     <a:srgbClr val="000000"/>
                   </a:solidFill>
@@ -615,7 +627,7 @@
             </a:ln>
             <a:extLst>
               <a:ext uri="{91240B29-F687-4f45-9708-019B960494DF}">
-                <a14:hiddenLine xmlns="" xmlns:a14="http://schemas.microsoft.com/office/drawing/2010/main" w="9525">
+                <a14:hiddenLine xmlns:a14="http://schemas.microsoft.com/office/drawing/2010/main" xmlns="" w="9525">
                   <a:solidFill>
                     <a:srgbClr val="000000"/>
                   </a:solidFill>
@@ -677,7 +689,7 @@
             </a:ln>
             <a:extLst>
               <a:ext uri="{91240B29-F687-4f45-9708-019B960494DF}">
-                <a14:hiddenLine xmlns="" xmlns:a14="http://schemas.microsoft.com/office/drawing/2010/main" w="9525">
+                <a14:hiddenLine xmlns:a14="http://schemas.microsoft.com/office/drawing/2010/main" xmlns="" w="9525">
                   <a:solidFill>
                     <a:srgbClr val="000000"/>
                   </a:solidFill>
@@ -767,7 +779,7 @@
             </a:ln>
             <a:extLst>
               <a:ext uri="{91240B29-F687-4f45-9708-019B960494DF}">
-                <a14:hiddenLine xmlns="" xmlns:a14="http://schemas.microsoft.com/office/drawing/2010/main" w="9525">
+                <a14:hiddenLine xmlns:a14="http://schemas.microsoft.com/office/drawing/2010/main" xmlns="" w="9525">
                   <a:solidFill>
                     <a:srgbClr val="000000"/>
                   </a:solidFill>
@@ -829,7 +841,7 @@
             </a:ln>
             <a:extLst>
               <a:ext uri="{91240B29-F687-4f45-9708-019B960494DF}">
-                <a14:hiddenLine xmlns="" xmlns:a14="http://schemas.microsoft.com/office/drawing/2010/main" w="9525">
+                <a14:hiddenLine xmlns:a14="http://schemas.microsoft.com/office/drawing/2010/main" xmlns="" w="9525">
                   <a:solidFill>
                     <a:srgbClr val="000000"/>
                   </a:solidFill>
@@ -891,7 +903,7 @@
             </a:ln>
             <a:extLst>
               <a:ext uri="{91240B29-F687-4f45-9708-019B960494DF}">
-                <a14:hiddenLine xmlns="" xmlns:a14="http://schemas.microsoft.com/office/drawing/2010/main" w="9525">
+                <a14:hiddenLine xmlns:a14="http://schemas.microsoft.com/office/drawing/2010/main" xmlns="" w="9525">
                   <a:solidFill>
                     <a:srgbClr val="000000"/>
                   </a:solidFill>
@@ -981,7 +993,7 @@
             </a:ln>
             <a:extLst>
               <a:ext uri="{91240B29-F687-4f45-9708-019B960494DF}">
-                <a14:hiddenLine xmlns="" xmlns:a14="http://schemas.microsoft.com/office/drawing/2010/main" w="9525">
+                <a14:hiddenLine xmlns:a14="http://schemas.microsoft.com/office/drawing/2010/main" xmlns="" w="9525">
                   <a:solidFill>
                     <a:srgbClr val="000000"/>
                   </a:solidFill>
@@ -1071,7 +1083,7 @@
             </a:ln>
             <a:extLst>
               <a:ext uri="{91240B29-F687-4f45-9708-019B960494DF}">
-                <a14:hiddenLine xmlns="" xmlns:a14="http://schemas.microsoft.com/office/drawing/2010/main" w="9525">
+                <a14:hiddenLine xmlns:a14="http://schemas.microsoft.com/office/drawing/2010/main" xmlns="" w="9525">
                   <a:solidFill>
                     <a:srgbClr val="000000"/>
                   </a:solidFill>
@@ -1133,7 +1145,7 @@
             </a:ln>
             <a:extLst>
               <a:ext uri="{91240B29-F687-4f45-9708-019B960494DF}">
-                <a14:hiddenLine xmlns="" xmlns:a14="http://schemas.microsoft.com/office/drawing/2010/main" w="9525">
+                <a14:hiddenLine xmlns:a14="http://schemas.microsoft.com/office/drawing/2010/main" xmlns="" w="9525">
                   <a:solidFill>
                     <a:srgbClr val="000000"/>
                   </a:solidFill>
@@ -1243,7 +1255,7 @@
             </a:ln>
             <a:extLst>
               <a:ext uri="{91240B29-F687-4f45-9708-019B960494DF}">
-                <a14:hiddenLine xmlns="" xmlns:a14="http://schemas.microsoft.com/office/drawing/2010/main" w="9525">
+                <a14:hiddenLine xmlns:a14="http://schemas.microsoft.com/office/drawing/2010/main" xmlns="" w="9525">
                   <a:solidFill>
                     <a:srgbClr val="000000"/>
                   </a:solidFill>
@@ -1305,7 +1317,7 @@
             </a:ln>
             <a:extLst>
               <a:ext uri="{91240B29-F687-4f45-9708-019B960494DF}">
-                <a14:hiddenLine xmlns="" xmlns:a14="http://schemas.microsoft.com/office/drawing/2010/main" w="9525">
+                <a14:hiddenLine xmlns:a14="http://schemas.microsoft.com/office/drawing/2010/main" xmlns="" w="9525">
                   <a:solidFill>
                     <a:srgbClr val="000000"/>
                   </a:solidFill>
@@ -1395,7 +1407,7 @@
             </a:ln>
             <a:extLst>
               <a:ext uri="{91240B29-F687-4f45-9708-019B960494DF}">
-                <a14:hiddenLine xmlns="" xmlns:a14="http://schemas.microsoft.com/office/drawing/2010/main" w="9525">
+                <a14:hiddenLine xmlns:a14="http://schemas.microsoft.com/office/drawing/2010/main" xmlns="" w="9525">
                   <a:solidFill>
                     <a:srgbClr val="000000"/>
                   </a:solidFill>
@@ -1485,7 +1497,7 @@
             </a:ln>
             <a:extLst>
               <a:ext uri="{91240B29-F687-4f45-9708-019B960494DF}">
-                <a14:hiddenLine xmlns="" xmlns:a14="http://schemas.microsoft.com/office/drawing/2010/main" w="9525">
+                <a14:hiddenLine xmlns:a14="http://schemas.microsoft.com/office/drawing/2010/main" xmlns="" w="9525">
                   <a:solidFill>
                     <a:srgbClr val="000000"/>
                   </a:solidFill>
@@ -1547,7 +1559,7 @@
             </a:ln>
             <a:extLst>
               <a:ext uri="{91240B29-F687-4f45-9708-019B960494DF}">
-                <a14:hiddenLine xmlns="" xmlns:a14="http://schemas.microsoft.com/office/drawing/2010/main" w="9525">
+                <a14:hiddenLine xmlns:a14="http://schemas.microsoft.com/office/drawing/2010/main" xmlns="" w="9525">
                   <a:solidFill>
                     <a:srgbClr val="000000"/>
                   </a:solidFill>
@@ -1637,7 +1649,7 @@
             </a:ln>
             <a:extLst>
               <a:ext uri="{91240B29-F687-4f45-9708-019B960494DF}">
-                <a14:hiddenLine xmlns="" xmlns:a14="http://schemas.microsoft.com/office/drawing/2010/main" w="9525">
+                <a14:hiddenLine xmlns:a14="http://schemas.microsoft.com/office/drawing/2010/main" xmlns="" w="9525">
                   <a:solidFill>
                     <a:srgbClr val="000000"/>
                   </a:solidFill>
@@ -1727,7 +1739,7 @@
             </a:ln>
             <a:extLst>
               <a:ext uri="{91240B29-F687-4f45-9708-019B960494DF}">
-                <a14:hiddenLine xmlns="" xmlns:a14="http://schemas.microsoft.com/office/drawing/2010/main" w="9525">
+                <a14:hiddenLine xmlns:a14="http://schemas.microsoft.com/office/drawing/2010/main" xmlns="" w="9525">
                   <a:solidFill>
                     <a:srgbClr val="000000"/>
                   </a:solidFill>
@@ -1783,7 +1795,7 @@
             </a:ln>
             <a:extLst>
               <a:ext uri="{91240B29-F687-4f45-9708-019B960494DF}">
-                <a14:hiddenLine xmlns="" xmlns:a14="http://schemas.microsoft.com/office/drawing/2010/main" w="9525">
+                <a14:hiddenLine xmlns:a14="http://schemas.microsoft.com/office/drawing/2010/main" xmlns="" w="9525">
                   <a:solidFill>
                     <a:srgbClr val="000000"/>
                   </a:solidFill>
@@ -1873,7 +1885,7 @@
             </a:ln>
             <a:extLst>
               <a:ext uri="{91240B29-F687-4f45-9708-019B960494DF}">
-                <a14:hiddenLine xmlns="" xmlns:a14="http://schemas.microsoft.com/office/drawing/2010/main" w="9525">
+                <a14:hiddenLine xmlns:a14="http://schemas.microsoft.com/office/drawing/2010/main" xmlns="" w="9525">
                   <a:solidFill>
                     <a:srgbClr val="000000"/>
                   </a:solidFill>
@@ -1929,7 +1941,7 @@
             </a:ln>
             <a:extLst>
               <a:ext uri="{91240B29-F687-4f45-9708-019B960494DF}">
-                <a14:hiddenLine xmlns="" xmlns:a14="http://schemas.microsoft.com/office/drawing/2010/main" w="9525">
+                <a14:hiddenLine xmlns:a14="http://schemas.microsoft.com/office/drawing/2010/main" xmlns="" w="9525">
                   <a:solidFill>
                     <a:srgbClr val="000000"/>
                   </a:solidFill>
@@ -2019,7 +2031,7 @@
             </a:ln>
             <a:extLst>
               <a:ext uri="{91240B29-F687-4f45-9708-019B960494DF}">
-                <a14:hiddenLine xmlns="" xmlns:a14="http://schemas.microsoft.com/office/drawing/2010/main" w="9525">
+                <a14:hiddenLine xmlns:a14="http://schemas.microsoft.com/office/drawing/2010/main" xmlns="" w="9525">
                   <a:solidFill>
                     <a:srgbClr val="000000"/>
                   </a:solidFill>
@@ -2087,7 +2099,7 @@
             </a:ln>
             <a:extLst>
               <a:ext uri="{91240B29-F687-4f45-9708-019B960494DF}">
-                <a14:hiddenLine xmlns="" xmlns:a14="http://schemas.microsoft.com/office/drawing/2010/main" w="9525">
+                <a14:hiddenLine xmlns:a14="http://schemas.microsoft.com/office/drawing/2010/main" xmlns="" w="9525">
                   <a:solidFill>
                     <a:srgbClr val="000000"/>
                   </a:solidFill>
@@ -2177,7 +2189,7 @@
             </a:ln>
             <a:extLst>
               <a:ext uri="{91240B29-F687-4f45-9708-019B960494DF}">
-                <a14:hiddenLine xmlns="" xmlns:a14="http://schemas.microsoft.com/office/drawing/2010/main" w="9525">
+                <a14:hiddenLine xmlns:a14="http://schemas.microsoft.com/office/drawing/2010/main" xmlns="" w="9525">
                   <a:solidFill>
                     <a:srgbClr val="000000"/>
                   </a:solidFill>
@@ -2245,7 +2257,7 @@
             </a:ln>
             <a:extLst>
               <a:ext uri="{91240B29-F687-4f45-9708-019B960494DF}">
-                <a14:hiddenLine xmlns="" xmlns:a14="http://schemas.microsoft.com/office/drawing/2010/main" w="9525">
+                <a14:hiddenLine xmlns:a14="http://schemas.microsoft.com/office/drawing/2010/main" xmlns="" w="9525">
                   <a:solidFill>
                     <a:srgbClr val="000000"/>
                   </a:solidFill>
@@ -2335,7 +2347,7 @@
             </a:ln>
             <a:extLst>
               <a:ext uri="{91240B29-F687-4f45-9708-019B960494DF}">
-                <a14:hiddenLine xmlns="" xmlns:a14="http://schemas.microsoft.com/office/drawing/2010/main" w="9525">
+                <a14:hiddenLine xmlns:a14="http://schemas.microsoft.com/office/drawing/2010/main" xmlns="" w="9525">
                   <a:solidFill>
                     <a:srgbClr val="000000"/>
                   </a:solidFill>
@@ -2369,7 +2381,7 @@
             </a:ln>
             <a:extLst>
               <a:ext uri="{91240B29-F687-4f45-9708-019B960494DF}">
-                <a14:hiddenLine xmlns="" xmlns:a14="http://schemas.microsoft.com/office/drawing/2010/main" w="9525">
+                <a14:hiddenLine xmlns:a14="http://schemas.microsoft.com/office/drawing/2010/main" xmlns="" w="9525">
                   <a:solidFill>
                     <a:srgbClr val="000000"/>
                   </a:solidFill>
@@ -2459,7 +2471,7 @@
             </a:ln>
             <a:extLst>
               <a:ext uri="{91240B29-F687-4f45-9708-019B960494DF}">
-                <a14:hiddenLine xmlns="" xmlns:a14="http://schemas.microsoft.com/office/drawing/2010/main" w="9525">
+                <a14:hiddenLine xmlns:a14="http://schemas.microsoft.com/office/drawing/2010/main" xmlns="" w="9525">
                   <a:solidFill>
                     <a:srgbClr val="000000"/>
                   </a:solidFill>
@@ -2521,7 +2533,7 @@
             </a:ln>
             <a:extLst>
               <a:ext uri="{91240B29-F687-4f45-9708-019B960494DF}">
-                <a14:hiddenLine xmlns="" xmlns:a14="http://schemas.microsoft.com/office/drawing/2010/main" w="9525">
+                <a14:hiddenLine xmlns:a14="http://schemas.microsoft.com/office/drawing/2010/main" xmlns="" w="9525">
                   <a:solidFill>
                     <a:srgbClr val="000000"/>
                   </a:solidFill>
@@ -2583,7 +2595,7 @@
             </a:ln>
             <a:extLst>
               <a:ext uri="{91240B29-F687-4f45-9708-019B960494DF}">
-                <a14:hiddenLine xmlns="" xmlns:a14="http://schemas.microsoft.com/office/drawing/2010/main" w="9525">
+                <a14:hiddenLine xmlns:a14="http://schemas.microsoft.com/office/drawing/2010/main" xmlns="" w="9525">
                   <a:solidFill>
                     <a:srgbClr val="000000"/>
                   </a:solidFill>
@@ -2673,7 +2685,7 @@
             </a:ln>
             <a:extLst>
               <a:ext uri="{91240B29-F687-4f45-9708-019B960494DF}">
-                <a14:hiddenLine xmlns="" xmlns:a14="http://schemas.microsoft.com/office/drawing/2010/main" w="9525">
+                <a14:hiddenLine xmlns:a14="http://schemas.microsoft.com/office/drawing/2010/main" xmlns="" w="9525">
                   <a:solidFill>
                     <a:srgbClr val="000000"/>
                   </a:solidFill>
@@ -2741,7 +2753,7 @@
             </a:ln>
             <a:extLst>
               <a:ext uri="{91240B29-F687-4f45-9708-019B960494DF}">
-                <a14:hiddenLine xmlns="" xmlns:a14="http://schemas.microsoft.com/office/drawing/2010/main" w="9525">
+                <a14:hiddenLine xmlns:a14="http://schemas.microsoft.com/office/drawing/2010/main" xmlns="" w="9525">
                   <a:solidFill>
                     <a:srgbClr val="000000"/>
                   </a:solidFill>
@@ -2803,7 +2815,7 @@
             </a:ln>
             <a:extLst>
               <a:ext uri="{91240B29-F687-4f45-9708-019B960494DF}">
-                <a14:hiddenLine xmlns="" xmlns:a14="http://schemas.microsoft.com/office/drawing/2010/main" w="9525">
+                <a14:hiddenLine xmlns:a14="http://schemas.microsoft.com/office/drawing/2010/main" xmlns="" w="9525">
                   <a:solidFill>
                     <a:srgbClr val="000000"/>
                   </a:solidFill>
@@ -2893,7 +2905,7 @@
             </a:ln>
             <a:extLst>
               <a:ext uri="{91240B29-F687-4f45-9708-019B960494DF}">
-                <a14:hiddenLine xmlns="" xmlns:a14="http://schemas.microsoft.com/office/drawing/2010/main" w="9525">
+                <a14:hiddenLine xmlns:a14="http://schemas.microsoft.com/office/drawing/2010/main" xmlns="" w="9525">
                   <a:solidFill>
                     <a:srgbClr val="000000"/>
                   </a:solidFill>
@@ -2955,7 +2967,7 @@
             </a:ln>
             <a:extLst>
               <a:ext uri="{91240B29-F687-4f45-9708-019B960494DF}">
-                <a14:hiddenLine xmlns="" xmlns:a14="http://schemas.microsoft.com/office/drawing/2010/main" w="9525">
+                <a14:hiddenLine xmlns:a14="http://schemas.microsoft.com/office/drawing/2010/main" xmlns="" w="9525">
                   <a:solidFill>
                     <a:srgbClr val="000000"/>
                   </a:solidFill>
@@ -3045,7 +3057,7 @@
             </a:ln>
             <a:extLst>
               <a:ext uri="{91240B29-F687-4f45-9708-019B960494DF}">
-                <a14:hiddenLine xmlns="" xmlns:a14="http://schemas.microsoft.com/office/drawing/2010/main" w="9525">
+                <a14:hiddenLine xmlns:a14="http://schemas.microsoft.com/office/drawing/2010/main" xmlns="" w="9525">
                   <a:solidFill>
                     <a:srgbClr val="000000"/>
                   </a:solidFill>
@@ -3107,7 +3119,7 @@
             </a:ln>
             <a:extLst>
               <a:ext uri="{91240B29-F687-4f45-9708-019B960494DF}">
-                <a14:hiddenLine xmlns="" xmlns:a14="http://schemas.microsoft.com/office/drawing/2010/main" w="9525">
+                <a14:hiddenLine xmlns:a14="http://schemas.microsoft.com/office/drawing/2010/main" xmlns="" w="9525">
                   <a:solidFill>
                     <a:srgbClr val="000000"/>
                   </a:solidFill>
@@ -3197,7 +3209,7 @@
             </a:ln>
             <a:extLst>
               <a:ext uri="{91240B29-F687-4f45-9708-019B960494DF}">
-                <a14:hiddenLine xmlns="" xmlns:a14="http://schemas.microsoft.com/office/drawing/2010/main" w="9525">
+                <a14:hiddenLine xmlns:a14="http://schemas.microsoft.com/office/drawing/2010/main" xmlns="" w="9525">
                   <a:solidFill>
                     <a:srgbClr val="000000"/>
                   </a:solidFill>
@@ -3231,7 +3243,7 @@
             </a:ln>
             <a:extLst>
               <a:ext uri="{91240B29-F687-4f45-9708-019B960494DF}">
-                <a14:hiddenLine xmlns="" xmlns:a14="http://schemas.microsoft.com/office/drawing/2010/main" w="9525">
+                <a14:hiddenLine xmlns:a14="http://schemas.microsoft.com/office/drawing/2010/main" xmlns="" w="9525">
                   <a:solidFill>
                     <a:srgbClr val="000000"/>
                   </a:solidFill>
@@ -3296,7 +3308,7 @@
             </a:ln>
             <a:extLst>
               <a:ext uri="{91240B29-F687-4f45-9708-019B960494DF}">
-                <a14:hiddenLine xmlns="" xmlns:a14="http://schemas.microsoft.com/office/drawing/2010/main" w="9525">
+                <a14:hiddenLine xmlns:a14="http://schemas.microsoft.com/office/drawing/2010/main" xmlns="" w="9525">
                   <a:solidFill>
                     <a:srgbClr val="000000"/>
                   </a:solidFill>
@@ -3386,7 +3398,7 @@
             </a:ln>
             <a:extLst>
               <a:ext uri="{91240B29-F687-4f45-9708-019B960494DF}">
-                <a14:hiddenLine xmlns="" xmlns:a14="http://schemas.microsoft.com/office/drawing/2010/main" w="9525">
+                <a14:hiddenLine xmlns:a14="http://schemas.microsoft.com/office/drawing/2010/main" xmlns="" w="9525">
                   <a:solidFill>
                     <a:srgbClr val="000000"/>
                   </a:solidFill>
@@ -3448,7 +3460,7 @@
             </a:ln>
             <a:extLst>
               <a:ext uri="{91240B29-F687-4f45-9708-019B960494DF}">
-                <a14:hiddenLine xmlns="" xmlns:a14="http://schemas.microsoft.com/office/drawing/2010/main" w="9525">
+                <a14:hiddenLine xmlns:a14="http://schemas.microsoft.com/office/drawing/2010/main" xmlns="" w="9525">
                   <a:solidFill>
                     <a:srgbClr val="000000"/>
                   </a:solidFill>
@@ -3538,7 +3550,7 @@
             </a:ln>
             <a:extLst>
               <a:ext uri="{91240B29-F687-4f45-9708-019B960494DF}">
-                <a14:hiddenLine xmlns="" xmlns:a14="http://schemas.microsoft.com/office/drawing/2010/main" w="9525">
+                <a14:hiddenLine xmlns:a14="http://schemas.microsoft.com/office/drawing/2010/main" xmlns="" w="9525">
                   <a:solidFill>
                     <a:srgbClr val="000000"/>
                   </a:solidFill>
@@ -3628,7 +3640,7 @@
             </a:ln>
             <a:extLst>
               <a:ext uri="{91240B29-F687-4f45-9708-019B960494DF}">
-                <a14:hiddenLine xmlns="" xmlns:a14="http://schemas.microsoft.com/office/drawing/2010/main" w="9525">
+                <a14:hiddenLine xmlns:a14="http://schemas.microsoft.com/office/drawing/2010/main" xmlns="" w="9525">
                   <a:solidFill>
                     <a:srgbClr val="000000"/>
                   </a:solidFill>
@@ -3693,7 +3705,7 @@
             </a:ln>
             <a:extLst>
               <a:ext uri="{91240B29-F687-4f45-9708-019B960494DF}">
-                <a14:hiddenLine xmlns="" xmlns:a14="http://schemas.microsoft.com/office/drawing/2010/main" w="9525">
+                <a14:hiddenLine xmlns:a14="http://schemas.microsoft.com/office/drawing/2010/main" xmlns="" w="9525">
                   <a:solidFill>
                     <a:srgbClr val="000000"/>
                   </a:solidFill>
@@ -3755,7 +3767,7 @@
             </a:ln>
             <a:extLst>
               <a:ext uri="{91240B29-F687-4f45-9708-019B960494DF}">
-                <a14:hiddenLine xmlns="" xmlns:a14="http://schemas.microsoft.com/office/drawing/2010/main" w="9525">
+                <a14:hiddenLine xmlns:a14="http://schemas.microsoft.com/office/drawing/2010/main" xmlns="" w="9525">
                   <a:solidFill>
                     <a:srgbClr val="000000"/>
                   </a:solidFill>
@@ -3845,7 +3857,7 @@
             </a:ln>
             <a:extLst>
               <a:ext uri="{91240B29-F687-4f45-9708-019B960494DF}">
-                <a14:hiddenLine xmlns="" xmlns:a14="http://schemas.microsoft.com/office/drawing/2010/main" w="9525">
+                <a14:hiddenLine xmlns:a14="http://schemas.microsoft.com/office/drawing/2010/main" xmlns="" w="9525">
                   <a:solidFill>
                     <a:srgbClr val="000000"/>
                   </a:solidFill>
@@ -3935,7 +3947,7 @@
             </a:ln>
             <a:extLst>
               <a:ext uri="{91240B29-F687-4f45-9708-019B960494DF}">
-                <a14:hiddenLine xmlns="" xmlns:a14="http://schemas.microsoft.com/office/drawing/2010/main" w="9525">
+                <a14:hiddenLine xmlns:a14="http://schemas.microsoft.com/office/drawing/2010/main" xmlns="" w="9525">
                   <a:solidFill>
                     <a:srgbClr val="000000"/>
                   </a:solidFill>
@@ -3997,7 +4009,7 @@
             </a:ln>
             <a:extLst>
               <a:ext uri="{91240B29-F687-4f45-9708-019B960494DF}">
-                <a14:hiddenLine xmlns="" xmlns:a14="http://schemas.microsoft.com/office/drawing/2010/main" w="9525">
+                <a14:hiddenLine xmlns:a14="http://schemas.microsoft.com/office/drawing/2010/main" xmlns="" w="9525">
                   <a:solidFill>
                     <a:srgbClr val="000000"/>
                   </a:solidFill>
@@ -4117,7 +4129,7 @@
             </a:ln>
             <a:extLst>
               <a:ext uri="{91240B29-F687-4f45-9708-019B960494DF}">
-                <a14:hiddenLine xmlns="" xmlns:a14="http://schemas.microsoft.com/office/drawing/2010/main" w="9525">
+                <a14:hiddenLine xmlns:a14="http://schemas.microsoft.com/office/drawing/2010/main" xmlns="" w="9525">
                   <a:solidFill>
                     <a:srgbClr val="000000"/>
                   </a:solidFill>
@@ -4185,7 +4197,7 @@
             </a:ln>
             <a:extLst>
               <a:ext uri="{91240B29-F687-4f45-9708-019B960494DF}">
-                <a14:hiddenLine xmlns="" xmlns:a14="http://schemas.microsoft.com/office/drawing/2010/main" w="9525">
+                <a14:hiddenLine xmlns:a14="http://schemas.microsoft.com/office/drawing/2010/main" xmlns="" w="9525">
                   <a:solidFill>
                     <a:srgbClr val="000000"/>
                   </a:solidFill>
@@ -4275,7 +4287,7 @@
             </a:ln>
             <a:extLst>
               <a:ext uri="{91240B29-F687-4f45-9708-019B960494DF}">
-                <a14:hiddenLine xmlns="" xmlns:a14="http://schemas.microsoft.com/office/drawing/2010/main" w="9525">
+                <a14:hiddenLine xmlns:a14="http://schemas.microsoft.com/office/drawing/2010/main" xmlns="" w="9525">
                   <a:solidFill>
                     <a:srgbClr val="000000"/>
                   </a:solidFill>
@@ -4415,7 +4427,7 @@
           <a:p>
             <a:fld id="{48A87A34-81AB-432B-8DAE-1953F412C126}" type="datetimeFigureOut">
               <a:rPr lang="en-US" dirty="0"/>
-              <a:t>10/31/2022</a:t>
+              <a:t>11/1/2022</a:t>
             </a:fld>
             <a:endParaRPr lang="en-US" dirty="0"/>
           </a:p>
@@ -4677,7 +4689,7 @@
           <a:p>
             <a:fld id="{48A87A34-81AB-432B-8DAE-1953F412C126}" type="datetimeFigureOut">
               <a:rPr lang="en-US" dirty="0"/>
-              <a:t>10/31/2022</a:t>
+              <a:t>11/1/2022</a:t>
             </a:fld>
             <a:endParaRPr lang="en-US" dirty="0"/>
           </a:p>
@@ -4868,7 +4880,7 @@
           <a:p>
             <a:fld id="{48A87A34-81AB-432B-8DAE-1953F412C126}" type="datetimeFigureOut">
               <a:rPr lang="en-US" dirty="0"/>
-              <a:t>10/31/2022</a:t>
+              <a:t>11/1/2022</a:t>
             </a:fld>
             <a:endParaRPr lang="en-US" dirty="0"/>
           </a:p>
@@ -5126,7 +5138,7 @@
           <a:p>
             <a:fld id="{48A87A34-81AB-432B-8DAE-1953F412C126}" type="datetimeFigureOut">
               <a:rPr lang="en-US" dirty="0"/>
-              <a:t>10/31/2022</a:t>
+              <a:t>11/1/2022</a:t>
             </a:fld>
             <a:endParaRPr lang="en-US" dirty="0"/>
           </a:p>
@@ -5555,7 +5567,7 @@
           <a:p>
             <a:fld id="{48A87A34-81AB-432B-8DAE-1953F412C126}" type="datetimeFigureOut">
               <a:rPr lang="en-US" dirty="0"/>
-              <a:t>10/31/2022</a:t>
+              <a:t>11/1/2022</a:t>
             </a:fld>
             <a:endParaRPr lang="en-US" dirty="0"/>
           </a:p>
@@ -6096,7 +6108,7 @@
           <a:p>
             <a:fld id="{48A87A34-81AB-432B-8DAE-1953F412C126}" type="datetimeFigureOut">
               <a:rPr lang="en-US" dirty="0"/>
-              <a:t>10/31/2022</a:t>
+              <a:t>11/1/2022</a:t>
             </a:fld>
             <a:endParaRPr lang="en-US" dirty="0"/>
           </a:p>
@@ -6811,7 +6823,7 @@
           <a:p>
             <a:fld id="{48A87A34-81AB-432B-8DAE-1953F412C126}" type="datetimeFigureOut">
               <a:rPr lang="en-US" dirty="0"/>
-              <a:t>10/31/2022</a:t>
+              <a:t>11/1/2022</a:t>
             </a:fld>
             <a:endParaRPr lang="en-US" dirty="0"/>
           </a:p>
@@ -6976,7 +6988,7 @@
           <a:p>
             <a:fld id="{48A87A34-81AB-432B-8DAE-1953F412C126}" type="datetimeFigureOut">
               <a:rPr lang="en-US" dirty="0"/>
-              <a:t>10/31/2022</a:t>
+              <a:t>11/1/2022</a:t>
             </a:fld>
             <a:endParaRPr lang="en-US" dirty="0"/>
           </a:p>
@@ -7151,7 +7163,7 @@
           <a:p>
             <a:fld id="{48A87A34-81AB-432B-8DAE-1953F412C126}" type="datetimeFigureOut">
               <a:rPr lang="en-US" dirty="0"/>
-              <a:t>10/31/2022</a:t>
+              <a:t>11/1/2022</a:t>
             </a:fld>
             <a:endParaRPr lang="en-US" dirty="0"/>
           </a:p>
@@ -7316,7 +7328,7 @@
           <a:p>
             <a:fld id="{48A87A34-81AB-432B-8DAE-1953F412C126}" type="datetimeFigureOut">
               <a:rPr lang="en-US" dirty="0"/>
-              <a:t>10/31/2022</a:t>
+              <a:t>11/1/2022</a:t>
             </a:fld>
             <a:endParaRPr lang="en-US" dirty="0"/>
           </a:p>
@@ -7561,7 +7573,7 @@
           <a:p>
             <a:fld id="{48A87A34-81AB-432B-8DAE-1953F412C126}" type="datetimeFigureOut">
               <a:rPr lang="en-US" dirty="0"/>
-              <a:t>10/31/2022</a:t>
+              <a:t>11/1/2022</a:t>
             </a:fld>
             <a:endParaRPr lang="en-US" dirty="0"/>
           </a:p>
@@ -7788,7 +7800,7 @@
           <a:p>
             <a:fld id="{48A87A34-81AB-432B-8DAE-1953F412C126}" type="datetimeFigureOut">
               <a:rPr lang="en-US" dirty="0"/>
-              <a:t>10/31/2022</a:t>
+              <a:t>11/1/2022</a:t>
             </a:fld>
             <a:endParaRPr lang="en-US" dirty="0"/>
           </a:p>
@@ -8164,7 +8176,7 @@
           <a:p>
             <a:fld id="{48A87A34-81AB-432B-8DAE-1953F412C126}" type="datetimeFigureOut">
               <a:rPr lang="en-US" dirty="0"/>
-              <a:t>10/31/2022</a:t>
+              <a:t>11/1/2022</a:t>
             </a:fld>
             <a:endParaRPr lang="en-US" dirty="0"/>
           </a:p>
@@ -8277,7 +8289,7 @@
           <a:p>
             <a:fld id="{48A87A34-81AB-432B-8DAE-1953F412C126}" type="datetimeFigureOut">
               <a:rPr lang="en-US" dirty="0"/>
-              <a:t>10/31/2022</a:t>
+              <a:t>11/1/2022</a:t>
             </a:fld>
             <a:endParaRPr lang="en-US" dirty="0"/>
           </a:p>
@@ -8367,7 +8379,7 @@
           <a:p>
             <a:fld id="{48A87A34-81AB-432B-8DAE-1953F412C126}" type="datetimeFigureOut">
               <a:rPr lang="en-US" dirty="0"/>
-              <a:t>10/31/2022</a:t>
+              <a:t>11/1/2022</a:t>
             </a:fld>
             <a:endParaRPr lang="en-US" dirty="0"/>
           </a:p>
@@ -8611,7 +8623,7 @@
           <a:p>
             <a:fld id="{48A87A34-81AB-432B-8DAE-1953F412C126}" type="datetimeFigureOut">
               <a:rPr lang="en-US" dirty="0"/>
-              <a:t>10/31/2022</a:t>
+              <a:t>11/1/2022</a:t>
             </a:fld>
             <a:endParaRPr lang="en-US" dirty="0"/>
           </a:p>
@@ -8886,7 +8898,7 @@
           <a:p>
             <a:fld id="{48A87A34-81AB-432B-8DAE-1953F412C126}" type="datetimeFigureOut">
               <a:rPr lang="en-US" dirty="0"/>
-              <a:t>10/31/2022</a:t>
+              <a:t>11/1/2022</a:t>
             </a:fld>
             <a:endParaRPr lang="en-US" dirty="0"/>
           </a:p>
@@ -9004,7 +9016,7 @@
           <a:noFill/>
           <a:extLst>
             <a:ext uri="{909E8E84-426E-40dd-AFC4-6F175D3DCCD1}">
-              <a14:hiddenFill xmlns="" xmlns:a14="http://schemas.microsoft.com/office/drawing/2010/main">
+              <a14:hiddenFill xmlns:a14="http://schemas.microsoft.com/office/drawing/2010/main" xmlns="">
                 <a:solidFill>
                   <a:srgbClr val="FFFFFF"/>
                 </a:solidFill>
@@ -9078,7 +9090,7 @@
               </a:ln>
               <a:extLst>
                 <a:ext uri="{91240B29-F687-4f45-9708-019B960494DF}">
-                  <a14:hiddenLine xmlns="" xmlns:a14="http://schemas.microsoft.com/office/drawing/2010/main" w="9525">
+                  <a14:hiddenLine xmlns:a14="http://schemas.microsoft.com/office/drawing/2010/main" xmlns="" w="9525">
                     <a:solidFill>
                       <a:srgbClr val="000000"/>
                     </a:solidFill>
@@ -9168,7 +9180,7 @@
               </a:ln>
               <a:extLst>
                 <a:ext uri="{91240B29-F687-4f45-9708-019B960494DF}">
-                  <a14:hiddenLine xmlns="" xmlns:a14="http://schemas.microsoft.com/office/drawing/2010/main" w="9525">
+                  <a14:hiddenLine xmlns:a14="http://schemas.microsoft.com/office/drawing/2010/main" xmlns="" w="9525">
                     <a:solidFill>
                       <a:srgbClr val="000000"/>
                     </a:solidFill>
@@ -9258,7 +9270,7 @@
               </a:ln>
               <a:extLst>
                 <a:ext uri="{91240B29-F687-4f45-9708-019B960494DF}">
-                  <a14:hiddenLine xmlns="" xmlns:a14="http://schemas.microsoft.com/office/drawing/2010/main" w="9525">
+                  <a14:hiddenLine xmlns:a14="http://schemas.microsoft.com/office/drawing/2010/main" xmlns="" w="9525">
                     <a:solidFill>
                       <a:srgbClr val="000000"/>
                     </a:solidFill>
@@ -9320,7 +9332,7 @@
               </a:ln>
               <a:extLst>
                 <a:ext uri="{91240B29-F687-4f45-9708-019B960494DF}">
-                  <a14:hiddenLine xmlns="" xmlns:a14="http://schemas.microsoft.com/office/drawing/2010/main" w="9525">
+                  <a14:hiddenLine xmlns:a14="http://schemas.microsoft.com/office/drawing/2010/main" xmlns="" w="9525">
                     <a:solidFill>
                       <a:srgbClr val="000000"/>
                     </a:solidFill>
@@ -9410,7 +9422,7 @@
               </a:ln>
               <a:extLst>
                 <a:ext uri="{91240B29-F687-4f45-9708-019B960494DF}">
-                  <a14:hiddenLine xmlns="" xmlns:a14="http://schemas.microsoft.com/office/drawing/2010/main" w="9525">
+                  <a14:hiddenLine xmlns:a14="http://schemas.microsoft.com/office/drawing/2010/main" xmlns="" w="9525">
                     <a:solidFill>
                       <a:srgbClr val="000000"/>
                     </a:solidFill>
@@ -9472,7 +9484,7 @@
               </a:ln>
               <a:extLst>
                 <a:ext uri="{91240B29-F687-4f45-9708-019B960494DF}">
-                  <a14:hiddenLine xmlns="" xmlns:a14="http://schemas.microsoft.com/office/drawing/2010/main" w="9525">
+                  <a14:hiddenLine xmlns:a14="http://schemas.microsoft.com/office/drawing/2010/main" xmlns="" w="9525">
                     <a:solidFill>
                       <a:srgbClr val="000000"/>
                     </a:solidFill>
@@ -9534,7 +9546,7 @@
               </a:ln>
               <a:extLst>
                 <a:ext uri="{91240B29-F687-4f45-9708-019B960494DF}">
-                  <a14:hiddenLine xmlns="" xmlns:a14="http://schemas.microsoft.com/office/drawing/2010/main" w="9525">
+                  <a14:hiddenLine xmlns:a14="http://schemas.microsoft.com/office/drawing/2010/main" xmlns="" w="9525">
                     <a:solidFill>
                       <a:srgbClr val="000000"/>
                     </a:solidFill>
@@ -9624,7 +9636,7 @@
               </a:ln>
               <a:extLst>
                 <a:ext uri="{91240B29-F687-4f45-9708-019B960494DF}">
-                  <a14:hiddenLine xmlns="" xmlns:a14="http://schemas.microsoft.com/office/drawing/2010/main" w="9525">
+                  <a14:hiddenLine xmlns:a14="http://schemas.microsoft.com/office/drawing/2010/main" xmlns="" w="9525">
                     <a:solidFill>
                       <a:srgbClr val="000000"/>
                     </a:solidFill>
@@ -9714,7 +9726,7 @@
               </a:ln>
               <a:extLst>
                 <a:ext uri="{91240B29-F687-4f45-9708-019B960494DF}">
-                  <a14:hiddenLine xmlns="" xmlns:a14="http://schemas.microsoft.com/office/drawing/2010/main" w="9525">
+                  <a14:hiddenLine xmlns:a14="http://schemas.microsoft.com/office/drawing/2010/main" xmlns="" w="9525">
                     <a:solidFill>
                       <a:srgbClr val="000000"/>
                     </a:solidFill>
@@ -9776,7 +9788,7 @@
               </a:ln>
               <a:extLst>
                 <a:ext uri="{91240B29-F687-4f45-9708-019B960494DF}">
-                  <a14:hiddenLine xmlns="" xmlns:a14="http://schemas.microsoft.com/office/drawing/2010/main" w="9525">
+                  <a14:hiddenLine xmlns:a14="http://schemas.microsoft.com/office/drawing/2010/main" xmlns="" w="9525">
                     <a:solidFill>
                       <a:srgbClr val="000000"/>
                     </a:solidFill>
@@ -9886,7 +9898,7 @@
               </a:ln>
               <a:extLst>
                 <a:ext uri="{91240B29-F687-4f45-9708-019B960494DF}">
-                  <a14:hiddenLine xmlns="" xmlns:a14="http://schemas.microsoft.com/office/drawing/2010/main" w="9525">
+                  <a14:hiddenLine xmlns:a14="http://schemas.microsoft.com/office/drawing/2010/main" xmlns="" w="9525">
                     <a:solidFill>
                       <a:srgbClr val="000000"/>
                     </a:solidFill>
@@ -9970,7 +9982,7 @@
               </a:ln>
               <a:extLst>
                 <a:ext uri="{91240B29-F687-4f45-9708-019B960494DF}">
-                  <a14:hiddenLine xmlns="" xmlns:a14="http://schemas.microsoft.com/office/drawing/2010/main" w="9525">
+                  <a14:hiddenLine xmlns:a14="http://schemas.microsoft.com/office/drawing/2010/main" xmlns="" w="9525">
                     <a:solidFill>
                       <a:srgbClr val="000000"/>
                     </a:solidFill>
@@ -10032,7 +10044,7 @@
               </a:ln>
               <a:extLst>
                 <a:ext uri="{91240B29-F687-4f45-9708-019B960494DF}">
-                  <a14:hiddenLine xmlns="" xmlns:a14="http://schemas.microsoft.com/office/drawing/2010/main" w="9525">
+                  <a14:hiddenLine xmlns:a14="http://schemas.microsoft.com/office/drawing/2010/main" xmlns="" w="9525">
                     <a:solidFill>
                       <a:srgbClr val="000000"/>
                     </a:solidFill>
@@ -10094,7 +10106,7 @@
               </a:ln>
               <a:extLst>
                 <a:ext uri="{91240B29-F687-4f45-9708-019B960494DF}">
-                  <a14:hiddenLine xmlns="" xmlns:a14="http://schemas.microsoft.com/office/drawing/2010/main" w="9525">
+                  <a14:hiddenLine xmlns:a14="http://schemas.microsoft.com/office/drawing/2010/main" xmlns="" w="9525">
                     <a:solidFill>
                       <a:srgbClr val="000000"/>
                     </a:solidFill>
@@ -10184,7 +10196,7 @@
               </a:ln>
               <a:extLst>
                 <a:ext uri="{91240B29-F687-4f45-9708-019B960494DF}">
-                  <a14:hiddenLine xmlns="" xmlns:a14="http://schemas.microsoft.com/office/drawing/2010/main" w="9525">
+                  <a14:hiddenLine xmlns:a14="http://schemas.microsoft.com/office/drawing/2010/main" xmlns="" w="9525">
                     <a:solidFill>
                       <a:srgbClr val="000000"/>
                     </a:solidFill>
@@ -10218,7 +10230,7 @@
               </a:ln>
               <a:extLst>
                 <a:ext uri="{91240B29-F687-4f45-9708-019B960494DF}">
-                  <a14:hiddenLine xmlns="" xmlns:a14="http://schemas.microsoft.com/office/drawing/2010/main" w="9525">
+                  <a14:hiddenLine xmlns:a14="http://schemas.microsoft.com/office/drawing/2010/main" xmlns="" w="9525">
                     <a:solidFill>
                       <a:srgbClr val="000000"/>
                     </a:solidFill>
@@ -10283,7 +10295,7 @@
               </a:ln>
               <a:extLst>
                 <a:ext uri="{91240B29-F687-4f45-9708-019B960494DF}">
-                  <a14:hiddenLine xmlns="" xmlns:a14="http://schemas.microsoft.com/office/drawing/2010/main" w="9525">
+                  <a14:hiddenLine xmlns:a14="http://schemas.microsoft.com/office/drawing/2010/main" xmlns="" w="9525">
                     <a:solidFill>
                       <a:srgbClr val="000000"/>
                     </a:solidFill>
@@ -10373,7 +10385,7 @@
               </a:ln>
               <a:extLst>
                 <a:ext uri="{91240B29-F687-4f45-9708-019B960494DF}">
-                  <a14:hiddenLine xmlns="" xmlns:a14="http://schemas.microsoft.com/office/drawing/2010/main" w="9525">
+                  <a14:hiddenLine xmlns:a14="http://schemas.microsoft.com/office/drawing/2010/main" xmlns="" w="9525">
                     <a:solidFill>
                       <a:srgbClr val="000000"/>
                     </a:solidFill>
@@ -10435,7 +10447,7 @@
               </a:ln>
               <a:extLst>
                 <a:ext uri="{91240B29-F687-4f45-9708-019B960494DF}">
-                  <a14:hiddenLine xmlns="" xmlns:a14="http://schemas.microsoft.com/office/drawing/2010/main" w="9525">
+                  <a14:hiddenLine xmlns:a14="http://schemas.microsoft.com/office/drawing/2010/main" xmlns="" w="9525">
                     <a:solidFill>
                       <a:srgbClr val="000000"/>
                     </a:solidFill>
@@ -10525,7 +10537,7 @@
               </a:ln>
               <a:extLst>
                 <a:ext uri="{91240B29-F687-4f45-9708-019B960494DF}">
-                  <a14:hiddenLine xmlns="" xmlns:a14="http://schemas.microsoft.com/office/drawing/2010/main" w="9525">
+                  <a14:hiddenLine xmlns:a14="http://schemas.microsoft.com/office/drawing/2010/main" xmlns="" w="9525">
                     <a:solidFill>
                       <a:srgbClr val="000000"/>
                     </a:solidFill>
@@ -10590,7 +10602,7 @@
               </a:ln>
               <a:extLst>
                 <a:ext uri="{91240B29-F687-4f45-9708-019B960494DF}">
-                  <a14:hiddenLine xmlns="" xmlns:a14="http://schemas.microsoft.com/office/drawing/2010/main" w="9525">
+                  <a14:hiddenLine xmlns:a14="http://schemas.microsoft.com/office/drawing/2010/main" xmlns="" w="9525">
                     <a:solidFill>
                       <a:srgbClr val="000000"/>
                     </a:solidFill>
@@ -10652,7 +10664,7 @@
               </a:ln>
               <a:extLst>
                 <a:ext uri="{91240B29-F687-4f45-9708-019B960494DF}">
-                  <a14:hiddenLine xmlns="" xmlns:a14="http://schemas.microsoft.com/office/drawing/2010/main" w="9525">
+                  <a14:hiddenLine xmlns:a14="http://schemas.microsoft.com/office/drawing/2010/main" xmlns="" w="9525">
                     <a:solidFill>
                       <a:srgbClr val="000000"/>
                     </a:solidFill>
@@ -10742,7 +10754,7 @@
               </a:ln>
               <a:extLst>
                 <a:ext uri="{91240B29-F687-4f45-9708-019B960494DF}">
-                  <a14:hiddenLine xmlns="" xmlns:a14="http://schemas.microsoft.com/office/drawing/2010/main" w="9525">
+                  <a14:hiddenLine xmlns:a14="http://schemas.microsoft.com/office/drawing/2010/main" xmlns="" w="9525">
                     <a:solidFill>
                       <a:srgbClr val="000000"/>
                     </a:solidFill>
@@ -10832,7 +10844,7 @@
               </a:ln>
               <a:extLst>
                 <a:ext uri="{91240B29-F687-4f45-9708-019B960494DF}">
-                  <a14:hiddenLine xmlns="" xmlns:a14="http://schemas.microsoft.com/office/drawing/2010/main" w="9525">
+                  <a14:hiddenLine xmlns:a14="http://schemas.microsoft.com/office/drawing/2010/main" xmlns="" w="9525">
                     <a:solidFill>
                       <a:srgbClr val="000000"/>
                     </a:solidFill>
@@ -10897,7 +10909,7 @@
               </a:ln>
               <a:extLst>
                 <a:ext uri="{91240B29-F687-4f45-9708-019B960494DF}">
-                  <a14:hiddenLine xmlns="" xmlns:a14="http://schemas.microsoft.com/office/drawing/2010/main" w="9525">
+                  <a14:hiddenLine xmlns:a14="http://schemas.microsoft.com/office/drawing/2010/main" xmlns="" w="9525">
                     <a:solidFill>
                       <a:srgbClr val="000000"/>
                     </a:solidFill>
@@ -11017,7 +11029,7 @@
               </a:ln>
               <a:extLst>
                 <a:ext uri="{91240B29-F687-4f45-9708-019B960494DF}">
-                  <a14:hiddenLine xmlns="" xmlns:a14="http://schemas.microsoft.com/office/drawing/2010/main" w="9525">
+                  <a14:hiddenLine xmlns:a14="http://schemas.microsoft.com/office/drawing/2010/main" xmlns="" w="9525">
                     <a:solidFill>
                       <a:srgbClr val="000000"/>
                     </a:solidFill>
@@ -11115,7 +11127,7 @@
               </a:ln>
               <a:extLst>
                 <a:ext uri="{91240B29-F687-4f45-9708-019B960494DF}">
-                  <a14:hiddenLine xmlns="" xmlns:a14="http://schemas.microsoft.com/office/drawing/2010/main" w="9525">
+                  <a14:hiddenLine xmlns:a14="http://schemas.microsoft.com/office/drawing/2010/main" xmlns="" w="9525">
                     <a:solidFill>
                       <a:srgbClr val="000000"/>
                     </a:solidFill>
@@ -11230,7 +11242,7 @@
               </a:ln>
               <a:extLst>
                 <a:ext uri="{91240B29-F687-4f45-9708-019B960494DF}">
-                  <a14:hiddenLine xmlns="" xmlns:a14="http://schemas.microsoft.com/office/drawing/2010/main" w="9525">
+                  <a14:hiddenLine xmlns:a14="http://schemas.microsoft.com/office/drawing/2010/main" xmlns="" w="9525">
                     <a:solidFill>
                       <a:srgbClr val="000000"/>
                     </a:solidFill>
@@ -11320,7 +11332,7 @@
               </a:ln>
               <a:extLst>
                 <a:ext uri="{91240B29-F687-4f45-9708-019B960494DF}">
-                  <a14:hiddenLine xmlns="" xmlns:a14="http://schemas.microsoft.com/office/drawing/2010/main" w="9525">
+                  <a14:hiddenLine xmlns:a14="http://schemas.microsoft.com/office/drawing/2010/main" xmlns="" w="9525">
                     <a:solidFill>
                       <a:srgbClr val="000000"/>
                     </a:solidFill>
@@ -11385,7 +11397,7 @@
               </a:ln>
               <a:extLst>
                 <a:ext uri="{91240B29-F687-4f45-9708-019B960494DF}">
-                  <a14:hiddenLine xmlns="" xmlns:a14="http://schemas.microsoft.com/office/drawing/2010/main" w="9525">
+                  <a14:hiddenLine xmlns:a14="http://schemas.microsoft.com/office/drawing/2010/main" xmlns="" w="9525">
                     <a:solidFill>
                       <a:srgbClr val="000000"/>
                     </a:solidFill>
@@ -11475,7 +11487,7 @@
               </a:ln>
               <a:extLst>
                 <a:ext uri="{91240B29-F687-4f45-9708-019B960494DF}">
-                  <a14:hiddenLine xmlns="" xmlns:a14="http://schemas.microsoft.com/office/drawing/2010/main" w="9525">
+                  <a14:hiddenLine xmlns:a14="http://schemas.microsoft.com/office/drawing/2010/main" xmlns="" w="9525">
                     <a:solidFill>
                       <a:srgbClr val="000000"/>
                     </a:solidFill>
@@ -11543,7 +11555,7 @@
               </a:ln>
               <a:extLst>
                 <a:ext uri="{91240B29-F687-4f45-9708-019B960494DF}">
-                  <a14:hiddenLine xmlns="" xmlns:a14="http://schemas.microsoft.com/office/drawing/2010/main" w="9525">
+                  <a14:hiddenLine xmlns:a14="http://schemas.microsoft.com/office/drawing/2010/main" xmlns="" w="9525">
                     <a:solidFill>
                       <a:srgbClr val="000000"/>
                     </a:solidFill>
@@ -11633,7 +11645,7 @@
               </a:ln>
               <a:extLst>
                 <a:ext uri="{91240B29-F687-4f45-9708-019B960494DF}">
-                  <a14:hiddenLine xmlns="" xmlns:a14="http://schemas.microsoft.com/office/drawing/2010/main" w="9525">
+                  <a14:hiddenLine xmlns:a14="http://schemas.microsoft.com/office/drawing/2010/main" xmlns="" w="9525">
                     <a:solidFill>
                       <a:srgbClr val="000000"/>
                     </a:solidFill>
@@ -11701,7 +11713,7 @@
               </a:ln>
               <a:extLst>
                 <a:ext uri="{91240B29-F687-4f45-9708-019B960494DF}">
-                  <a14:hiddenLine xmlns="" xmlns:a14="http://schemas.microsoft.com/office/drawing/2010/main" w="9525">
+                  <a14:hiddenLine xmlns:a14="http://schemas.microsoft.com/office/drawing/2010/main" xmlns="" w="9525">
                     <a:solidFill>
                       <a:srgbClr val="000000"/>
                     </a:solidFill>
@@ -11791,7 +11803,7 @@
               </a:ln>
               <a:extLst>
                 <a:ext uri="{91240B29-F687-4f45-9708-019B960494DF}">
-                  <a14:hiddenLine xmlns="" xmlns:a14="http://schemas.microsoft.com/office/drawing/2010/main" w="9525">
+                  <a14:hiddenLine xmlns:a14="http://schemas.microsoft.com/office/drawing/2010/main" xmlns="" w="9525">
                     <a:solidFill>
                       <a:srgbClr val="000000"/>
                     </a:solidFill>
@@ -11825,7 +11837,7 @@
               </a:ln>
               <a:extLst>
                 <a:ext uri="{91240B29-F687-4f45-9708-019B960494DF}">
-                  <a14:hiddenLine xmlns="" xmlns:a14="http://schemas.microsoft.com/office/drawing/2010/main" w="9525">
+                  <a14:hiddenLine xmlns:a14="http://schemas.microsoft.com/office/drawing/2010/main" xmlns="" w="9525">
                     <a:solidFill>
                       <a:srgbClr val="000000"/>
                     </a:solidFill>
@@ -11966,7 +11978,7 @@
             <a:fld id="{48A87A34-81AB-432B-8DAE-1953F412C126}" type="datetimeFigureOut">
               <a:rPr lang="en-US" dirty="0"/>
               <a:pPr/>
-              <a:t>10/31/2022</a:t>
+              <a:t>11/1/2022</a:t>
             </a:fld>
             <a:endParaRPr lang="en-US" dirty="0"/>
           </a:p>
@@ -13995,6 +14007,1104 @@
 </p:sld>
 </file>
 
+<file path=ppt/slides/slide22.xml><?xml version="1.0" encoding="utf-8"?>
+<p:sld xmlns:a="http://schemas.openxmlformats.org/drawingml/2006/main" xmlns:r="http://schemas.openxmlformats.org/officeDocument/2006/relationships" xmlns:p="http://schemas.openxmlformats.org/presentationml/2006/main">
+  <p:cSld>
+    <p:spTree>
+      <p:nvGrpSpPr>
+        <p:cNvPr id="1" name=""/>
+        <p:cNvGrpSpPr/>
+        <p:nvPr/>
+      </p:nvGrpSpPr>
+      <p:grpSpPr>
+        <a:xfrm>
+          <a:off x="0" y="0"/>
+          <a:ext cx="0" cy="0"/>
+          <a:chOff x="0" y="0"/>
+          <a:chExt cx="0" cy="0"/>
+        </a:xfrm>
+      </p:grpSpPr>
+      <p:sp>
+        <p:nvSpPr>
+          <p:cNvPr id="2" name="Title 1"/>
+          <p:cNvSpPr>
+            <a:spLocks noGrp="1"/>
+          </p:cNvSpPr>
+          <p:nvPr>
+            <p:ph type="title"/>
+          </p:nvPr>
+        </p:nvSpPr>
+        <p:spPr/>
+        <p:txBody>
+          <a:bodyPr/>
+          <a:lstStyle/>
+          <a:p>
+            <a:r>
+              <a:rPr lang="sr-Latn-RS" dirty="0" smtClean="0"/>
+              <a:t>Npm</a:t>
+            </a:r>
+            <a:endParaRPr lang="en-US" dirty="0"/>
+          </a:p>
+        </p:txBody>
+      </p:sp>
+      <p:sp>
+        <p:nvSpPr>
+          <p:cNvPr id="3" name="Content Placeholder 2"/>
+          <p:cNvSpPr>
+            <a:spLocks noGrp="1"/>
+          </p:cNvSpPr>
+          <p:nvPr>
+            <p:ph idx="1"/>
+          </p:nvPr>
+        </p:nvSpPr>
+        <p:spPr/>
+        <p:txBody>
+          <a:bodyPr/>
+          <a:lstStyle/>
+          <a:p>
+            <a:r>
+              <a:rPr lang="sr-Latn-RS" dirty="0" smtClean="0"/>
+              <a:t>Do sada smo se susreli sa dve vrste modula, onim koje sami kreiramo i onim koji su ugrađeni u sam node, ali postoji i treći tip modula. Ove module je neko uradio, okačio na internet i omogućio nama da ih preuzmemo i koristimo. </a:t>
+            </a:r>
+            <a:r>
+              <a:rPr lang="sr-Latn-RS" dirty="0" smtClean="0">
+                <a:effectLst/>
+              </a:rPr>
+              <a:t>Takvi moduli se mogu nazvati i paketima, zasvisnostima (dependecies). Da bi radili sa tim paketima koristimo npm (Node Package Menager). Npm se instalira zajedno sa node-om. Npm paketi se mogu instalirati lokalno za projekat, a mogu se instalirati i globalno.</a:t>
+            </a:r>
+            <a:endParaRPr lang="sr-Latn-RS" dirty="0"/>
+          </a:p>
+        </p:txBody>
+      </p:sp>
+    </p:spTree>
+    <p:extLst>
+      <p:ext uri="{BB962C8B-B14F-4D97-AF65-F5344CB8AC3E}">
+        <p14:creationId xmlns:p14="http://schemas.microsoft.com/office/powerpoint/2010/main" val="3675259306"/>
+      </p:ext>
+    </p:extLst>
+  </p:cSld>
+  <p:clrMapOvr>
+    <a:masterClrMapping/>
+  </p:clrMapOvr>
+</p:sld>
+</file>
+
+<file path=ppt/slides/slide23.xml><?xml version="1.0" encoding="utf-8"?>
+<p:sld xmlns:a="http://schemas.openxmlformats.org/drawingml/2006/main" xmlns:r="http://schemas.openxmlformats.org/officeDocument/2006/relationships" xmlns:p="http://schemas.openxmlformats.org/presentationml/2006/main">
+  <p:cSld>
+    <p:spTree>
+      <p:nvGrpSpPr>
+        <p:cNvPr id="1" name=""/>
+        <p:cNvGrpSpPr/>
+        <p:nvPr/>
+      </p:nvGrpSpPr>
+      <p:grpSpPr>
+        <a:xfrm>
+          <a:off x="0" y="0"/>
+          <a:ext cx="0" cy="0"/>
+          <a:chOff x="0" y="0"/>
+          <a:chExt cx="0" cy="0"/>
+        </a:xfrm>
+      </p:grpSpPr>
+      <p:sp>
+        <p:nvSpPr>
+          <p:cNvPr id="2" name="Title 1"/>
+          <p:cNvSpPr>
+            <a:spLocks noGrp="1"/>
+          </p:cNvSpPr>
+          <p:nvPr>
+            <p:ph type="title"/>
+          </p:nvPr>
+        </p:nvSpPr>
+        <p:spPr/>
+        <p:txBody>
+          <a:bodyPr/>
+          <a:lstStyle/>
+          <a:p>
+            <a:r>
+              <a:rPr lang="sr-Latn-RS" dirty="0" smtClean="0"/>
+              <a:t>Instalacija npm paketa</a:t>
+            </a:r>
+            <a:endParaRPr lang="en-US" dirty="0"/>
+          </a:p>
+        </p:txBody>
+      </p:sp>
+      <p:sp>
+        <p:nvSpPr>
+          <p:cNvPr id="3" name="Content Placeholder 2"/>
+          <p:cNvSpPr>
+            <a:spLocks noGrp="1"/>
+          </p:cNvSpPr>
+          <p:nvPr>
+            <p:ph idx="1"/>
+          </p:nvPr>
+        </p:nvSpPr>
+        <p:spPr/>
+        <p:txBody>
+          <a:bodyPr/>
+          <a:lstStyle/>
+          <a:p>
+            <a:r>
+              <a:rPr lang="sr-Latn-RS" dirty="0" smtClean="0"/>
+              <a:t>Da bi instalirali paket potrebno je da pokrenemo odgovorajuću npm naredbu u terminalu foldera gde želimo da instaliramo paket</a:t>
+            </a:r>
+          </a:p>
+          <a:p>
+            <a:r>
+              <a:rPr lang="sr-Latn-RS" dirty="0" smtClean="0"/>
+              <a:t>Naredba za instalaciju npm paketa je: </a:t>
+            </a:r>
+            <a:br>
+              <a:rPr lang="sr-Latn-RS" dirty="0" smtClean="0"/>
+            </a:br>
+            <a:r>
+              <a:rPr lang="sr-Latn-RS" dirty="0" smtClean="0"/>
+              <a:t>npm install &lt;package_name&gt; [opcioni_parametri].</a:t>
+            </a:r>
+          </a:p>
+          <a:p>
+            <a:r>
+              <a:rPr lang="sr-Latn-RS" dirty="0" smtClean="0"/>
+              <a:t>Umesto pune reči install dovoljno je napisati „i“</a:t>
+            </a:r>
+          </a:p>
+        </p:txBody>
+      </p:sp>
+    </p:spTree>
+    <p:extLst>
+      <p:ext uri="{BB962C8B-B14F-4D97-AF65-F5344CB8AC3E}">
+        <p14:creationId xmlns:p14="http://schemas.microsoft.com/office/powerpoint/2010/main" val="332542149"/>
+      </p:ext>
+    </p:extLst>
+  </p:cSld>
+  <p:clrMapOvr>
+    <a:masterClrMapping/>
+  </p:clrMapOvr>
+</p:sld>
+</file>
+
+<file path=ppt/slides/slide24.xml><?xml version="1.0" encoding="utf-8"?>
+<p:sld xmlns:a="http://schemas.openxmlformats.org/drawingml/2006/main" xmlns:r="http://schemas.openxmlformats.org/officeDocument/2006/relationships" xmlns:p="http://schemas.openxmlformats.org/presentationml/2006/main">
+  <p:cSld>
+    <p:spTree>
+      <p:nvGrpSpPr>
+        <p:cNvPr id="1" name=""/>
+        <p:cNvGrpSpPr/>
+        <p:nvPr/>
+      </p:nvGrpSpPr>
+      <p:grpSpPr>
+        <a:xfrm>
+          <a:off x="0" y="0"/>
+          <a:ext cx="0" cy="0"/>
+          <a:chOff x="0" y="0"/>
+          <a:chExt cx="0" cy="0"/>
+        </a:xfrm>
+      </p:grpSpPr>
+      <p:sp>
+        <p:nvSpPr>
+          <p:cNvPr id="2" name="Title 1"/>
+          <p:cNvSpPr>
+            <a:spLocks noGrp="1"/>
+          </p:cNvSpPr>
+          <p:nvPr>
+            <p:ph type="title"/>
+          </p:nvPr>
+        </p:nvSpPr>
+        <p:spPr/>
+        <p:txBody>
+          <a:bodyPr/>
+          <a:lstStyle/>
+          <a:p>
+            <a:r>
+              <a:rPr lang="sr-Latn-RS" dirty="0" smtClean="0"/>
+              <a:t>Fajl package.json</a:t>
+            </a:r>
+            <a:endParaRPr lang="en-US" dirty="0"/>
+          </a:p>
+        </p:txBody>
+      </p:sp>
+      <p:sp>
+        <p:nvSpPr>
+          <p:cNvPr id="3" name="Content Placeholder 2"/>
+          <p:cNvSpPr>
+            <a:spLocks noGrp="1"/>
+          </p:cNvSpPr>
+          <p:nvPr>
+            <p:ph idx="1"/>
+          </p:nvPr>
+        </p:nvSpPr>
+        <p:spPr>
+          <a:xfrm>
+            <a:off x="606574" y="1699404"/>
+            <a:ext cx="11004581" cy="4779034"/>
+          </a:xfrm>
+        </p:spPr>
+        <p:txBody>
+          <a:bodyPr>
+            <a:normAutofit/>
+          </a:bodyPr>
+          <a:lstStyle/>
+          <a:p>
+            <a:r>
+              <a:rPr lang="en-US" dirty="0" err="1"/>
+              <a:t>Package.json</a:t>
+            </a:r>
+            <a:r>
+              <a:rPr lang="en-US" dirty="0"/>
+              <a:t> se </a:t>
+            </a:r>
+            <a:r>
+              <a:rPr lang="en-US" dirty="0" err="1"/>
+              <a:t>koristi</a:t>
+            </a:r>
+            <a:r>
+              <a:rPr lang="en-US" dirty="0"/>
+              <a:t> od </a:t>
+            </a:r>
+            <a:r>
+              <a:rPr lang="en-US" dirty="0" err="1"/>
+              <a:t>strane</a:t>
+            </a:r>
+            <a:r>
+              <a:rPr lang="en-US" dirty="0"/>
+              <a:t> </a:t>
+            </a:r>
+            <a:r>
+              <a:rPr lang="en-US" dirty="0" err="1"/>
+              <a:t>npm</a:t>
+            </a:r>
+            <a:r>
+              <a:rPr lang="en-US" dirty="0"/>
+              <a:t>-a </a:t>
+            </a:r>
+            <a:r>
+              <a:rPr lang="en-US" dirty="0" err="1"/>
+              <a:t>jer</a:t>
+            </a:r>
+            <a:r>
+              <a:rPr lang="en-US" dirty="0"/>
+              <a:t> </a:t>
+            </a:r>
+            <a:r>
+              <a:rPr lang="en-US" dirty="0" err="1"/>
+              <a:t>čuva</a:t>
+            </a:r>
+            <a:r>
+              <a:rPr lang="en-US" dirty="0"/>
+              <a:t> meta </a:t>
+            </a:r>
+            <a:r>
+              <a:rPr lang="en-US" dirty="0" err="1"/>
+              <a:t>podatke</a:t>
+            </a:r>
+            <a:r>
+              <a:rPr lang="en-US" dirty="0"/>
+              <a:t> </a:t>
+            </a:r>
+            <a:r>
+              <a:rPr lang="en-US" dirty="0" err="1"/>
+              <a:t>vezane</a:t>
+            </a:r>
+            <a:r>
+              <a:rPr lang="en-US" dirty="0"/>
+              <a:t> </a:t>
+            </a:r>
+            <a:r>
+              <a:rPr lang="en-US" dirty="0" err="1"/>
+              <a:t>za</a:t>
+            </a:r>
+            <a:r>
+              <a:rPr lang="en-US" dirty="0"/>
+              <a:t> module </a:t>
+            </a:r>
+            <a:r>
+              <a:rPr lang="en-US" dirty="0" err="1"/>
+              <a:t>koje</a:t>
+            </a:r>
+            <a:r>
+              <a:rPr lang="en-US" dirty="0"/>
+              <a:t> </a:t>
+            </a:r>
+            <a:r>
+              <a:rPr lang="en-US" dirty="0" err="1"/>
+              <a:t>instalira</a:t>
+            </a:r>
+            <a:r>
+              <a:rPr lang="en-US" dirty="0"/>
+              <a:t> </a:t>
+            </a:r>
+            <a:r>
+              <a:rPr lang="en-US" dirty="0" err="1"/>
+              <a:t>npm</a:t>
+            </a:r>
+            <a:r>
+              <a:rPr lang="en-US" dirty="0"/>
+              <a:t> u </a:t>
+            </a:r>
+            <a:r>
+              <a:rPr lang="en-US" dirty="0" err="1"/>
+              <a:t>okviru</a:t>
+            </a:r>
+            <a:r>
+              <a:rPr lang="en-US" dirty="0"/>
+              <a:t> </a:t>
+            </a:r>
+            <a:r>
+              <a:rPr lang="en-US" dirty="0" err="1"/>
+              <a:t>projekta</a:t>
+            </a:r>
+            <a:r>
+              <a:rPr lang="en-US" dirty="0"/>
+              <a:t>. </a:t>
+            </a:r>
+            <a:r>
+              <a:rPr lang="en-US" dirty="0" err="1"/>
+              <a:t>Unutar</a:t>
+            </a:r>
+            <a:r>
+              <a:rPr lang="en-US" dirty="0"/>
+              <a:t> </a:t>
+            </a:r>
+            <a:r>
+              <a:rPr lang="en-US" dirty="0" err="1"/>
+              <a:t>fajla</a:t>
+            </a:r>
+            <a:r>
+              <a:rPr lang="en-US" dirty="0"/>
+              <a:t> se </a:t>
+            </a:r>
+            <a:r>
+              <a:rPr lang="en-US" dirty="0" err="1"/>
+              <a:t>nalazi</a:t>
+            </a:r>
+            <a:r>
+              <a:rPr lang="en-US" dirty="0"/>
+              <a:t> </a:t>
+            </a:r>
+            <a:r>
+              <a:rPr lang="en-US" dirty="0" err="1"/>
+              <a:t>lista</a:t>
+            </a:r>
+            <a:r>
+              <a:rPr lang="en-US" dirty="0"/>
+              <a:t> </a:t>
+            </a:r>
+            <a:r>
+              <a:rPr lang="en-US" dirty="0" err="1"/>
+              <a:t>i</a:t>
+            </a:r>
+            <a:r>
+              <a:rPr lang="en-US" dirty="0"/>
+              <a:t> </a:t>
+            </a:r>
+            <a:r>
+              <a:rPr lang="en-US" dirty="0" err="1"/>
+              <a:t>mapa</a:t>
+            </a:r>
+            <a:r>
+              <a:rPr lang="en-US" dirty="0"/>
+              <a:t> </a:t>
+            </a:r>
+            <a:r>
+              <a:rPr lang="en-US" dirty="0" err="1"/>
+              <a:t>sa</a:t>
+            </a:r>
+            <a:r>
+              <a:rPr lang="en-US" dirty="0"/>
+              <a:t> </a:t>
+            </a:r>
+            <a:r>
+              <a:rPr lang="en-US" dirty="0" err="1"/>
+              <a:t>zavisnostima</a:t>
+            </a:r>
+            <a:r>
+              <a:rPr lang="en-US" dirty="0"/>
+              <a:t> </a:t>
+            </a:r>
+            <a:r>
+              <a:rPr lang="en-US" dirty="0" err="1"/>
+              <a:t>projekta</a:t>
+            </a:r>
+            <a:r>
+              <a:rPr lang="en-US" dirty="0"/>
+              <a:t> (</a:t>
+            </a:r>
+            <a:r>
+              <a:rPr lang="en-US" dirty="0" err="1"/>
+              <a:t>dependecies</a:t>
+            </a:r>
+            <a:r>
+              <a:rPr lang="en-US" dirty="0"/>
+              <a:t> </a:t>
+            </a:r>
+            <a:r>
+              <a:rPr lang="en-US" dirty="0" err="1"/>
+              <a:t>ili</a:t>
+            </a:r>
+            <a:r>
+              <a:rPr lang="en-US" dirty="0"/>
+              <a:t> </a:t>
+            </a:r>
+            <a:r>
+              <a:rPr lang="en-US" dirty="0" err="1"/>
+              <a:t>devDependecies</a:t>
+            </a:r>
+            <a:r>
+              <a:rPr lang="en-US" dirty="0"/>
+              <a:t>) </a:t>
+            </a:r>
+            <a:r>
+              <a:rPr lang="en-US" dirty="0" err="1"/>
+              <a:t>koji</a:t>
+            </a:r>
+            <a:r>
+              <a:rPr lang="en-US" dirty="0"/>
+              <a:t> </a:t>
+            </a:r>
+            <a:r>
+              <a:rPr lang="en-US" dirty="0" err="1"/>
+              <a:t>mogu</a:t>
+            </a:r>
+            <a:r>
+              <a:rPr lang="en-US" dirty="0"/>
+              <a:t> da se </a:t>
+            </a:r>
+            <a:r>
+              <a:rPr lang="en-US" dirty="0" err="1"/>
+              <a:t>downloaduju</a:t>
+            </a:r>
+            <a:r>
+              <a:rPr lang="en-US" dirty="0"/>
+              <a:t>. </a:t>
+            </a:r>
+            <a:r>
+              <a:rPr lang="en-US" dirty="0" err="1"/>
+              <a:t>Ovime</a:t>
+            </a:r>
+            <a:r>
+              <a:rPr lang="en-US" dirty="0"/>
+              <a:t> </a:t>
+            </a:r>
+            <a:r>
+              <a:rPr lang="en-US" dirty="0" err="1"/>
+              <a:t>olakšavamo</a:t>
+            </a:r>
+            <a:r>
+              <a:rPr lang="en-US" dirty="0"/>
+              <a:t> </a:t>
+            </a:r>
+            <a:r>
+              <a:rPr lang="en-US" dirty="0" err="1"/>
+              <a:t>nekome</a:t>
+            </a:r>
+            <a:r>
+              <a:rPr lang="en-US" dirty="0"/>
+              <a:t> </a:t>
+            </a:r>
+            <a:r>
+              <a:rPr lang="en-US" dirty="0" err="1"/>
+              <a:t>ko</a:t>
+            </a:r>
+            <a:r>
+              <a:rPr lang="en-US" dirty="0"/>
+              <a:t> </a:t>
+            </a:r>
+            <a:r>
+              <a:rPr lang="en-US" dirty="0" err="1"/>
+              <a:t>će</a:t>
+            </a:r>
+            <a:r>
+              <a:rPr lang="en-US" dirty="0"/>
+              <a:t> da </a:t>
+            </a:r>
+            <a:r>
+              <a:rPr lang="en-US" dirty="0" err="1"/>
+              <a:t>koristi</a:t>
+            </a:r>
+            <a:r>
+              <a:rPr lang="en-US" dirty="0"/>
+              <a:t> </a:t>
+            </a:r>
+            <a:r>
+              <a:rPr lang="en-US" dirty="0" err="1"/>
+              <a:t>naš</a:t>
+            </a:r>
+            <a:r>
+              <a:rPr lang="en-US" dirty="0"/>
+              <a:t> </a:t>
+            </a:r>
+            <a:r>
+              <a:rPr lang="en-US" dirty="0" err="1"/>
+              <a:t>projekat</a:t>
+            </a:r>
+            <a:r>
+              <a:rPr lang="en-US" dirty="0"/>
+              <a:t> da </a:t>
+            </a:r>
+            <a:r>
+              <a:rPr lang="en-US" dirty="0" err="1"/>
+              <a:t>ih</a:t>
+            </a:r>
+            <a:r>
+              <a:rPr lang="en-US" dirty="0"/>
+              <a:t> </a:t>
+            </a:r>
+            <a:r>
+              <a:rPr lang="en-US" dirty="0" err="1"/>
+              <a:t>downloaduje</a:t>
+            </a:r>
+            <a:r>
+              <a:rPr lang="en-US" dirty="0"/>
+              <a:t> </a:t>
+            </a:r>
+            <a:r>
+              <a:rPr lang="en-US" dirty="0" err="1"/>
+              <a:t>samo</a:t>
+            </a:r>
+            <a:r>
+              <a:rPr lang="en-US" dirty="0"/>
+              <a:t> </a:t>
+            </a:r>
+            <a:r>
+              <a:rPr lang="en-US" dirty="0" err="1"/>
+              <a:t>ako</a:t>
+            </a:r>
+            <a:r>
+              <a:rPr lang="en-US" dirty="0"/>
+              <a:t> mu </a:t>
+            </a:r>
+            <a:r>
+              <a:rPr lang="en-US" dirty="0" err="1"/>
+              <a:t>trebaju</a:t>
+            </a:r>
+            <a:r>
+              <a:rPr lang="en-US" dirty="0" smtClean="0"/>
+              <a:t>.</a:t>
+            </a:r>
+            <a:endParaRPr lang="sr-Latn-RS" dirty="0" smtClean="0"/>
+          </a:p>
+          <a:p>
+            <a:r>
+              <a:rPr lang="sr-Latn-RS" dirty="0" smtClean="0"/>
+              <a:t>Da bi napravili package.json fajl dovoljno je da u terminalu unesemo naredbu npm init. Onda će nas unutar terminala pitati za neke podatke vezane za projekat (autor, ključne reči, ime projekta...). Ukoliko želite da preskočite ovaj korak možete napisati npm init –y. Ova naredba će kreirati package.json fajl i postaviti neke podrazumevane vrednosti koje možemo kasnije da menjamo.</a:t>
+            </a:r>
+            <a:endParaRPr lang="en-US" dirty="0"/>
+          </a:p>
+        </p:txBody>
+      </p:sp>
+    </p:spTree>
+    <p:extLst>
+      <p:ext uri="{BB962C8B-B14F-4D97-AF65-F5344CB8AC3E}">
+        <p14:creationId xmlns:p14="http://schemas.microsoft.com/office/powerpoint/2010/main" val="3230998124"/>
+      </p:ext>
+    </p:extLst>
+  </p:cSld>
+  <p:clrMapOvr>
+    <a:masterClrMapping/>
+  </p:clrMapOvr>
+</p:sld>
+</file>
+
+<file path=ppt/slides/slide25.xml><?xml version="1.0" encoding="utf-8"?>
+<p:sld xmlns:a="http://schemas.openxmlformats.org/drawingml/2006/main" xmlns:r="http://schemas.openxmlformats.org/officeDocument/2006/relationships" xmlns:p="http://schemas.openxmlformats.org/presentationml/2006/main">
+  <p:cSld>
+    <p:spTree>
+      <p:nvGrpSpPr>
+        <p:cNvPr id="1" name=""/>
+        <p:cNvGrpSpPr/>
+        <p:nvPr/>
+      </p:nvGrpSpPr>
+      <p:grpSpPr>
+        <a:xfrm>
+          <a:off x="0" y="0"/>
+          <a:ext cx="0" cy="0"/>
+          <a:chOff x="0" y="0"/>
+          <a:chExt cx="0" cy="0"/>
+        </a:xfrm>
+      </p:grpSpPr>
+      <p:sp>
+        <p:nvSpPr>
+          <p:cNvPr id="2" name="Title 1"/>
+          <p:cNvSpPr>
+            <a:spLocks noGrp="1"/>
+          </p:cNvSpPr>
+          <p:nvPr>
+            <p:ph type="title"/>
+          </p:nvPr>
+        </p:nvSpPr>
+        <p:spPr/>
+        <p:txBody>
+          <a:bodyPr/>
+          <a:lstStyle/>
+          <a:p>
+            <a:r>
+              <a:rPr lang="sr-Latn-RS" dirty="0" smtClean="0"/>
+              <a:t>Package.json nakon npm init -y</a:t>
+            </a:r>
+            <a:endParaRPr lang="en-US" dirty="0"/>
+          </a:p>
+        </p:txBody>
+      </p:sp>
+      <p:pic>
+        <p:nvPicPr>
+          <p:cNvPr id="4" name="Content Placeholder 3"/>
+          <p:cNvPicPr>
+            <a:picLocks noGrp="1" noChangeAspect="1"/>
+          </p:cNvPicPr>
+          <p:nvPr>
+            <p:ph idx="1"/>
+          </p:nvPr>
+        </p:nvPicPr>
+        <p:blipFill>
+          <a:blip r:embed="rId2"/>
+          <a:stretch>
+            <a:fillRect/>
+          </a:stretch>
+        </p:blipFill>
+        <p:spPr>
+          <a:xfrm>
+            <a:off x="1787349" y="1697398"/>
+            <a:ext cx="8469459" cy="4963450"/>
+          </a:xfrm>
+          <a:prstGeom prst="rect">
+            <a:avLst/>
+          </a:prstGeom>
+        </p:spPr>
+      </p:pic>
+    </p:spTree>
+    <p:extLst>
+      <p:ext uri="{BB962C8B-B14F-4D97-AF65-F5344CB8AC3E}">
+        <p14:creationId xmlns:p14="http://schemas.microsoft.com/office/powerpoint/2010/main" val="1531640276"/>
+      </p:ext>
+    </p:extLst>
+  </p:cSld>
+  <p:clrMapOvr>
+    <a:masterClrMapping/>
+  </p:clrMapOvr>
+</p:sld>
+</file>
+
+<file path=ppt/slides/slide26.xml><?xml version="1.0" encoding="utf-8"?>
+<p:sld xmlns:a="http://schemas.openxmlformats.org/drawingml/2006/main" xmlns:r="http://schemas.openxmlformats.org/officeDocument/2006/relationships" xmlns:p="http://schemas.openxmlformats.org/presentationml/2006/main">
+  <p:cSld>
+    <p:spTree>
+      <p:nvGrpSpPr>
+        <p:cNvPr id="1" name=""/>
+        <p:cNvGrpSpPr/>
+        <p:nvPr/>
+      </p:nvGrpSpPr>
+      <p:grpSpPr>
+        <a:xfrm>
+          <a:off x="0" y="0"/>
+          <a:ext cx="0" cy="0"/>
+          <a:chOff x="0" y="0"/>
+          <a:chExt cx="0" cy="0"/>
+        </a:xfrm>
+      </p:grpSpPr>
+      <p:sp>
+        <p:nvSpPr>
+          <p:cNvPr id="2" name="Title 1"/>
+          <p:cNvSpPr>
+            <a:spLocks noGrp="1"/>
+          </p:cNvSpPr>
+          <p:nvPr>
+            <p:ph type="title"/>
+          </p:nvPr>
+        </p:nvSpPr>
+        <p:spPr/>
+        <p:txBody>
+          <a:bodyPr/>
+          <a:lstStyle/>
+          <a:p>
+            <a:r>
+              <a:rPr lang="sr-Latn-RS" dirty="0" smtClean="0"/>
+              <a:t>Package.json nakon npm i lodash</a:t>
+            </a:r>
+            <a:endParaRPr lang="en-US" dirty="0"/>
+          </a:p>
+        </p:txBody>
+      </p:sp>
+      <p:sp>
+        <p:nvSpPr>
+          <p:cNvPr id="3" name="Content Placeholder 2"/>
+          <p:cNvSpPr>
+            <a:spLocks noGrp="1"/>
+          </p:cNvSpPr>
+          <p:nvPr>
+            <p:ph idx="1"/>
+          </p:nvPr>
+        </p:nvSpPr>
+        <p:spPr>
+          <a:xfrm>
+            <a:off x="1141412" y="1656272"/>
+            <a:ext cx="4655539" cy="4822166"/>
+          </a:xfrm>
+        </p:spPr>
+        <p:txBody>
+          <a:bodyPr>
+            <a:normAutofit lnSpcReduction="10000"/>
+          </a:bodyPr>
+          <a:lstStyle/>
+          <a:p>
+            <a:r>
+              <a:rPr lang="sr-Latn-RS" dirty="0" smtClean="0"/>
+              <a:t>Ovde pomoću naredbe npm i lodash instaliramo lodash paket. On je sad dodatu u naš package.json kao zavisnost zajedno sa verzijom koju smo instalirali. Na ovaj način ćemo moći koristi lodash, a i ako neko preuzme naš kod moći će da instalira odgovarajuće zavisnosti bez obzira na verziju paketa u tom trenutku</a:t>
+            </a:r>
+            <a:endParaRPr lang="en-US" dirty="0"/>
+          </a:p>
+        </p:txBody>
+      </p:sp>
+      <p:pic>
+        <p:nvPicPr>
+          <p:cNvPr id="5" name="Picture 4"/>
+          <p:cNvPicPr>
+            <a:picLocks noChangeAspect="1"/>
+          </p:cNvPicPr>
+          <p:nvPr/>
+        </p:nvPicPr>
+        <p:blipFill>
+          <a:blip r:embed="rId2"/>
+          <a:stretch>
+            <a:fillRect/>
+          </a:stretch>
+        </p:blipFill>
+        <p:spPr>
+          <a:xfrm>
+            <a:off x="5671059" y="1787106"/>
+            <a:ext cx="6129878" cy="4181159"/>
+          </a:xfrm>
+          <a:prstGeom prst="rect">
+            <a:avLst/>
+          </a:prstGeom>
+        </p:spPr>
+      </p:pic>
+    </p:spTree>
+    <p:extLst>
+      <p:ext uri="{BB962C8B-B14F-4D97-AF65-F5344CB8AC3E}">
+        <p14:creationId xmlns:p14="http://schemas.microsoft.com/office/powerpoint/2010/main" val="1979820058"/>
+      </p:ext>
+    </p:extLst>
+  </p:cSld>
+  <p:clrMapOvr>
+    <a:masterClrMapping/>
+  </p:clrMapOvr>
+</p:sld>
+</file>
+
+<file path=ppt/slides/slide27.xml><?xml version="1.0" encoding="utf-8"?>
+<p:sld xmlns:a="http://schemas.openxmlformats.org/drawingml/2006/main" xmlns:r="http://schemas.openxmlformats.org/officeDocument/2006/relationships" xmlns:p="http://schemas.openxmlformats.org/presentationml/2006/main">
+  <p:cSld>
+    <p:spTree>
+      <p:nvGrpSpPr>
+        <p:cNvPr id="1" name=""/>
+        <p:cNvGrpSpPr/>
+        <p:nvPr/>
+      </p:nvGrpSpPr>
+      <p:grpSpPr>
+        <a:xfrm>
+          <a:off x="0" y="0"/>
+          <a:ext cx="0" cy="0"/>
+          <a:chOff x="0" y="0"/>
+          <a:chExt cx="0" cy="0"/>
+        </a:xfrm>
+      </p:grpSpPr>
+      <p:sp>
+        <p:nvSpPr>
+          <p:cNvPr id="2" name="Title 1"/>
+          <p:cNvSpPr>
+            <a:spLocks noGrp="1"/>
+          </p:cNvSpPr>
+          <p:nvPr>
+            <p:ph type="title"/>
+          </p:nvPr>
+        </p:nvSpPr>
+        <p:spPr/>
+        <p:txBody>
+          <a:bodyPr/>
+          <a:lstStyle/>
+          <a:p>
+            <a:r>
+              <a:rPr lang="sr-Latn-RS" dirty="0" smtClean="0"/>
+              <a:t>Node_modules folder</a:t>
+            </a:r>
+            <a:endParaRPr lang="en-US" dirty="0"/>
+          </a:p>
+        </p:txBody>
+      </p:sp>
+      <p:sp>
+        <p:nvSpPr>
+          <p:cNvPr id="3" name="Content Placeholder 2"/>
+          <p:cNvSpPr>
+            <a:spLocks noGrp="1"/>
+          </p:cNvSpPr>
+          <p:nvPr>
+            <p:ph idx="1"/>
+          </p:nvPr>
+        </p:nvSpPr>
+        <p:spPr>
+          <a:xfrm>
+            <a:off x="1141412" y="2249487"/>
+            <a:ext cx="4819441" cy="4418732"/>
+          </a:xfrm>
+        </p:spPr>
+        <p:txBody>
+          <a:bodyPr>
+            <a:normAutofit/>
+          </a:bodyPr>
+          <a:lstStyle/>
+          <a:p>
+            <a:r>
+              <a:rPr lang="sr-Latn-RS" dirty="0" smtClean="0"/>
+              <a:t>Kada npm instalira neki paket on prezume svak kod tog paketa, zajedno sa svim paketima od kojih paket zavisi, i smesti ih u folder node_modules. Unutar ovog foldera biće smešteni svi paketi koje instaliramo pomoću npm-a i node će znati odakle da ih povuče pri upotrebi</a:t>
+            </a:r>
+            <a:endParaRPr lang="en-US" dirty="0"/>
+          </a:p>
+        </p:txBody>
+      </p:sp>
+      <p:pic>
+        <p:nvPicPr>
+          <p:cNvPr id="4" name="Picture 3"/>
+          <p:cNvPicPr>
+            <a:picLocks noChangeAspect="1"/>
+          </p:cNvPicPr>
+          <p:nvPr/>
+        </p:nvPicPr>
+        <p:blipFill>
+          <a:blip r:embed="rId2"/>
+          <a:stretch>
+            <a:fillRect/>
+          </a:stretch>
+        </p:blipFill>
+        <p:spPr>
+          <a:xfrm>
+            <a:off x="7987340" y="2097088"/>
+            <a:ext cx="3606561" cy="2295084"/>
+          </a:xfrm>
+          <a:prstGeom prst="rect">
+            <a:avLst/>
+          </a:prstGeom>
+        </p:spPr>
+      </p:pic>
+    </p:spTree>
+    <p:extLst>
+      <p:ext uri="{BB962C8B-B14F-4D97-AF65-F5344CB8AC3E}">
+        <p14:creationId xmlns:p14="http://schemas.microsoft.com/office/powerpoint/2010/main" val="1257752866"/>
+      </p:ext>
+    </p:extLst>
+  </p:cSld>
+  <p:clrMapOvr>
+    <a:masterClrMapping/>
+  </p:clrMapOvr>
+</p:sld>
+</file>
+
+<file path=ppt/slides/slide28.xml><?xml version="1.0" encoding="utf-8"?>
+<p:sld xmlns:a="http://schemas.openxmlformats.org/drawingml/2006/main" xmlns:r="http://schemas.openxmlformats.org/officeDocument/2006/relationships" xmlns:p="http://schemas.openxmlformats.org/presentationml/2006/main">
+  <p:cSld>
+    <p:spTree>
+      <p:nvGrpSpPr>
+        <p:cNvPr id="1" name=""/>
+        <p:cNvGrpSpPr/>
+        <p:nvPr/>
+      </p:nvGrpSpPr>
+      <p:grpSpPr>
+        <a:xfrm>
+          <a:off x="0" y="0"/>
+          <a:ext cx="0" cy="0"/>
+          <a:chOff x="0" y="0"/>
+          <a:chExt cx="0" cy="0"/>
+        </a:xfrm>
+      </p:grpSpPr>
+      <p:sp>
+        <p:nvSpPr>
+          <p:cNvPr id="2" name="Title 1"/>
+          <p:cNvSpPr>
+            <a:spLocks noGrp="1"/>
+          </p:cNvSpPr>
+          <p:nvPr>
+            <p:ph type="title"/>
+          </p:nvPr>
+        </p:nvSpPr>
+        <p:spPr/>
+        <p:txBody>
+          <a:bodyPr/>
+          <a:lstStyle/>
+          <a:p>
+            <a:r>
+              <a:rPr lang="sr-Latn-RS" dirty="0" smtClean="0"/>
+              <a:t>Uklanjanje paketa</a:t>
+            </a:r>
+            <a:endParaRPr lang="en-US" dirty="0"/>
+          </a:p>
+        </p:txBody>
+      </p:sp>
+      <p:sp>
+        <p:nvSpPr>
+          <p:cNvPr id="3" name="Content Placeholder 2"/>
+          <p:cNvSpPr>
+            <a:spLocks noGrp="1"/>
+          </p:cNvSpPr>
+          <p:nvPr>
+            <p:ph idx="1"/>
+          </p:nvPr>
+        </p:nvSpPr>
+        <p:spPr/>
+        <p:txBody>
+          <a:bodyPr/>
+          <a:lstStyle/>
+          <a:p>
+            <a:r>
+              <a:rPr lang="sr-Latn-RS" dirty="0" smtClean="0"/>
+              <a:t>Ako želimo da uklonimo nekih paket iz naše liste zavisnosti jer ga više ne koristimo možemo pokrenuti naredbu npm uninstall &lt;packageName&gt; da bi to uradili</a:t>
+            </a:r>
+            <a:endParaRPr lang="en-US" dirty="0"/>
+          </a:p>
+        </p:txBody>
+      </p:sp>
+    </p:spTree>
+    <p:extLst>
+      <p:ext uri="{BB962C8B-B14F-4D97-AF65-F5344CB8AC3E}">
+        <p14:creationId xmlns:p14="http://schemas.microsoft.com/office/powerpoint/2010/main" val="3432283883"/>
+      </p:ext>
+    </p:extLst>
+  </p:cSld>
+  <p:clrMapOvr>
+    <a:masterClrMapping/>
+  </p:clrMapOvr>
+</p:sld>
+</file>
+
+<file path=ppt/slides/slide29.xml><?xml version="1.0" encoding="utf-8"?>
+<p:sld xmlns:a="http://schemas.openxmlformats.org/drawingml/2006/main" xmlns:r="http://schemas.openxmlformats.org/officeDocument/2006/relationships" xmlns:p="http://schemas.openxmlformats.org/presentationml/2006/main">
+  <p:cSld>
+    <p:spTree>
+      <p:nvGrpSpPr>
+        <p:cNvPr id="1" name=""/>
+        <p:cNvGrpSpPr/>
+        <p:nvPr/>
+      </p:nvGrpSpPr>
+      <p:grpSpPr>
+        <a:xfrm>
+          <a:off x="0" y="0"/>
+          <a:ext cx="0" cy="0"/>
+          <a:chOff x="0" y="0"/>
+          <a:chExt cx="0" cy="0"/>
+        </a:xfrm>
+      </p:grpSpPr>
+      <p:sp>
+        <p:nvSpPr>
+          <p:cNvPr id="2" name="Title 1"/>
+          <p:cNvSpPr>
+            <a:spLocks noGrp="1"/>
+          </p:cNvSpPr>
+          <p:nvPr>
+            <p:ph type="title"/>
+          </p:nvPr>
+        </p:nvSpPr>
+        <p:spPr/>
+        <p:txBody>
+          <a:bodyPr/>
+          <a:lstStyle/>
+          <a:p>
+            <a:r>
+              <a:rPr lang="sr-Latn-RS" dirty="0" smtClean="0"/>
+              <a:t>Upotreba paketa</a:t>
+            </a:r>
+            <a:endParaRPr lang="en-US" dirty="0"/>
+          </a:p>
+        </p:txBody>
+      </p:sp>
+      <p:sp>
+        <p:nvSpPr>
+          <p:cNvPr id="3" name="Content Placeholder 2"/>
+          <p:cNvSpPr>
+            <a:spLocks noGrp="1"/>
+          </p:cNvSpPr>
+          <p:nvPr>
+            <p:ph idx="1"/>
+          </p:nvPr>
+        </p:nvSpPr>
+        <p:spPr>
+          <a:xfrm>
+            <a:off x="1141412" y="2249487"/>
+            <a:ext cx="3361577" cy="4453238"/>
+          </a:xfrm>
+        </p:spPr>
+        <p:txBody>
+          <a:bodyPr>
+            <a:normAutofit lnSpcReduction="10000"/>
+          </a:bodyPr>
+          <a:lstStyle/>
+          <a:p>
+            <a:r>
+              <a:rPr lang="sr-Latn-RS" dirty="0" smtClean="0"/>
+              <a:t>Paketi instalirani pomoću npm-a se pozivaju isto kao i ugradjeni moduli, navođenjem imena paketa. Node onda zna da je to instalirani modul i potražiće ga unutar node_modules foldera.</a:t>
+            </a:r>
+            <a:endParaRPr lang="en-US" dirty="0"/>
+          </a:p>
+        </p:txBody>
+      </p:sp>
+      <p:pic>
+        <p:nvPicPr>
+          <p:cNvPr id="4" name="Picture 3"/>
+          <p:cNvPicPr>
+            <a:picLocks noChangeAspect="1"/>
+          </p:cNvPicPr>
+          <p:nvPr/>
+        </p:nvPicPr>
+        <p:blipFill>
+          <a:blip r:embed="rId2"/>
+          <a:stretch>
+            <a:fillRect/>
+          </a:stretch>
+        </p:blipFill>
+        <p:spPr>
+          <a:xfrm>
+            <a:off x="5333370" y="434975"/>
+            <a:ext cx="6200775" cy="3324225"/>
+          </a:xfrm>
+          <a:prstGeom prst="rect">
+            <a:avLst/>
+          </a:prstGeom>
+        </p:spPr>
+      </p:pic>
+      <p:pic>
+        <p:nvPicPr>
+          <p:cNvPr id="5" name="Picture 4"/>
+          <p:cNvPicPr>
+            <a:picLocks noChangeAspect="1"/>
+          </p:cNvPicPr>
+          <p:nvPr/>
+        </p:nvPicPr>
+        <p:blipFill>
+          <a:blip r:embed="rId3"/>
+          <a:stretch>
+            <a:fillRect/>
+          </a:stretch>
+        </p:blipFill>
+        <p:spPr>
+          <a:xfrm>
+            <a:off x="5333370" y="4328574"/>
+            <a:ext cx="6200775" cy="1592942"/>
+          </a:xfrm>
+          <a:prstGeom prst="rect">
+            <a:avLst/>
+          </a:prstGeom>
+        </p:spPr>
+      </p:pic>
+    </p:spTree>
+    <p:extLst>
+      <p:ext uri="{BB962C8B-B14F-4D97-AF65-F5344CB8AC3E}">
+        <p14:creationId xmlns:p14="http://schemas.microsoft.com/office/powerpoint/2010/main" val="519839901"/>
+      </p:ext>
+    </p:extLst>
+  </p:cSld>
+  <p:clrMapOvr>
+    <a:masterClrMapping/>
+  </p:clrMapOvr>
+</p:sld>
+</file>
+
 <file path=ppt/slides/slide3.xml><?xml version="1.0" encoding="utf-8"?>
 <p:sld xmlns:a="http://schemas.openxmlformats.org/drawingml/2006/main" xmlns:r="http://schemas.openxmlformats.org/officeDocument/2006/relationships" xmlns:p="http://schemas.openxmlformats.org/presentationml/2006/main">
   <p:cSld>
@@ -14834,6 +15944,412 @@
     <p:extLst>
       <p:ext uri="{BB962C8B-B14F-4D97-AF65-F5344CB8AC3E}">
         <p14:creationId xmlns:p14="http://schemas.microsoft.com/office/powerpoint/2010/main" val="1720094813"/>
+      </p:ext>
+    </p:extLst>
+  </p:cSld>
+  <p:clrMapOvr>
+    <a:masterClrMapping/>
+  </p:clrMapOvr>
+</p:sld>
+</file>
+
+<file path=ppt/slides/slide30.xml><?xml version="1.0" encoding="utf-8"?>
+<p:sld xmlns:a="http://schemas.openxmlformats.org/drawingml/2006/main" xmlns:r="http://schemas.openxmlformats.org/officeDocument/2006/relationships" xmlns:p="http://schemas.openxmlformats.org/presentationml/2006/main">
+  <p:cSld>
+    <p:spTree>
+      <p:nvGrpSpPr>
+        <p:cNvPr id="1" name=""/>
+        <p:cNvGrpSpPr/>
+        <p:nvPr/>
+      </p:nvGrpSpPr>
+      <p:grpSpPr>
+        <a:xfrm>
+          <a:off x="0" y="0"/>
+          <a:ext cx="0" cy="0"/>
+          <a:chOff x="0" y="0"/>
+          <a:chExt cx="0" cy="0"/>
+        </a:xfrm>
+      </p:grpSpPr>
+      <p:sp>
+        <p:nvSpPr>
+          <p:cNvPr id="2" name="Title 1"/>
+          <p:cNvSpPr>
+            <a:spLocks noGrp="1"/>
+          </p:cNvSpPr>
+          <p:nvPr>
+            <p:ph type="title"/>
+          </p:nvPr>
+        </p:nvSpPr>
+        <p:spPr/>
+        <p:txBody>
+          <a:bodyPr/>
+          <a:lstStyle/>
+          <a:p>
+            <a:r>
+              <a:rPr lang="sr-Latn-RS" dirty="0" smtClean="0"/>
+              <a:t>http</a:t>
+            </a:r>
+            <a:endParaRPr lang="en-US" dirty="0"/>
+          </a:p>
+        </p:txBody>
+      </p:sp>
+      <p:sp>
+        <p:nvSpPr>
+          <p:cNvPr id="3" name="Content Placeholder 2"/>
+          <p:cNvSpPr>
+            <a:spLocks noGrp="1"/>
+          </p:cNvSpPr>
+          <p:nvPr>
+            <p:ph idx="1"/>
+          </p:nvPr>
+        </p:nvSpPr>
+        <p:spPr/>
+        <p:txBody>
+          <a:bodyPr/>
+          <a:lstStyle/>
+          <a:p>
+            <a:r>
+              <a:rPr lang="sr-Latn-RS" dirty="0" smtClean="0"/>
+              <a:t>Već znamo da se internet zasniva na razmeni podataka izmedju klijenta i servera slanjem zahteva i odgovora. </a:t>
+            </a:r>
+            <a:endParaRPr lang="en-US" dirty="0"/>
+          </a:p>
+        </p:txBody>
+      </p:sp>
+      <p:pic>
+        <p:nvPicPr>
+          <p:cNvPr id="1028" name="Picture 4" descr="https://res.cloudinary.com/diqqf3eq2/image/upload/v1613596625/course%20slides/http-messages_lugv8b.png"/>
+          <p:cNvPicPr>
+            <a:picLocks noChangeAspect="1" noChangeArrowheads="1"/>
+          </p:cNvPicPr>
+          <p:nvPr/>
+        </p:nvPicPr>
+        <p:blipFill>
+          <a:blip r:embed="rId2">
+            <a:extLst>
+              <a:ext uri="{28A0092B-C50C-407E-A947-70E740481C1C}">
+                <a14:useLocalDpi xmlns:a14="http://schemas.microsoft.com/office/drawing/2010/main" val="0"/>
+              </a:ext>
+            </a:extLst>
+          </a:blip>
+          <a:srcRect/>
+          <a:stretch>
+            <a:fillRect/>
+          </a:stretch>
+        </p:blipFill>
+        <p:spPr bwMode="auto">
+          <a:xfrm>
+            <a:off x="2898775" y="3406458"/>
+            <a:ext cx="5615305" cy="3175646"/>
+          </a:xfrm>
+          <a:prstGeom prst="rect">
+            <a:avLst/>
+          </a:prstGeom>
+          <a:noFill/>
+          <a:extLst>
+            <a:ext uri="{909E8E84-426E-40DD-AFC4-6F175D3DCCD1}">
+              <a14:hiddenFill xmlns:a14="http://schemas.microsoft.com/office/drawing/2010/main">
+                <a:solidFill>
+                  <a:srgbClr val="FFFFFF"/>
+                </a:solidFill>
+              </a14:hiddenFill>
+            </a:ext>
+          </a:extLst>
+        </p:spPr>
+      </p:pic>
+    </p:spTree>
+    <p:extLst>
+      <p:ext uri="{BB962C8B-B14F-4D97-AF65-F5344CB8AC3E}">
+        <p14:creationId xmlns:p14="http://schemas.microsoft.com/office/powerpoint/2010/main" val="957447056"/>
+      </p:ext>
+    </p:extLst>
+  </p:cSld>
+  <p:clrMapOvr>
+    <a:masterClrMapping/>
+  </p:clrMapOvr>
+</p:sld>
+</file>
+
+<file path=ppt/slides/slide31.xml><?xml version="1.0" encoding="utf-8"?>
+<p:sld xmlns:a="http://schemas.openxmlformats.org/drawingml/2006/main" xmlns:r="http://schemas.openxmlformats.org/officeDocument/2006/relationships" xmlns:p="http://schemas.openxmlformats.org/presentationml/2006/main">
+  <p:cSld>
+    <p:spTree>
+      <p:nvGrpSpPr>
+        <p:cNvPr id="1" name=""/>
+        <p:cNvGrpSpPr/>
+        <p:nvPr/>
+      </p:nvGrpSpPr>
+      <p:grpSpPr>
+        <a:xfrm>
+          <a:off x="0" y="0"/>
+          <a:ext cx="0" cy="0"/>
+          <a:chOff x="0" y="0"/>
+          <a:chExt cx="0" cy="0"/>
+        </a:xfrm>
+      </p:grpSpPr>
+      <p:sp>
+        <p:nvSpPr>
+          <p:cNvPr id="2" name="Title 1"/>
+          <p:cNvSpPr>
+            <a:spLocks noGrp="1"/>
+          </p:cNvSpPr>
+          <p:nvPr>
+            <p:ph type="title"/>
+          </p:nvPr>
+        </p:nvSpPr>
+        <p:spPr>
+          <a:xfrm>
+            <a:off x="1141413" y="-407642"/>
+            <a:ext cx="9905998" cy="1478570"/>
+          </a:xfrm>
+        </p:spPr>
+        <p:txBody>
+          <a:bodyPr/>
+          <a:lstStyle/>
+          <a:p>
+            <a:r>
+              <a:rPr lang="sr-Latn-RS" dirty="0" smtClean="0"/>
+              <a:t>Izgled zahteva i odgovora</a:t>
+            </a:r>
+            <a:endParaRPr lang="en-US" dirty="0"/>
+          </a:p>
+        </p:txBody>
+      </p:sp>
+      <p:pic>
+        <p:nvPicPr>
+          <p:cNvPr id="2050" name="Picture 2" descr="https://res.cloudinary.com/diqqf3eq2/image/upload/v1614137856/course%20slides/http-req-res_bslzni.png"/>
+          <p:cNvPicPr>
+            <a:picLocks noGrp="1" noChangeAspect="1" noChangeArrowheads="1"/>
+          </p:cNvPicPr>
+          <p:nvPr>
+            <p:ph idx="1"/>
+          </p:nvPr>
+        </p:nvPicPr>
+        <p:blipFill>
+          <a:blip r:embed="rId2">
+            <a:extLst>
+              <a:ext uri="{28A0092B-C50C-407E-A947-70E740481C1C}">
+                <a14:useLocalDpi xmlns:a14="http://schemas.microsoft.com/office/drawing/2010/main" val="0"/>
+              </a:ext>
+            </a:extLst>
+          </a:blip>
+          <a:srcRect/>
+          <a:stretch>
+            <a:fillRect/>
+          </a:stretch>
+        </p:blipFill>
+        <p:spPr bwMode="auto">
+          <a:xfrm>
+            <a:off x="-111948" y="531339"/>
+            <a:ext cx="12412720" cy="6485925"/>
+          </a:xfrm>
+          <a:prstGeom prst="rect">
+            <a:avLst/>
+          </a:prstGeom>
+          <a:noFill/>
+          <a:extLst>
+            <a:ext uri="{909E8E84-426E-40DD-AFC4-6F175D3DCCD1}">
+              <a14:hiddenFill xmlns:a14="http://schemas.microsoft.com/office/drawing/2010/main">
+                <a:solidFill>
+                  <a:srgbClr val="FFFFFF"/>
+                </a:solidFill>
+              </a14:hiddenFill>
+            </a:ext>
+          </a:extLst>
+        </p:spPr>
+      </p:pic>
+    </p:spTree>
+    <p:extLst>
+      <p:ext uri="{BB962C8B-B14F-4D97-AF65-F5344CB8AC3E}">
+        <p14:creationId xmlns:p14="http://schemas.microsoft.com/office/powerpoint/2010/main" val="1204208512"/>
+      </p:ext>
+    </p:extLst>
+  </p:cSld>
+  <p:clrMapOvr>
+    <a:masterClrMapping/>
+  </p:clrMapOvr>
+</p:sld>
+</file>
+
+<file path=ppt/slides/slide32.xml><?xml version="1.0" encoding="utf-8"?>
+<p:sld xmlns:a="http://schemas.openxmlformats.org/drawingml/2006/main" xmlns:r="http://schemas.openxmlformats.org/officeDocument/2006/relationships" xmlns:p="http://schemas.openxmlformats.org/presentationml/2006/main">
+  <p:cSld>
+    <p:spTree>
+      <p:nvGrpSpPr>
+        <p:cNvPr id="1" name=""/>
+        <p:cNvGrpSpPr/>
+        <p:nvPr/>
+      </p:nvGrpSpPr>
+      <p:grpSpPr>
+        <a:xfrm>
+          <a:off x="0" y="0"/>
+          <a:ext cx="0" cy="0"/>
+          <a:chOff x="0" y="0"/>
+          <a:chExt cx="0" cy="0"/>
+        </a:xfrm>
+      </p:grpSpPr>
+      <p:pic>
+        <p:nvPicPr>
+          <p:cNvPr id="3074" name="Picture 2" descr="https://res.cloudinary.com/diqqf3eq2/image/upload/v1614201237/course%20slides/http-methods_w5lppa.png"/>
+          <p:cNvPicPr>
+            <a:picLocks noChangeAspect="1" noChangeArrowheads="1"/>
+          </p:cNvPicPr>
+          <p:nvPr/>
+        </p:nvPicPr>
+        <p:blipFill>
+          <a:blip r:embed="rId2">
+            <a:extLst>
+              <a:ext uri="{28A0092B-C50C-407E-A947-70E740481C1C}">
+                <a14:useLocalDpi xmlns:a14="http://schemas.microsoft.com/office/drawing/2010/main" val="0"/>
+              </a:ext>
+            </a:extLst>
+          </a:blip>
+          <a:srcRect/>
+          <a:stretch>
+            <a:fillRect/>
+          </a:stretch>
+        </p:blipFill>
+        <p:spPr bwMode="auto">
+          <a:xfrm>
+            <a:off x="0" y="0"/>
+            <a:ext cx="12192000" cy="6856294"/>
+          </a:xfrm>
+          <a:prstGeom prst="rect">
+            <a:avLst/>
+          </a:prstGeom>
+          <a:noFill/>
+          <a:extLst>
+            <a:ext uri="{909E8E84-426E-40DD-AFC4-6F175D3DCCD1}">
+              <a14:hiddenFill xmlns:a14="http://schemas.microsoft.com/office/drawing/2010/main">
+                <a:solidFill>
+                  <a:srgbClr val="FFFFFF"/>
+                </a:solidFill>
+              </a14:hiddenFill>
+            </a:ext>
+          </a:extLst>
+        </p:spPr>
+      </p:pic>
+    </p:spTree>
+    <p:extLst>
+      <p:ext uri="{BB962C8B-B14F-4D97-AF65-F5344CB8AC3E}">
+        <p14:creationId xmlns:p14="http://schemas.microsoft.com/office/powerpoint/2010/main" val="2329074907"/>
+      </p:ext>
+    </p:extLst>
+  </p:cSld>
+  <p:clrMapOvr>
+    <a:masterClrMapping/>
+  </p:clrMapOvr>
+</p:sld>
+</file>
+
+<file path=ppt/slides/slide33.xml><?xml version="1.0" encoding="utf-8"?>
+<p:sld xmlns:a="http://schemas.openxmlformats.org/drawingml/2006/main" xmlns:r="http://schemas.openxmlformats.org/officeDocument/2006/relationships" xmlns:p="http://schemas.openxmlformats.org/presentationml/2006/main">
+  <p:cSld>
+    <p:spTree>
+      <p:nvGrpSpPr>
+        <p:cNvPr id="1" name=""/>
+        <p:cNvGrpSpPr/>
+        <p:nvPr/>
+      </p:nvGrpSpPr>
+      <p:grpSpPr>
+        <a:xfrm>
+          <a:off x="0" y="0"/>
+          <a:ext cx="0" cy="0"/>
+          <a:chOff x="0" y="0"/>
+          <a:chExt cx="0" cy="0"/>
+        </a:xfrm>
+      </p:grpSpPr>
+      <p:sp>
+        <p:nvSpPr>
+          <p:cNvPr id="2" name="Title 1"/>
+          <p:cNvSpPr>
+            <a:spLocks noGrp="1"/>
+          </p:cNvSpPr>
+          <p:nvPr>
+            <p:ph type="title"/>
+          </p:nvPr>
+        </p:nvSpPr>
+        <p:spPr/>
+        <p:txBody>
+          <a:bodyPr/>
+          <a:lstStyle/>
+          <a:p>
+            <a:r>
+              <a:rPr lang="sr-Latn-RS" dirty="0" smtClean="0"/>
+              <a:t>Statusni kodovi</a:t>
+            </a:r>
+            <a:endParaRPr lang="en-US" dirty="0"/>
+          </a:p>
+        </p:txBody>
+      </p:sp>
+      <p:sp>
+        <p:nvSpPr>
+          <p:cNvPr id="3" name="Content Placeholder 2"/>
+          <p:cNvSpPr>
+            <a:spLocks noGrp="1"/>
+          </p:cNvSpPr>
+          <p:nvPr>
+            <p:ph idx="1"/>
+          </p:nvPr>
+        </p:nvSpPr>
+        <p:spPr/>
+        <p:txBody>
+          <a:bodyPr/>
+          <a:lstStyle/>
+          <a:p>
+            <a:r>
+              <a:rPr lang="sr-Latn-RS" dirty="0" smtClean="0"/>
+              <a:t>Svaki zahtev i odgovor ima i statusni kod. Statusni kod označava da li je određeni zahtev uspešno obrađen. Statusni kodovi se grupišu u 5 grupa:</a:t>
+            </a:r>
+            <a:endParaRPr lang="en-US" dirty="0"/>
+          </a:p>
+        </p:txBody>
+      </p:sp>
+      <p:pic>
+        <p:nvPicPr>
+          <p:cNvPr id="4100" name="Picture 4" descr="https://res.cloudinary.com/practicaldev/image/fetch/s--LV0wKGNx--/c_imagga_scale,f_auto,fl_progressive,h_500,q_auto,w_1000/https:/dev-to-uploads.s3.amazonaws.com/i/warbvz1or1u6t30t5sy3.jpeg"/>
+          <p:cNvPicPr>
+            <a:picLocks noChangeAspect="1" noChangeArrowheads="1"/>
+          </p:cNvPicPr>
+          <p:nvPr/>
+        </p:nvPicPr>
+        <p:blipFill>
+          <a:blip r:embed="rId2">
+            <a:extLst>
+              <a:ext uri="{28A0092B-C50C-407E-A947-70E740481C1C}">
+                <a14:useLocalDpi xmlns:a14="http://schemas.microsoft.com/office/drawing/2010/main" val="0"/>
+              </a:ext>
+            </a:extLst>
+          </a:blip>
+          <a:srcRect/>
+          <a:stretch>
+            <a:fillRect/>
+          </a:stretch>
+        </p:blipFill>
+        <p:spPr bwMode="auto">
+          <a:xfrm>
+            <a:off x="2585508" y="3269721"/>
+            <a:ext cx="6507692" cy="3253846"/>
+          </a:xfrm>
+          <a:prstGeom prst="rect">
+            <a:avLst/>
+          </a:prstGeom>
+          <a:noFill/>
+          <a:extLst>
+            <a:ext uri="{909E8E84-426E-40DD-AFC4-6F175D3DCCD1}">
+              <a14:hiddenFill xmlns:a14="http://schemas.microsoft.com/office/drawing/2010/main">
+                <a:solidFill>
+                  <a:srgbClr val="FFFFFF"/>
+                </a:solidFill>
+              </a14:hiddenFill>
+            </a:ext>
+          </a:extLst>
+        </p:spPr>
+      </p:pic>
+    </p:spTree>
+    <p:extLst>
+      <p:ext uri="{BB962C8B-B14F-4D97-AF65-F5344CB8AC3E}">
+        <p14:creationId xmlns:p14="http://schemas.microsoft.com/office/powerpoint/2010/main" val="3710415632"/>
       </p:ext>
     </p:extLst>
   </p:cSld>

--- a/Nodejs/Node.js - prezentacija.pptx
+++ b/Nodejs/Node.js - prezentacija.pptx
@@ -38,6 +38,24 @@
     <p:sldId id="286" r:id="rId32"/>
     <p:sldId id="287" r:id="rId33"/>
     <p:sldId id="288" r:id="rId34"/>
+    <p:sldId id="289" r:id="rId35"/>
+    <p:sldId id="290" r:id="rId36"/>
+    <p:sldId id="291" r:id="rId37"/>
+    <p:sldId id="292" r:id="rId38"/>
+    <p:sldId id="293" r:id="rId39"/>
+    <p:sldId id="294" r:id="rId40"/>
+    <p:sldId id="295" r:id="rId41"/>
+    <p:sldId id="296" r:id="rId42"/>
+    <p:sldId id="297" r:id="rId43"/>
+    <p:sldId id="298" r:id="rId44"/>
+    <p:sldId id="299" r:id="rId45"/>
+    <p:sldId id="300" r:id="rId46"/>
+    <p:sldId id="301" r:id="rId47"/>
+    <p:sldId id="302" r:id="rId48"/>
+    <p:sldId id="303" r:id="rId49"/>
+    <p:sldId id="304" r:id="rId50"/>
+    <p:sldId id="305" r:id="rId51"/>
+    <p:sldId id="306" r:id="rId52"/>
   </p:sldIdLst>
   <p:sldSz cx="12192000" cy="6858000"/>
   <p:notesSz cx="6858000" cy="9144000"/>
@@ -201,7 +219,7 @@
           <a:noFill/>
           <a:extLst>
             <a:ext uri="{909E8E84-426E-40dd-AFC4-6F175D3DCCD1}">
-              <a14:hiddenFill xmlns:a14="http://schemas.microsoft.com/office/drawing/2010/main" xmlns="">
+              <a14:hiddenFill xmlns="" xmlns:a14="http://schemas.microsoft.com/office/drawing/2010/main">
                 <a:solidFill>
                   <a:srgbClr val="FFFFFF"/>
                 </a:solidFill>
@@ -261,7 +279,7 @@
             </a:ln>
             <a:extLst>
               <a:ext uri="{91240B29-F687-4f45-9708-019B960494DF}">
-                <a14:hiddenLine xmlns:a14="http://schemas.microsoft.com/office/drawing/2010/main" xmlns="" w="9525">
+                <a14:hiddenLine xmlns="" xmlns:a14="http://schemas.microsoft.com/office/drawing/2010/main" w="9525">
                   <a:solidFill>
                     <a:srgbClr val="000000"/>
                   </a:solidFill>
@@ -351,7 +369,7 @@
             </a:ln>
             <a:extLst>
               <a:ext uri="{91240B29-F687-4f45-9708-019B960494DF}">
-                <a14:hiddenLine xmlns:a14="http://schemas.microsoft.com/office/drawing/2010/main" xmlns="" w="9525">
+                <a14:hiddenLine xmlns="" xmlns:a14="http://schemas.microsoft.com/office/drawing/2010/main" w="9525">
                   <a:solidFill>
                     <a:srgbClr val="000000"/>
                   </a:solidFill>
@@ -441,7 +459,7 @@
             </a:ln>
             <a:extLst>
               <a:ext uri="{91240B29-F687-4f45-9708-019B960494DF}">
-                <a14:hiddenLine xmlns:a14="http://schemas.microsoft.com/office/drawing/2010/main" xmlns="" w="9525">
+                <a14:hiddenLine xmlns="" xmlns:a14="http://schemas.microsoft.com/office/drawing/2010/main" w="9525">
                   <a:solidFill>
                     <a:srgbClr val="000000"/>
                   </a:solidFill>
@@ -475,7 +493,7 @@
             </a:ln>
             <a:extLst>
               <a:ext uri="{91240B29-F687-4f45-9708-019B960494DF}">
-                <a14:hiddenLine xmlns:a14="http://schemas.microsoft.com/office/drawing/2010/main" xmlns="" w="9525">
+                <a14:hiddenLine xmlns="" xmlns:a14="http://schemas.microsoft.com/office/drawing/2010/main" w="9525">
                   <a:solidFill>
                     <a:srgbClr val="000000"/>
                   </a:solidFill>
@@ -565,7 +583,7 @@
             </a:ln>
             <a:extLst>
               <a:ext uri="{91240B29-F687-4f45-9708-019B960494DF}">
-                <a14:hiddenLine xmlns:a14="http://schemas.microsoft.com/office/drawing/2010/main" xmlns="" w="9525">
+                <a14:hiddenLine xmlns="" xmlns:a14="http://schemas.microsoft.com/office/drawing/2010/main" w="9525">
                   <a:solidFill>
                     <a:srgbClr val="000000"/>
                   </a:solidFill>
@@ -627,7 +645,7 @@
             </a:ln>
             <a:extLst>
               <a:ext uri="{91240B29-F687-4f45-9708-019B960494DF}">
-                <a14:hiddenLine xmlns:a14="http://schemas.microsoft.com/office/drawing/2010/main" xmlns="" w="9525">
+                <a14:hiddenLine xmlns="" xmlns:a14="http://schemas.microsoft.com/office/drawing/2010/main" w="9525">
                   <a:solidFill>
                     <a:srgbClr val="000000"/>
                   </a:solidFill>
@@ -689,7 +707,7 @@
             </a:ln>
             <a:extLst>
               <a:ext uri="{91240B29-F687-4f45-9708-019B960494DF}">
-                <a14:hiddenLine xmlns:a14="http://schemas.microsoft.com/office/drawing/2010/main" xmlns="" w="9525">
+                <a14:hiddenLine xmlns="" xmlns:a14="http://schemas.microsoft.com/office/drawing/2010/main" w="9525">
                   <a:solidFill>
                     <a:srgbClr val="000000"/>
                   </a:solidFill>
@@ -779,7 +797,7 @@
             </a:ln>
             <a:extLst>
               <a:ext uri="{91240B29-F687-4f45-9708-019B960494DF}">
-                <a14:hiddenLine xmlns:a14="http://schemas.microsoft.com/office/drawing/2010/main" xmlns="" w="9525">
+                <a14:hiddenLine xmlns="" xmlns:a14="http://schemas.microsoft.com/office/drawing/2010/main" w="9525">
                   <a:solidFill>
                     <a:srgbClr val="000000"/>
                   </a:solidFill>
@@ -841,7 +859,7 @@
             </a:ln>
             <a:extLst>
               <a:ext uri="{91240B29-F687-4f45-9708-019B960494DF}">
-                <a14:hiddenLine xmlns:a14="http://schemas.microsoft.com/office/drawing/2010/main" xmlns="" w="9525">
+                <a14:hiddenLine xmlns="" xmlns:a14="http://schemas.microsoft.com/office/drawing/2010/main" w="9525">
                   <a:solidFill>
                     <a:srgbClr val="000000"/>
                   </a:solidFill>
@@ -903,7 +921,7 @@
             </a:ln>
             <a:extLst>
               <a:ext uri="{91240B29-F687-4f45-9708-019B960494DF}">
-                <a14:hiddenLine xmlns:a14="http://schemas.microsoft.com/office/drawing/2010/main" xmlns="" w="9525">
+                <a14:hiddenLine xmlns="" xmlns:a14="http://schemas.microsoft.com/office/drawing/2010/main" w="9525">
                   <a:solidFill>
                     <a:srgbClr val="000000"/>
                   </a:solidFill>
@@ -993,7 +1011,7 @@
             </a:ln>
             <a:extLst>
               <a:ext uri="{91240B29-F687-4f45-9708-019B960494DF}">
-                <a14:hiddenLine xmlns:a14="http://schemas.microsoft.com/office/drawing/2010/main" xmlns="" w="9525">
+                <a14:hiddenLine xmlns="" xmlns:a14="http://schemas.microsoft.com/office/drawing/2010/main" w="9525">
                   <a:solidFill>
                     <a:srgbClr val="000000"/>
                   </a:solidFill>
@@ -1083,7 +1101,7 @@
             </a:ln>
             <a:extLst>
               <a:ext uri="{91240B29-F687-4f45-9708-019B960494DF}">
-                <a14:hiddenLine xmlns:a14="http://schemas.microsoft.com/office/drawing/2010/main" xmlns="" w="9525">
+                <a14:hiddenLine xmlns="" xmlns:a14="http://schemas.microsoft.com/office/drawing/2010/main" w="9525">
                   <a:solidFill>
                     <a:srgbClr val="000000"/>
                   </a:solidFill>
@@ -1145,7 +1163,7 @@
             </a:ln>
             <a:extLst>
               <a:ext uri="{91240B29-F687-4f45-9708-019B960494DF}">
-                <a14:hiddenLine xmlns:a14="http://schemas.microsoft.com/office/drawing/2010/main" xmlns="" w="9525">
+                <a14:hiddenLine xmlns="" xmlns:a14="http://schemas.microsoft.com/office/drawing/2010/main" w="9525">
                   <a:solidFill>
                     <a:srgbClr val="000000"/>
                   </a:solidFill>
@@ -1255,7 +1273,7 @@
             </a:ln>
             <a:extLst>
               <a:ext uri="{91240B29-F687-4f45-9708-019B960494DF}">
-                <a14:hiddenLine xmlns:a14="http://schemas.microsoft.com/office/drawing/2010/main" xmlns="" w="9525">
+                <a14:hiddenLine xmlns="" xmlns:a14="http://schemas.microsoft.com/office/drawing/2010/main" w="9525">
                   <a:solidFill>
                     <a:srgbClr val="000000"/>
                   </a:solidFill>
@@ -1317,7 +1335,7 @@
             </a:ln>
             <a:extLst>
               <a:ext uri="{91240B29-F687-4f45-9708-019B960494DF}">
-                <a14:hiddenLine xmlns:a14="http://schemas.microsoft.com/office/drawing/2010/main" xmlns="" w="9525">
+                <a14:hiddenLine xmlns="" xmlns:a14="http://schemas.microsoft.com/office/drawing/2010/main" w="9525">
                   <a:solidFill>
                     <a:srgbClr val="000000"/>
                   </a:solidFill>
@@ -1407,7 +1425,7 @@
             </a:ln>
             <a:extLst>
               <a:ext uri="{91240B29-F687-4f45-9708-019B960494DF}">
-                <a14:hiddenLine xmlns:a14="http://schemas.microsoft.com/office/drawing/2010/main" xmlns="" w="9525">
+                <a14:hiddenLine xmlns="" xmlns:a14="http://schemas.microsoft.com/office/drawing/2010/main" w="9525">
                   <a:solidFill>
                     <a:srgbClr val="000000"/>
                   </a:solidFill>
@@ -1497,7 +1515,7 @@
             </a:ln>
             <a:extLst>
               <a:ext uri="{91240B29-F687-4f45-9708-019B960494DF}">
-                <a14:hiddenLine xmlns:a14="http://schemas.microsoft.com/office/drawing/2010/main" xmlns="" w="9525">
+                <a14:hiddenLine xmlns="" xmlns:a14="http://schemas.microsoft.com/office/drawing/2010/main" w="9525">
                   <a:solidFill>
                     <a:srgbClr val="000000"/>
                   </a:solidFill>
@@ -1559,7 +1577,7 @@
             </a:ln>
             <a:extLst>
               <a:ext uri="{91240B29-F687-4f45-9708-019B960494DF}">
-                <a14:hiddenLine xmlns:a14="http://schemas.microsoft.com/office/drawing/2010/main" xmlns="" w="9525">
+                <a14:hiddenLine xmlns="" xmlns:a14="http://schemas.microsoft.com/office/drawing/2010/main" w="9525">
                   <a:solidFill>
                     <a:srgbClr val="000000"/>
                   </a:solidFill>
@@ -1649,7 +1667,7 @@
             </a:ln>
             <a:extLst>
               <a:ext uri="{91240B29-F687-4f45-9708-019B960494DF}">
-                <a14:hiddenLine xmlns:a14="http://schemas.microsoft.com/office/drawing/2010/main" xmlns="" w="9525">
+                <a14:hiddenLine xmlns="" xmlns:a14="http://schemas.microsoft.com/office/drawing/2010/main" w="9525">
                   <a:solidFill>
                     <a:srgbClr val="000000"/>
                   </a:solidFill>
@@ -1739,7 +1757,7 @@
             </a:ln>
             <a:extLst>
               <a:ext uri="{91240B29-F687-4f45-9708-019B960494DF}">
-                <a14:hiddenLine xmlns:a14="http://schemas.microsoft.com/office/drawing/2010/main" xmlns="" w="9525">
+                <a14:hiddenLine xmlns="" xmlns:a14="http://schemas.microsoft.com/office/drawing/2010/main" w="9525">
                   <a:solidFill>
                     <a:srgbClr val="000000"/>
                   </a:solidFill>
@@ -1795,7 +1813,7 @@
             </a:ln>
             <a:extLst>
               <a:ext uri="{91240B29-F687-4f45-9708-019B960494DF}">
-                <a14:hiddenLine xmlns:a14="http://schemas.microsoft.com/office/drawing/2010/main" xmlns="" w="9525">
+                <a14:hiddenLine xmlns="" xmlns:a14="http://schemas.microsoft.com/office/drawing/2010/main" w="9525">
                   <a:solidFill>
                     <a:srgbClr val="000000"/>
                   </a:solidFill>
@@ -1885,7 +1903,7 @@
             </a:ln>
             <a:extLst>
               <a:ext uri="{91240B29-F687-4f45-9708-019B960494DF}">
-                <a14:hiddenLine xmlns:a14="http://schemas.microsoft.com/office/drawing/2010/main" xmlns="" w="9525">
+                <a14:hiddenLine xmlns="" xmlns:a14="http://schemas.microsoft.com/office/drawing/2010/main" w="9525">
                   <a:solidFill>
                     <a:srgbClr val="000000"/>
                   </a:solidFill>
@@ -1941,7 +1959,7 @@
             </a:ln>
             <a:extLst>
               <a:ext uri="{91240B29-F687-4f45-9708-019B960494DF}">
-                <a14:hiddenLine xmlns:a14="http://schemas.microsoft.com/office/drawing/2010/main" xmlns="" w="9525">
+                <a14:hiddenLine xmlns="" xmlns:a14="http://schemas.microsoft.com/office/drawing/2010/main" w="9525">
                   <a:solidFill>
                     <a:srgbClr val="000000"/>
                   </a:solidFill>
@@ -2031,7 +2049,7 @@
             </a:ln>
             <a:extLst>
               <a:ext uri="{91240B29-F687-4f45-9708-019B960494DF}">
-                <a14:hiddenLine xmlns:a14="http://schemas.microsoft.com/office/drawing/2010/main" xmlns="" w="9525">
+                <a14:hiddenLine xmlns="" xmlns:a14="http://schemas.microsoft.com/office/drawing/2010/main" w="9525">
                   <a:solidFill>
                     <a:srgbClr val="000000"/>
                   </a:solidFill>
@@ -2099,7 +2117,7 @@
             </a:ln>
             <a:extLst>
               <a:ext uri="{91240B29-F687-4f45-9708-019B960494DF}">
-                <a14:hiddenLine xmlns:a14="http://schemas.microsoft.com/office/drawing/2010/main" xmlns="" w="9525">
+                <a14:hiddenLine xmlns="" xmlns:a14="http://schemas.microsoft.com/office/drawing/2010/main" w="9525">
                   <a:solidFill>
                     <a:srgbClr val="000000"/>
                   </a:solidFill>
@@ -2189,7 +2207,7 @@
             </a:ln>
             <a:extLst>
               <a:ext uri="{91240B29-F687-4f45-9708-019B960494DF}">
-                <a14:hiddenLine xmlns:a14="http://schemas.microsoft.com/office/drawing/2010/main" xmlns="" w="9525">
+                <a14:hiddenLine xmlns="" xmlns:a14="http://schemas.microsoft.com/office/drawing/2010/main" w="9525">
                   <a:solidFill>
                     <a:srgbClr val="000000"/>
                   </a:solidFill>
@@ -2257,7 +2275,7 @@
             </a:ln>
             <a:extLst>
               <a:ext uri="{91240B29-F687-4f45-9708-019B960494DF}">
-                <a14:hiddenLine xmlns:a14="http://schemas.microsoft.com/office/drawing/2010/main" xmlns="" w="9525">
+                <a14:hiddenLine xmlns="" xmlns:a14="http://schemas.microsoft.com/office/drawing/2010/main" w="9525">
                   <a:solidFill>
                     <a:srgbClr val="000000"/>
                   </a:solidFill>
@@ -2347,7 +2365,7 @@
             </a:ln>
             <a:extLst>
               <a:ext uri="{91240B29-F687-4f45-9708-019B960494DF}">
-                <a14:hiddenLine xmlns:a14="http://schemas.microsoft.com/office/drawing/2010/main" xmlns="" w="9525">
+                <a14:hiddenLine xmlns="" xmlns:a14="http://schemas.microsoft.com/office/drawing/2010/main" w="9525">
                   <a:solidFill>
                     <a:srgbClr val="000000"/>
                   </a:solidFill>
@@ -2381,7 +2399,7 @@
             </a:ln>
             <a:extLst>
               <a:ext uri="{91240B29-F687-4f45-9708-019B960494DF}">
-                <a14:hiddenLine xmlns:a14="http://schemas.microsoft.com/office/drawing/2010/main" xmlns="" w="9525">
+                <a14:hiddenLine xmlns="" xmlns:a14="http://schemas.microsoft.com/office/drawing/2010/main" w="9525">
                   <a:solidFill>
                     <a:srgbClr val="000000"/>
                   </a:solidFill>
@@ -2471,7 +2489,7 @@
             </a:ln>
             <a:extLst>
               <a:ext uri="{91240B29-F687-4f45-9708-019B960494DF}">
-                <a14:hiddenLine xmlns:a14="http://schemas.microsoft.com/office/drawing/2010/main" xmlns="" w="9525">
+                <a14:hiddenLine xmlns="" xmlns:a14="http://schemas.microsoft.com/office/drawing/2010/main" w="9525">
                   <a:solidFill>
                     <a:srgbClr val="000000"/>
                   </a:solidFill>
@@ -2533,7 +2551,7 @@
             </a:ln>
             <a:extLst>
               <a:ext uri="{91240B29-F687-4f45-9708-019B960494DF}">
-                <a14:hiddenLine xmlns:a14="http://schemas.microsoft.com/office/drawing/2010/main" xmlns="" w="9525">
+                <a14:hiddenLine xmlns="" xmlns:a14="http://schemas.microsoft.com/office/drawing/2010/main" w="9525">
                   <a:solidFill>
                     <a:srgbClr val="000000"/>
                   </a:solidFill>
@@ -2595,7 +2613,7 @@
             </a:ln>
             <a:extLst>
               <a:ext uri="{91240B29-F687-4f45-9708-019B960494DF}">
-                <a14:hiddenLine xmlns:a14="http://schemas.microsoft.com/office/drawing/2010/main" xmlns="" w="9525">
+                <a14:hiddenLine xmlns="" xmlns:a14="http://schemas.microsoft.com/office/drawing/2010/main" w="9525">
                   <a:solidFill>
                     <a:srgbClr val="000000"/>
                   </a:solidFill>
@@ -2685,7 +2703,7 @@
             </a:ln>
             <a:extLst>
               <a:ext uri="{91240B29-F687-4f45-9708-019B960494DF}">
-                <a14:hiddenLine xmlns:a14="http://schemas.microsoft.com/office/drawing/2010/main" xmlns="" w="9525">
+                <a14:hiddenLine xmlns="" xmlns:a14="http://schemas.microsoft.com/office/drawing/2010/main" w="9525">
                   <a:solidFill>
                     <a:srgbClr val="000000"/>
                   </a:solidFill>
@@ -2753,7 +2771,7 @@
             </a:ln>
             <a:extLst>
               <a:ext uri="{91240B29-F687-4f45-9708-019B960494DF}">
-                <a14:hiddenLine xmlns:a14="http://schemas.microsoft.com/office/drawing/2010/main" xmlns="" w="9525">
+                <a14:hiddenLine xmlns="" xmlns:a14="http://schemas.microsoft.com/office/drawing/2010/main" w="9525">
                   <a:solidFill>
                     <a:srgbClr val="000000"/>
                   </a:solidFill>
@@ -2815,7 +2833,7 @@
             </a:ln>
             <a:extLst>
               <a:ext uri="{91240B29-F687-4f45-9708-019B960494DF}">
-                <a14:hiddenLine xmlns:a14="http://schemas.microsoft.com/office/drawing/2010/main" xmlns="" w="9525">
+                <a14:hiddenLine xmlns="" xmlns:a14="http://schemas.microsoft.com/office/drawing/2010/main" w="9525">
                   <a:solidFill>
                     <a:srgbClr val="000000"/>
                   </a:solidFill>
@@ -2905,7 +2923,7 @@
             </a:ln>
             <a:extLst>
               <a:ext uri="{91240B29-F687-4f45-9708-019B960494DF}">
-                <a14:hiddenLine xmlns:a14="http://schemas.microsoft.com/office/drawing/2010/main" xmlns="" w="9525">
+                <a14:hiddenLine xmlns="" xmlns:a14="http://schemas.microsoft.com/office/drawing/2010/main" w="9525">
                   <a:solidFill>
                     <a:srgbClr val="000000"/>
                   </a:solidFill>
@@ -2967,7 +2985,7 @@
             </a:ln>
             <a:extLst>
               <a:ext uri="{91240B29-F687-4f45-9708-019B960494DF}">
-                <a14:hiddenLine xmlns:a14="http://schemas.microsoft.com/office/drawing/2010/main" xmlns="" w="9525">
+                <a14:hiddenLine xmlns="" xmlns:a14="http://schemas.microsoft.com/office/drawing/2010/main" w="9525">
                   <a:solidFill>
                     <a:srgbClr val="000000"/>
                   </a:solidFill>
@@ -3057,7 +3075,7 @@
             </a:ln>
             <a:extLst>
               <a:ext uri="{91240B29-F687-4f45-9708-019B960494DF}">
-                <a14:hiddenLine xmlns:a14="http://schemas.microsoft.com/office/drawing/2010/main" xmlns="" w="9525">
+                <a14:hiddenLine xmlns="" xmlns:a14="http://schemas.microsoft.com/office/drawing/2010/main" w="9525">
                   <a:solidFill>
                     <a:srgbClr val="000000"/>
                   </a:solidFill>
@@ -3119,7 +3137,7 @@
             </a:ln>
             <a:extLst>
               <a:ext uri="{91240B29-F687-4f45-9708-019B960494DF}">
-                <a14:hiddenLine xmlns:a14="http://schemas.microsoft.com/office/drawing/2010/main" xmlns="" w="9525">
+                <a14:hiddenLine xmlns="" xmlns:a14="http://schemas.microsoft.com/office/drawing/2010/main" w="9525">
                   <a:solidFill>
                     <a:srgbClr val="000000"/>
                   </a:solidFill>
@@ -3209,7 +3227,7 @@
             </a:ln>
             <a:extLst>
               <a:ext uri="{91240B29-F687-4f45-9708-019B960494DF}">
-                <a14:hiddenLine xmlns:a14="http://schemas.microsoft.com/office/drawing/2010/main" xmlns="" w="9525">
+                <a14:hiddenLine xmlns="" xmlns:a14="http://schemas.microsoft.com/office/drawing/2010/main" w="9525">
                   <a:solidFill>
                     <a:srgbClr val="000000"/>
                   </a:solidFill>
@@ -3243,7 +3261,7 @@
             </a:ln>
             <a:extLst>
               <a:ext uri="{91240B29-F687-4f45-9708-019B960494DF}">
-                <a14:hiddenLine xmlns:a14="http://schemas.microsoft.com/office/drawing/2010/main" xmlns="" w="9525">
+                <a14:hiddenLine xmlns="" xmlns:a14="http://schemas.microsoft.com/office/drawing/2010/main" w="9525">
                   <a:solidFill>
                     <a:srgbClr val="000000"/>
                   </a:solidFill>
@@ -3308,7 +3326,7 @@
             </a:ln>
             <a:extLst>
               <a:ext uri="{91240B29-F687-4f45-9708-019B960494DF}">
-                <a14:hiddenLine xmlns:a14="http://schemas.microsoft.com/office/drawing/2010/main" xmlns="" w="9525">
+                <a14:hiddenLine xmlns="" xmlns:a14="http://schemas.microsoft.com/office/drawing/2010/main" w="9525">
                   <a:solidFill>
                     <a:srgbClr val="000000"/>
                   </a:solidFill>
@@ -3398,7 +3416,7 @@
             </a:ln>
             <a:extLst>
               <a:ext uri="{91240B29-F687-4f45-9708-019B960494DF}">
-                <a14:hiddenLine xmlns:a14="http://schemas.microsoft.com/office/drawing/2010/main" xmlns="" w="9525">
+                <a14:hiddenLine xmlns="" xmlns:a14="http://schemas.microsoft.com/office/drawing/2010/main" w="9525">
                   <a:solidFill>
                     <a:srgbClr val="000000"/>
                   </a:solidFill>
@@ -3460,7 +3478,7 @@
             </a:ln>
             <a:extLst>
               <a:ext uri="{91240B29-F687-4f45-9708-019B960494DF}">
-                <a14:hiddenLine xmlns:a14="http://schemas.microsoft.com/office/drawing/2010/main" xmlns="" w="9525">
+                <a14:hiddenLine xmlns="" xmlns:a14="http://schemas.microsoft.com/office/drawing/2010/main" w="9525">
                   <a:solidFill>
                     <a:srgbClr val="000000"/>
                   </a:solidFill>
@@ -3550,7 +3568,7 @@
             </a:ln>
             <a:extLst>
               <a:ext uri="{91240B29-F687-4f45-9708-019B960494DF}">
-                <a14:hiddenLine xmlns:a14="http://schemas.microsoft.com/office/drawing/2010/main" xmlns="" w="9525">
+                <a14:hiddenLine xmlns="" xmlns:a14="http://schemas.microsoft.com/office/drawing/2010/main" w="9525">
                   <a:solidFill>
                     <a:srgbClr val="000000"/>
                   </a:solidFill>
@@ -3640,7 +3658,7 @@
             </a:ln>
             <a:extLst>
               <a:ext uri="{91240B29-F687-4f45-9708-019B960494DF}">
-                <a14:hiddenLine xmlns:a14="http://schemas.microsoft.com/office/drawing/2010/main" xmlns="" w="9525">
+                <a14:hiddenLine xmlns="" xmlns:a14="http://schemas.microsoft.com/office/drawing/2010/main" w="9525">
                   <a:solidFill>
                     <a:srgbClr val="000000"/>
                   </a:solidFill>
@@ -3705,7 +3723,7 @@
             </a:ln>
             <a:extLst>
               <a:ext uri="{91240B29-F687-4f45-9708-019B960494DF}">
-                <a14:hiddenLine xmlns:a14="http://schemas.microsoft.com/office/drawing/2010/main" xmlns="" w="9525">
+                <a14:hiddenLine xmlns="" xmlns:a14="http://schemas.microsoft.com/office/drawing/2010/main" w="9525">
                   <a:solidFill>
                     <a:srgbClr val="000000"/>
                   </a:solidFill>
@@ -3767,7 +3785,7 @@
             </a:ln>
             <a:extLst>
               <a:ext uri="{91240B29-F687-4f45-9708-019B960494DF}">
-                <a14:hiddenLine xmlns:a14="http://schemas.microsoft.com/office/drawing/2010/main" xmlns="" w="9525">
+                <a14:hiddenLine xmlns="" xmlns:a14="http://schemas.microsoft.com/office/drawing/2010/main" w="9525">
                   <a:solidFill>
                     <a:srgbClr val="000000"/>
                   </a:solidFill>
@@ -3857,7 +3875,7 @@
             </a:ln>
             <a:extLst>
               <a:ext uri="{91240B29-F687-4f45-9708-019B960494DF}">
-                <a14:hiddenLine xmlns:a14="http://schemas.microsoft.com/office/drawing/2010/main" xmlns="" w="9525">
+                <a14:hiddenLine xmlns="" xmlns:a14="http://schemas.microsoft.com/office/drawing/2010/main" w="9525">
                   <a:solidFill>
                     <a:srgbClr val="000000"/>
                   </a:solidFill>
@@ -3947,7 +3965,7 @@
             </a:ln>
             <a:extLst>
               <a:ext uri="{91240B29-F687-4f45-9708-019B960494DF}">
-                <a14:hiddenLine xmlns:a14="http://schemas.microsoft.com/office/drawing/2010/main" xmlns="" w="9525">
+                <a14:hiddenLine xmlns="" xmlns:a14="http://schemas.microsoft.com/office/drawing/2010/main" w="9525">
                   <a:solidFill>
                     <a:srgbClr val="000000"/>
                   </a:solidFill>
@@ -4009,7 +4027,7 @@
             </a:ln>
             <a:extLst>
               <a:ext uri="{91240B29-F687-4f45-9708-019B960494DF}">
-                <a14:hiddenLine xmlns:a14="http://schemas.microsoft.com/office/drawing/2010/main" xmlns="" w="9525">
+                <a14:hiddenLine xmlns="" xmlns:a14="http://schemas.microsoft.com/office/drawing/2010/main" w="9525">
                   <a:solidFill>
                     <a:srgbClr val="000000"/>
                   </a:solidFill>
@@ -4129,7 +4147,7 @@
             </a:ln>
             <a:extLst>
               <a:ext uri="{91240B29-F687-4f45-9708-019B960494DF}">
-                <a14:hiddenLine xmlns:a14="http://schemas.microsoft.com/office/drawing/2010/main" xmlns="" w="9525">
+                <a14:hiddenLine xmlns="" xmlns:a14="http://schemas.microsoft.com/office/drawing/2010/main" w="9525">
                   <a:solidFill>
                     <a:srgbClr val="000000"/>
                   </a:solidFill>
@@ -4197,7 +4215,7 @@
             </a:ln>
             <a:extLst>
               <a:ext uri="{91240B29-F687-4f45-9708-019B960494DF}">
-                <a14:hiddenLine xmlns:a14="http://schemas.microsoft.com/office/drawing/2010/main" xmlns="" w="9525">
+                <a14:hiddenLine xmlns="" xmlns:a14="http://schemas.microsoft.com/office/drawing/2010/main" w="9525">
                   <a:solidFill>
                     <a:srgbClr val="000000"/>
                   </a:solidFill>
@@ -4287,7 +4305,7 @@
             </a:ln>
             <a:extLst>
               <a:ext uri="{91240B29-F687-4f45-9708-019B960494DF}">
-                <a14:hiddenLine xmlns:a14="http://schemas.microsoft.com/office/drawing/2010/main" xmlns="" w="9525">
+                <a14:hiddenLine xmlns="" xmlns:a14="http://schemas.microsoft.com/office/drawing/2010/main" w="9525">
                   <a:solidFill>
                     <a:srgbClr val="000000"/>
                   </a:solidFill>
@@ -4427,7 +4445,7 @@
           <a:p>
             <a:fld id="{48A87A34-81AB-432B-8DAE-1953F412C126}" type="datetimeFigureOut">
               <a:rPr lang="en-US" dirty="0"/>
-              <a:t>11/1/2022</a:t>
+              <a:t>11/2/2022</a:t>
             </a:fld>
             <a:endParaRPr lang="en-US" dirty="0"/>
           </a:p>
@@ -4689,7 +4707,7 @@
           <a:p>
             <a:fld id="{48A87A34-81AB-432B-8DAE-1953F412C126}" type="datetimeFigureOut">
               <a:rPr lang="en-US" dirty="0"/>
-              <a:t>11/1/2022</a:t>
+              <a:t>11/2/2022</a:t>
             </a:fld>
             <a:endParaRPr lang="en-US" dirty="0"/>
           </a:p>
@@ -4880,7 +4898,7 @@
           <a:p>
             <a:fld id="{48A87A34-81AB-432B-8DAE-1953F412C126}" type="datetimeFigureOut">
               <a:rPr lang="en-US" dirty="0"/>
-              <a:t>11/1/2022</a:t>
+              <a:t>11/2/2022</a:t>
             </a:fld>
             <a:endParaRPr lang="en-US" dirty="0"/>
           </a:p>
@@ -5138,7 +5156,7 @@
           <a:p>
             <a:fld id="{48A87A34-81AB-432B-8DAE-1953F412C126}" type="datetimeFigureOut">
               <a:rPr lang="en-US" dirty="0"/>
-              <a:t>11/1/2022</a:t>
+              <a:t>11/2/2022</a:t>
             </a:fld>
             <a:endParaRPr lang="en-US" dirty="0"/>
           </a:p>
@@ -5567,7 +5585,7 @@
           <a:p>
             <a:fld id="{48A87A34-81AB-432B-8DAE-1953F412C126}" type="datetimeFigureOut">
               <a:rPr lang="en-US" dirty="0"/>
-              <a:t>11/1/2022</a:t>
+              <a:t>11/2/2022</a:t>
             </a:fld>
             <a:endParaRPr lang="en-US" dirty="0"/>
           </a:p>
@@ -6108,7 +6126,7 @@
           <a:p>
             <a:fld id="{48A87A34-81AB-432B-8DAE-1953F412C126}" type="datetimeFigureOut">
               <a:rPr lang="en-US" dirty="0"/>
-              <a:t>11/1/2022</a:t>
+              <a:t>11/2/2022</a:t>
             </a:fld>
             <a:endParaRPr lang="en-US" dirty="0"/>
           </a:p>
@@ -6823,7 +6841,7 @@
           <a:p>
             <a:fld id="{48A87A34-81AB-432B-8DAE-1953F412C126}" type="datetimeFigureOut">
               <a:rPr lang="en-US" dirty="0"/>
-              <a:t>11/1/2022</a:t>
+              <a:t>11/2/2022</a:t>
             </a:fld>
             <a:endParaRPr lang="en-US" dirty="0"/>
           </a:p>
@@ -6988,7 +7006,7 @@
           <a:p>
             <a:fld id="{48A87A34-81AB-432B-8DAE-1953F412C126}" type="datetimeFigureOut">
               <a:rPr lang="en-US" dirty="0"/>
-              <a:t>11/1/2022</a:t>
+              <a:t>11/2/2022</a:t>
             </a:fld>
             <a:endParaRPr lang="en-US" dirty="0"/>
           </a:p>
@@ -7163,7 +7181,7 @@
           <a:p>
             <a:fld id="{48A87A34-81AB-432B-8DAE-1953F412C126}" type="datetimeFigureOut">
               <a:rPr lang="en-US" dirty="0"/>
-              <a:t>11/1/2022</a:t>
+              <a:t>11/2/2022</a:t>
             </a:fld>
             <a:endParaRPr lang="en-US" dirty="0"/>
           </a:p>
@@ -7328,7 +7346,7 @@
           <a:p>
             <a:fld id="{48A87A34-81AB-432B-8DAE-1953F412C126}" type="datetimeFigureOut">
               <a:rPr lang="en-US" dirty="0"/>
-              <a:t>11/1/2022</a:t>
+              <a:t>11/2/2022</a:t>
             </a:fld>
             <a:endParaRPr lang="en-US" dirty="0"/>
           </a:p>
@@ -7573,7 +7591,7 @@
           <a:p>
             <a:fld id="{48A87A34-81AB-432B-8DAE-1953F412C126}" type="datetimeFigureOut">
               <a:rPr lang="en-US" dirty="0"/>
-              <a:t>11/1/2022</a:t>
+              <a:t>11/2/2022</a:t>
             </a:fld>
             <a:endParaRPr lang="en-US" dirty="0"/>
           </a:p>
@@ -7800,7 +7818,7 @@
           <a:p>
             <a:fld id="{48A87A34-81AB-432B-8DAE-1953F412C126}" type="datetimeFigureOut">
               <a:rPr lang="en-US" dirty="0"/>
-              <a:t>11/1/2022</a:t>
+              <a:t>11/2/2022</a:t>
             </a:fld>
             <a:endParaRPr lang="en-US" dirty="0"/>
           </a:p>
@@ -8176,7 +8194,7 @@
           <a:p>
             <a:fld id="{48A87A34-81AB-432B-8DAE-1953F412C126}" type="datetimeFigureOut">
               <a:rPr lang="en-US" dirty="0"/>
-              <a:t>11/1/2022</a:t>
+              <a:t>11/2/2022</a:t>
             </a:fld>
             <a:endParaRPr lang="en-US" dirty="0"/>
           </a:p>
@@ -8289,7 +8307,7 @@
           <a:p>
             <a:fld id="{48A87A34-81AB-432B-8DAE-1953F412C126}" type="datetimeFigureOut">
               <a:rPr lang="en-US" dirty="0"/>
-              <a:t>11/1/2022</a:t>
+              <a:t>11/2/2022</a:t>
             </a:fld>
             <a:endParaRPr lang="en-US" dirty="0"/>
           </a:p>
@@ -8379,7 +8397,7 @@
           <a:p>
             <a:fld id="{48A87A34-81AB-432B-8DAE-1953F412C126}" type="datetimeFigureOut">
               <a:rPr lang="en-US" dirty="0"/>
-              <a:t>11/1/2022</a:t>
+              <a:t>11/2/2022</a:t>
             </a:fld>
             <a:endParaRPr lang="en-US" dirty="0"/>
           </a:p>
@@ -8623,7 +8641,7 @@
           <a:p>
             <a:fld id="{48A87A34-81AB-432B-8DAE-1953F412C126}" type="datetimeFigureOut">
               <a:rPr lang="en-US" dirty="0"/>
-              <a:t>11/1/2022</a:t>
+              <a:t>11/2/2022</a:t>
             </a:fld>
             <a:endParaRPr lang="en-US" dirty="0"/>
           </a:p>
@@ -8898,7 +8916,7 @@
           <a:p>
             <a:fld id="{48A87A34-81AB-432B-8DAE-1953F412C126}" type="datetimeFigureOut">
               <a:rPr lang="en-US" dirty="0"/>
-              <a:t>11/1/2022</a:t>
+              <a:t>11/2/2022</a:t>
             </a:fld>
             <a:endParaRPr lang="en-US" dirty="0"/>
           </a:p>
@@ -9016,7 +9034,7 @@
           <a:noFill/>
           <a:extLst>
             <a:ext uri="{909E8E84-426E-40dd-AFC4-6F175D3DCCD1}">
-              <a14:hiddenFill xmlns:a14="http://schemas.microsoft.com/office/drawing/2010/main" xmlns="">
+              <a14:hiddenFill xmlns="" xmlns:a14="http://schemas.microsoft.com/office/drawing/2010/main">
                 <a:solidFill>
                   <a:srgbClr val="FFFFFF"/>
                 </a:solidFill>
@@ -9090,7 +9108,7 @@
               </a:ln>
               <a:extLst>
                 <a:ext uri="{91240B29-F687-4f45-9708-019B960494DF}">
-                  <a14:hiddenLine xmlns:a14="http://schemas.microsoft.com/office/drawing/2010/main" xmlns="" w="9525">
+                  <a14:hiddenLine xmlns="" xmlns:a14="http://schemas.microsoft.com/office/drawing/2010/main" w="9525">
                     <a:solidFill>
                       <a:srgbClr val="000000"/>
                     </a:solidFill>
@@ -9180,7 +9198,7 @@
               </a:ln>
               <a:extLst>
                 <a:ext uri="{91240B29-F687-4f45-9708-019B960494DF}">
-                  <a14:hiddenLine xmlns:a14="http://schemas.microsoft.com/office/drawing/2010/main" xmlns="" w="9525">
+                  <a14:hiddenLine xmlns="" xmlns:a14="http://schemas.microsoft.com/office/drawing/2010/main" w="9525">
                     <a:solidFill>
                       <a:srgbClr val="000000"/>
                     </a:solidFill>
@@ -9270,7 +9288,7 @@
               </a:ln>
               <a:extLst>
                 <a:ext uri="{91240B29-F687-4f45-9708-019B960494DF}">
-                  <a14:hiddenLine xmlns:a14="http://schemas.microsoft.com/office/drawing/2010/main" xmlns="" w="9525">
+                  <a14:hiddenLine xmlns="" xmlns:a14="http://schemas.microsoft.com/office/drawing/2010/main" w="9525">
                     <a:solidFill>
                       <a:srgbClr val="000000"/>
                     </a:solidFill>
@@ -9332,7 +9350,7 @@
               </a:ln>
               <a:extLst>
                 <a:ext uri="{91240B29-F687-4f45-9708-019B960494DF}">
-                  <a14:hiddenLine xmlns:a14="http://schemas.microsoft.com/office/drawing/2010/main" xmlns="" w="9525">
+                  <a14:hiddenLine xmlns="" xmlns:a14="http://schemas.microsoft.com/office/drawing/2010/main" w="9525">
                     <a:solidFill>
                       <a:srgbClr val="000000"/>
                     </a:solidFill>
@@ -9422,7 +9440,7 @@
               </a:ln>
               <a:extLst>
                 <a:ext uri="{91240B29-F687-4f45-9708-019B960494DF}">
-                  <a14:hiddenLine xmlns:a14="http://schemas.microsoft.com/office/drawing/2010/main" xmlns="" w="9525">
+                  <a14:hiddenLine xmlns="" xmlns:a14="http://schemas.microsoft.com/office/drawing/2010/main" w="9525">
                     <a:solidFill>
                       <a:srgbClr val="000000"/>
                     </a:solidFill>
@@ -9484,7 +9502,7 @@
               </a:ln>
               <a:extLst>
                 <a:ext uri="{91240B29-F687-4f45-9708-019B960494DF}">
-                  <a14:hiddenLine xmlns:a14="http://schemas.microsoft.com/office/drawing/2010/main" xmlns="" w="9525">
+                  <a14:hiddenLine xmlns="" xmlns:a14="http://schemas.microsoft.com/office/drawing/2010/main" w="9525">
                     <a:solidFill>
                       <a:srgbClr val="000000"/>
                     </a:solidFill>
@@ -9546,7 +9564,7 @@
               </a:ln>
               <a:extLst>
                 <a:ext uri="{91240B29-F687-4f45-9708-019B960494DF}">
-                  <a14:hiddenLine xmlns:a14="http://schemas.microsoft.com/office/drawing/2010/main" xmlns="" w="9525">
+                  <a14:hiddenLine xmlns="" xmlns:a14="http://schemas.microsoft.com/office/drawing/2010/main" w="9525">
                     <a:solidFill>
                       <a:srgbClr val="000000"/>
                     </a:solidFill>
@@ -9636,7 +9654,7 @@
               </a:ln>
               <a:extLst>
                 <a:ext uri="{91240B29-F687-4f45-9708-019B960494DF}">
-                  <a14:hiddenLine xmlns:a14="http://schemas.microsoft.com/office/drawing/2010/main" xmlns="" w="9525">
+                  <a14:hiddenLine xmlns="" xmlns:a14="http://schemas.microsoft.com/office/drawing/2010/main" w="9525">
                     <a:solidFill>
                       <a:srgbClr val="000000"/>
                     </a:solidFill>
@@ -9726,7 +9744,7 @@
               </a:ln>
               <a:extLst>
                 <a:ext uri="{91240B29-F687-4f45-9708-019B960494DF}">
-                  <a14:hiddenLine xmlns:a14="http://schemas.microsoft.com/office/drawing/2010/main" xmlns="" w="9525">
+                  <a14:hiddenLine xmlns="" xmlns:a14="http://schemas.microsoft.com/office/drawing/2010/main" w="9525">
                     <a:solidFill>
                       <a:srgbClr val="000000"/>
                     </a:solidFill>
@@ -9788,7 +9806,7 @@
               </a:ln>
               <a:extLst>
                 <a:ext uri="{91240B29-F687-4f45-9708-019B960494DF}">
-                  <a14:hiddenLine xmlns:a14="http://schemas.microsoft.com/office/drawing/2010/main" xmlns="" w="9525">
+                  <a14:hiddenLine xmlns="" xmlns:a14="http://schemas.microsoft.com/office/drawing/2010/main" w="9525">
                     <a:solidFill>
                       <a:srgbClr val="000000"/>
                     </a:solidFill>
@@ -9898,7 +9916,7 @@
               </a:ln>
               <a:extLst>
                 <a:ext uri="{91240B29-F687-4f45-9708-019B960494DF}">
-                  <a14:hiddenLine xmlns:a14="http://schemas.microsoft.com/office/drawing/2010/main" xmlns="" w="9525">
+                  <a14:hiddenLine xmlns="" xmlns:a14="http://schemas.microsoft.com/office/drawing/2010/main" w="9525">
                     <a:solidFill>
                       <a:srgbClr val="000000"/>
                     </a:solidFill>
@@ -9982,7 +10000,7 @@
               </a:ln>
               <a:extLst>
                 <a:ext uri="{91240B29-F687-4f45-9708-019B960494DF}">
-                  <a14:hiddenLine xmlns:a14="http://schemas.microsoft.com/office/drawing/2010/main" xmlns="" w="9525">
+                  <a14:hiddenLine xmlns="" xmlns:a14="http://schemas.microsoft.com/office/drawing/2010/main" w="9525">
                     <a:solidFill>
                       <a:srgbClr val="000000"/>
                     </a:solidFill>
@@ -10044,7 +10062,7 @@
               </a:ln>
               <a:extLst>
                 <a:ext uri="{91240B29-F687-4f45-9708-019B960494DF}">
-                  <a14:hiddenLine xmlns:a14="http://schemas.microsoft.com/office/drawing/2010/main" xmlns="" w="9525">
+                  <a14:hiddenLine xmlns="" xmlns:a14="http://schemas.microsoft.com/office/drawing/2010/main" w="9525">
                     <a:solidFill>
                       <a:srgbClr val="000000"/>
                     </a:solidFill>
@@ -10106,7 +10124,7 @@
               </a:ln>
               <a:extLst>
                 <a:ext uri="{91240B29-F687-4f45-9708-019B960494DF}">
-                  <a14:hiddenLine xmlns:a14="http://schemas.microsoft.com/office/drawing/2010/main" xmlns="" w="9525">
+                  <a14:hiddenLine xmlns="" xmlns:a14="http://schemas.microsoft.com/office/drawing/2010/main" w="9525">
                     <a:solidFill>
                       <a:srgbClr val="000000"/>
                     </a:solidFill>
@@ -10196,7 +10214,7 @@
               </a:ln>
               <a:extLst>
                 <a:ext uri="{91240B29-F687-4f45-9708-019B960494DF}">
-                  <a14:hiddenLine xmlns:a14="http://schemas.microsoft.com/office/drawing/2010/main" xmlns="" w="9525">
+                  <a14:hiddenLine xmlns="" xmlns:a14="http://schemas.microsoft.com/office/drawing/2010/main" w="9525">
                     <a:solidFill>
                       <a:srgbClr val="000000"/>
                     </a:solidFill>
@@ -10230,7 +10248,7 @@
               </a:ln>
               <a:extLst>
                 <a:ext uri="{91240B29-F687-4f45-9708-019B960494DF}">
-                  <a14:hiddenLine xmlns:a14="http://schemas.microsoft.com/office/drawing/2010/main" xmlns="" w="9525">
+                  <a14:hiddenLine xmlns="" xmlns:a14="http://schemas.microsoft.com/office/drawing/2010/main" w="9525">
                     <a:solidFill>
                       <a:srgbClr val="000000"/>
                     </a:solidFill>
@@ -10295,7 +10313,7 @@
               </a:ln>
               <a:extLst>
                 <a:ext uri="{91240B29-F687-4f45-9708-019B960494DF}">
-                  <a14:hiddenLine xmlns:a14="http://schemas.microsoft.com/office/drawing/2010/main" xmlns="" w="9525">
+                  <a14:hiddenLine xmlns="" xmlns:a14="http://schemas.microsoft.com/office/drawing/2010/main" w="9525">
                     <a:solidFill>
                       <a:srgbClr val="000000"/>
                     </a:solidFill>
@@ -10385,7 +10403,7 @@
               </a:ln>
               <a:extLst>
                 <a:ext uri="{91240B29-F687-4f45-9708-019B960494DF}">
-                  <a14:hiddenLine xmlns:a14="http://schemas.microsoft.com/office/drawing/2010/main" xmlns="" w="9525">
+                  <a14:hiddenLine xmlns="" xmlns:a14="http://schemas.microsoft.com/office/drawing/2010/main" w="9525">
                     <a:solidFill>
                       <a:srgbClr val="000000"/>
                     </a:solidFill>
@@ -10447,7 +10465,7 @@
               </a:ln>
               <a:extLst>
                 <a:ext uri="{91240B29-F687-4f45-9708-019B960494DF}">
-                  <a14:hiddenLine xmlns:a14="http://schemas.microsoft.com/office/drawing/2010/main" xmlns="" w="9525">
+                  <a14:hiddenLine xmlns="" xmlns:a14="http://schemas.microsoft.com/office/drawing/2010/main" w="9525">
                     <a:solidFill>
                       <a:srgbClr val="000000"/>
                     </a:solidFill>
@@ -10537,7 +10555,7 @@
               </a:ln>
               <a:extLst>
                 <a:ext uri="{91240B29-F687-4f45-9708-019B960494DF}">
-                  <a14:hiddenLine xmlns:a14="http://schemas.microsoft.com/office/drawing/2010/main" xmlns="" w="9525">
+                  <a14:hiddenLine xmlns="" xmlns:a14="http://schemas.microsoft.com/office/drawing/2010/main" w="9525">
                     <a:solidFill>
                       <a:srgbClr val="000000"/>
                     </a:solidFill>
@@ -10602,7 +10620,7 @@
               </a:ln>
               <a:extLst>
                 <a:ext uri="{91240B29-F687-4f45-9708-019B960494DF}">
-                  <a14:hiddenLine xmlns:a14="http://schemas.microsoft.com/office/drawing/2010/main" xmlns="" w="9525">
+                  <a14:hiddenLine xmlns="" xmlns:a14="http://schemas.microsoft.com/office/drawing/2010/main" w="9525">
                     <a:solidFill>
                       <a:srgbClr val="000000"/>
                     </a:solidFill>
@@ -10664,7 +10682,7 @@
               </a:ln>
               <a:extLst>
                 <a:ext uri="{91240B29-F687-4f45-9708-019B960494DF}">
-                  <a14:hiddenLine xmlns:a14="http://schemas.microsoft.com/office/drawing/2010/main" xmlns="" w="9525">
+                  <a14:hiddenLine xmlns="" xmlns:a14="http://schemas.microsoft.com/office/drawing/2010/main" w="9525">
                     <a:solidFill>
                       <a:srgbClr val="000000"/>
                     </a:solidFill>
@@ -10754,7 +10772,7 @@
               </a:ln>
               <a:extLst>
                 <a:ext uri="{91240B29-F687-4f45-9708-019B960494DF}">
-                  <a14:hiddenLine xmlns:a14="http://schemas.microsoft.com/office/drawing/2010/main" xmlns="" w="9525">
+                  <a14:hiddenLine xmlns="" xmlns:a14="http://schemas.microsoft.com/office/drawing/2010/main" w="9525">
                     <a:solidFill>
                       <a:srgbClr val="000000"/>
                     </a:solidFill>
@@ -10844,7 +10862,7 @@
               </a:ln>
               <a:extLst>
                 <a:ext uri="{91240B29-F687-4f45-9708-019B960494DF}">
-                  <a14:hiddenLine xmlns:a14="http://schemas.microsoft.com/office/drawing/2010/main" xmlns="" w="9525">
+                  <a14:hiddenLine xmlns="" xmlns:a14="http://schemas.microsoft.com/office/drawing/2010/main" w="9525">
                     <a:solidFill>
                       <a:srgbClr val="000000"/>
                     </a:solidFill>
@@ -10909,7 +10927,7 @@
               </a:ln>
               <a:extLst>
                 <a:ext uri="{91240B29-F687-4f45-9708-019B960494DF}">
-                  <a14:hiddenLine xmlns:a14="http://schemas.microsoft.com/office/drawing/2010/main" xmlns="" w="9525">
+                  <a14:hiddenLine xmlns="" xmlns:a14="http://schemas.microsoft.com/office/drawing/2010/main" w="9525">
                     <a:solidFill>
                       <a:srgbClr val="000000"/>
                     </a:solidFill>
@@ -11029,7 +11047,7 @@
               </a:ln>
               <a:extLst>
                 <a:ext uri="{91240B29-F687-4f45-9708-019B960494DF}">
-                  <a14:hiddenLine xmlns:a14="http://schemas.microsoft.com/office/drawing/2010/main" xmlns="" w="9525">
+                  <a14:hiddenLine xmlns="" xmlns:a14="http://schemas.microsoft.com/office/drawing/2010/main" w="9525">
                     <a:solidFill>
                       <a:srgbClr val="000000"/>
                     </a:solidFill>
@@ -11127,7 +11145,7 @@
               </a:ln>
               <a:extLst>
                 <a:ext uri="{91240B29-F687-4f45-9708-019B960494DF}">
-                  <a14:hiddenLine xmlns:a14="http://schemas.microsoft.com/office/drawing/2010/main" xmlns="" w="9525">
+                  <a14:hiddenLine xmlns="" xmlns:a14="http://schemas.microsoft.com/office/drawing/2010/main" w="9525">
                     <a:solidFill>
                       <a:srgbClr val="000000"/>
                     </a:solidFill>
@@ -11242,7 +11260,7 @@
               </a:ln>
               <a:extLst>
                 <a:ext uri="{91240B29-F687-4f45-9708-019B960494DF}">
-                  <a14:hiddenLine xmlns:a14="http://schemas.microsoft.com/office/drawing/2010/main" xmlns="" w="9525">
+                  <a14:hiddenLine xmlns="" xmlns:a14="http://schemas.microsoft.com/office/drawing/2010/main" w="9525">
                     <a:solidFill>
                       <a:srgbClr val="000000"/>
                     </a:solidFill>
@@ -11332,7 +11350,7 @@
               </a:ln>
               <a:extLst>
                 <a:ext uri="{91240B29-F687-4f45-9708-019B960494DF}">
-                  <a14:hiddenLine xmlns:a14="http://schemas.microsoft.com/office/drawing/2010/main" xmlns="" w="9525">
+                  <a14:hiddenLine xmlns="" xmlns:a14="http://schemas.microsoft.com/office/drawing/2010/main" w="9525">
                     <a:solidFill>
                       <a:srgbClr val="000000"/>
                     </a:solidFill>
@@ -11397,7 +11415,7 @@
               </a:ln>
               <a:extLst>
                 <a:ext uri="{91240B29-F687-4f45-9708-019B960494DF}">
-                  <a14:hiddenLine xmlns:a14="http://schemas.microsoft.com/office/drawing/2010/main" xmlns="" w="9525">
+                  <a14:hiddenLine xmlns="" xmlns:a14="http://schemas.microsoft.com/office/drawing/2010/main" w="9525">
                     <a:solidFill>
                       <a:srgbClr val="000000"/>
                     </a:solidFill>
@@ -11487,7 +11505,7 @@
               </a:ln>
               <a:extLst>
                 <a:ext uri="{91240B29-F687-4f45-9708-019B960494DF}">
-                  <a14:hiddenLine xmlns:a14="http://schemas.microsoft.com/office/drawing/2010/main" xmlns="" w="9525">
+                  <a14:hiddenLine xmlns="" xmlns:a14="http://schemas.microsoft.com/office/drawing/2010/main" w="9525">
                     <a:solidFill>
                       <a:srgbClr val="000000"/>
                     </a:solidFill>
@@ -11555,7 +11573,7 @@
               </a:ln>
               <a:extLst>
                 <a:ext uri="{91240B29-F687-4f45-9708-019B960494DF}">
-                  <a14:hiddenLine xmlns:a14="http://schemas.microsoft.com/office/drawing/2010/main" xmlns="" w="9525">
+                  <a14:hiddenLine xmlns="" xmlns:a14="http://schemas.microsoft.com/office/drawing/2010/main" w="9525">
                     <a:solidFill>
                       <a:srgbClr val="000000"/>
                     </a:solidFill>
@@ -11645,7 +11663,7 @@
               </a:ln>
               <a:extLst>
                 <a:ext uri="{91240B29-F687-4f45-9708-019B960494DF}">
-                  <a14:hiddenLine xmlns:a14="http://schemas.microsoft.com/office/drawing/2010/main" xmlns="" w="9525">
+                  <a14:hiddenLine xmlns="" xmlns:a14="http://schemas.microsoft.com/office/drawing/2010/main" w="9525">
                     <a:solidFill>
                       <a:srgbClr val="000000"/>
                     </a:solidFill>
@@ -11713,7 +11731,7 @@
               </a:ln>
               <a:extLst>
                 <a:ext uri="{91240B29-F687-4f45-9708-019B960494DF}">
-                  <a14:hiddenLine xmlns:a14="http://schemas.microsoft.com/office/drawing/2010/main" xmlns="" w="9525">
+                  <a14:hiddenLine xmlns="" xmlns:a14="http://schemas.microsoft.com/office/drawing/2010/main" w="9525">
                     <a:solidFill>
                       <a:srgbClr val="000000"/>
                     </a:solidFill>
@@ -11803,7 +11821,7 @@
               </a:ln>
               <a:extLst>
                 <a:ext uri="{91240B29-F687-4f45-9708-019B960494DF}">
-                  <a14:hiddenLine xmlns:a14="http://schemas.microsoft.com/office/drawing/2010/main" xmlns="" w="9525">
+                  <a14:hiddenLine xmlns="" xmlns:a14="http://schemas.microsoft.com/office/drawing/2010/main" w="9525">
                     <a:solidFill>
                       <a:srgbClr val="000000"/>
                     </a:solidFill>
@@ -11837,7 +11855,7 @@
               </a:ln>
               <a:extLst>
                 <a:ext uri="{91240B29-F687-4f45-9708-019B960494DF}">
-                  <a14:hiddenLine xmlns:a14="http://schemas.microsoft.com/office/drawing/2010/main" xmlns="" w="9525">
+                  <a14:hiddenLine xmlns="" xmlns:a14="http://schemas.microsoft.com/office/drawing/2010/main" w="9525">
                     <a:solidFill>
                       <a:srgbClr val="000000"/>
                     </a:solidFill>
@@ -11978,7 +11996,7 @@
             <a:fld id="{48A87A34-81AB-432B-8DAE-1953F412C126}" type="datetimeFigureOut">
               <a:rPr lang="en-US" dirty="0"/>
               <a:pPr/>
-              <a:t>11/1/2022</a:t>
+              <a:t>11/2/2022</a:t>
             </a:fld>
             <a:endParaRPr lang="en-US" dirty="0"/>
           </a:p>
@@ -16359,6 +16377,502 @@
 </p:sld>
 </file>
 
+<file path=ppt/slides/slide34.xml><?xml version="1.0" encoding="utf-8"?>
+<p:sld xmlns:a="http://schemas.openxmlformats.org/drawingml/2006/main" xmlns:r="http://schemas.openxmlformats.org/officeDocument/2006/relationships" xmlns:p="http://schemas.openxmlformats.org/presentationml/2006/main">
+  <p:cSld>
+    <p:spTree>
+      <p:nvGrpSpPr>
+        <p:cNvPr id="1" name=""/>
+        <p:cNvGrpSpPr/>
+        <p:nvPr/>
+      </p:nvGrpSpPr>
+      <p:grpSpPr>
+        <a:xfrm>
+          <a:off x="0" y="0"/>
+          <a:ext cx="0" cy="0"/>
+          <a:chOff x="0" y="0"/>
+          <a:chExt cx="0" cy="0"/>
+        </a:xfrm>
+      </p:grpSpPr>
+      <p:sp>
+        <p:nvSpPr>
+          <p:cNvPr id="2" name="Title 1"/>
+          <p:cNvSpPr>
+            <a:spLocks noGrp="1"/>
+          </p:cNvSpPr>
+          <p:nvPr>
+            <p:ph type="title"/>
+          </p:nvPr>
+        </p:nvSpPr>
+        <p:spPr/>
+        <p:txBody>
+          <a:bodyPr/>
+          <a:lstStyle/>
+          <a:p>
+            <a:r>
+              <a:rPr lang="sr-Latn-RS" dirty="0" smtClean="0"/>
+              <a:t>api</a:t>
+            </a:r>
+            <a:endParaRPr lang="en-US" dirty="0"/>
+          </a:p>
+        </p:txBody>
+      </p:sp>
+      <p:sp>
+        <p:nvSpPr>
+          <p:cNvPr id="3" name="Content Placeholder 2"/>
+          <p:cNvSpPr>
+            <a:spLocks noGrp="1"/>
+          </p:cNvSpPr>
+          <p:nvPr>
+            <p:ph idx="1"/>
+          </p:nvPr>
+        </p:nvSpPr>
+        <p:spPr/>
+        <p:txBody>
+          <a:bodyPr/>
+          <a:lstStyle/>
+          <a:p>
+            <a:r>
+              <a:rPr lang="sr-Latn-RS" dirty="0" smtClean="0"/>
+              <a:t>A</a:t>
+            </a:r>
+            <a:r>
+              <a:rPr lang="en-US" dirty="0" err="1" smtClean="0"/>
+              <a:t>pplication</a:t>
+            </a:r>
+            <a:r>
+              <a:rPr lang="en-US" dirty="0" smtClean="0"/>
+              <a:t> </a:t>
+            </a:r>
+            <a:r>
+              <a:rPr lang="sr-Latn-RS" dirty="0" smtClean="0"/>
+              <a:t>P</a:t>
+            </a:r>
+            <a:r>
+              <a:rPr lang="en-US" dirty="0" err="1" smtClean="0"/>
+              <a:t>rogramming</a:t>
+            </a:r>
+            <a:r>
+              <a:rPr lang="en-US" dirty="0" smtClean="0"/>
+              <a:t> </a:t>
+            </a:r>
+            <a:r>
+              <a:rPr lang="sr-Latn-RS" dirty="0" smtClean="0"/>
+              <a:t>I</a:t>
+            </a:r>
+            <a:r>
+              <a:rPr lang="en-US" dirty="0" err="1" smtClean="0"/>
+              <a:t>nterface</a:t>
+            </a:r>
+            <a:r>
+              <a:rPr lang="sr-Latn-RS" dirty="0"/>
+              <a:t> </a:t>
+            </a:r>
+            <a:r>
+              <a:rPr lang="sr-Latn-RS" dirty="0" smtClean="0"/>
+              <a:t>je način komunikacije između servera i klijenta bez učitavanja cele stranice. REST API je jedan od najpopularnijih vrsta api-ja. API se zasniva na tome da klijent pošalje http zahtev serveru, da server taj zahtev obradi i vrati nam neke podatke najčešće u json formatu. Za domaći ste imali da iskoristite Nasin apod api. </a:t>
+            </a:r>
+          </a:p>
+        </p:txBody>
+      </p:sp>
+    </p:spTree>
+    <p:extLst>
+      <p:ext uri="{BB962C8B-B14F-4D97-AF65-F5344CB8AC3E}">
+        <p14:creationId xmlns:p14="http://schemas.microsoft.com/office/powerpoint/2010/main" val="3755022275"/>
+      </p:ext>
+    </p:extLst>
+  </p:cSld>
+  <p:clrMapOvr>
+    <a:masterClrMapping/>
+  </p:clrMapOvr>
+</p:sld>
+</file>
+
+<file path=ppt/slides/slide35.xml><?xml version="1.0" encoding="utf-8"?>
+<p:sld xmlns:a="http://schemas.openxmlformats.org/drawingml/2006/main" xmlns:r="http://schemas.openxmlformats.org/officeDocument/2006/relationships" xmlns:p="http://schemas.openxmlformats.org/presentationml/2006/main">
+  <p:cSld>
+    <p:spTree>
+      <p:nvGrpSpPr>
+        <p:cNvPr id="1" name=""/>
+        <p:cNvGrpSpPr/>
+        <p:nvPr/>
+      </p:nvGrpSpPr>
+      <p:grpSpPr>
+        <a:xfrm>
+          <a:off x="0" y="0"/>
+          <a:ext cx="0" cy="0"/>
+          <a:chOff x="0" y="0"/>
+          <a:chExt cx="0" cy="0"/>
+        </a:xfrm>
+      </p:grpSpPr>
+      <p:sp>
+        <p:nvSpPr>
+          <p:cNvPr id="3" name="Content Placeholder 2"/>
+          <p:cNvSpPr>
+            <a:spLocks noGrp="1"/>
+          </p:cNvSpPr>
+          <p:nvPr>
+            <p:ph idx="1"/>
+          </p:nvPr>
+        </p:nvSpPr>
+        <p:spPr>
+          <a:xfrm>
+            <a:off x="1141412" y="828136"/>
+            <a:ext cx="9905999" cy="4963065"/>
+          </a:xfrm>
+        </p:spPr>
+        <p:txBody>
+          <a:bodyPr/>
+          <a:lstStyle/>
+          <a:p>
+            <a:r>
+              <a:rPr lang="sr-Latn-RS" dirty="0" smtClean="0"/>
+              <a:t>Primer api-ja u realnom životu bi bio restoran. Kada dođete u restoran i sednete za sto vi se nalazite u poziciji klijenta. Sa druge strane kuhinja bi bila backend koja sprema narminice iz ostave (podatke iz baze) i vama je služi kao jelo (obrađeni podaci spremni za upotrebu). Ali kako da kažete kuhinji šta želite da jedete (koji podaci vam trebaju)? Tu na scenu nastupa konobar (API). Vi jednostavno kažete konobaru šta želite, a on to prenese kuhinji (slanje http zahteva). Kuhinja obradi porudžbinu i konobar vam donese vašu hranu (odgovor).</a:t>
+            </a:r>
+            <a:endParaRPr lang="en-US" dirty="0"/>
+          </a:p>
+        </p:txBody>
+      </p:sp>
+    </p:spTree>
+    <p:extLst>
+      <p:ext uri="{BB962C8B-B14F-4D97-AF65-F5344CB8AC3E}">
+        <p14:creationId xmlns:p14="http://schemas.microsoft.com/office/powerpoint/2010/main" val="1758430852"/>
+      </p:ext>
+    </p:extLst>
+  </p:cSld>
+  <p:clrMapOvr>
+    <a:masterClrMapping/>
+  </p:clrMapOvr>
+</p:sld>
+</file>
+
+<file path=ppt/slides/slide36.xml><?xml version="1.0" encoding="utf-8"?>
+<p:sld xmlns:a="http://schemas.openxmlformats.org/drawingml/2006/main" xmlns:r="http://schemas.openxmlformats.org/officeDocument/2006/relationships" xmlns:p="http://schemas.openxmlformats.org/presentationml/2006/main">
+  <p:cSld>
+    <p:spTree>
+      <p:nvGrpSpPr>
+        <p:cNvPr id="1" name=""/>
+        <p:cNvGrpSpPr/>
+        <p:nvPr/>
+      </p:nvGrpSpPr>
+      <p:grpSpPr>
+        <a:xfrm>
+          <a:off x="0" y="0"/>
+          <a:ext cx="0" cy="0"/>
+          <a:chOff x="0" y="0"/>
+          <a:chExt cx="0" cy="0"/>
+        </a:xfrm>
+      </p:grpSpPr>
+      <p:sp>
+        <p:nvSpPr>
+          <p:cNvPr id="3" name="Content Placeholder 2"/>
+          <p:cNvSpPr>
+            <a:spLocks noGrp="1"/>
+          </p:cNvSpPr>
+          <p:nvPr>
+            <p:ph idx="1"/>
+          </p:nvPr>
+        </p:nvSpPr>
+        <p:spPr>
+          <a:xfrm>
+            <a:off x="1141412" y="940279"/>
+            <a:ext cx="9905999" cy="4850922"/>
+          </a:xfrm>
+        </p:spPr>
+        <p:txBody>
+          <a:bodyPr/>
+          <a:lstStyle/>
+          <a:p>
+            <a:r>
+              <a:rPr lang="sr-Latn-RS" dirty="0" smtClean="0"/>
+              <a:t>API se pišu kao posebni url-ovi koji se nazivaju endpoints. Kod koji se izršava kada neko koristi neki api endpoint piše se na serveru.</a:t>
+            </a:r>
+          </a:p>
+          <a:p>
+            <a:r>
+              <a:rPr lang="sr-Latn-RS" dirty="0" smtClean="0"/>
+              <a:t>Da bi upotrebili neki api na strani klijenta koristimo fetch funkciju obrađenu u prethonim lekcijama</a:t>
+            </a:r>
+          </a:p>
+          <a:p>
+            <a:r>
+              <a:rPr lang="sr-Latn-RS" dirty="0" smtClean="0"/>
+              <a:t>Da bi testirali naše api-je koje budemo pisali, umesto da pišemo fetch naredbe koristićemo program Postman koji smo već instalirali</a:t>
+            </a:r>
+            <a:endParaRPr lang="en-US" dirty="0"/>
+          </a:p>
+        </p:txBody>
+      </p:sp>
+    </p:spTree>
+    <p:extLst>
+      <p:ext uri="{BB962C8B-B14F-4D97-AF65-F5344CB8AC3E}">
+        <p14:creationId xmlns:p14="http://schemas.microsoft.com/office/powerpoint/2010/main" val="228977939"/>
+      </p:ext>
+    </p:extLst>
+  </p:cSld>
+  <p:clrMapOvr>
+    <a:masterClrMapping/>
+  </p:clrMapOvr>
+</p:sld>
+</file>
+
+<file path=ppt/slides/slide37.xml><?xml version="1.0" encoding="utf-8"?>
+<p:sld xmlns:a="http://schemas.openxmlformats.org/drawingml/2006/main" xmlns:r="http://schemas.openxmlformats.org/officeDocument/2006/relationships" xmlns:p="http://schemas.openxmlformats.org/presentationml/2006/main">
+  <p:cSld>
+    <p:spTree>
+      <p:nvGrpSpPr>
+        <p:cNvPr id="1" name=""/>
+        <p:cNvGrpSpPr/>
+        <p:nvPr/>
+      </p:nvGrpSpPr>
+      <p:grpSpPr>
+        <a:xfrm>
+          <a:off x="0" y="0"/>
+          <a:ext cx="0" cy="0"/>
+          <a:chOff x="0" y="0"/>
+          <a:chExt cx="0" cy="0"/>
+        </a:xfrm>
+      </p:grpSpPr>
+      <p:sp>
+        <p:nvSpPr>
+          <p:cNvPr id="2" name="Title 1"/>
+          <p:cNvSpPr>
+            <a:spLocks noGrp="1"/>
+          </p:cNvSpPr>
+          <p:nvPr>
+            <p:ph type="title"/>
+          </p:nvPr>
+        </p:nvSpPr>
+        <p:spPr/>
+        <p:txBody>
+          <a:bodyPr/>
+          <a:lstStyle/>
+          <a:p>
+            <a:r>
+              <a:rPr lang="sr-Latn-RS" dirty="0" smtClean="0"/>
+              <a:t>Kreiranje servera u node-u</a:t>
+            </a:r>
+            <a:endParaRPr lang="en-US" dirty="0"/>
+          </a:p>
+        </p:txBody>
+      </p:sp>
+      <p:sp>
+        <p:nvSpPr>
+          <p:cNvPr id="3" name="Content Placeholder 2"/>
+          <p:cNvSpPr>
+            <a:spLocks noGrp="1"/>
+          </p:cNvSpPr>
+          <p:nvPr>
+            <p:ph idx="1"/>
+          </p:nvPr>
+        </p:nvSpPr>
+        <p:spPr>
+          <a:xfrm>
+            <a:off x="1141413" y="1752210"/>
+            <a:ext cx="10029795" cy="3285615"/>
+          </a:xfrm>
+        </p:spPr>
+        <p:txBody>
+          <a:bodyPr>
+            <a:normAutofit lnSpcReduction="10000"/>
+          </a:bodyPr>
+          <a:lstStyle/>
+          <a:p>
+            <a:r>
+              <a:rPr lang="sr-Latn-RS" dirty="0" smtClean="0"/>
+              <a:t>Da bi kreirali server koristimo http modul o kome smo već pričali i to na sledeći način:</a:t>
+            </a:r>
+          </a:p>
+          <a:p>
+            <a:pPr lvl="1"/>
+            <a:r>
+              <a:rPr lang="sr-Latn-RS" dirty="0" smtClean="0"/>
+              <a:t>Pozivamo createServer metodu iz http modula. Ova metoda kao parametar prima callback koji će se izvšiti svaki put kada neko napravi bilo kakav zahtev serveru, a vraća objekat servera</a:t>
+            </a:r>
+          </a:p>
+          <a:p>
+            <a:pPr lvl="1"/>
+            <a:r>
+              <a:rPr lang="sr-Latn-RS" dirty="0" smtClean="0"/>
+              <a:t>Da bi pokrenuli sever moramo mu reći da osluškuje sve zahteve na određenom portu. Za to koristimo metodu listen na samom objektu servera kojoj prosleđujemo broj porta koji treba slušati</a:t>
+            </a:r>
+          </a:p>
+        </p:txBody>
+      </p:sp>
+      <p:pic>
+        <p:nvPicPr>
+          <p:cNvPr id="4" name="Picture 3"/>
+          <p:cNvPicPr>
+            <a:picLocks noChangeAspect="1"/>
+          </p:cNvPicPr>
+          <p:nvPr/>
+        </p:nvPicPr>
+        <p:blipFill>
+          <a:blip r:embed="rId2"/>
+          <a:stretch>
+            <a:fillRect/>
+          </a:stretch>
+        </p:blipFill>
+        <p:spPr>
+          <a:xfrm>
+            <a:off x="2060305" y="4739136"/>
+            <a:ext cx="8068214" cy="1930432"/>
+          </a:xfrm>
+          <a:prstGeom prst="rect">
+            <a:avLst/>
+          </a:prstGeom>
+        </p:spPr>
+      </p:pic>
+    </p:spTree>
+    <p:extLst>
+      <p:ext uri="{BB962C8B-B14F-4D97-AF65-F5344CB8AC3E}">
+        <p14:creationId xmlns:p14="http://schemas.microsoft.com/office/powerpoint/2010/main" val="1631440564"/>
+      </p:ext>
+    </p:extLst>
+  </p:cSld>
+  <p:clrMapOvr>
+    <a:masterClrMapping/>
+  </p:clrMapOvr>
+</p:sld>
+</file>
+
+<file path=ppt/slides/slide38.xml><?xml version="1.0" encoding="utf-8"?>
+<p:sld xmlns:a="http://schemas.openxmlformats.org/drawingml/2006/main" xmlns:r="http://schemas.openxmlformats.org/officeDocument/2006/relationships" xmlns:p="http://schemas.openxmlformats.org/presentationml/2006/main">
+  <p:cSld>
+    <p:spTree>
+      <p:nvGrpSpPr>
+        <p:cNvPr id="1" name=""/>
+        <p:cNvGrpSpPr/>
+        <p:nvPr/>
+      </p:nvGrpSpPr>
+      <p:grpSpPr>
+        <a:xfrm>
+          <a:off x="0" y="0"/>
+          <a:ext cx="0" cy="0"/>
+          <a:chOff x="0" y="0"/>
+          <a:chExt cx="0" cy="0"/>
+        </a:xfrm>
+      </p:grpSpPr>
+      <p:sp>
+        <p:nvSpPr>
+          <p:cNvPr id="3" name="Content Placeholder 2"/>
+          <p:cNvSpPr>
+            <a:spLocks noGrp="1"/>
+          </p:cNvSpPr>
+          <p:nvPr>
+            <p:ph idx="1"/>
+          </p:nvPr>
+        </p:nvSpPr>
+        <p:spPr>
+          <a:xfrm>
+            <a:off x="796355" y="759123"/>
+            <a:ext cx="3861909" cy="5624423"/>
+          </a:xfrm>
+        </p:spPr>
+        <p:txBody>
+          <a:bodyPr>
+            <a:normAutofit/>
+          </a:bodyPr>
+          <a:lstStyle/>
+          <a:p>
+            <a:r>
+              <a:rPr lang="sr-Latn-RS" dirty="0" smtClean="0"/>
+              <a:t>Sledeći korak bio bi razlikovanje rute kojoj korisnik pokušava da pristupi, zatim razlikovanje metode pa ručno pisanje svih zaglavalja, ručno učitavanje sadržaja određenih stranica i prosledjivanje njihovog sadržaja, ručno zatvšavanje odgovora... Sve to bi izgledalo nekako ovako:</a:t>
+            </a:r>
+          </a:p>
+        </p:txBody>
+      </p:sp>
+      <p:pic>
+        <p:nvPicPr>
+          <p:cNvPr id="4" name="Picture 3"/>
+          <p:cNvPicPr>
+            <a:picLocks noChangeAspect="1"/>
+          </p:cNvPicPr>
+          <p:nvPr/>
+        </p:nvPicPr>
+        <p:blipFill>
+          <a:blip r:embed="rId2"/>
+          <a:stretch>
+            <a:fillRect/>
+          </a:stretch>
+        </p:blipFill>
+        <p:spPr>
+          <a:xfrm>
+            <a:off x="4932647" y="457200"/>
+            <a:ext cx="6661255" cy="5973538"/>
+          </a:xfrm>
+          <a:prstGeom prst="rect">
+            <a:avLst/>
+          </a:prstGeom>
+        </p:spPr>
+      </p:pic>
+    </p:spTree>
+    <p:extLst>
+      <p:ext uri="{BB962C8B-B14F-4D97-AF65-F5344CB8AC3E}">
+        <p14:creationId xmlns:p14="http://schemas.microsoft.com/office/powerpoint/2010/main" val="2590883521"/>
+      </p:ext>
+    </p:extLst>
+  </p:cSld>
+  <p:clrMapOvr>
+    <a:masterClrMapping/>
+  </p:clrMapOvr>
+</p:sld>
+</file>
+
+<file path=ppt/slides/slide39.xml><?xml version="1.0" encoding="utf-8"?>
+<p:sld xmlns:a="http://schemas.openxmlformats.org/drawingml/2006/main" xmlns:r="http://schemas.openxmlformats.org/officeDocument/2006/relationships" xmlns:p="http://schemas.openxmlformats.org/presentationml/2006/main">
+  <p:cSld>
+    <p:spTree>
+      <p:nvGrpSpPr>
+        <p:cNvPr id="1" name=""/>
+        <p:cNvGrpSpPr/>
+        <p:nvPr/>
+      </p:nvGrpSpPr>
+      <p:grpSpPr>
+        <a:xfrm>
+          <a:off x="0" y="0"/>
+          <a:ext cx="0" cy="0"/>
+          <a:chOff x="0" y="0"/>
+          <a:chExt cx="0" cy="0"/>
+        </a:xfrm>
+      </p:grpSpPr>
+      <p:pic>
+        <p:nvPicPr>
+          <p:cNvPr id="4" name="Picture 3"/>
+          <p:cNvPicPr>
+            <a:picLocks noChangeAspect="1"/>
+          </p:cNvPicPr>
+          <p:nvPr/>
+        </p:nvPicPr>
+        <p:blipFill>
+          <a:blip r:embed="rId2"/>
+          <a:stretch>
+            <a:fillRect/>
+          </a:stretch>
+        </p:blipFill>
+        <p:spPr>
+          <a:xfrm>
+            <a:off x="1522012" y="196602"/>
+            <a:ext cx="9071226" cy="6368100"/>
+          </a:xfrm>
+          <a:prstGeom prst="rect">
+            <a:avLst/>
+          </a:prstGeom>
+        </p:spPr>
+      </p:pic>
+    </p:spTree>
+    <p:extLst>
+      <p:ext uri="{BB962C8B-B14F-4D97-AF65-F5344CB8AC3E}">
+        <p14:creationId xmlns:p14="http://schemas.microsoft.com/office/powerpoint/2010/main" val="2865292022"/>
+      </p:ext>
+    </p:extLst>
+  </p:cSld>
+  <p:clrMapOvr>
+    <a:masterClrMapping/>
+  </p:clrMapOvr>
+</p:sld>
+</file>
+
 <file path=ppt/slides/slide4.xml><?xml version="1.0" encoding="utf-8"?>
 <p:sld xmlns:a="http://schemas.openxmlformats.org/drawingml/2006/main" xmlns:r="http://schemas.openxmlformats.org/officeDocument/2006/relationships" xmlns:p="http://schemas.openxmlformats.org/presentationml/2006/main">
   <p:cSld>
@@ -16458,6 +16972,885 @@
     <p:extLst>
       <p:ext uri="{BB962C8B-B14F-4D97-AF65-F5344CB8AC3E}">
         <p14:creationId xmlns:p14="http://schemas.microsoft.com/office/powerpoint/2010/main" val="3319402900"/>
+      </p:ext>
+    </p:extLst>
+  </p:cSld>
+  <p:clrMapOvr>
+    <a:masterClrMapping/>
+  </p:clrMapOvr>
+</p:sld>
+</file>
+
+<file path=ppt/slides/slide40.xml><?xml version="1.0" encoding="utf-8"?>
+<p:sld xmlns:a="http://schemas.openxmlformats.org/drawingml/2006/main" xmlns:r="http://schemas.openxmlformats.org/officeDocument/2006/relationships" xmlns:p="http://schemas.openxmlformats.org/presentationml/2006/main">
+  <p:cSld>
+    <p:spTree>
+      <p:nvGrpSpPr>
+        <p:cNvPr id="1" name=""/>
+        <p:cNvGrpSpPr/>
+        <p:nvPr/>
+      </p:nvGrpSpPr>
+      <p:grpSpPr>
+        <a:xfrm>
+          <a:off x="0" y="0"/>
+          <a:ext cx="0" cy="0"/>
+          <a:chOff x="0" y="0"/>
+          <a:chExt cx="0" cy="0"/>
+        </a:xfrm>
+      </p:grpSpPr>
+      <p:pic>
+        <p:nvPicPr>
+          <p:cNvPr id="4" name="Picture 3"/>
+          <p:cNvPicPr>
+            <a:picLocks noChangeAspect="1"/>
+          </p:cNvPicPr>
+          <p:nvPr/>
+        </p:nvPicPr>
+        <p:blipFill>
+          <a:blip r:embed="rId2"/>
+          <a:stretch>
+            <a:fillRect/>
+          </a:stretch>
+        </p:blipFill>
+        <p:spPr>
+          <a:xfrm>
+            <a:off x="1771020" y="835054"/>
+            <a:ext cx="8638030" cy="4271784"/>
+          </a:xfrm>
+          <a:prstGeom prst="rect">
+            <a:avLst/>
+          </a:prstGeom>
+        </p:spPr>
+      </p:pic>
+    </p:spTree>
+    <p:extLst>
+      <p:ext uri="{BB962C8B-B14F-4D97-AF65-F5344CB8AC3E}">
+        <p14:creationId xmlns:p14="http://schemas.microsoft.com/office/powerpoint/2010/main" val="4209892401"/>
+      </p:ext>
+    </p:extLst>
+  </p:cSld>
+  <p:clrMapOvr>
+    <a:masterClrMapping/>
+  </p:clrMapOvr>
+</p:sld>
+</file>
+
+<file path=ppt/slides/slide41.xml><?xml version="1.0" encoding="utf-8"?>
+<p:sld xmlns:a="http://schemas.openxmlformats.org/drawingml/2006/main" xmlns:r="http://schemas.openxmlformats.org/officeDocument/2006/relationships" xmlns:p="http://schemas.openxmlformats.org/presentationml/2006/main">
+  <p:cSld>
+    <p:spTree>
+      <p:nvGrpSpPr>
+        <p:cNvPr id="1" name=""/>
+        <p:cNvGrpSpPr/>
+        <p:nvPr/>
+      </p:nvGrpSpPr>
+      <p:grpSpPr>
+        <a:xfrm>
+          <a:off x="0" y="0"/>
+          <a:ext cx="0" cy="0"/>
+          <a:chOff x="0" y="0"/>
+          <a:chExt cx="0" cy="0"/>
+        </a:xfrm>
+      </p:grpSpPr>
+      <p:sp>
+        <p:nvSpPr>
+          <p:cNvPr id="2" name="Title 1"/>
+          <p:cNvSpPr>
+            <a:spLocks noGrp="1"/>
+          </p:cNvSpPr>
+          <p:nvPr>
+            <p:ph type="title"/>
+          </p:nvPr>
+        </p:nvSpPr>
+        <p:spPr/>
+        <p:txBody>
+          <a:bodyPr/>
+          <a:lstStyle/>
+          <a:p>
+            <a:r>
+              <a:rPr lang="sr-Latn-RS" dirty="0" smtClean="0"/>
+              <a:t>Express</a:t>
+            </a:r>
+            <a:endParaRPr lang="en-US" dirty="0"/>
+          </a:p>
+        </p:txBody>
+      </p:sp>
+      <p:sp>
+        <p:nvSpPr>
+          <p:cNvPr id="3" name="Content Placeholder 2"/>
+          <p:cNvSpPr>
+            <a:spLocks noGrp="1"/>
+          </p:cNvSpPr>
+          <p:nvPr>
+            <p:ph idx="1"/>
+          </p:nvPr>
+        </p:nvSpPr>
+        <p:spPr/>
+        <p:txBody>
+          <a:bodyPr/>
+          <a:lstStyle/>
+          <a:p>
+            <a:r>
+              <a:rPr lang="sr-Latn-RS" dirty="0" smtClean="0"/>
+              <a:t>Kao što možete da vidite ovo je veoma naporan posao. Srećom postoje radni okviri koji olakšavaju kreiranje servera. Oni se oslanjaju na HTTP modul i rade sve sav naporan posao za nas. Nama ostaje da pišemo samo logiku koja treba da se izvršava. Jedan od takvih framework-ova je express.js. Express se instalira kao i svaki drugi npm paket (naredbom npm i express)</a:t>
+            </a:r>
+          </a:p>
+        </p:txBody>
+      </p:sp>
+    </p:spTree>
+    <p:extLst>
+      <p:ext uri="{BB962C8B-B14F-4D97-AF65-F5344CB8AC3E}">
+        <p14:creationId xmlns:p14="http://schemas.microsoft.com/office/powerpoint/2010/main" val="1234569350"/>
+      </p:ext>
+    </p:extLst>
+  </p:cSld>
+  <p:clrMapOvr>
+    <a:masterClrMapping/>
+  </p:clrMapOvr>
+</p:sld>
+</file>
+
+<file path=ppt/slides/slide42.xml><?xml version="1.0" encoding="utf-8"?>
+<p:sld xmlns:a="http://schemas.openxmlformats.org/drawingml/2006/main" xmlns:r="http://schemas.openxmlformats.org/officeDocument/2006/relationships" xmlns:p="http://schemas.openxmlformats.org/presentationml/2006/main">
+  <p:cSld>
+    <p:spTree>
+      <p:nvGrpSpPr>
+        <p:cNvPr id="1" name=""/>
+        <p:cNvGrpSpPr/>
+        <p:nvPr/>
+      </p:nvGrpSpPr>
+      <p:grpSpPr>
+        <a:xfrm>
+          <a:off x="0" y="0"/>
+          <a:ext cx="0" cy="0"/>
+          <a:chOff x="0" y="0"/>
+          <a:chExt cx="0" cy="0"/>
+        </a:xfrm>
+      </p:grpSpPr>
+      <p:sp>
+        <p:nvSpPr>
+          <p:cNvPr id="2" name="Title 1"/>
+          <p:cNvSpPr>
+            <a:spLocks noGrp="1"/>
+          </p:cNvSpPr>
+          <p:nvPr>
+            <p:ph type="title"/>
+          </p:nvPr>
+        </p:nvSpPr>
+        <p:spPr/>
+        <p:txBody>
+          <a:bodyPr/>
+          <a:lstStyle/>
+          <a:p>
+            <a:r>
+              <a:rPr lang="sr-Latn-RS" dirty="0" smtClean="0"/>
+              <a:t>Nodemon</a:t>
+            </a:r>
+            <a:endParaRPr lang="en-US" dirty="0"/>
+          </a:p>
+        </p:txBody>
+      </p:sp>
+      <p:sp>
+        <p:nvSpPr>
+          <p:cNvPr id="3" name="Content Placeholder 2"/>
+          <p:cNvSpPr>
+            <a:spLocks noGrp="1"/>
+          </p:cNvSpPr>
+          <p:nvPr>
+            <p:ph idx="1"/>
+          </p:nvPr>
+        </p:nvSpPr>
+        <p:spPr/>
+        <p:txBody>
+          <a:bodyPr/>
+          <a:lstStyle/>
+          <a:p>
+            <a:r>
+              <a:rPr lang="sr-Latn-RS" dirty="0" smtClean="0"/>
+              <a:t>Pošto jednom kada pokrenemo server da bi bilo koja promena bila vidljiva moramo da ugasimo server pomoći CTRL + C, a potom ga ponovo pokrenemo. Ovo može da bude veoma naporno i veliko gubljenje vremena. Srećom i za to postoje paketi. Jedan takav paket je nodemon. On prati izmene u fajlovima i pri svakoj izmeni resetuje server. Pošto nam nodemon treba samo u fazi izrada servera možemo ga instalirati kao dev zavisnost. Da bi to uradili pokrećemo naredbu npm i nodemon --save-dev (-D)</a:t>
+            </a:r>
+            <a:endParaRPr lang="en-US" dirty="0"/>
+          </a:p>
+        </p:txBody>
+      </p:sp>
+    </p:spTree>
+    <p:extLst>
+      <p:ext uri="{BB962C8B-B14F-4D97-AF65-F5344CB8AC3E}">
+        <p14:creationId xmlns:p14="http://schemas.microsoft.com/office/powerpoint/2010/main" val="1925611828"/>
+      </p:ext>
+    </p:extLst>
+  </p:cSld>
+  <p:clrMapOvr>
+    <a:masterClrMapping/>
+  </p:clrMapOvr>
+</p:sld>
+</file>
+
+<file path=ppt/slides/slide43.xml><?xml version="1.0" encoding="utf-8"?>
+<p:sld xmlns:a="http://schemas.openxmlformats.org/drawingml/2006/main" xmlns:r="http://schemas.openxmlformats.org/officeDocument/2006/relationships" xmlns:p="http://schemas.openxmlformats.org/presentationml/2006/main">
+  <p:cSld>
+    <p:spTree>
+      <p:nvGrpSpPr>
+        <p:cNvPr id="1" name=""/>
+        <p:cNvGrpSpPr/>
+        <p:nvPr/>
+      </p:nvGrpSpPr>
+      <p:grpSpPr>
+        <a:xfrm>
+          <a:off x="0" y="0"/>
+          <a:ext cx="0" cy="0"/>
+          <a:chOff x="0" y="0"/>
+          <a:chExt cx="0" cy="0"/>
+        </a:xfrm>
+      </p:grpSpPr>
+      <p:sp>
+        <p:nvSpPr>
+          <p:cNvPr id="3" name="Content Placeholder 2"/>
+          <p:cNvSpPr>
+            <a:spLocks noGrp="1"/>
+          </p:cNvSpPr>
+          <p:nvPr>
+            <p:ph idx="1"/>
+          </p:nvPr>
+        </p:nvSpPr>
+        <p:spPr>
+          <a:xfrm>
+            <a:off x="589321" y="207035"/>
+            <a:ext cx="11323757" cy="3735238"/>
+          </a:xfrm>
+        </p:spPr>
+        <p:txBody>
+          <a:bodyPr/>
+          <a:lstStyle/>
+          <a:p>
+            <a:r>
+              <a:rPr lang="sr-Latn-RS" dirty="0" smtClean="0"/>
+              <a:t>Nodemon se pokreće na isti način kao i node samo što umesto node app.js pokrećemo nodemon app.js</a:t>
+            </a:r>
+          </a:p>
+          <a:p>
+            <a:r>
+              <a:rPr lang="sr-Latn-RS" dirty="0" smtClean="0"/>
+              <a:t>Da ne bi morali svaki put da pišemo nodemon app.js, ili node app.js za production verziju, ili mnoštvo drugih naredbi možemo da podesimo script svojstvo package.json fajla. Izbrisaćemo default-nu test script i dodati scriptu start koja će izvršiti node app.js i scriptu dev koja će izvršiti nodemon app.js. Da bi pokrenuli ove scripte potrebno je da u terminalu napišemo npm start ili npm run dev (run je potrebno za sve osim start).</a:t>
+            </a:r>
+          </a:p>
+        </p:txBody>
+      </p:sp>
+      <p:pic>
+        <p:nvPicPr>
+          <p:cNvPr id="4" name="Picture 3"/>
+          <p:cNvPicPr>
+            <a:picLocks noChangeAspect="1"/>
+          </p:cNvPicPr>
+          <p:nvPr/>
+        </p:nvPicPr>
+        <p:blipFill>
+          <a:blip r:embed="rId2"/>
+          <a:stretch>
+            <a:fillRect/>
+          </a:stretch>
+        </p:blipFill>
+        <p:spPr>
+          <a:xfrm>
+            <a:off x="205775" y="3725354"/>
+            <a:ext cx="4266482" cy="1472061"/>
+          </a:xfrm>
+          <a:prstGeom prst="rect">
+            <a:avLst/>
+          </a:prstGeom>
+        </p:spPr>
+      </p:pic>
+      <p:pic>
+        <p:nvPicPr>
+          <p:cNvPr id="5" name="Picture 4"/>
+          <p:cNvPicPr>
+            <a:picLocks noChangeAspect="1"/>
+          </p:cNvPicPr>
+          <p:nvPr/>
+        </p:nvPicPr>
+        <p:blipFill>
+          <a:blip r:embed="rId3"/>
+          <a:stretch>
+            <a:fillRect/>
+          </a:stretch>
+        </p:blipFill>
+        <p:spPr>
+          <a:xfrm>
+            <a:off x="4068253" y="4330461"/>
+            <a:ext cx="7931090" cy="2340598"/>
+          </a:xfrm>
+          <a:prstGeom prst="rect">
+            <a:avLst/>
+          </a:prstGeom>
+        </p:spPr>
+      </p:pic>
+    </p:spTree>
+    <p:extLst>
+      <p:ext uri="{BB962C8B-B14F-4D97-AF65-F5344CB8AC3E}">
+        <p14:creationId xmlns:p14="http://schemas.microsoft.com/office/powerpoint/2010/main" val="1669077901"/>
+      </p:ext>
+    </p:extLst>
+  </p:cSld>
+  <p:clrMapOvr>
+    <a:masterClrMapping/>
+  </p:clrMapOvr>
+</p:sld>
+</file>
+
+<file path=ppt/slides/slide44.xml><?xml version="1.0" encoding="utf-8"?>
+<p:sld xmlns:a="http://schemas.openxmlformats.org/drawingml/2006/main" xmlns:r="http://schemas.openxmlformats.org/officeDocument/2006/relationships" xmlns:p="http://schemas.openxmlformats.org/presentationml/2006/main">
+  <p:cSld>
+    <p:spTree>
+      <p:nvGrpSpPr>
+        <p:cNvPr id="1" name=""/>
+        <p:cNvGrpSpPr/>
+        <p:nvPr/>
+      </p:nvGrpSpPr>
+      <p:grpSpPr>
+        <a:xfrm>
+          <a:off x="0" y="0"/>
+          <a:ext cx="0" cy="0"/>
+          <a:chOff x="0" y="0"/>
+          <a:chExt cx="0" cy="0"/>
+        </a:xfrm>
+      </p:grpSpPr>
+      <p:sp>
+        <p:nvSpPr>
+          <p:cNvPr id="2" name="Title 1"/>
+          <p:cNvSpPr>
+            <a:spLocks noGrp="1"/>
+          </p:cNvSpPr>
+          <p:nvPr>
+            <p:ph type="title"/>
+          </p:nvPr>
+        </p:nvSpPr>
+        <p:spPr/>
+        <p:txBody>
+          <a:bodyPr/>
+          <a:lstStyle/>
+          <a:p>
+            <a:r>
+              <a:rPr lang="sr-Latn-RS" dirty="0" smtClean="0"/>
+              <a:t>Express server</a:t>
+            </a:r>
+            <a:endParaRPr lang="en-US" dirty="0"/>
+          </a:p>
+        </p:txBody>
+      </p:sp>
+      <p:sp>
+        <p:nvSpPr>
+          <p:cNvPr id="5" name="Content Placeholder 4"/>
+          <p:cNvSpPr>
+            <a:spLocks noGrp="1"/>
+          </p:cNvSpPr>
+          <p:nvPr>
+            <p:ph idx="1"/>
+          </p:nvPr>
+        </p:nvSpPr>
+        <p:spPr>
+          <a:xfrm>
+            <a:off x="1141412" y="1751162"/>
+            <a:ext cx="10003916" cy="2544793"/>
+          </a:xfrm>
+        </p:spPr>
+        <p:txBody>
+          <a:bodyPr>
+            <a:normAutofit fontScale="92500"/>
+          </a:bodyPr>
+          <a:lstStyle/>
+          <a:p>
+            <a:r>
+              <a:rPr lang="sr-Latn-RS" dirty="0" smtClean="0"/>
+              <a:t>Prvo impotujemo express, a zatim ga pozovemo da bi kreirali server. Onda definišemo sve rute. Objekat servera ima metode za svaku od http metoda (get, post, put, patch, delete...). Ove metode kao prvi parametar primaju rutu, a kao drugi callback koji će se izvršiti kada korisnik pristupi toj ruti sa odgovarajućom metodom.</a:t>
+            </a:r>
+          </a:p>
+          <a:p>
+            <a:r>
+              <a:rPr lang="sr-Latn-RS" dirty="0" smtClean="0"/>
+              <a:t>Zatim pozivamo metodu listen da bi pokrenuli server na odgovarajućem portu.</a:t>
+            </a:r>
+            <a:endParaRPr lang="en-US" dirty="0"/>
+          </a:p>
+        </p:txBody>
+      </p:sp>
+      <p:pic>
+        <p:nvPicPr>
+          <p:cNvPr id="6" name="Content Placeholder 3"/>
+          <p:cNvPicPr>
+            <a:picLocks noChangeAspect="1"/>
+          </p:cNvPicPr>
+          <p:nvPr/>
+        </p:nvPicPr>
+        <p:blipFill>
+          <a:blip r:embed="rId2"/>
+          <a:stretch>
+            <a:fillRect/>
+          </a:stretch>
+        </p:blipFill>
+        <p:spPr>
+          <a:xfrm>
+            <a:off x="1646058" y="4171299"/>
+            <a:ext cx="8534400" cy="2514600"/>
+          </a:xfrm>
+          <a:prstGeom prst="rect">
+            <a:avLst/>
+          </a:prstGeom>
+        </p:spPr>
+      </p:pic>
+    </p:spTree>
+    <p:extLst>
+      <p:ext uri="{BB962C8B-B14F-4D97-AF65-F5344CB8AC3E}">
+        <p14:creationId xmlns:p14="http://schemas.microsoft.com/office/powerpoint/2010/main" val="3822644740"/>
+      </p:ext>
+    </p:extLst>
+  </p:cSld>
+  <p:clrMapOvr>
+    <a:masterClrMapping/>
+  </p:clrMapOvr>
+</p:sld>
+</file>
+
+<file path=ppt/slides/slide45.xml><?xml version="1.0" encoding="utf-8"?>
+<p:sld xmlns:a="http://schemas.openxmlformats.org/drawingml/2006/main" xmlns:r="http://schemas.openxmlformats.org/officeDocument/2006/relationships" xmlns:p="http://schemas.openxmlformats.org/presentationml/2006/main">
+  <p:cSld>
+    <p:spTree>
+      <p:nvGrpSpPr>
+        <p:cNvPr id="1" name=""/>
+        <p:cNvGrpSpPr/>
+        <p:nvPr/>
+      </p:nvGrpSpPr>
+      <p:grpSpPr>
+        <a:xfrm>
+          <a:off x="0" y="0"/>
+          <a:ext cx="0" cy="0"/>
+          <a:chOff x="0" y="0"/>
+          <a:chExt cx="0" cy="0"/>
+        </a:xfrm>
+      </p:grpSpPr>
+      <p:sp>
+        <p:nvSpPr>
+          <p:cNvPr id="3" name="Content Placeholder 2"/>
+          <p:cNvSpPr>
+            <a:spLocks noGrp="1"/>
+          </p:cNvSpPr>
+          <p:nvPr>
+            <p:ph idx="1"/>
+          </p:nvPr>
+        </p:nvSpPr>
+        <p:spPr>
+          <a:xfrm>
+            <a:off x="701465" y="714625"/>
+            <a:ext cx="4051690" cy="5867329"/>
+          </a:xfrm>
+        </p:spPr>
+        <p:txBody>
+          <a:bodyPr>
+            <a:normAutofit/>
+          </a:bodyPr>
+          <a:lstStyle/>
+          <a:p>
+            <a:r>
+              <a:rPr lang="sr-Latn-RS" dirty="0" smtClean="0"/>
+              <a:t>Osim metode send na response-u imamo i metodu status koja podešava statusni kod. Da ne bi pamtili sve statusne kodove napamet instaliraćemo paket http-status-codes. </a:t>
+            </a:r>
+          </a:p>
+          <a:p>
+            <a:r>
+              <a:rPr lang="sr-Latn-RS" dirty="0" smtClean="0"/>
+              <a:t>Objekat servera osim metoda get, post... ima i metodu all koja predtavlja sve http metode. * u putanji označava bilo koju putanju.</a:t>
+            </a:r>
+            <a:endParaRPr lang="en-US" dirty="0"/>
+          </a:p>
+        </p:txBody>
+      </p:sp>
+      <p:pic>
+        <p:nvPicPr>
+          <p:cNvPr id="4" name="Picture 3"/>
+          <p:cNvPicPr>
+            <a:picLocks noChangeAspect="1"/>
+          </p:cNvPicPr>
+          <p:nvPr/>
+        </p:nvPicPr>
+        <p:blipFill>
+          <a:blip r:embed="rId2"/>
+          <a:stretch>
+            <a:fillRect/>
+          </a:stretch>
+        </p:blipFill>
+        <p:spPr>
+          <a:xfrm>
+            <a:off x="4753155" y="974785"/>
+            <a:ext cx="7337304" cy="4802181"/>
+          </a:xfrm>
+          <a:prstGeom prst="rect">
+            <a:avLst/>
+          </a:prstGeom>
+        </p:spPr>
+      </p:pic>
+    </p:spTree>
+    <p:extLst>
+      <p:ext uri="{BB962C8B-B14F-4D97-AF65-F5344CB8AC3E}">
+        <p14:creationId xmlns:p14="http://schemas.microsoft.com/office/powerpoint/2010/main" val="2913058277"/>
+      </p:ext>
+    </p:extLst>
+  </p:cSld>
+  <p:clrMapOvr>
+    <a:masterClrMapping/>
+  </p:clrMapOvr>
+</p:sld>
+</file>
+
+<file path=ppt/slides/slide46.xml><?xml version="1.0" encoding="utf-8"?>
+<p:sld xmlns:a="http://schemas.openxmlformats.org/drawingml/2006/main" xmlns:r="http://schemas.openxmlformats.org/officeDocument/2006/relationships" xmlns:p="http://schemas.openxmlformats.org/presentationml/2006/main">
+  <p:cSld>
+    <p:spTree>
+      <p:nvGrpSpPr>
+        <p:cNvPr id="1" name=""/>
+        <p:cNvGrpSpPr/>
+        <p:nvPr/>
+      </p:nvGrpSpPr>
+      <p:grpSpPr>
+        <a:xfrm>
+          <a:off x="0" y="0"/>
+          <a:ext cx="0" cy="0"/>
+          <a:chOff x="0" y="0"/>
+          <a:chExt cx="0" cy="0"/>
+        </a:xfrm>
+      </p:grpSpPr>
+      <p:sp>
+        <p:nvSpPr>
+          <p:cNvPr id="2" name="Title 1"/>
+          <p:cNvSpPr>
+            <a:spLocks noGrp="1"/>
+          </p:cNvSpPr>
+          <p:nvPr>
+            <p:ph type="title"/>
+          </p:nvPr>
+        </p:nvSpPr>
+        <p:spPr/>
+        <p:txBody>
+          <a:bodyPr/>
+          <a:lstStyle/>
+          <a:p>
+            <a:r>
+              <a:rPr lang="sr-Latn-RS" dirty="0" smtClean="0"/>
+              <a:t>middleware</a:t>
+            </a:r>
+            <a:endParaRPr lang="en-US" dirty="0"/>
+          </a:p>
+        </p:txBody>
+      </p:sp>
+      <p:sp>
+        <p:nvSpPr>
+          <p:cNvPr id="3" name="Content Placeholder 2"/>
+          <p:cNvSpPr>
+            <a:spLocks noGrp="1"/>
+          </p:cNvSpPr>
+          <p:nvPr>
+            <p:ph idx="1"/>
+          </p:nvPr>
+        </p:nvSpPr>
+        <p:spPr>
+          <a:xfrm>
+            <a:off x="1141412" y="1871932"/>
+            <a:ext cx="9905999" cy="4675517"/>
+          </a:xfrm>
+        </p:spPr>
+        <p:txBody>
+          <a:bodyPr>
+            <a:normAutofit/>
+          </a:bodyPr>
+          <a:lstStyle/>
+          <a:p>
+            <a:r>
+              <a:rPr lang="sr-Latn-RS" dirty="0" smtClean="0"/>
+              <a:t>Middleware su funkcije koje se izvršavaju tokom zahteva serveru. Sa middlewareima tok izvršenja bi izgledao ovako:</a:t>
+            </a:r>
+          </a:p>
+          <a:p>
+            <a:pPr marL="0" indent="0" algn="ctr">
+              <a:buNone/>
+            </a:pPr>
+            <a:r>
+              <a:rPr lang="sr-Latn-RS" dirty="0" smtClean="0"/>
+              <a:t>req </a:t>
+            </a:r>
+            <a:r>
+              <a:rPr lang="sr-Latn-RS" dirty="0" smtClean="0">
+                <a:sym typeface="Wingdings" panose="05000000000000000000" pitchFamily="2" charset="2"/>
+              </a:rPr>
+              <a:t> middleware1  middleware2...  middlewareN  res</a:t>
+            </a:r>
+          </a:p>
+          <a:p>
+            <a:r>
+              <a:rPr lang="sr-Latn-RS" dirty="0" smtClean="0">
+                <a:sym typeface="Wingdings" panose="05000000000000000000" pitchFamily="2" charset="2"/>
+              </a:rPr>
+              <a:t>Da bi dodali middleware korisimo metodu use nad serverom. Ova metod može da primi 2 parametra. Prvi parametar je ruta na kojoj treba izvršiti middleware, a druga i sama funkcija koja se izvršava. Ova funkcija kao parametre prima req, res i next. Next je funckija koja prelazi na sledeći middleware. Ako se ne navede ruta već samo funkcija onda ona važi nad svim rutama.</a:t>
+            </a:r>
+            <a:endParaRPr lang="en-US" dirty="0"/>
+          </a:p>
+        </p:txBody>
+      </p:sp>
+    </p:spTree>
+    <p:extLst>
+      <p:ext uri="{BB962C8B-B14F-4D97-AF65-F5344CB8AC3E}">
+        <p14:creationId xmlns:p14="http://schemas.microsoft.com/office/powerpoint/2010/main" val="1966566168"/>
+      </p:ext>
+    </p:extLst>
+  </p:cSld>
+  <p:clrMapOvr>
+    <a:masterClrMapping/>
+  </p:clrMapOvr>
+</p:sld>
+</file>
+
+<file path=ppt/slides/slide47.xml><?xml version="1.0" encoding="utf-8"?>
+<p:sld xmlns:a="http://schemas.openxmlformats.org/drawingml/2006/main" xmlns:r="http://schemas.openxmlformats.org/officeDocument/2006/relationships" xmlns:p="http://schemas.openxmlformats.org/presentationml/2006/main">
+  <p:cSld>
+    <p:spTree>
+      <p:nvGrpSpPr>
+        <p:cNvPr id="1" name=""/>
+        <p:cNvGrpSpPr/>
+        <p:nvPr/>
+      </p:nvGrpSpPr>
+      <p:grpSpPr>
+        <a:xfrm>
+          <a:off x="0" y="0"/>
+          <a:ext cx="0" cy="0"/>
+          <a:chOff x="0" y="0"/>
+          <a:chExt cx="0" cy="0"/>
+        </a:xfrm>
+      </p:grpSpPr>
+      <p:sp>
+        <p:nvSpPr>
+          <p:cNvPr id="3" name="Content Placeholder 2"/>
+          <p:cNvSpPr>
+            <a:spLocks noGrp="1"/>
+          </p:cNvSpPr>
+          <p:nvPr>
+            <p:ph idx="1"/>
+          </p:nvPr>
+        </p:nvSpPr>
+        <p:spPr>
+          <a:xfrm>
+            <a:off x="1141412" y="517585"/>
+            <a:ext cx="9905999" cy="5273616"/>
+          </a:xfrm>
+        </p:spPr>
+        <p:txBody>
+          <a:bodyPr/>
+          <a:lstStyle/>
+          <a:p>
+            <a:r>
+              <a:rPr lang="sr-Latn-RS" dirty="0" smtClean="0"/>
+              <a:t>Ovde imamo primer middlewarea koji loguje svaki request. </a:t>
+            </a:r>
+          </a:p>
+          <a:p>
+            <a:r>
+              <a:rPr lang="sr-Latn-RS" dirty="0" smtClean="0"/>
+              <a:t>Sve funkcije u expressu se izvršavaju redom kojim su definisani. Zato se middlewarei definiši pre svih specifičnih ruta, odmah po kreiranju servera.</a:t>
+            </a:r>
+            <a:endParaRPr lang="en-US" dirty="0"/>
+          </a:p>
+        </p:txBody>
+      </p:sp>
+      <p:pic>
+        <p:nvPicPr>
+          <p:cNvPr id="4" name="Picture 3"/>
+          <p:cNvPicPr>
+            <a:picLocks noChangeAspect="1"/>
+          </p:cNvPicPr>
+          <p:nvPr/>
+        </p:nvPicPr>
+        <p:blipFill>
+          <a:blip r:embed="rId2"/>
+          <a:stretch>
+            <a:fillRect/>
+          </a:stretch>
+        </p:blipFill>
+        <p:spPr>
+          <a:xfrm>
+            <a:off x="292221" y="2770159"/>
+            <a:ext cx="7277100" cy="2762250"/>
+          </a:xfrm>
+          <a:prstGeom prst="rect">
+            <a:avLst/>
+          </a:prstGeom>
+        </p:spPr>
+      </p:pic>
+      <p:pic>
+        <p:nvPicPr>
+          <p:cNvPr id="5" name="Picture 4"/>
+          <p:cNvPicPr>
+            <a:picLocks noChangeAspect="1"/>
+          </p:cNvPicPr>
+          <p:nvPr/>
+        </p:nvPicPr>
+        <p:blipFill>
+          <a:blip r:embed="rId3"/>
+          <a:stretch>
+            <a:fillRect/>
+          </a:stretch>
+        </p:blipFill>
+        <p:spPr>
+          <a:xfrm>
+            <a:off x="8170292" y="3346421"/>
+            <a:ext cx="3390900" cy="1609725"/>
+          </a:xfrm>
+          <a:prstGeom prst="rect">
+            <a:avLst/>
+          </a:prstGeom>
+        </p:spPr>
+      </p:pic>
+    </p:spTree>
+    <p:extLst>
+      <p:ext uri="{BB962C8B-B14F-4D97-AF65-F5344CB8AC3E}">
+        <p14:creationId xmlns:p14="http://schemas.microsoft.com/office/powerpoint/2010/main" val="2589868045"/>
+      </p:ext>
+    </p:extLst>
+  </p:cSld>
+  <p:clrMapOvr>
+    <a:masterClrMapping/>
+  </p:clrMapOvr>
+</p:sld>
+</file>
+
+<file path=ppt/slides/slide48.xml><?xml version="1.0" encoding="utf-8"?>
+<p:sld xmlns:a="http://schemas.openxmlformats.org/drawingml/2006/main" xmlns:r="http://schemas.openxmlformats.org/officeDocument/2006/relationships" xmlns:p="http://schemas.openxmlformats.org/presentationml/2006/main">
+  <p:cSld>
+    <p:spTree>
+      <p:nvGrpSpPr>
+        <p:cNvPr id="1" name=""/>
+        <p:cNvGrpSpPr/>
+        <p:nvPr/>
+      </p:nvGrpSpPr>
+      <p:grpSpPr>
+        <a:xfrm>
+          <a:off x="0" y="0"/>
+          <a:ext cx="0" cy="0"/>
+          <a:chOff x="0" y="0"/>
+          <a:chExt cx="0" cy="0"/>
+        </a:xfrm>
+      </p:grpSpPr>
+      <p:sp>
+        <p:nvSpPr>
+          <p:cNvPr id="3" name="Content Placeholder 2"/>
+          <p:cNvSpPr>
+            <a:spLocks noGrp="1"/>
+          </p:cNvSpPr>
+          <p:nvPr>
+            <p:ph idx="1"/>
+          </p:nvPr>
+        </p:nvSpPr>
+        <p:spPr>
+          <a:xfrm>
+            <a:off x="1141412" y="871268"/>
+            <a:ext cx="9905999" cy="4919933"/>
+          </a:xfrm>
+        </p:spPr>
+        <p:txBody>
+          <a:bodyPr/>
+          <a:lstStyle/>
+          <a:p>
+            <a:r>
+              <a:rPr lang="sr-Latn-RS" dirty="0" smtClean="0"/>
+              <a:t>Postoji veliki broj middlewarea koje možemo da instaliramo i koristimo. Neki od njih dolaze instalirani sa expressom. Jedan on njih je i express.static.</a:t>
+            </a:r>
+          </a:p>
+          <a:p>
+            <a:r>
+              <a:rPr lang="sr-Latn-RS" dirty="0" smtClean="0"/>
+              <a:t>Static metoda kao parametar prima folder koji sadrži naše statičke fajlove (html, css, js, slike...). Ovako možemo naše stranice da postavimo u folder koji se obično naziva public i da ih pomoću ovog middlewarea isporučujemo bez da ručno pišemo rutu za svaku od njih.</a:t>
+            </a:r>
+            <a:endParaRPr lang="en-US" dirty="0"/>
+          </a:p>
+        </p:txBody>
+      </p:sp>
+    </p:spTree>
+    <p:extLst>
+      <p:ext uri="{BB962C8B-B14F-4D97-AF65-F5344CB8AC3E}">
+        <p14:creationId xmlns:p14="http://schemas.microsoft.com/office/powerpoint/2010/main" val="438886708"/>
+      </p:ext>
+    </p:extLst>
+  </p:cSld>
+  <p:clrMapOvr>
+    <a:masterClrMapping/>
+  </p:clrMapOvr>
+</p:sld>
+</file>
+
+<file path=ppt/slides/slide49.xml><?xml version="1.0" encoding="utf-8"?>
+<p:sld xmlns:a="http://schemas.openxmlformats.org/drawingml/2006/main" xmlns:r="http://schemas.openxmlformats.org/officeDocument/2006/relationships" xmlns:p="http://schemas.openxmlformats.org/presentationml/2006/main">
+  <p:cSld>
+    <p:spTree>
+      <p:nvGrpSpPr>
+        <p:cNvPr id="1" name=""/>
+        <p:cNvGrpSpPr/>
+        <p:nvPr/>
+      </p:nvGrpSpPr>
+      <p:grpSpPr>
+        <a:xfrm>
+          <a:off x="0" y="0"/>
+          <a:ext cx="0" cy="0"/>
+          <a:chOff x="0" y="0"/>
+          <a:chExt cx="0" cy="0"/>
+        </a:xfrm>
+      </p:grpSpPr>
+      <p:pic>
+        <p:nvPicPr>
+          <p:cNvPr id="4" name="Picture 3"/>
+          <p:cNvPicPr>
+            <a:picLocks noChangeAspect="1"/>
+          </p:cNvPicPr>
+          <p:nvPr/>
+        </p:nvPicPr>
+        <p:blipFill>
+          <a:blip r:embed="rId2"/>
+          <a:stretch>
+            <a:fillRect/>
+          </a:stretch>
+        </p:blipFill>
+        <p:spPr>
+          <a:xfrm>
+            <a:off x="611306" y="1283987"/>
+            <a:ext cx="6638925" cy="4695825"/>
+          </a:xfrm>
+          <a:prstGeom prst="rect">
+            <a:avLst/>
+          </a:prstGeom>
+        </p:spPr>
+      </p:pic>
+      <p:pic>
+        <p:nvPicPr>
+          <p:cNvPr id="5" name="Picture 4"/>
+          <p:cNvPicPr>
+            <a:picLocks noChangeAspect="1"/>
+          </p:cNvPicPr>
+          <p:nvPr/>
+        </p:nvPicPr>
+        <p:blipFill>
+          <a:blip r:embed="rId3"/>
+          <a:stretch>
+            <a:fillRect/>
+          </a:stretch>
+        </p:blipFill>
+        <p:spPr>
+          <a:xfrm>
+            <a:off x="8184940" y="2406590"/>
+            <a:ext cx="2257425" cy="1924050"/>
+          </a:xfrm>
+          <a:prstGeom prst="rect">
+            <a:avLst/>
+          </a:prstGeom>
+        </p:spPr>
+      </p:pic>
+    </p:spTree>
+    <p:extLst>
+      <p:ext uri="{BB962C8B-B14F-4D97-AF65-F5344CB8AC3E}">
+        <p14:creationId xmlns:p14="http://schemas.microsoft.com/office/powerpoint/2010/main" val="2549189640"/>
       </p:ext>
     </p:extLst>
   </p:cSld>
@@ -17135,6 +18528,169 @@
     <p:extLst>
       <p:ext uri="{BB962C8B-B14F-4D97-AF65-F5344CB8AC3E}">
         <p14:creationId xmlns:p14="http://schemas.microsoft.com/office/powerpoint/2010/main" val="3775287811"/>
+      </p:ext>
+    </p:extLst>
+  </p:cSld>
+  <p:clrMapOvr>
+    <a:masterClrMapping/>
+  </p:clrMapOvr>
+</p:sld>
+</file>
+
+<file path=ppt/slides/slide50.xml><?xml version="1.0" encoding="utf-8"?>
+<p:sld xmlns:a="http://schemas.openxmlformats.org/drawingml/2006/main" xmlns:r="http://schemas.openxmlformats.org/officeDocument/2006/relationships" xmlns:p="http://schemas.openxmlformats.org/presentationml/2006/main">
+  <p:cSld>
+    <p:spTree>
+      <p:nvGrpSpPr>
+        <p:cNvPr id="1" name=""/>
+        <p:cNvGrpSpPr/>
+        <p:nvPr/>
+      </p:nvGrpSpPr>
+      <p:grpSpPr>
+        <a:xfrm>
+          <a:off x="0" y="0"/>
+          <a:ext cx="0" cy="0"/>
+          <a:chOff x="0" y="0"/>
+          <a:chExt cx="0" cy="0"/>
+        </a:xfrm>
+      </p:grpSpPr>
+      <p:sp>
+        <p:nvSpPr>
+          <p:cNvPr id="3" name="Content Placeholder 2"/>
+          <p:cNvSpPr>
+            <a:spLocks noGrp="1"/>
+          </p:cNvSpPr>
+          <p:nvPr>
+            <p:ph idx="1"/>
+          </p:nvPr>
+        </p:nvSpPr>
+        <p:spPr>
+          <a:xfrm>
+            <a:off x="1141412" y="715992"/>
+            <a:ext cx="9905999" cy="5075209"/>
+          </a:xfrm>
+        </p:spPr>
+        <p:txBody>
+          <a:bodyPr/>
+          <a:lstStyle/>
+          <a:p>
+            <a:r>
+              <a:rPr lang="sr-Latn-RS" dirty="0" smtClean="0"/>
+              <a:t>S obzirom da se funkcije izvršavaju po redu, prvo će se izvršiti static middleware. On će pronaći odgovarajuće resurse i vratiće ih kao odgovor. Tako da nam svi dodatni kontroleri više nisu potrebni.</a:t>
+            </a:r>
+            <a:endParaRPr lang="en-US" dirty="0"/>
+          </a:p>
+        </p:txBody>
+      </p:sp>
+      <p:pic>
+        <p:nvPicPr>
+          <p:cNvPr id="4" name="Picture 3"/>
+          <p:cNvPicPr>
+            <a:picLocks noChangeAspect="1"/>
+          </p:cNvPicPr>
+          <p:nvPr/>
+        </p:nvPicPr>
+        <p:blipFill>
+          <a:blip r:embed="rId2"/>
+          <a:stretch>
+            <a:fillRect/>
+          </a:stretch>
+        </p:blipFill>
+        <p:spPr>
+          <a:xfrm>
+            <a:off x="2151061" y="2664932"/>
+            <a:ext cx="7886700" cy="3305175"/>
+          </a:xfrm>
+          <a:prstGeom prst="rect">
+            <a:avLst/>
+          </a:prstGeom>
+        </p:spPr>
+      </p:pic>
+    </p:spTree>
+    <p:extLst>
+      <p:ext uri="{BB962C8B-B14F-4D97-AF65-F5344CB8AC3E}">
+        <p14:creationId xmlns:p14="http://schemas.microsoft.com/office/powerpoint/2010/main" val="2964048516"/>
+      </p:ext>
+    </p:extLst>
+  </p:cSld>
+  <p:clrMapOvr>
+    <a:masterClrMapping/>
+  </p:clrMapOvr>
+</p:sld>
+</file>
+
+<file path=ppt/slides/slide51.xml><?xml version="1.0" encoding="utf-8"?>
+<p:sld xmlns:a="http://schemas.openxmlformats.org/drawingml/2006/main" xmlns:r="http://schemas.openxmlformats.org/officeDocument/2006/relationships" xmlns:p="http://schemas.openxmlformats.org/presentationml/2006/main">
+  <p:cSld>
+    <p:spTree>
+      <p:nvGrpSpPr>
+        <p:cNvPr id="1" name=""/>
+        <p:cNvGrpSpPr/>
+        <p:nvPr/>
+      </p:nvGrpSpPr>
+      <p:grpSpPr>
+        <a:xfrm>
+          <a:off x="0" y="0"/>
+          <a:ext cx="0" cy="0"/>
+          <a:chOff x="0" y="0"/>
+          <a:chExt cx="0" cy="0"/>
+        </a:xfrm>
+      </p:grpSpPr>
+      <p:sp>
+        <p:nvSpPr>
+          <p:cNvPr id="3" name="Content Placeholder 2"/>
+          <p:cNvSpPr>
+            <a:spLocks noGrp="1"/>
+          </p:cNvSpPr>
+          <p:nvPr>
+            <p:ph idx="1"/>
+          </p:nvPr>
+        </p:nvSpPr>
+        <p:spPr>
+          <a:xfrm>
+            <a:off x="1141412" y="1052423"/>
+            <a:ext cx="9905999" cy="4738778"/>
+          </a:xfrm>
+        </p:spPr>
+        <p:txBody>
+          <a:bodyPr/>
+          <a:lstStyle/>
+          <a:p>
+            <a:r>
+              <a:rPr lang="sr-Latn-RS" dirty="0" smtClean="0"/>
+              <a:t>Još jedan middleware koji dolazi sa expressom je express.json. Ovaj middleware parsira telo zahteva u json format i postavlja ga u req.body tako da unutar ruta možemo koristi req.body da pristupimo podacima koji su poslati u zahtevu.</a:t>
+            </a:r>
+          </a:p>
+        </p:txBody>
+      </p:sp>
+      <p:pic>
+        <p:nvPicPr>
+          <p:cNvPr id="4" name="Picture 3"/>
+          <p:cNvPicPr>
+            <a:picLocks noChangeAspect="1"/>
+          </p:cNvPicPr>
+          <p:nvPr/>
+        </p:nvPicPr>
+        <p:blipFill>
+          <a:blip r:embed="rId2"/>
+          <a:stretch>
+            <a:fillRect/>
+          </a:stretch>
+        </p:blipFill>
+        <p:spPr>
+          <a:xfrm>
+            <a:off x="2214113" y="3462068"/>
+            <a:ext cx="7022684" cy="965619"/>
+          </a:xfrm>
+          <a:prstGeom prst="rect">
+            <a:avLst/>
+          </a:prstGeom>
+        </p:spPr>
+      </p:pic>
+    </p:spTree>
+    <p:extLst>
+      <p:ext uri="{BB962C8B-B14F-4D97-AF65-F5344CB8AC3E}">
+        <p14:creationId xmlns:p14="http://schemas.microsoft.com/office/powerpoint/2010/main" val="649447162"/>
       </p:ext>
     </p:extLst>
   </p:cSld>

--- a/Nodejs/Node.js - prezentacija.pptx
+++ b/Nodejs/Node.js - prezentacija.pptx
@@ -56,6 +56,11 @@
     <p:sldId id="304" r:id="rId50"/>
     <p:sldId id="305" r:id="rId51"/>
     <p:sldId id="306" r:id="rId52"/>
+    <p:sldId id="307" r:id="rId53"/>
+    <p:sldId id="308" r:id="rId54"/>
+    <p:sldId id="309" r:id="rId55"/>
+    <p:sldId id="310" r:id="rId56"/>
+    <p:sldId id="311" r:id="rId57"/>
   </p:sldIdLst>
   <p:sldSz cx="12192000" cy="6858000"/>
   <p:notesSz cx="6858000" cy="9144000"/>
@@ -219,7 +224,7 @@
           <a:noFill/>
           <a:extLst>
             <a:ext uri="{909E8E84-426E-40dd-AFC4-6F175D3DCCD1}">
-              <a14:hiddenFill xmlns="" xmlns:a14="http://schemas.microsoft.com/office/drawing/2010/main">
+              <a14:hiddenFill xmlns:a14="http://schemas.microsoft.com/office/drawing/2010/main" xmlns="">
                 <a:solidFill>
                   <a:srgbClr val="FFFFFF"/>
                 </a:solidFill>
@@ -279,7 +284,7 @@
             </a:ln>
             <a:extLst>
               <a:ext uri="{91240B29-F687-4f45-9708-019B960494DF}">
-                <a14:hiddenLine xmlns="" xmlns:a14="http://schemas.microsoft.com/office/drawing/2010/main" w="9525">
+                <a14:hiddenLine xmlns:a14="http://schemas.microsoft.com/office/drawing/2010/main" xmlns="" w="9525">
                   <a:solidFill>
                     <a:srgbClr val="000000"/>
                   </a:solidFill>
@@ -369,7 +374,7 @@
             </a:ln>
             <a:extLst>
               <a:ext uri="{91240B29-F687-4f45-9708-019B960494DF}">
-                <a14:hiddenLine xmlns="" xmlns:a14="http://schemas.microsoft.com/office/drawing/2010/main" w="9525">
+                <a14:hiddenLine xmlns:a14="http://schemas.microsoft.com/office/drawing/2010/main" xmlns="" w="9525">
                   <a:solidFill>
                     <a:srgbClr val="000000"/>
                   </a:solidFill>
@@ -459,7 +464,7 @@
             </a:ln>
             <a:extLst>
               <a:ext uri="{91240B29-F687-4f45-9708-019B960494DF}">
-                <a14:hiddenLine xmlns="" xmlns:a14="http://schemas.microsoft.com/office/drawing/2010/main" w="9525">
+                <a14:hiddenLine xmlns:a14="http://schemas.microsoft.com/office/drawing/2010/main" xmlns="" w="9525">
                   <a:solidFill>
                     <a:srgbClr val="000000"/>
                   </a:solidFill>
@@ -493,7 +498,7 @@
             </a:ln>
             <a:extLst>
               <a:ext uri="{91240B29-F687-4f45-9708-019B960494DF}">
-                <a14:hiddenLine xmlns="" xmlns:a14="http://schemas.microsoft.com/office/drawing/2010/main" w="9525">
+                <a14:hiddenLine xmlns:a14="http://schemas.microsoft.com/office/drawing/2010/main" xmlns="" w="9525">
                   <a:solidFill>
                     <a:srgbClr val="000000"/>
                   </a:solidFill>
@@ -583,7 +588,7 @@
             </a:ln>
             <a:extLst>
               <a:ext uri="{91240B29-F687-4f45-9708-019B960494DF}">
-                <a14:hiddenLine xmlns="" xmlns:a14="http://schemas.microsoft.com/office/drawing/2010/main" w="9525">
+                <a14:hiddenLine xmlns:a14="http://schemas.microsoft.com/office/drawing/2010/main" xmlns="" w="9525">
                   <a:solidFill>
                     <a:srgbClr val="000000"/>
                   </a:solidFill>
@@ -645,7 +650,7 @@
             </a:ln>
             <a:extLst>
               <a:ext uri="{91240B29-F687-4f45-9708-019B960494DF}">
-                <a14:hiddenLine xmlns="" xmlns:a14="http://schemas.microsoft.com/office/drawing/2010/main" w="9525">
+                <a14:hiddenLine xmlns:a14="http://schemas.microsoft.com/office/drawing/2010/main" xmlns="" w="9525">
                   <a:solidFill>
                     <a:srgbClr val="000000"/>
                   </a:solidFill>
@@ -707,7 +712,7 @@
             </a:ln>
             <a:extLst>
               <a:ext uri="{91240B29-F687-4f45-9708-019B960494DF}">
-                <a14:hiddenLine xmlns="" xmlns:a14="http://schemas.microsoft.com/office/drawing/2010/main" w="9525">
+                <a14:hiddenLine xmlns:a14="http://schemas.microsoft.com/office/drawing/2010/main" xmlns="" w="9525">
                   <a:solidFill>
                     <a:srgbClr val="000000"/>
                   </a:solidFill>
@@ -797,7 +802,7 @@
             </a:ln>
             <a:extLst>
               <a:ext uri="{91240B29-F687-4f45-9708-019B960494DF}">
-                <a14:hiddenLine xmlns="" xmlns:a14="http://schemas.microsoft.com/office/drawing/2010/main" w="9525">
+                <a14:hiddenLine xmlns:a14="http://schemas.microsoft.com/office/drawing/2010/main" xmlns="" w="9525">
                   <a:solidFill>
                     <a:srgbClr val="000000"/>
                   </a:solidFill>
@@ -859,7 +864,7 @@
             </a:ln>
             <a:extLst>
               <a:ext uri="{91240B29-F687-4f45-9708-019B960494DF}">
-                <a14:hiddenLine xmlns="" xmlns:a14="http://schemas.microsoft.com/office/drawing/2010/main" w="9525">
+                <a14:hiddenLine xmlns:a14="http://schemas.microsoft.com/office/drawing/2010/main" xmlns="" w="9525">
                   <a:solidFill>
                     <a:srgbClr val="000000"/>
                   </a:solidFill>
@@ -921,7 +926,7 @@
             </a:ln>
             <a:extLst>
               <a:ext uri="{91240B29-F687-4f45-9708-019B960494DF}">
-                <a14:hiddenLine xmlns="" xmlns:a14="http://schemas.microsoft.com/office/drawing/2010/main" w="9525">
+                <a14:hiddenLine xmlns:a14="http://schemas.microsoft.com/office/drawing/2010/main" xmlns="" w="9525">
                   <a:solidFill>
                     <a:srgbClr val="000000"/>
                   </a:solidFill>
@@ -1011,7 +1016,7 @@
             </a:ln>
             <a:extLst>
               <a:ext uri="{91240B29-F687-4f45-9708-019B960494DF}">
-                <a14:hiddenLine xmlns="" xmlns:a14="http://schemas.microsoft.com/office/drawing/2010/main" w="9525">
+                <a14:hiddenLine xmlns:a14="http://schemas.microsoft.com/office/drawing/2010/main" xmlns="" w="9525">
                   <a:solidFill>
                     <a:srgbClr val="000000"/>
                   </a:solidFill>
@@ -1101,7 +1106,7 @@
             </a:ln>
             <a:extLst>
               <a:ext uri="{91240B29-F687-4f45-9708-019B960494DF}">
-                <a14:hiddenLine xmlns="" xmlns:a14="http://schemas.microsoft.com/office/drawing/2010/main" w="9525">
+                <a14:hiddenLine xmlns:a14="http://schemas.microsoft.com/office/drawing/2010/main" xmlns="" w="9525">
                   <a:solidFill>
                     <a:srgbClr val="000000"/>
                   </a:solidFill>
@@ -1163,7 +1168,7 @@
             </a:ln>
             <a:extLst>
               <a:ext uri="{91240B29-F687-4f45-9708-019B960494DF}">
-                <a14:hiddenLine xmlns="" xmlns:a14="http://schemas.microsoft.com/office/drawing/2010/main" w="9525">
+                <a14:hiddenLine xmlns:a14="http://schemas.microsoft.com/office/drawing/2010/main" xmlns="" w="9525">
                   <a:solidFill>
                     <a:srgbClr val="000000"/>
                   </a:solidFill>
@@ -1273,7 +1278,7 @@
             </a:ln>
             <a:extLst>
               <a:ext uri="{91240B29-F687-4f45-9708-019B960494DF}">
-                <a14:hiddenLine xmlns="" xmlns:a14="http://schemas.microsoft.com/office/drawing/2010/main" w="9525">
+                <a14:hiddenLine xmlns:a14="http://schemas.microsoft.com/office/drawing/2010/main" xmlns="" w="9525">
                   <a:solidFill>
                     <a:srgbClr val="000000"/>
                   </a:solidFill>
@@ -1335,7 +1340,7 @@
             </a:ln>
             <a:extLst>
               <a:ext uri="{91240B29-F687-4f45-9708-019B960494DF}">
-                <a14:hiddenLine xmlns="" xmlns:a14="http://schemas.microsoft.com/office/drawing/2010/main" w="9525">
+                <a14:hiddenLine xmlns:a14="http://schemas.microsoft.com/office/drawing/2010/main" xmlns="" w="9525">
                   <a:solidFill>
                     <a:srgbClr val="000000"/>
                   </a:solidFill>
@@ -1425,7 +1430,7 @@
             </a:ln>
             <a:extLst>
               <a:ext uri="{91240B29-F687-4f45-9708-019B960494DF}">
-                <a14:hiddenLine xmlns="" xmlns:a14="http://schemas.microsoft.com/office/drawing/2010/main" w="9525">
+                <a14:hiddenLine xmlns:a14="http://schemas.microsoft.com/office/drawing/2010/main" xmlns="" w="9525">
                   <a:solidFill>
                     <a:srgbClr val="000000"/>
                   </a:solidFill>
@@ -1515,7 +1520,7 @@
             </a:ln>
             <a:extLst>
               <a:ext uri="{91240B29-F687-4f45-9708-019B960494DF}">
-                <a14:hiddenLine xmlns="" xmlns:a14="http://schemas.microsoft.com/office/drawing/2010/main" w="9525">
+                <a14:hiddenLine xmlns:a14="http://schemas.microsoft.com/office/drawing/2010/main" xmlns="" w="9525">
                   <a:solidFill>
                     <a:srgbClr val="000000"/>
                   </a:solidFill>
@@ -1577,7 +1582,7 @@
             </a:ln>
             <a:extLst>
               <a:ext uri="{91240B29-F687-4f45-9708-019B960494DF}">
-                <a14:hiddenLine xmlns="" xmlns:a14="http://schemas.microsoft.com/office/drawing/2010/main" w="9525">
+                <a14:hiddenLine xmlns:a14="http://schemas.microsoft.com/office/drawing/2010/main" xmlns="" w="9525">
                   <a:solidFill>
                     <a:srgbClr val="000000"/>
                   </a:solidFill>
@@ -1667,7 +1672,7 @@
             </a:ln>
             <a:extLst>
               <a:ext uri="{91240B29-F687-4f45-9708-019B960494DF}">
-                <a14:hiddenLine xmlns="" xmlns:a14="http://schemas.microsoft.com/office/drawing/2010/main" w="9525">
+                <a14:hiddenLine xmlns:a14="http://schemas.microsoft.com/office/drawing/2010/main" xmlns="" w="9525">
                   <a:solidFill>
                     <a:srgbClr val="000000"/>
                   </a:solidFill>
@@ -1757,7 +1762,7 @@
             </a:ln>
             <a:extLst>
               <a:ext uri="{91240B29-F687-4f45-9708-019B960494DF}">
-                <a14:hiddenLine xmlns="" xmlns:a14="http://schemas.microsoft.com/office/drawing/2010/main" w="9525">
+                <a14:hiddenLine xmlns:a14="http://schemas.microsoft.com/office/drawing/2010/main" xmlns="" w="9525">
                   <a:solidFill>
                     <a:srgbClr val="000000"/>
                   </a:solidFill>
@@ -1813,7 +1818,7 @@
             </a:ln>
             <a:extLst>
               <a:ext uri="{91240B29-F687-4f45-9708-019B960494DF}">
-                <a14:hiddenLine xmlns="" xmlns:a14="http://schemas.microsoft.com/office/drawing/2010/main" w="9525">
+                <a14:hiddenLine xmlns:a14="http://schemas.microsoft.com/office/drawing/2010/main" xmlns="" w="9525">
                   <a:solidFill>
                     <a:srgbClr val="000000"/>
                   </a:solidFill>
@@ -1903,7 +1908,7 @@
             </a:ln>
             <a:extLst>
               <a:ext uri="{91240B29-F687-4f45-9708-019B960494DF}">
-                <a14:hiddenLine xmlns="" xmlns:a14="http://schemas.microsoft.com/office/drawing/2010/main" w="9525">
+                <a14:hiddenLine xmlns:a14="http://schemas.microsoft.com/office/drawing/2010/main" xmlns="" w="9525">
                   <a:solidFill>
                     <a:srgbClr val="000000"/>
                   </a:solidFill>
@@ -1959,7 +1964,7 @@
             </a:ln>
             <a:extLst>
               <a:ext uri="{91240B29-F687-4f45-9708-019B960494DF}">
-                <a14:hiddenLine xmlns="" xmlns:a14="http://schemas.microsoft.com/office/drawing/2010/main" w="9525">
+                <a14:hiddenLine xmlns:a14="http://schemas.microsoft.com/office/drawing/2010/main" xmlns="" w="9525">
                   <a:solidFill>
                     <a:srgbClr val="000000"/>
                   </a:solidFill>
@@ -2049,7 +2054,7 @@
             </a:ln>
             <a:extLst>
               <a:ext uri="{91240B29-F687-4f45-9708-019B960494DF}">
-                <a14:hiddenLine xmlns="" xmlns:a14="http://schemas.microsoft.com/office/drawing/2010/main" w="9525">
+                <a14:hiddenLine xmlns:a14="http://schemas.microsoft.com/office/drawing/2010/main" xmlns="" w="9525">
                   <a:solidFill>
                     <a:srgbClr val="000000"/>
                   </a:solidFill>
@@ -2117,7 +2122,7 @@
             </a:ln>
             <a:extLst>
               <a:ext uri="{91240B29-F687-4f45-9708-019B960494DF}">
-                <a14:hiddenLine xmlns="" xmlns:a14="http://schemas.microsoft.com/office/drawing/2010/main" w="9525">
+                <a14:hiddenLine xmlns:a14="http://schemas.microsoft.com/office/drawing/2010/main" xmlns="" w="9525">
                   <a:solidFill>
                     <a:srgbClr val="000000"/>
                   </a:solidFill>
@@ -2207,7 +2212,7 @@
             </a:ln>
             <a:extLst>
               <a:ext uri="{91240B29-F687-4f45-9708-019B960494DF}">
-                <a14:hiddenLine xmlns="" xmlns:a14="http://schemas.microsoft.com/office/drawing/2010/main" w="9525">
+                <a14:hiddenLine xmlns:a14="http://schemas.microsoft.com/office/drawing/2010/main" xmlns="" w="9525">
                   <a:solidFill>
                     <a:srgbClr val="000000"/>
                   </a:solidFill>
@@ -2275,7 +2280,7 @@
             </a:ln>
             <a:extLst>
               <a:ext uri="{91240B29-F687-4f45-9708-019B960494DF}">
-                <a14:hiddenLine xmlns="" xmlns:a14="http://schemas.microsoft.com/office/drawing/2010/main" w="9525">
+                <a14:hiddenLine xmlns:a14="http://schemas.microsoft.com/office/drawing/2010/main" xmlns="" w="9525">
                   <a:solidFill>
                     <a:srgbClr val="000000"/>
                   </a:solidFill>
@@ -2365,7 +2370,7 @@
             </a:ln>
             <a:extLst>
               <a:ext uri="{91240B29-F687-4f45-9708-019B960494DF}">
-                <a14:hiddenLine xmlns="" xmlns:a14="http://schemas.microsoft.com/office/drawing/2010/main" w="9525">
+                <a14:hiddenLine xmlns:a14="http://schemas.microsoft.com/office/drawing/2010/main" xmlns="" w="9525">
                   <a:solidFill>
                     <a:srgbClr val="000000"/>
                   </a:solidFill>
@@ -2399,7 +2404,7 @@
             </a:ln>
             <a:extLst>
               <a:ext uri="{91240B29-F687-4f45-9708-019B960494DF}">
-                <a14:hiddenLine xmlns="" xmlns:a14="http://schemas.microsoft.com/office/drawing/2010/main" w="9525">
+                <a14:hiddenLine xmlns:a14="http://schemas.microsoft.com/office/drawing/2010/main" xmlns="" w="9525">
                   <a:solidFill>
                     <a:srgbClr val="000000"/>
                   </a:solidFill>
@@ -2489,7 +2494,7 @@
             </a:ln>
             <a:extLst>
               <a:ext uri="{91240B29-F687-4f45-9708-019B960494DF}">
-                <a14:hiddenLine xmlns="" xmlns:a14="http://schemas.microsoft.com/office/drawing/2010/main" w="9525">
+                <a14:hiddenLine xmlns:a14="http://schemas.microsoft.com/office/drawing/2010/main" xmlns="" w="9525">
                   <a:solidFill>
                     <a:srgbClr val="000000"/>
                   </a:solidFill>
@@ -2551,7 +2556,7 @@
             </a:ln>
             <a:extLst>
               <a:ext uri="{91240B29-F687-4f45-9708-019B960494DF}">
-                <a14:hiddenLine xmlns="" xmlns:a14="http://schemas.microsoft.com/office/drawing/2010/main" w="9525">
+                <a14:hiddenLine xmlns:a14="http://schemas.microsoft.com/office/drawing/2010/main" xmlns="" w="9525">
                   <a:solidFill>
                     <a:srgbClr val="000000"/>
                   </a:solidFill>
@@ -2613,7 +2618,7 @@
             </a:ln>
             <a:extLst>
               <a:ext uri="{91240B29-F687-4f45-9708-019B960494DF}">
-                <a14:hiddenLine xmlns="" xmlns:a14="http://schemas.microsoft.com/office/drawing/2010/main" w="9525">
+                <a14:hiddenLine xmlns:a14="http://schemas.microsoft.com/office/drawing/2010/main" xmlns="" w="9525">
                   <a:solidFill>
                     <a:srgbClr val="000000"/>
                   </a:solidFill>
@@ -2703,7 +2708,7 @@
             </a:ln>
             <a:extLst>
               <a:ext uri="{91240B29-F687-4f45-9708-019B960494DF}">
-                <a14:hiddenLine xmlns="" xmlns:a14="http://schemas.microsoft.com/office/drawing/2010/main" w="9525">
+                <a14:hiddenLine xmlns:a14="http://schemas.microsoft.com/office/drawing/2010/main" xmlns="" w="9525">
                   <a:solidFill>
                     <a:srgbClr val="000000"/>
                   </a:solidFill>
@@ -2771,7 +2776,7 @@
             </a:ln>
             <a:extLst>
               <a:ext uri="{91240B29-F687-4f45-9708-019B960494DF}">
-                <a14:hiddenLine xmlns="" xmlns:a14="http://schemas.microsoft.com/office/drawing/2010/main" w="9525">
+                <a14:hiddenLine xmlns:a14="http://schemas.microsoft.com/office/drawing/2010/main" xmlns="" w="9525">
                   <a:solidFill>
                     <a:srgbClr val="000000"/>
                   </a:solidFill>
@@ -2833,7 +2838,7 @@
             </a:ln>
             <a:extLst>
               <a:ext uri="{91240B29-F687-4f45-9708-019B960494DF}">
-                <a14:hiddenLine xmlns="" xmlns:a14="http://schemas.microsoft.com/office/drawing/2010/main" w="9525">
+                <a14:hiddenLine xmlns:a14="http://schemas.microsoft.com/office/drawing/2010/main" xmlns="" w="9525">
                   <a:solidFill>
                     <a:srgbClr val="000000"/>
                   </a:solidFill>
@@ -2923,7 +2928,7 @@
             </a:ln>
             <a:extLst>
               <a:ext uri="{91240B29-F687-4f45-9708-019B960494DF}">
-                <a14:hiddenLine xmlns="" xmlns:a14="http://schemas.microsoft.com/office/drawing/2010/main" w="9525">
+                <a14:hiddenLine xmlns:a14="http://schemas.microsoft.com/office/drawing/2010/main" xmlns="" w="9525">
                   <a:solidFill>
                     <a:srgbClr val="000000"/>
                   </a:solidFill>
@@ -2985,7 +2990,7 @@
             </a:ln>
             <a:extLst>
               <a:ext uri="{91240B29-F687-4f45-9708-019B960494DF}">
-                <a14:hiddenLine xmlns="" xmlns:a14="http://schemas.microsoft.com/office/drawing/2010/main" w="9525">
+                <a14:hiddenLine xmlns:a14="http://schemas.microsoft.com/office/drawing/2010/main" xmlns="" w="9525">
                   <a:solidFill>
                     <a:srgbClr val="000000"/>
                   </a:solidFill>
@@ -3075,7 +3080,7 @@
             </a:ln>
             <a:extLst>
               <a:ext uri="{91240B29-F687-4f45-9708-019B960494DF}">
-                <a14:hiddenLine xmlns="" xmlns:a14="http://schemas.microsoft.com/office/drawing/2010/main" w="9525">
+                <a14:hiddenLine xmlns:a14="http://schemas.microsoft.com/office/drawing/2010/main" xmlns="" w="9525">
                   <a:solidFill>
                     <a:srgbClr val="000000"/>
                   </a:solidFill>
@@ -3137,7 +3142,7 @@
             </a:ln>
             <a:extLst>
               <a:ext uri="{91240B29-F687-4f45-9708-019B960494DF}">
-                <a14:hiddenLine xmlns="" xmlns:a14="http://schemas.microsoft.com/office/drawing/2010/main" w="9525">
+                <a14:hiddenLine xmlns:a14="http://schemas.microsoft.com/office/drawing/2010/main" xmlns="" w="9525">
                   <a:solidFill>
                     <a:srgbClr val="000000"/>
                   </a:solidFill>
@@ -3227,7 +3232,7 @@
             </a:ln>
             <a:extLst>
               <a:ext uri="{91240B29-F687-4f45-9708-019B960494DF}">
-                <a14:hiddenLine xmlns="" xmlns:a14="http://schemas.microsoft.com/office/drawing/2010/main" w="9525">
+                <a14:hiddenLine xmlns:a14="http://schemas.microsoft.com/office/drawing/2010/main" xmlns="" w="9525">
                   <a:solidFill>
                     <a:srgbClr val="000000"/>
                   </a:solidFill>
@@ -3261,7 +3266,7 @@
             </a:ln>
             <a:extLst>
               <a:ext uri="{91240B29-F687-4f45-9708-019B960494DF}">
-                <a14:hiddenLine xmlns="" xmlns:a14="http://schemas.microsoft.com/office/drawing/2010/main" w="9525">
+                <a14:hiddenLine xmlns:a14="http://schemas.microsoft.com/office/drawing/2010/main" xmlns="" w="9525">
                   <a:solidFill>
                     <a:srgbClr val="000000"/>
                   </a:solidFill>
@@ -3326,7 +3331,7 @@
             </a:ln>
             <a:extLst>
               <a:ext uri="{91240B29-F687-4f45-9708-019B960494DF}">
-                <a14:hiddenLine xmlns="" xmlns:a14="http://schemas.microsoft.com/office/drawing/2010/main" w="9525">
+                <a14:hiddenLine xmlns:a14="http://schemas.microsoft.com/office/drawing/2010/main" xmlns="" w="9525">
                   <a:solidFill>
                     <a:srgbClr val="000000"/>
                   </a:solidFill>
@@ -3416,7 +3421,7 @@
             </a:ln>
             <a:extLst>
               <a:ext uri="{91240B29-F687-4f45-9708-019B960494DF}">
-                <a14:hiddenLine xmlns="" xmlns:a14="http://schemas.microsoft.com/office/drawing/2010/main" w="9525">
+                <a14:hiddenLine xmlns:a14="http://schemas.microsoft.com/office/drawing/2010/main" xmlns="" w="9525">
                   <a:solidFill>
                     <a:srgbClr val="000000"/>
                   </a:solidFill>
@@ -3478,7 +3483,7 @@
             </a:ln>
             <a:extLst>
               <a:ext uri="{91240B29-F687-4f45-9708-019B960494DF}">
-                <a14:hiddenLine xmlns="" xmlns:a14="http://schemas.microsoft.com/office/drawing/2010/main" w="9525">
+                <a14:hiddenLine xmlns:a14="http://schemas.microsoft.com/office/drawing/2010/main" xmlns="" w="9525">
                   <a:solidFill>
                     <a:srgbClr val="000000"/>
                   </a:solidFill>
@@ -3568,7 +3573,7 @@
             </a:ln>
             <a:extLst>
               <a:ext uri="{91240B29-F687-4f45-9708-019B960494DF}">
-                <a14:hiddenLine xmlns="" xmlns:a14="http://schemas.microsoft.com/office/drawing/2010/main" w="9525">
+                <a14:hiddenLine xmlns:a14="http://schemas.microsoft.com/office/drawing/2010/main" xmlns="" w="9525">
                   <a:solidFill>
                     <a:srgbClr val="000000"/>
                   </a:solidFill>
@@ -3658,7 +3663,7 @@
             </a:ln>
             <a:extLst>
               <a:ext uri="{91240B29-F687-4f45-9708-019B960494DF}">
-                <a14:hiddenLine xmlns="" xmlns:a14="http://schemas.microsoft.com/office/drawing/2010/main" w="9525">
+                <a14:hiddenLine xmlns:a14="http://schemas.microsoft.com/office/drawing/2010/main" xmlns="" w="9525">
                   <a:solidFill>
                     <a:srgbClr val="000000"/>
                   </a:solidFill>
@@ -3723,7 +3728,7 @@
             </a:ln>
             <a:extLst>
               <a:ext uri="{91240B29-F687-4f45-9708-019B960494DF}">
-                <a14:hiddenLine xmlns="" xmlns:a14="http://schemas.microsoft.com/office/drawing/2010/main" w="9525">
+                <a14:hiddenLine xmlns:a14="http://schemas.microsoft.com/office/drawing/2010/main" xmlns="" w="9525">
                   <a:solidFill>
                     <a:srgbClr val="000000"/>
                   </a:solidFill>
@@ -3785,7 +3790,7 @@
             </a:ln>
             <a:extLst>
               <a:ext uri="{91240B29-F687-4f45-9708-019B960494DF}">
-                <a14:hiddenLine xmlns="" xmlns:a14="http://schemas.microsoft.com/office/drawing/2010/main" w="9525">
+                <a14:hiddenLine xmlns:a14="http://schemas.microsoft.com/office/drawing/2010/main" xmlns="" w="9525">
                   <a:solidFill>
                     <a:srgbClr val="000000"/>
                   </a:solidFill>
@@ -3875,7 +3880,7 @@
             </a:ln>
             <a:extLst>
               <a:ext uri="{91240B29-F687-4f45-9708-019B960494DF}">
-                <a14:hiddenLine xmlns="" xmlns:a14="http://schemas.microsoft.com/office/drawing/2010/main" w="9525">
+                <a14:hiddenLine xmlns:a14="http://schemas.microsoft.com/office/drawing/2010/main" xmlns="" w="9525">
                   <a:solidFill>
                     <a:srgbClr val="000000"/>
                   </a:solidFill>
@@ -3965,7 +3970,7 @@
             </a:ln>
             <a:extLst>
               <a:ext uri="{91240B29-F687-4f45-9708-019B960494DF}">
-                <a14:hiddenLine xmlns="" xmlns:a14="http://schemas.microsoft.com/office/drawing/2010/main" w="9525">
+                <a14:hiddenLine xmlns:a14="http://schemas.microsoft.com/office/drawing/2010/main" xmlns="" w="9525">
                   <a:solidFill>
                     <a:srgbClr val="000000"/>
                   </a:solidFill>
@@ -4027,7 +4032,7 @@
             </a:ln>
             <a:extLst>
               <a:ext uri="{91240B29-F687-4f45-9708-019B960494DF}">
-                <a14:hiddenLine xmlns="" xmlns:a14="http://schemas.microsoft.com/office/drawing/2010/main" w="9525">
+                <a14:hiddenLine xmlns:a14="http://schemas.microsoft.com/office/drawing/2010/main" xmlns="" w="9525">
                   <a:solidFill>
                     <a:srgbClr val="000000"/>
                   </a:solidFill>
@@ -4147,7 +4152,7 @@
             </a:ln>
             <a:extLst>
               <a:ext uri="{91240B29-F687-4f45-9708-019B960494DF}">
-                <a14:hiddenLine xmlns="" xmlns:a14="http://schemas.microsoft.com/office/drawing/2010/main" w="9525">
+                <a14:hiddenLine xmlns:a14="http://schemas.microsoft.com/office/drawing/2010/main" xmlns="" w="9525">
                   <a:solidFill>
                     <a:srgbClr val="000000"/>
                   </a:solidFill>
@@ -4215,7 +4220,7 @@
             </a:ln>
             <a:extLst>
               <a:ext uri="{91240B29-F687-4f45-9708-019B960494DF}">
-                <a14:hiddenLine xmlns="" xmlns:a14="http://schemas.microsoft.com/office/drawing/2010/main" w="9525">
+                <a14:hiddenLine xmlns:a14="http://schemas.microsoft.com/office/drawing/2010/main" xmlns="" w="9525">
                   <a:solidFill>
                     <a:srgbClr val="000000"/>
                   </a:solidFill>
@@ -4305,7 +4310,7 @@
             </a:ln>
             <a:extLst>
               <a:ext uri="{91240B29-F687-4f45-9708-019B960494DF}">
-                <a14:hiddenLine xmlns="" xmlns:a14="http://schemas.microsoft.com/office/drawing/2010/main" w="9525">
+                <a14:hiddenLine xmlns:a14="http://schemas.microsoft.com/office/drawing/2010/main" xmlns="" w="9525">
                   <a:solidFill>
                     <a:srgbClr val="000000"/>
                   </a:solidFill>
@@ -4445,7 +4450,7 @@
           <a:p>
             <a:fld id="{48A87A34-81AB-432B-8DAE-1953F412C126}" type="datetimeFigureOut">
               <a:rPr lang="en-US" dirty="0"/>
-              <a:t>11/2/2022</a:t>
+              <a:t>11/3/2022</a:t>
             </a:fld>
             <a:endParaRPr lang="en-US" dirty="0"/>
           </a:p>
@@ -4707,7 +4712,7 @@
           <a:p>
             <a:fld id="{48A87A34-81AB-432B-8DAE-1953F412C126}" type="datetimeFigureOut">
               <a:rPr lang="en-US" dirty="0"/>
-              <a:t>11/2/2022</a:t>
+              <a:t>11/3/2022</a:t>
             </a:fld>
             <a:endParaRPr lang="en-US" dirty="0"/>
           </a:p>
@@ -4898,7 +4903,7 @@
           <a:p>
             <a:fld id="{48A87A34-81AB-432B-8DAE-1953F412C126}" type="datetimeFigureOut">
               <a:rPr lang="en-US" dirty="0"/>
-              <a:t>11/2/2022</a:t>
+              <a:t>11/3/2022</a:t>
             </a:fld>
             <a:endParaRPr lang="en-US" dirty="0"/>
           </a:p>
@@ -5156,7 +5161,7 @@
           <a:p>
             <a:fld id="{48A87A34-81AB-432B-8DAE-1953F412C126}" type="datetimeFigureOut">
               <a:rPr lang="en-US" dirty="0"/>
-              <a:t>11/2/2022</a:t>
+              <a:t>11/3/2022</a:t>
             </a:fld>
             <a:endParaRPr lang="en-US" dirty="0"/>
           </a:p>
@@ -5585,7 +5590,7 @@
           <a:p>
             <a:fld id="{48A87A34-81AB-432B-8DAE-1953F412C126}" type="datetimeFigureOut">
               <a:rPr lang="en-US" dirty="0"/>
-              <a:t>11/2/2022</a:t>
+              <a:t>11/3/2022</a:t>
             </a:fld>
             <a:endParaRPr lang="en-US" dirty="0"/>
           </a:p>
@@ -6126,7 +6131,7 @@
           <a:p>
             <a:fld id="{48A87A34-81AB-432B-8DAE-1953F412C126}" type="datetimeFigureOut">
               <a:rPr lang="en-US" dirty="0"/>
-              <a:t>11/2/2022</a:t>
+              <a:t>11/3/2022</a:t>
             </a:fld>
             <a:endParaRPr lang="en-US" dirty="0"/>
           </a:p>
@@ -6841,7 +6846,7 @@
           <a:p>
             <a:fld id="{48A87A34-81AB-432B-8DAE-1953F412C126}" type="datetimeFigureOut">
               <a:rPr lang="en-US" dirty="0"/>
-              <a:t>11/2/2022</a:t>
+              <a:t>11/3/2022</a:t>
             </a:fld>
             <a:endParaRPr lang="en-US" dirty="0"/>
           </a:p>
@@ -7006,7 +7011,7 @@
           <a:p>
             <a:fld id="{48A87A34-81AB-432B-8DAE-1953F412C126}" type="datetimeFigureOut">
               <a:rPr lang="en-US" dirty="0"/>
-              <a:t>11/2/2022</a:t>
+              <a:t>11/3/2022</a:t>
             </a:fld>
             <a:endParaRPr lang="en-US" dirty="0"/>
           </a:p>
@@ -7181,7 +7186,7 @@
           <a:p>
             <a:fld id="{48A87A34-81AB-432B-8DAE-1953F412C126}" type="datetimeFigureOut">
               <a:rPr lang="en-US" dirty="0"/>
-              <a:t>11/2/2022</a:t>
+              <a:t>11/3/2022</a:t>
             </a:fld>
             <a:endParaRPr lang="en-US" dirty="0"/>
           </a:p>
@@ -7346,7 +7351,7 @@
           <a:p>
             <a:fld id="{48A87A34-81AB-432B-8DAE-1953F412C126}" type="datetimeFigureOut">
               <a:rPr lang="en-US" dirty="0"/>
-              <a:t>11/2/2022</a:t>
+              <a:t>11/3/2022</a:t>
             </a:fld>
             <a:endParaRPr lang="en-US" dirty="0"/>
           </a:p>
@@ -7591,7 +7596,7 @@
           <a:p>
             <a:fld id="{48A87A34-81AB-432B-8DAE-1953F412C126}" type="datetimeFigureOut">
               <a:rPr lang="en-US" dirty="0"/>
-              <a:t>11/2/2022</a:t>
+              <a:t>11/3/2022</a:t>
             </a:fld>
             <a:endParaRPr lang="en-US" dirty="0"/>
           </a:p>
@@ -7818,7 +7823,7 @@
           <a:p>
             <a:fld id="{48A87A34-81AB-432B-8DAE-1953F412C126}" type="datetimeFigureOut">
               <a:rPr lang="en-US" dirty="0"/>
-              <a:t>11/2/2022</a:t>
+              <a:t>11/3/2022</a:t>
             </a:fld>
             <a:endParaRPr lang="en-US" dirty="0"/>
           </a:p>
@@ -8194,7 +8199,7 @@
           <a:p>
             <a:fld id="{48A87A34-81AB-432B-8DAE-1953F412C126}" type="datetimeFigureOut">
               <a:rPr lang="en-US" dirty="0"/>
-              <a:t>11/2/2022</a:t>
+              <a:t>11/3/2022</a:t>
             </a:fld>
             <a:endParaRPr lang="en-US" dirty="0"/>
           </a:p>
@@ -8307,7 +8312,7 @@
           <a:p>
             <a:fld id="{48A87A34-81AB-432B-8DAE-1953F412C126}" type="datetimeFigureOut">
               <a:rPr lang="en-US" dirty="0"/>
-              <a:t>11/2/2022</a:t>
+              <a:t>11/3/2022</a:t>
             </a:fld>
             <a:endParaRPr lang="en-US" dirty="0"/>
           </a:p>
@@ -8397,7 +8402,7 @@
           <a:p>
             <a:fld id="{48A87A34-81AB-432B-8DAE-1953F412C126}" type="datetimeFigureOut">
               <a:rPr lang="en-US" dirty="0"/>
-              <a:t>11/2/2022</a:t>
+              <a:t>11/3/2022</a:t>
             </a:fld>
             <a:endParaRPr lang="en-US" dirty="0"/>
           </a:p>
@@ -8641,7 +8646,7 @@
           <a:p>
             <a:fld id="{48A87A34-81AB-432B-8DAE-1953F412C126}" type="datetimeFigureOut">
               <a:rPr lang="en-US" dirty="0"/>
-              <a:t>11/2/2022</a:t>
+              <a:t>11/3/2022</a:t>
             </a:fld>
             <a:endParaRPr lang="en-US" dirty="0"/>
           </a:p>
@@ -8916,7 +8921,7 @@
           <a:p>
             <a:fld id="{48A87A34-81AB-432B-8DAE-1953F412C126}" type="datetimeFigureOut">
               <a:rPr lang="en-US" dirty="0"/>
-              <a:t>11/2/2022</a:t>
+              <a:t>11/3/2022</a:t>
             </a:fld>
             <a:endParaRPr lang="en-US" dirty="0"/>
           </a:p>
@@ -9034,7 +9039,7 @@
           <a:noFill/>
           <a:extLst>
             <a:ext uri="{909E8E84-426E-40dd-AFC4-6F175D3DCCD1}">
-              <a14:hiddenFill xmlns="" xmlns:a14="http://schemas.microsoft.com/office/drawing/2010/main">
+              <a14:hiddenFill xmlns:a14="http://schemas.microsoft.com/office/drawing/2010/main" xmlns="">
                 <a:solidFill>
                   <a:srgbClr val="FFFFFF"/>
                 </a:solidFill>
@@ -9108,7 +9113,7 @@
               </a:ln>
               <a:extLst>
                 <a:ext uri="{91240B29-F687-4f45-9708-019B960494DF}">
-                  <a14:hiddenLine xmlns="" xmlns:a14="http://schemas.microsoft.com/office/drawing/2010/main" w="9525">
+                  <a14:hiddenLine xmlns:a14="http://schemas.microsoft.com/office/drawing/2010/main" xmlns="" w="9525">
                     <a:solidFill>
                       <a:srgbClr val="000000"/>
                     </a:solidFill>
@@ -9198,7 +9203,7 @@
               </a:ln>
               <a:extLst>
                 <a:ext uri="{91240B29-F687-4f45-9708-019B960494DF}">
-                  <a14:hiddenLine xmlns="" xmlns:a14="http://schemas.microsoft.com/office/drawing/2010/main" w="9525">
+                  <a14:hiddenLine xmlns:a14="http://schemas.microsoft.com/office/drawing/2010/main" xmlns="" w="9525">
                     <a:solidFill>
                       <a:srgbClr val="000000"/>
                     </a:solidFill>
@@ -9288,7 +9293,7 @@
               </a:ln>
               <a:extLst>
                 <a:ext uri="{91240B29-F687-4f45-9708-019B960494DF}">
-                  <a14:hiddenLine xmlns="" xmlns:a14="http://schemas.microsoft.com/office/drawing/2010/main" w="9525">
+                  <a14:hiddenLine xmlns:a14="http://schemas.microsoft.com/office/drawing/2010/main" xmlns="" w="9525">
                     <a:solidFill>
                       <a:srgbClr val="000000"/>
                     </a:solidFill>
@@ -9350,7 +9355,7 @@
               </a:ln>
               <a:extLst>
                 <a:ext uri="{91240B29-F687-4f45-9708-019B960494DF}">
-                  <a14:hiddenLine xmlns="" xmlns:a14="http://schemas.microsoft.com/office/drawing/2010/main" w="9525">
+                  <a14:hiddenLine xmlns:a14="http://schemas.microsoft.com/office/drawing/2010/main" xmlns="" w="9525">
                     <a:solidFill>
                       <a:srgbClr val="000000"/>
                     </a:solidFill>
@@ -9440,7 +9445,7 @@
               </a:ln>
               <a:extLst>
                 <a:ext uri="{91240B29-F687-4f45-9708-019B960494DF}">
-                  <a14:hiddenLine xmlns="" xmlns:a14="http://schemas.microsoft.com/office/drawing/2010/main" w="9525">
+                  <a14:hiddenLine xmlns:a14="http://schemas.microsoft.com/office/drawing/2010/main" xmlns="" w="9525">
                     <a:solidFill>
                       <a:srgbClr val="000000"/>
                     </a:solidFill>
@@ -9502,7 +9507,7 @@
               </a:ln>
               <a:extLst>
                 <a:ext uri="{91240B29-F687-4f45-9708-019B960494DF}">
-                  <a14:hiddenLine xmlns="" xmlns:a14="http://schemas.microsoft.com/office/drawing/2010/main" w="9525">
+                  <a14:hiddenLine xmlns:a14="http://schemas.microsoft.com/office/drawing/2010/main" xmlns="" w="9525">
                     <a:solidFill>
                       <a:srgbClr val="000000"/>
                     </a:solidFill>
@@ -9564,7 +9569,7 @@
               </a:ln>
               <a:extLst>
                 <a:ext uri="{91240B29-F687-4f45-9708-019B960494DF}">
-                  <a14:hiddenLine xmlns="" xmlns:a14="http://schemas.microsoft.com/office/drawing/2010/main" w="9525">
+                  <a14:hiddenLine xmlns:a14="http://schemas.microsoft.com/office/drawing/2010/main" xmlns="" w="9525">
                     <a:solidFill>
                       <a:srgbClr val="000000"/>
                     </a:solidFill>
@@ -9654,7 +9659,7 @@
               </a:ln>
               <a:extLst>
                 <a:ext uri="{91240B29-F687-4f45-9708-019B960494DF}">
-                  <a14:hiddenLine xmlns="" xmlns:a14="http://schemas.microsoft.com/office/drawing/2010/main" w="9525">
+                  <a14:hiddenLine xmlns:a14="http://schemas.microsoft.com/office/drawing/2010/main" xmlns="" w="9525">
                     <a:solidFill>
                       <a:srgbClr val="000000"/>
                     </a:solidFill>
@@ -9744,7 +9749,7 @@
               </a:ln>
               <a:extLst>
                 <a:ext uri="{91240B29-F687-4f45-9708-019B960494DF}">
-                  <a14:hiddenLine xmlns="" xmlns:a14="http://schemas.microsoft.com/office/drawing/2010/main" w="9525">
+                  <a14:hiddenLine xmlns:a14="http://schemas.microsoft.com/office/drawing/2010/main" xmlns="" w="9525">
                     <a:solidFill>
                       <a:srgbClr val="000000"/>
                     </a:solidFill>
@@ -9806,7 +9811,7 @@
               </a:ln>
               <a:extLst>
                 <a:ext uri="{91240B29-F687-4f45-9708-019B960494DF}">
-                  <a14:hiddenLine xmlns="" xmlns:a14="http://schemas.microsoft.com/office/drawing/2010/main" w="9525">
+                  <a14:hiddenLine xmlns:a14="http://schemas.microsoft.com/office/drawing/2010/main" xmlns="" w="9525">
                     <a:solidFill>
                       <a:srgbClr val="000000"/>
                     </a:solidFill>
@@ -9916,7 +9921,7 @@
               </a:ln>
               <a:extLst>
                 <a:ext uri="{91240B29-F687-4f45-9708-019B960494DF}">
-                  <a14:hiddenLine xmlns="" xmlns:a14="http://schemas.microsoft.com/office/drawing/2010/main" w="9525">
+                  <a14:hiddenLine xmlns:a14="http://schemas.microsoft.com/office/drawing/2010/main" xmlns="" w="9525">
                     <a:solidFill>
                       <a:srgbClr val="000000"/>
                     </a:solidFill>
@@ -10000,7 +10005,7 @@
               </a:ln>
               <a:extLst>
                 <a:ext uri="{91240B29-F687-4f45-9708-019B960494DF}">
-                  <a14:hiddenLine xmlns="" xmlns:a14="http://schemas.microsoft.com/office/drawing/2010/main" w="9525">
+                  <a14:hiddenLine xmlns:a14="http://schemas.microsoft.com/office/drawing/2010/main" xmlns="" w="9525">
                     <a:solidFill>
                       <a:srgbClr val="000000"/>
                     </a:solidFill>
@@ -10062,7 +10067,7 @@
               </a:ln>
               <a:extLst>
                 <a:ext uri="{91240B29-F687-4f45-9708-019B960494DF}">
-                  <a14:hiddenLine xmlns="" xmlns:a14="http://schemas.microsoft.com/office/drawing/2010/main" w="9525">
+                  <a14:hiddenLine xmlns:a14="http://schemas.microsoft.com/office/drawing/2010/main" xmlns="" w="9525">
                     <a:solidFill>
                       <a:srgbClr val="000000"/>
                     </a:solidFill>
@@ -10124,7 +10129,7 @@
               </a:ln>
               <a:extLst>
                 <a:ext uri="{91240B29-F687-4f45-9708-019B960494DF}">
-                  <a14:hiddenLine xmlns="" xmlns:a14="http://schemas.microsoft.com/office/drawing/2010/main" w="9525">
+                  <a14:hiddenLine xmlns:a14="http://schemas.microsoft.com/office/drawing/2010/main" xmlns="" w="9525">
                     <a:solidFill>
                       <a:srgbClr val="000000"/>
                     </a:solidFill>
@@ -10214,7 +10219,7 @@
               </a:ln>
               <a:extLst>
                 <a:ext uri="{91240B29-F687-4f45-9708-019B960494DF}">
-                  <a14:hiddenLine xmlns="" xmlns:a14="http://schemas.microsoft.com/office/drawing/2010/main" w="9525">
+                  <a14:hiddenLine xmlns:a14="http://schemas.microsoft.com/office/drawing/2010/main" xmlns="" w="9525">
                     <a:solidFill>
                       <a:srgbClr val="000000"/>
                     </a:solidFill>
@@ -10248,7 +10253,7 @@
               </a:ln>
               <a:extLst>
                 <a:ext uri="{91240B29-F687-4f45-9708-019B960494DF}">
-                  <a14:hiddenLine xmlns="" xmlns:a14="http://schemas.microsoft.com/office/drawing/2010/main" w="9525">
+                  <a14:hiddenLine xmlns:a14="http://schemas.microsoft.com/office/drawing/2010/main" xmlns="" w="9525">
                     <a:solidFill>
                       <a:srgbClr val="000000"/>
                     </a:solidFill>
@@ -10313,7 +10318,7 @@
               </a:ln>
               <a:extLst>
                 <a:ext uri="{91240B29-F687-4f45-9708-019B960494DF}">
-                  <a14:hiddenLine xmlns="" xmlns:a14="http://schemas.microsoft.com/office/drawing/2010/main" w="9525">
+                  <a14:hiddenLine xmlns:a14="http://schemas.microsoft.com/office/drawing/2010/main" xmlns="" w="9525">
                     <a:solidFill>
                       <a:srgbClr val="000000"/>
                     </a:solidFill>
@@ -10403,7 +10408,7 @@
               </a:ln>
               <a:extLst>
                 <a:ext uri="{91240B29-F687-4f45-9708-019B960494DF}">
-                  <a14:hiddenLine xmlns="" xmlns:a14="http://schemas.microsoft.com/office/drawing/2010/main" w="9525">
+                  <a14:hiddenLine xmlns:a14="http://schemas.microsoft.com/office/drawing/2010/main" xmlns="" w="9525">
                     <a:solidFill>
                       <a:srgbClr val="000000"/>
                     </a:solidFill>
@@ -10465,7 +10470,7 @@
               </a:ln>
               <a:extLst>
                 <a:ext uri="{91240B29-F687-4f45-9708-019B960494DF}">
-                  <a14:hiddenLine xmlns="" xmlns:a14="http://schemas.microsoft.com/office/drawing/2010/main" w="9525">
+                  <a14:hiddenLine xmlns:a14="http://schemas.microsoft.com/office/drawing/2010/main" xmlns="" w="9525">
                     <a:solidFill>
                       <a:srgbClr val="000000"/>
                     </a:solidFill>
@@ -10555,7 +10560,7 @@
               </a:ln>
               <a:extLst>
                 <a:ext uri="{91240B29-F687-4f45-9708-019B960494DF}">
-                  <a14:hiddenLine xmlns="" xmlns:a14="http://schemas.microsoft.com/office/drawing/2010/main" w="9525">
+                  <a14:hiddenLine xmlns:a14="http://schemas.microsoft.com/office/drawing/2010/main" xmlns="" w="9525">
                     <a:solidFill>
                       <a:srgbClr val="000000"/>
                     </a:solidFill>
@@ -10620,7 +10625,7 @@
               </a:ln>
               <a:extLst>
                 <a:ext uri="{91240B29-F687-4f45-9708-019B960494DF}">
-                  <a14:hiddenLine xmlns="" xmlns:a14="http://schemas.microsoft.com/office/drawing/2010/main" w="9525">
+                  <a14:hiddenLine xmlns:a14="http://schemas.microsoft.com/office/drawing/2010/main" xmlns="" w="9525">
                     <a:solidFill>
                       <a:srgbClr val="000000"/>
                     </a:solidFill>
@@ -10682,7 +10687,7 @@
               </a:ln>
               <a:extLst>
                 <a:ext uri="{91240B29-F687-4f45-9708-019B960494DF}">
-                  <a14:hiddenLine xmlns="" xmlns:a14="http://schemas.microsoft.com/office/drawing/2010/main" w="9525">
+                  <a14:hiddenLine xmlns:a14="http://schemas.microsoft.com/office/drawing/2010/main" xmlns="" w="9525">
                     <a:solidFill>
                       <a:srgbClr val="000000"/>
                     </a:solidFill>
@@ -10772,7 +10777,7 @@
               </a:ln>
               <a:extLst>
                 <a:ext uri="{91240B29-F687-4f45-9708-019B960494DF}">
-                  <a14:hiddenLine xmlns="" xmlns:a14="http://schemas.microsoft.com/office/drawing/2010/main" w="9525">
+                  <a14:hiddenLine xmlns:a14="http://schemas.microsoft.com/office/drawing/2010/main" xmlns="" w="9525">
                     <a:solidFill>
                       <a:srgbClr val="000000"/>
                     </a:solidFill>
@@ -10862,7 +10867,7 @@
               </a:ln>
               <a:extLst>
                 <a:ext uri="{91240B29-F687-4f45-9708-019B960494DF}">
-                  <a14:hiddenLine xmlns="" xmlns:a14="http://schemas.microsoft.com/office/drawing/2010/main" w="9525">
+                  <a14:hiddenLine xmlns:a14="http://schemas.microsoft.com/office/drawing/2010/main" xmlns="" w="9525">
                     <a:solidFill>
                       <a:srgbClr val="000000"/>
                     </a:solidFill>
@@ -10927,7 +10932,7 @@
               </a:ln>
               <a:extLst>
                 <a:ext uri="{91240B29-F687-4f45-9708-019B960494DF}">
-                  <a14:hiddenLine xmlns="" xmlns:a14="http://schemas.microsoft.com/office/drawing/2010/main" w="9525">
+                  <a14:hiddenLine xmlns:a14="http://schemas.microsoft.com/office/drawing/2010/main" xmlns="" w="9525">
                     <a:solidFill>
                       <a:srgbClr val="000000"/>
                     </a:solidFill>
@@ -11047,7 +11052,7 @@
               </a:ln>
               <a:extLst>
                 <a:ext uri="{91240B29-F687-4f45-9708-019B960494DF}">
-                  <a14:hiddenLine xmlns="" xmlns:a14="http://schemas.microsoft.com/office/drawing/2010/main" w="9525">
+                  <a14:hiddenLine xmlns:a14="http://schemas.microsoft.com/office/drawing/2010/main" xmlns="" w="9525">
                     <a:solidFill>
                       <a:srgbClr val="000000"/>
                     </a:solidFill>
@@ -11145,7 +11150,7 @@
               </a:ln>
               <a:extLst>
                 <a:ext uri="{91240B29-F687-4f45-9708-019B960494DF}">
-                  <a14:hiddenLine xmlns="" xmlns:a14="http://schemas.microsoft.com/office/drawing/2010/main" w="9525">
+                  <a14:hiddenLine xmlns:a14="http://schemas.microsoft.com/office/drawing/2010/main" xmlns="" w="9525">
                     <a:solidFill>
                       <a:srgbClr val="000000"/>
                     </a:solidFill>
@@ -11260,7 +11265,7 @@
               </a:ln>
               <a:extLst>
                 <a:ext uri="{91240B29-F687-4f45-9708-019B960494DF}">
-                  <a14:hiddenLine xmlns="" xmlns:a14="http://schemas.microsoft.com/office/drawing/2010/main" w="9525">
+                  <a14:hiddenLine xmlns:a14="http://schemas.microsoft.com/office/drawing/2010/main" xmlns="" w="9525">
                     <a:solidFill>
                       <a:srgbClr val="000000"/>
                     </a:solidFill>
@@ -11350,7 +11355,7 @@
               </a:ln>
               <a:extLst>
                 <a:ext uri="{91240B29-F687-4f45-9708-019B960494DF}">
-                  <a14:hiddenLine xmlns="" xmlns:a14="http://schemas.microsoft.com/office/drawing/2010/main" w="9525">
+                  <a14:hiddenLine xmlns:a14="http://schemas.microsoft.com/office/drawing/2010/main" xmlns="" w="9525">
                     <a:solidFill>
                       <a:srgbClr val="000000"/>
                     </a:solidFill>
@@ -11415,7 +11420,7 @@
               </a:ln>
               <a:extLst>
                 <a:ext uri="{91240B29-F687-4f45-9708-019B960494DF}">
-                  <a14:hiddenLine xmlns="" xmlns:a14="http://schemas.microsoft.com/office/drawing/2010/main" w="9525">
+                  <a14:hiddenLine xmlns:a14="http://schemas.microsoft.com/office/drawing/2010/main" xmlns="" w="9525">
                     <a:solidFill>
                       <a:srgbClr val="000000"/>
                     </a:solidFill>
@@ -11505,7 +11510,7 @@
               </a:ln>
               <a:extLst>
                 <a:ext uri="{91240B29-F687-4f45-9708-019B960494DF}">
-                  <a14:hiddenLine xmlns="" xmlns:a14="http://schemas.microsoft.com/office/drawing/2010/main" w="9525">
+                  <a14:hiddenLine xmlns:a14="http://schemas.microsoft.com/office/drawing/2010/main" xmlns="" w="9525">
                     <a:solidFill>
                       <a:srgbClr val="000000"/>
                     </a:solidFill>
@@ -11573,7 +11578,7 @@
               </a:ln>
               <a:extLst>
                 <a:ext uri="{91240B29-F687-4f45-9708-019B960494DF}">
-                  <a14:hiddenLine xmlns="" xmlns:a14="http://schemas.microsoft.com/office/drawing/2010/main" w="9525">
+                  <a14:hiddenLine xmlns:a14="http://schemas.microsoft.com/office/drawing/2010/main" xmlns="" w="9525">
                     <a:solidFill>
                       <a:srgbClr val="000000"/>
                     </a:solidFill>
@@ -11663,7 +11668,7 @@
               </a:ln>
               <a:extLst>
                 <a:ext uri="{91240B29-F687-4f45-9708-019B960494DF}">
-                  <a14:hiddenLine xmlns="" xmlns:a14="http://schemas.microsoft.com/office/drawing/2010/main" w="9525">
+                  <a14:hiddenLine xmlns:a14="http://schemas.microsoft.com/office/drawing/2010/main" xmlns="" w="9525">
                     <a:solidFill>
                       <a:srgbClr val="000000"/>
                     </a:solidFill>
@@ -11731,7 +11736,7 @@
               </a:ln>
               <a:extLst>
                 <a:ext uri="{91240B29-F687-4f45-9708-019B960494DF}">
-                  <a14:hiddenLine xmlns="" xmlns:a14="http://schemas.microsoft.com/office/drawing/2010/main" w="9525">
+                  <a14:hiddenLine xmlns:a14="http://schemas.microsoft.com/office/drawing/2010/main" xmlns="" w="9525">
                     <a:solidFill>
                       <a:srgbClr val="000000"/>
                     </a:solidFill>
@@ -11821,7 +11826,7 @@
               </a:ln>
               <a:extLst>
                 <a:ext uri="{91240B29-F687-4f45-9708-019B960494DF}">
-                  <a14:hiddenLine xmlns="" xmlns:a14="http://schemas.microsoft.com/office/drawing/2010/main" w="9525">
+                  <a14:hiddenLine xmlns:a14="http://schemas.microsoft.com/office/drawing/2010/main" xmlns="" w="9525">
                     <a:solidFill>
                       <a:srgbClr val="000000"/>
                     </a:solidFill>
@@ -11855,7 +11860,7 @@
               </a:ln>
               <a:extLst>
                 <a:ext uri="{91240B29-F687-4f45-9708-019B960494DF}">
-                  <a14:hiddenLine xmlns="" xmlns:a14="http://schemas.microsoft.com/office/drawing/2010/main" w="9525">
+                  <a14:hiddenLine xmlns:a14="http://schemas.microsoft.com/office/drawing/2010/main" xmlns="" w="9525">
                     <a:solidFill>
                       <a:srgbClr val="000000"/>
                     </a:solidFill>
@@ -11996,7 +12001,7 @@
             <a:fld id="{48A87A34-81AB-432B-8DAE-1953F412C126}" type="datetimeFigureOut">
               <a:rPr lang="en-US" dirty="0"/>
               <a:pPr/>
-              <a:t>11/2/2022</a:t>
+              <a:t>11/3/2022</a:t>
             </a:fld>
             <a:endParaRPr lang="en-US" dirty="0"/>
           </a:p>
@@ -18700,6 +18705,631 @@
 </p:sld>
 </file>
 
+<file path=ppt/slides/slide52.xml><?xml version="1.0" encoding="utf-8"?>
+<p:sld xmlns:a="http://schemas.openxmlformats.org/drawingml/2006/main" xmlns:r="http://schemas.openxmlformats.org/officeDocument/2006/relationships" xmlns:p="http://schemas.openxmlformats.org/presentationml/2006/main">
+  <p:cSld>
+    <p:spTree>
+      <p:nvGrpSpPr>
+        <p:cNvPr id="1" name=""/>
+        <p:cNvGrpSpPr/>
+        <p:nvPr/>
+      </p:nvGrpSpPr>
+      <p:grpSpPr>
+        <a:xfrm>
+          <a:off x="0" y="0"/>
+          <a:ext cx="0" cy="0"/>
+          <a:chOff x="0" y="0"/>
+          <a:chExt cx="0" cy="0"/>
+        </a:xfrm>
+      </p:grpSpPr>
+      <p:sp>
+        <p:nvSpPr>
+          <p:cNvPr id="2" name="Title 1"/>
+          <p:cNvSpPr>
+            <a:spLocks noGrp="1"/>
+          </p:cNvSpPr>
+          <p:nvPr>
+            <p:ph type="title"/>
+          </p:nvPr>
+        </p:nvSpPr>
+        <p:spPr>
+          <a:xfrm>
+            <a:off x="1129250" y="240763"/>
+            <a:ext cx="9905998" cy="718570"/>
+          </a:xfrm>
+        </p:spPr>
+        <p:txBody>
+          <a:bodyPr/>
+          <a:lstStyle/>
+          <a:p>
+            <a:r>
+              <a:rPr lang="sr-Latn-RS" dirty="0" smtClean="0"/>
+              <a:t>Slanje json podataka</a:t>
+            </a:r>
+            <a:endParaRPr lang="en-US" dirty="0"/>
+          </a:p>
+        </p:txBody>
+      </p:sp>
+      <p:sp>
+        <p:nvSpPr>
+          <p:cNvPr id="3" name="Content Placeholder 2"/>
+          <p:cNvSpPr>
+            <a:spLocks noGrp="1"/>
+          </p:cNvSpPr>
+          <p:nvPr>
+            <p:ph idx="1"/>
+          </p:nvPr>
+        </p:nvSpPr>
+        <p:spPr>
+          <a:xfrm>
+            <a:off x="899871" y="974307"/>
+            <a:ext cx="9905999" cy="3541714"/>
+          </a:xfrm>
+        </p:spPr>
+        <p:txBody>
+          <a:bodyPr/>
+          <a:lstStyle/>
+          <a:p>
+            <a:r>
+              <a:rPr lang="sr-Latn-RS" dirty="0" smtClean="0"/>
+              <a:t>Da bi u responsu slali json podatke koristimo metodu json nad res objektom.</a:t>
+            </a:r>
+          </a:p>
+        </p:txBody>
+      </p:sp>
+      <p:pic>
+        <p:nvPicPr>
+          <p:cNvPr id="5" name="Picture 4"/>
+          <p:cNvPicPr>
+            <a:picLocks noChangeAspect="1"/>
+          </p:cNvPicPr>
+          <p:nvPr/>
+        </p:nvPicPr>
+        <p:blipFill>
+          <a:blip r:embed="rId2"/>
+          <a:stretch>
+            <a:fillRect/>
+          </a:stretch>
+        </p:blipFill>
+        <p:spPr>
+          <a:xfrm>
+            <a:off x="132119" y="4104798"/>
+            <a:ext cx="11900261" cy="2632432"/>
+          </a:xfrm>
+          <a:prstGeom prst="rect">
+            <a:avLst/>
+          </a:prstGeom>
+        </p:spPr>
+      </p:pic>
+      <p:pic>
+        <p:nvPicPr>
+          <p:cNvPr id="6" name="Picture 5"/>
+          <p:cNvPicPr>
+            <a:picLocks noChangeAspect="1"/>
+          </p:cNvPicPr>
+          <p:nvPr/>
+        </p:nvPicPr>
+        <p:blipFill>
+          <a:blip r:embed="rId3"/>
+          <a:stretch>
+            <a:fillRect/>
+          </a:stretch>
+        </p:blipFill>
+        <p:spPr>
+          <a:xfrm>
+            <a:off x="1600744" y="1675026"/>
+            <a:ext cx="8504254" cy="2312058"/>
+          </a:xfrm>
+          <a:prstGeom prst="rect">
+            <a:avLst/>
+          </a:prstGeom>
+        </p:spPr>
+      </p:pic>
+    </p:spTree>
+    <p:extLst>
+      <p:ext uri="{BB962C8B-B14F-4D97-AF65-F5344CB8AC3E}">
+        <p14:creationId xmlns:p14="http://schemas.microsoft.com/office/powerpoint/2010/main" val="4162167978"/>
+      </p:ext>
+    </p:extLst>
+  </p:cSld>
+  <p:clrMapOvr>
+    <a:masterClrMapping/>
+  </p:clrMapOvr>
+</p:sld>
+</file>
+
+<file path=ppt/slides/slide53.xml><?xml version="1.0" encoding="utf-8"?>
+<p:sld xmlns:a="http://schemas.openxmlformats.org/drawingml/2006/main" xmlns:r="http://schemas.openxmlformats.org/officeDocument/2006/relationships" xmlns:p="http://schemas.openxmlformats.org/presentationml/2006/main">
+  <p:cSld>
+    <p:spTree>
+      <p:nvGrpSpPr>
+        <p:cNvPr id="1" name=""/>
+        <p:cNvGrpSpPr/>
+        <p:nvPr/>
+      </p:nvGrpSpPr>
+      <p:grpSpPr>
+        <a:xfrm>
+          <a:off x="0" y="0"/>
+          <a:ext cx="0" cy="0"/>
+          <a:chOff x="0" y="0"/>
+          <a:chExt cx="0" cy="0"/>
+        </a:xfrm>
+      </p:grpSpPr>
+      <p:sp>
+        <p:nvSpPr>
+          <p:cNvPr id="3" name="Content Placeholder 2"/>
+          <p:cNvSpPr>
+            <a:spLocks noGrp="1"/>
+          </p:cNvSpPr>
+          <p:nvPr>
+            <p:ph idx="1"/>
+          </p:nvPr>
+        </p:nvSpPr>
+        <p:spPr>
+          <a:xfrm>
+            <a:off x="1141412" y="655608"/>
+            <a:ext cx="9905999" cy="5135593"/>
+          </a:xfrm>
+        </p:spPr>
+        <p:txBody>
+          <a:bodyPr/>
+          <a:lstStyle/>
+          <a:p>
+            <a:r>
+              <a:rPr lang="sr-Latn-RS" dirty="0" smtClean="0"/>
+              <a:t>Kako sada da dobijemo detaljnije informacije o specifičnom korisniku? Jedan od načina je da smestimo njegov id u query string (url?id=2)</a:t>
+            </a:r>
+          </a:p>
+          <a:p>
+            <a:r>
+              <a:rPr lang="sr-Latn-RS" dirty="0" smtClean="0"/>
+              <a:t>Da bi pristupili parametrima unutar query-ja koristimo req.query</a:t>
+            </a:r>
+            <a:endParaRPr lang="en-US" dirty="0"/>
+          </a:p>
+        </p:txBody>
+      </p:sp>
+      <p:pic>
+        <p:nvPicPr>
+          <p:cNvPr id="4" name="Picture 3"/>
+          <p:cNvPicPr>
+            <a:picLocks noChangeAspect="1"/>
+          </p:cNvPicPr>
+          <p:nvPr/>
+        </p:nvPicPr>
+        <p:blipFill>
+          <a:blip r:embed="rId2"/>
+          <a:stretch>
+            <a:fillRect/>
+          </a:stretch>
+        </p:blipFill>
+        <p:spPr>
+          <a:xfrm>
+            <a:off x="0" y="2186077"/>
+            <a:ext cx="11991975" cy="2209800"/>
+          </a:xfrm>
+          <a:prstGeom prst="rect">
+            <a:avLst/>
+          </a:prstGeom>
+        </p:spPr>
+      </p:pic>
+      <p:pic>
+        <p:nvPicPr>
+          <p:cNvPr id="5" name="Picture 4"/>
+          <p:cNvPicPr>
+            <a:picLocks noChangeAspect="1"/>
+          </p:cNvPicPr>
+          <p:nvPr/>
+        </p:nvPicPr>
+        <p:blipFill>
+          <a:blip r:embed="rId3"/>
+          <a:stretch>
+            <a:fillRect/>
+          </a:stretch>
+        </p:blipFill>
+        <p:spPr>
+          <a:xfrm>
+            <a:off x="-100013" y="4283018"/>
+            <a:ext cx="12192000" cy="1362965"/>
+          </a:xfrm>
+          <a:prstGeom prst="rect">
+            <a:avLst/>
+          </a:prstGeom>
+        </p:spPr>
+      </p:pic>
+      <p:pic>
+        <p:nvPicPr>
+          <p:cNvPr id="6" name="Picture 5"/>
+          <p:cNvPicPr>
+            <a:picLocks noChangeAspect="1"/>
+          </p:cNvPicPr>
+          <p:nvPr/>
+        </p:nvPicPr>
+        <p:blipFill>
+          <a:blip r:embed="rId4"/>
+          <a:stretch>
+            <a:fillRect/>
+          </a:stretch>
+        </p:blipFill>
+        <p:spPr>
+          <a:xfrm>
+            <a:off x="3363493" y="5524500"/>
+            <a:ext cx="4619625" cy="1333500"/>
+          </a:xfrm>
+          <a:prstGeom prst="rect">
+            <a:avLst/>
+          </a:prstGeom>
+        </p:spPr>
+      </p:pic>
+    </p:spTree>
+    <p:extLst>
+      <p:ext uri="{BB962C8B-B14F-4D97-AF65-F5344CB8AC3E}">
+        <p14:creationId xmlns:p14="http://schemas.microsoft.com/office/powerpoint/2010/main" val="1021861696"/>
+      </p:ext>
+    </p:extLst>
+  </p:cSld>
+  <p:clrMapOvr>
+    <a:masterClrMapping/>
+  </p:clrMapOvr>
+</p:sld>
+</file>
+
+<file path=ppt/slides/slide54.xml><?xml version="1.0" encoding="utf-8"?>
+<p:sld xmlns:a="http://schemas.openxmlformats.org/drawingml/2006/main" xmlns:r="http://schemas.openxmlformats.org/officeDocument/2006/relationships" xmlns:p="http://schemas.openxmlformats.org/presentationml/2006/main">
+  <p:cSld>
+    <p:spTree>
+      <p:nvGrpSpPr>
+        <p:cNvPr id="1" name=""/>
+        <p:cNvGrpSpPr/>
+        <p:nvPr/>
+      </p:nvGrpSpPr>
+      <p:grpSpPr>
+        <a:xfrm>
+          <a:off x="0" y="0"/>
+          <a:ext cx="0" cy="0"/>
+          <a:chOff x="0" y="0"/>
+          <a:chExt cx="0" cy="0"/>
+        </a:xfrm>
+      </p:grpSpPr>
+      <p:sp>
+        <p:nvSpPr>
+          <p:cNvPr id="3" name="Content Placeholder 2"/>
+          <p:cNvSpPr>
+            <a:spLocks noGrp="1"/>
+          </p:cNvSpPr>
+          <p:nvPr>
+            <p:ph idx="1"/>
+          </p:nvPr>
+        </p:nvSpPr>
+        <p:spPr>
+          <a:xfrm>
+            <a:off x="1141410" y="77638"/>
+            <a:ext cx="9905999" cy="5049329"/>
+          </a:xfrm>
+        </p:spPr>
+        <p:txBody>
+          <a:bodyPr/>
+          <a:lstStyle/>
+          <a:p>
+            <a:r>
+              <a:rPr lang="sr-Latn-RS" dirty="0" smtClean="0"/>
+              <a:t>Drugi način bio bi da koristimo parametre rute. Ovaj način se najviše i koristi i možete ga videti svuda. Primeri: github.com/MihajloMilojevic, github.com/Kaludevinstagram.com</a:t>
+            </a:r>
+            <a:r>
+              <a:rPr lang="sr-Latn-RS" dirty="0"/>
+              <a:t>/___shuky</a:t>
+            </a:r>
+            <a:r>
+              <a:rPr lang="sr-Latn-RS" dirty="0" smtClean="0"/>
+              <a:t>_/...</a:t>
+            </a:r>
+          </a:p>
+          <a:p>
+            <a:r>
+              <a:rPr lang="sr-Latn-RS" dirty="0" smtClean="0"/>
+              <a:t>Da bi kreirali parametar rute potrebno je da stavimo : ispred imena parametra unutar rute, a da bi im pristupili koristimo req.params</a:t>
+            </a:r>
+            <a:endParaRPr lang="en-US" dirty="0"/>
+          </a:p>
+        </p:txBody>
+      </p:sp>
+      <p:pic>
+        <p:nvPicPr>
+          <p:cNvPr id="4" name="Picture 3"/>
+          <p:cNvPicPr>
+            <a:picLocks noChangeAspect="1"/>
+          </p:cNvPicPr>
+          <p:nvPr/>
+        </p:nvPicPr>
+        <p:blipFill>
+          <a:blip r:embed="rId2"/>
+          <a:stretch>
+            <a:fillRect/>
+          </a:stretch>
+        </p:blipFill>
+        <p:spPr>
+          <a:xfrm>
+            <a:off x="126996" y="2476410"/>
+            <a:ext cx="11934825" cy="2181225"/>
+          </a:xfrm>
+          <a:prstGeom prst="rect">
+            <a:avLst/>
+          </a:prstGeom>
+        </p:spPr>
+      </p:pic>
+      <p:pic>
+        <p:nvPicPr>
+          <p:cNvPr id="5" name="Picture 4"/>
+          <p:cNvPicPr>
+            <a:picLocks noChangeAspect="1"/>
+          </p:cNvPicPr>
+          <p:nvPr/>
+        </p:nvPicPr>
+        <p:blipFill>
+          <a:blip r:embed="rId3"/>
+          <a:stretch>
+            <a:fillRect/>
+          </a:stretch>
+        </p:blipFill>
+        <p:spPr>
+          <a:xfrm>
+            <a:off x="964566" y="4584639"/>
+            <a:ext cx="10724226" cy="1084655"/>
+          </a:xfrm>
+          <a:prstGeom prst="rect">
+            <a:avLst/>
+          </a:prstGeom>
+        </p:spPr>
+      </p:pic>
+      <p:pic>
+        <p:nvPicPr>
+          <p:cNvPr id="6" name="Picture 5"/>
+          <p:cNvPicPr>
+            <a:picLocks noChangeAspect="1"/>
+          </p:cNvPicPr>
+          <p:nvPr/>
+        </p:nvPicPr>
+        <p:blipFill>
+          <a:blip r:embed="rId4"/>
+          <a:stretch>
+            <a:fillRect/>
+          </a:stretch>
+        </p:blipFill>
+        <p:spPr>
+          <a:xfrm>
+            <a:off x="3599820" y="5669294"/>
+            <a:ext cx="3663621" cy="1160008"/>
+          </a:xfrm>
+          <a:prstGeom prst="rect">
+            <a:avLst/>
+          </a:prstGeom>
+        </p:spPr>
+      </p:pic>
+    </p:spTree>
+    <p:extLst>
+      <p:ext uri="{BB962C8B-B14F-4D97-AF65-F5344CB8AC3E}">
+        <p14:creationId xmlns:p14="http://schemas.microsoft.com/office/powerpoint/2010/main" val="1886388546"/>
+      </p:ext>
+    </p:extLst>
+  </p:cSld>
+  <p:clrMapOvr>
+    <a:masterClrMapping/>
+  </p:clrMapOvr>
+</p:sld>
+</file>
+
+<file path=ppt/slides/slide55.xml><?xml version="1.0" encoding="utf-8"?>
+<p:sld xmlns:a="http://schemas.openxmlformats.org/drawingml/2006/main" xmlns:r="http://schemas.openxmlformats.org/officeDocument/2006/relationships" xmlns:p="http://schemas.openxmlformats.org/presentationml/2006/main">
+  <p:cSld>
+    <p:spTree>
+      <p:nvGrpSpPr>
+        <p:cNvPr id="1" name=""/>
+        <p:cNvGrpSpPr/>
+        <p:nvPr/>
+      </p:nvGrpSpPr>
+      <p:grpSpPr>
+        <a:xfrm>
+          <a:off x="0" y="0"/>
+          <a:ext cx="0" cy="0"/>
+          <a:chOff x="0" y="0"/>
+          <a:chExt cx="0" cy="0"/>
+        </a:xfrm>
+      </p:grpSpPr>
+      <p:sp>
+        <p:nvSpPr>
+          <p:cNvPr id="3" name="Content Placeholder 2"/>
+          <p:cNvSpPr>
+            <a:spLocks noGrp="1"/>
+          </p:cNvSpPr>
+          <p:nvPr>
+            <p:ph idx="1"/>
+          </p:nvPr>
+        </p:nvSpPr>
+        <p:spPr>
+          <a:xfrm>
+            <a:off x="1141412" y="698740"/>
+            <a:ext cx="9905999" cy="5092461"/>
+          </a:xfrm>
+        </p:spPr>
+        <p:txBody>
+          <a:bodyPr/>
+          <a:lstStyle/>
+          <a:p>
+            <a:r>
+              <a:rPr lang="sr-Latn-RS" dirty="0" smtClean="0"/>
+              <a:t>Kako broj api endpointa raste nas app.js fajl postaje sve veći i teži za čitanje. Zato je u expressu uveden ruter. Ruter nam omogućava da kreiramo rute sa istim prefiksom. Ruteri se obično smeštaju u folder routers a da bi ih korisili koristimo app.use.</a:t>
+            </a:r>
+            <a:endParaRPr lang="en-US" dirty="0"/>
+          </a:p>
+        </p:txBody>
+      </p:sp>
+      <p:pic>
+        <p:nvPicPr>
+          <p:cNvPr id="4" name="Picture 3"/>
+          <p:cNvPicPr>
+            <a:picLocks noChangeAspect="1"/>
+          </p:cNvPicPr>
+          <p:nvPr/>
+        </p:nvPicPr>
+        <p:blipFill>
+          <a:blip r:embed="rId2"/>
+          <a:stretch>
+            <a:fillRect/>
+          </a:stretch>
+        </p:blipFill>
+        <p:spPr>
+          <a:xfrm>
+            <a:off x="66944" y="2589055"/>
+            <a:ext cx="5909695" cy="3449435"/>
+          </a:xfrm>
+          <a:prstGeom prst="rect">
+            <a:avLst/>
+          </a:prstGeom>
+        </p:spPr>
+      </p:pic>
+      <p:pic>
+        <p:nvPicPr>
+          <p:cNvPr id="5" name="Picture 4"/>
+          <p:cNvPicPr>
+            <a:picLocks noChangeAspect="1"/>
+          </p:cNvPicPr>
+          <p:nvPr/>
+        </p:nvPicPr>
+        <p:blipFill>
+          <a:blip r:embed="rId3"/>
+          <a:stretch>
+            <a:fillRect/>
+          </a:stretch>
+        </p:blipFill>
+        <p:spPr>
+          <a:xfrm>
+            <a:off x="6014738" y="2589055"/>
+            <a:ext cx="5943239" cy="3449435"/>
+          </a:xfrm>
+          <a:prstGeom prst="rect">
+            <a:avLst/>
+          </a:prstGeom>
+        </p:spPr>
+      </p:pic>
+    </p:spTree>
+    <p:extLst>
+      <p:ext uri="{BB962C8B-B14F-4D97-AF65-F5344CB8AC3E}">
+        <p14:creationId xmlns:p14="http://schemas.microsoft.com/office/powerpoint/2010/main" val="2570263776"/>
+      </p:ext>
+    </p:extLst>
+  </p:cSld>
+  <p:clrMapOvr>
+    <a:masterClrMapping/>
+  </p:clrMapOvr>
+</p:sld>
+</file>
+
+<file path=ppt/slides/slide56.xml><?xml version="1.0" encoding="utf-8"?>
+<p:sld xmlns:a="http://schemas.openxmlformats.org/drawingml/2006/main" xmlns:r="http://schemas.openxmlformats.org/officeDocument/2006/relationships" xmlns:p="http://schemas.openxmlformats.org/presentationml/2006/main">
+  <p:cSld>
+    <p:spTree>
+      <p:nvGrpSpPr>
+        <p:cNvPr id="1" name=""/>
+        <p:cNvGrpSpPr/>
+        <p:nvPr/>
+      </p:nvGrpSpPr>
+      <p:grpSpPr>
+        <a:xfrm>
+          <a:off x="0" y="0"/>
+          <a:ext cx="0" cy="0"/>
+          <a:chOff x="0" y="0"/>
+          <a:chExt cx="0" cy="0"/>
+        </a:xfrm>
+      </p:grpSpPr>
+      <p:sp>
+        <p:nvSpPr>
+          <p:cNvPr id="3" name="Content Placeholder 2"/>
+          <p:cNvSpPr>
+            <a:spLocks noGrp="1"/>
+          </p:cNvSpPr>
+          <p:nvPr>
+            <p:ph idx="1"/>
+          </p:nvPr>
+        </p:nvSpPr>
+        <p:spPr>
+          <a:xfrm>
+            <a:off x="1141412" y="707366"/>
+            <a:ext cx="9905999" cy="5083835"/>
+          </a:xfrm>
+        </p:spPr>
+        <p:txBody>
+          <a:bodyPr/>
+          <a:lstStyle/>
+          <a:p>
+            <a:r>
+              <a:rPr lang="sr-Latn-RS" dirty="0" smtClean="0"/>
+              <a:t>Asinhrone funkcije koje kao parametre primaju req i res se nazivaju kontolerima. Praksa je da se oni odvoje u posebne fajlove, kao i ruteri, i da se samo pozivaju unutar rutera gde su i potrebni. Tako naši fajlovi postaju manji, čitljiviji i sva logika se grupiše u odgovorajuće fajlove.</a:t>
+            </a:r>
+            <a:endParaRPr lang="en-US" dirty="0"/>
+          </a:p>
+        </p:txBody>
+      </p:sp>
+      <p:pic>
+        <p:nvPicPr>
+          <p:cNvPr id="4" name="Picture 3"/>
+          <p:cNvPicPr>
+            <a:picLocks noChangeAspect="1"/>
+          </p:cNvPicPr>
+          <p:nvPr/>
+        </p:nvPicPr>
+        <p:blipFill>
+          <a:blip r:embed="rId2"/>
+          <a:stretch>
+            <a:fillRect/>
+          </a:stretch>
+        </p:blipFill>
+        <p:spPr>
+          <a:xfrm>
+            <a:off x="177022" y="2560650"/>
+            <a:ext cx="5671687" cy="4012678"/>
+          </a:xfrm>
+          <a:prstGeom prst="rect">
+            <a:avLst/>
+          </a:prstGeom>
+        </p:spPr>
+      </p:pic>
+      <p:pic>
+        <p:nvPicPr>
+          <p:cNvPr id="5" name="Picture 4"/>
+          <p:cNvPicPr>
+            <a:picLocks noChangeAspect="1"/>
+          </p:cNvPicPr>
+          <p:nvPr/>
+        </p:nvPicPr>
+        <p:blipFill>
+          <a:blip r:embed="rId3"/>
+          <a:stretch>
+            <a:fillRect/>
+          </a:stretch>
+        </p:blipFill>
+        <p:spPr>
+          <a:xfrm>
+            <a:off x="5990599" y="2553418"/>
+            <a:ext cx="6021202" cy="4019910"/>
+          </a:xfrm>
+          <a:prstGeom prst="rect">
+            <a:avLst/>
+          </a:prstGeom>
+        </p:spPr>
+      </p:pic>
+    </p:spTree>
+    <p:extLst>
+      <p:ext uri="{BB962C8B-B14F-4D97-AF65-F5344CB8AC3E}">
+        <p14:creationId xmlns:p14="http://schemas.microsoft.com/office/powerpoint/2010/main" val="179325035"/>
+      </p:ext>
+    </p:extLst>
+  </p:cSld>
+  <p:clrMapOvr>
+    <a:masterClrMapping/>
+  </p:clrMapOvr>
+</p:sld>
+</file>
+
 <file path=ppt/slides/slide6.xml><?xml version="1.0" encoding="utf-8"?>
 <p:sld xmlns:a="http://schemas.openxmlformats.org/drawingml/2006/main" xmlns:r="http://schemas.openxmlformats.org/officeDocument/2006/relationships" xmlns:p="http://schemas.openxmlformats.org/presentationml/2006/main">
   <p:cSld>

--- a/Nodejs/Node.js - prezentacija.pptx
+++ b/Nodejs/Node.js - prezentacija.pptx
@@ -61,6 +61,14 @@
     <p:sldId id="309" r:id="rId55"/>
     <p:sldId id="310" r:id="rId56"/>
     <p:sldId id="311" r:id="rId57"/>
+    <p:sldId id="312" r:id="rId58"/>
+    <p:sldId id="313" r:id="rId59"/>
+    <p:sldId id="314" r:id="rId60"/>
+    <p:sldId id="315" r:id="rId61"/>
+    <p:sldId id="316" r:id="rId62"/>
+    <p:sldId id="317" r:id="rId63"/>
+    <p:sldId id="318" r:id="rId64"/>
+    <p:sldId id="319" r:id="rId65"/>
   </p:sldIdLst>
   <p:sldSz cx="12192000" cy="6858000"/>
   <p:notesSz cx="6858000" cy="9144000"/>
@@ -224,7 +232,7 @@
           <a:noFill/>
           <a:extLst>
             <a:ext uri="{909E8E84-426E-40dd-AFC4-6F175D3DCCD1}">
-              <a14:hiddenFill xmlns:a14="http://schemas.microsoft.com/office/drawing/2010/main" xmlns="">
+              <a14:hiddenFill xmlns="" xmlns:a14="http://schemas.microsoft.com/office/drawing/2010/main">
                 <a:solidFill>
                   <a:srgbClr val="FFFFFF"/>
                 </a:solidFill>
@@ -284,7 +292,7 @@
             </a:ln>
             <a:extLst>
               <a:ext uri="{91240B29-F687-4f45-9708-019B960494DF}">
-                <a14:hiddenLine xmlns:a14="http://schemas.microsoft.com/office/drawing/2010/main" xmlns="" w="9525">
+                <a14:hiddenLine xmlns="" xmlns:a14="http://schemas.microsoft.com/office/drawing/2010/main" w="9525">
                   <a:solidFill>
                     <a:srgbClr val="000000"/>
                   </a:solidFill>
@@ -374,7 +382,7 @@
             </a:ln>
             <a:extLst>
               <a:ext uri="{91240B29-F687-4f45-9708-019B960494DF}">
-                <a14:hiddenLine xmlns:a14="http://schemas.microsoft.com/office/drawing/2010/main" xmlns="" w="9525">
+                <a14:hiddenLine xmlns="" xmlns:a14="http://schemas.microsoft.com/office/drawing/2010/main" w="9525">
                   <a:solidFill>
                     <a:srgbClr val="000000"/>
                   </a:solidFill>
@@ -464,7 +472,7 @@
             </a:ln>
             <a:extLst>
               <a:ext uri="{91240B29-F687-4f45-9708-019B960494DF}">
-                <a14:hiddenLine xmlns:a14="http://schemas.microsoft.com/office/drawing/2010/main" xmlns="" w="9525">
+                <a14:hiddenLine xmlns="" xmlns:a14="http://schemas.microsoft.com/office/drawing/2010/main" w="9525">
                   <a:solidFill>
                     <a:srgbClr val="000000"/>
                   </a:solidFill>
@@ -498,7 +506,7 @@
             </a:ln>
             <a:extLst>
               <a:ext uri="{91240B29-F687-4f45-9708-019B960494DF}">
-                <a14:hiddenLine xmlns:a14="http://schemas.microsoft.com/office/drawing/2010/main" xmlns="" w="9525">
+                <a14:hiddenLine xmlns="" xmlns:a14="http://schemas.microsoft.com/office/drawing/2010/main" w="9525">
                   <a:solidFill>
                     <a:srgbClr val="000000"/>
                   </a:solidFill>
@@ -588,7 +596,7 @@
             </a:ln>
             <a:extLst>
               <a:ext uri="{91240B29-F687-4f45-9708-019B960494DF}">
-                <a14:hiddenLine xmlns:a14="http://schemas.microsoft.com/office/drawing/2010/main" xmlns="" w="9525">
+                <a14:hiddenLine xmlns="" xmlns:a14="http://schemas.microsoft.com/office/drawing/2010/main" w="9525">
                   <a:solidFill>
                     <a:srgbClr val="000000"/>
                   </a:solidFill>
@@ -650,7 +658,7 @@
             </a:ln>
             <a:extLst>
               <a:ext uri="{91240B29-F687-4f45-9708-019B960494DF}">
-                <a14:hiddenLine xmlns:a14="http://schemas.microsoft.com/office/drawing/2010/main" xmlns="" w="9525">
+                <a14:hiddenLine xmlns="" xmlns:a14="http://schemas.microsoft.com/office/drawing/2010/main" w="9525">
                   <a:solidFill>
                     <a:srgbClr val="000000"/>
                   </a:solidFill>
@@ -712,7 +720,7 @@
             </a:ln>
             <a:extLst>
               <a:ext uri="{91240B29-F687-4f45-9708-019B960494DF}">
-                <a14:hiddenLine xmlns:a14="http://schemas.microsoft.com/office/drawing/2010/main" xmlns="" w="9525">
+                <a14:hiddenLine xmlns="" xmlns:a14="http://schemas.microsoft.com/office/drawing/2010/main" w="9525">
                   <a:solidFill>
                     <a:srgbClr val="000000"/>
                   </a:solidFill>
@@ -802,7 +810,7 @@
             </a:ln>
             <a:extLst>
               <a:ext uri="{91240B29-F687-4f45-9708-019B960494DF}">
-                <a14:hiddenLine xmlns:a14="http://schemas.microsoft.com/office/drawing/2010/main" xmlns="" w="9525">
+                <a14:hiddenLine xmlns="" xmlns:a14="http://schemas.microsoft.com/office/drawing/2010/main" w="9525">
                   <a:solidFill>
                     <a:srgbClr val="000000"/>
                   </a:solidFill>
@@ -864,7 +872,7 @@
             </a:ln>
             <a:extLst>
               <a:ext uri="{91240B29-F687-4f45-9708-019B960494DF}">
-                <a14:hiddenLine xmlns:a14="http://schemas.microsoft.com/office/drawing/2010/main" xmlns="" w="9525">
+                <a14:hiddenLine xmlns="" xmlns:a14="http://schemas.microsoft.com/office/drawing/2010/main" w="9525">
                   <a:solidFill>
                     <a:srgbClr val="000000"/>
                   </a:solidFill>
@@ -926,7 +934,7 @@
             </a:ln>
             <a:extLst>
               <a:ext uri="{91240B29-F687-4f45-9708-019B960494DF}">
-                <a14:hiddenLine xmlns:a14="http://schemas.microsoft.com/office/drawing/2010/main" xmlns="" w="9525">
+                <a14:hiddenLine xmlns="" xmlns:a14="http://schemas.microsoft.com/office/drawing/2010/main" w="9525">
                   <a:solidFill>
                     <a:srgbClr val="000000"/>
                   </a:solidFill>
@@ -1016,7 +1024,7 @@
             </a:ln>
             <a:extLst>
               <a:ext uri="{91240B29-F687-4f45-9708-019B960494DF}">
-                <a14:hiddenLine xmlns:a14="http://schemas.microsoft.com/office/drawing/2010/main" xmlns="" w="9525">
+                <a14:hiddenLine xmlns="" xmlns:a14="http://schemas.microsoft.com/office/drawing/2010/main" w="9525">
                   <a:solidFill>
                     <a:srgbClr val="000000"/>
                   </a:solidFill>
@@ -1106,7 +1114,7 @@
             </a:ln>
             <a:extLst>
               <a:ext uri="{91240B29-F687-4f45-9708-019B960494DF}">
-                <a14:hiddenLine xmlns:a14="http://schemas.microsoft.com/office/drawing/2010/main" xmlns="" w="9525">
+                <a14:hiddenLine xmlns="" xmlns:a14="http://schemas.microsoft.com/office/drawing/2010/main" w="9525">
                   <a:solidFill>
                     <a:srgbClr val="000000"/>
                   </a:solidFill>
@@ -1168,7 +1176,7 @@
             </a:ln>
             <a:extLst>
               <a:ext uri="{91240B29-F687-4f45-9708-019B960494DF}">
-                <a14:hiddenLine xmlns:a14="http://schemas.microsoft.com/office/drawing/2010/main" xmlns="" w="9525">
+                <a14:hiddenLine xmlns="" xmlns:a14="http://schemas.microsoft.com/office/drawing/2010/main" w="9525">
                   <a:solidFill>
                     <a:srgbClr val="000000"/>
                   </a:solidFill>
@@ -1278,7 +1286,7 @@
             </a:ln>
             <a:extLst>
               <a:ext uri="{91240B29-F687-4f45-9708-019B960494DF}">
-                <a14:hiddenLine xmlns:a14="http://schemas.microsoft.com/office/drawing/2010/main" xmlns="" w="9525">
+                <a14:hiddenLine xmlns="" xmlns:a14="http://schemas.microsoft.com/office/drawing/2010/main" w="9525">
                   <a:solidFill>
                     <a:srgbClr val="000000"/>
                   </a:solidFill>
@@ -1340,7 +1348,7 @@
             </a:ln>
             <a:extLst>
               <a:ext uri="{91240B29-F687-4f45-9708-019B960494DF}">
-                <a14:hiddenLine xmlns:a14="http://schemas.microsoft.com/office/drawing/2010/main" xmlns="" w="9525">
+                <a14:hiddenLine xmlns="" xmlns:a14="http://schemas.microsoft.com/office/drawing/2010/main" w="9525">
                   <a:solidFill>
                     <a:srgbClr val="000000"/>
                   </a:solidFill>
@@ -1430,7 +1438,7 @@
             </a:ln>
             <a:extLst>
               <a:ext uri="{91240B29-F687-4f45-9708-019B960494DF}">
-                <a14:hiddenLine xmlns:a14="http://schemas.microsoft.com/office/drawing/2010/main" xmlns="" w="9525">
+                <a14:hiddenLine xmlns="" xmlns:a14="http://schemas.microsoft.com/office/drawing/2010/main" w="9525">
                   <a:solidFill>
                     <a:srgbClr val="000000"/>
                   </a:solidFill>
@@ -1520,7 +1528,7 @@
             </a:ln>
             <a:extLst>
               <a:ext uri="{91240B29-F687-4f45-9708-019B960494DF}">
-                <a14:hiddenLine xmlns:a14="http://schemas.microsoft.com/office/drawing/2010/main" xmlns="" w="9525">
+                <a14:hiddenLine xmlns="" xmlns:a14="http://schemas.microsoft.com/office/drawing/2010/main" w="9525">
                   <a:solidFill>
                     <a:srgbClr val="000000"/>
                   </a:solidFill>
@@ -1582,7 +1590,7 @@
             </a:ln>
             <a:extLst>
               <a:ext uri="{91240B29-F687-4f45-9708-019B960494DF}">
-                <a14:hiddenLine xmlns:a14="http://schemas.microsoft.com/office/drawing/2010/main" xmlns="" w="9525">
+                <a14:hiddenLine xmlns="" xmlns:a14="http://schemas.microsoft.com/office/drawing/2010/main" w="9525">
                   <a:solidFill>
                     <a:srgbClr val="000000"/>
                   </a:solidFill>
@@ -1672,7 +1680,7 @@
             </a:ln>
             <a:extLst>
               <a:ext uri="{91240B29-F687-4f45-9708-019B960494DF}">
-                <a14:hiddenLine xmlns:a14="http://schemas.microsoft.com/office/drawing/2010/main" xmlns="" w="9525">
+                <a14:hiddenLine xmlns="" xmlns:a14="http://schemas.microsoft.com/office/drawing/2010/main" w="9525">
                   <a:solidFill>
                     <a:srgbClr val="000000"/>
                   </a:solidFill>
@@ -1762,7 +1770,7 @@
             </a:ln>
             <a:extLst>
               <a:ext uri="{91240B29-F687-4f45-9708-019B960494DF}">
-                <a14:hiddenLine xmlns:a14="http://schemas.microsoft.com/office/drawing/2010/main" xmlns="" w="9525">
+                <a14:hiddenLine xmlns="" xmlns:a14="http://schemas.microsoft.com/office/drawing/2010/main" w="9525">
                   <a:solidFill>
                     <a:srgbClr val="000000"/>
                   </a:solidFill>
@@ -1818,7 +1826,7 @@
             </a:ln>
             <a:extLst>
               <a:ext uri="{91240B29-F687-4f45-9708-019B960494DF}">
-                <a14:hiddenLine xmlns:a14="http://schemas.microsoft.com/office/drawing/2010/main" xmlns="" w="9525">
+                <a14:hiddenLine xmlns="" xmlns:a14="http://schemas.microsoft.com/office/drawing/2010/main" w="9525">
                   <a:solidFill>
                     <a:srgbClr val="000000"/>
                   </a:solidFill>
@@ -1908,7 +1916,7 @@
             </a:ln>
             <a:extLst>
               <a:ext uri="{91240B29-F687-4f45-9708-019B960494DF}">
-                <a14:hiddenLine xmlns:a14="http://schemas.microsoft.com/office/drawing/2010/main" xmlns="" w="9525">
+                <a14:hiddenLine xmlns="" xmlns:a14="http://schemas.microsoft.com/office/drawing/2010/main" w="9525">
                   <a:solidFill>
                     <a:srgbClr val="000000"/>
                   </a:solidFill>
@@ -1964,7 +1972,7 @@
             </a:ln>
             <a:extLst>
               <a:ext uri="{91240B29-F687-4f45-9708-019B960494DF}">
-                <a14:hiddenLine xmlns:a14="http://schemas.microsoft.com/office/drawing/2010/main" xmlns="" w="9525">
+                <a14:hiddenLine xmlns="" xmlns:a14="http://schemas.microsoft.com/office/drawing/2010/main" w="9525">
                   <a:solidFill>
                     <a:srgbClr val="000000"/>
                   </a:solidFill>
@@ -2054,7 +2062,7 @@
             </a:ln>
             <a:extLst>
               <a:ext uri="{91240B29-F687-4f45-9708-019B960494DF}">
-                <a14:hiddenLine xmlns:a14="http://schemas.microsoft.com/office/drawing/2010/main" xmlns="" w="9525">
+                <a14:hiddenLine xmlns="" xmlns:a14="http://schemas.microsoft.com/office/drawing/2010/main" w="9525">
                   <a:solidFill>
                     <a:srgbClr val="000000"/>
                   </a:solidFill>
@@ -2122,7 +2130,7 @@
             </a:ln>
             <a:extLst>
               <a:ext uri="{91240B29-F687-4f45-9708-019B960494DF}">
-                <a14:hiddenLine xmlns:a14="http://schemas.microsoft.com/office/drawing/2010/main" xmlns="" w="9525">
+                <a14:hiddenLine xmlns="" xmlns:a14="http://schemas.microsoft.com/office/drawing/2010/main" w="9525">
                   <a:solidFill>
                     <a:srgbClr val="000000"/>
                   </a:solidFill>
@@ -2212,7 +2220,7 @@
             </a:ln>
             <a:extLst>
               <a:ext uri="{91240B29-F687-4f45-9708-019B960494DF}">
-                <a14:hiddenLine xmlns:a14="http://schemas.microsoft.com/office/drawing/2010/main" xmlns="" w="9525">
+                <a14:hiddenLine xmlns="" xmlns:a14="http://schemas.microsoft.com/office/drawing/2010/main" w="9525">
                   <a:solidFill>
                     <a:srgbClr val="000000"/>
                   </a:solidFill>
@@ -2280,7 +2288,7 @@
             </a:ln>
             <a:extLst>
               <a:ext uri="{91240B29-F687-4f45-9708-019B960494DF}">
-                <a14:hiddenLine xmlns:a14="http://schemas.microsoft.com/office/drawing/2010/main" xmlns="" w="9525">
+                <a14:hiddenLine xmlns="" xmlns:a14="http://schemas.microsoft.com/office/drawing/2010/main" w="9525">
                   <a:solidFill>
                     <a:srgbClr val="000000"/>
                   </a:solidFill>
@@ -2370,7 +2378,7 @@
             </a:ln>
             <a:extLst>
               <a:ext uri="{91240B29-F687-4f45-9708-019B960494DF}">
-                <a14:hiddenLine xmlns:a14="http://schemas.microsoft.com/office/drawing/2010/main" xmlns="" w="9525">
+                <a14:hiddenLine xmlns="" xmlns:a14="http://schemas.microsoft.com/office/drawing/2010/main" w="9525">
                   <a:solidFill>
                     <a:srgbClr val="000000"/>
                   </a:solidFill>
@@ -2404,7 +2412,7 @@
             </a:ln>
             <a:extLst>
               <a:ext uri="{91240B29-F687-4f45-9708-019B960494DF}">
-                <a14:hiddenLine xmlns:a14="http://schemas.microsoft.com/office/drawing/2010/main" xmlns="" w="9525">
+                <a14:hiddenLine xmlns="" xmlns:a14="http://schemas.microsoft.com/office/drawing/2010/main" w="9525">
                   <a:solidFill>
                     <a:srgbClr val="000000"/>
                   </a:solidFill>
@@ -2494,7 +2502,7 @@
             </a:ln>
             <a:extLst>
               <a:ext uri="{91240B29-F687-4f45-9708-019B960494DF}">
-                <a14:hiddenLine xmlns:a14="http://schemas.microsoft.com/office/drawing/2010/main" xmlns="" w="9525">
+                <a14:hiddenLine xmlns="" xmlns:a14="http://schemas.microsoft.com/office/drawing/2010/main" w="9525">
                   <a:solidFill>
                     <a:srgbClr val="000000"/>
                   </a:solidFill>
@@ -2556,7 +2564,7 @@
             </a:ln>
             <a:extLst>
               <a:ext uri="{91240B29-F687-4f45-9708-019B960494DF}">
-                <a14:hiddenLine xmlns:a14="http://schemas.microsoft.com/office/drawing/2010/main" xmlns="" w="9525">
+                <a14:hiddenLine xmlns="" xmlns:a14="http://schemas.microsoft.com/office/drawing/2010/main" w="9525">
                   <a:solidFill>
                     <a:srgbClr val="000000"/>
                   </a:solidFill>
@@ -2618,7 +2626,7 @@
             </a:ln>
             <a:extLst>
               <a:ext uri="{91240B29-F687-4f45-9708-019B960494DF}">
-                <a14:hiddenLine xmlns:a14="http://schemas.microsoft.com/office/drawing/2010/main" xmlns="" w="9525">
+                <a14:hiddenLine xmlns="" xmlns:a14="http://schemas.microsoft.com/office/drawing/2010/main" w="9525">
                   <a:solidFill>
                     <a:srgbClr val="000000"/>
                   </a:solidFill>
@@ -2708,7 +2716,7 @@
             </a:ln>
             <a:extLst>
               <a:ext uri="{91240B29-F687-4f45-9708-019B960494DF}">
-                <a14:hiddenLine xmlns:a14="http://schemas.microsoft.com/office/drawing/2010/main" xmlns="" w="9525">
+                <a14:hiddenLine xmlns="" xmlns:a14="http://schemas.microsoft.com/office/drawing/2010/main" w="9525">
                   <a:solidFill>
                     <a:srgbClr val="000000"/>
                   </a:solidFill>
@@ -2776,7 +2784,7 @@
             </a:ln>
             <a:extLst>
               <a:ext uri="{91240B29-F687-4f45-9708-019B960494DF}">
-                <a14:hiddenLine xmlns:a14="http://schemas.microsoft.com/office/drawing/2010/main" xmlns="" w="9525">
+                <a14:hiddenLine xmlns="" xmlns:a14="http://schemas.microsoft.com/office/drawing/2010/main" w="9525">
                   <a:solidFill>
                     <a:srgbClr val="000000"/>
                   </a:solidFill>
@@ -2838,7 +2846,7 @@
             </a:ln>
             <a:extLst>
               <a:ext uri="{91240B29-F687-4f45-9708-019B960494DF}">
-                <a14:hiddenLine xmlns:a14="http://schemas.microsoft.com/office/drawing/2010/main" xmlns="" w="9525">
+                <a14:hiddenLine xmlns="" xmlns:a14="http://schemas.microsoft.com/office/drawing/2010/main" w="9525">
                   <a:solidFill>
                     <a:srgbClr val="000000"/>
                   </a:solidFill>
@@ -2928,7 +2936,7 @@
             </a:ln>
             <a:extLst>
               <a:ext uri="{91240B29-F687-4f45-9708-019B960494DF}">
-                <a14:hiddenLine xmlns:a14="http://schemas.microsoft.com/office/drawing/2010/main" xmlns="" w="9525">
+                <a14:hiddenLine xmlns="" xmlns:a14="http://schemas.microsoft.com/office/drawing/2010/main" w="9525">
                   <a:solidFill>
                     <a:srgbClr val="000000"/>
                   </a:solidFill>
@@ -2990,7 +2998,7 @@
             </a:ln>
             <a:extLst>
               <a:ext uri="{91240B29-F687-4f45-9708-019B960494DF}">
-                <a14:hiddenLine xmlns:a14="http://schemas.microsoft.com/office/drawing/2010/main" xmlns="" w="9525">
+                <a14:hiddenLine xmlns="" xmlns:a14="http://schemas.microsoft.com/office/drawing/2010/main" w="9525">
                   <a:solidFill>
                     <a:srgbClr val="000000"/>
                   </a:solidFill>
@@ -3080,7 +3088,7 @@
             </a:ln>
             <a:extLst>
               <a:ext uri="{91240B29-F687-4f45-9708-019B960494DF}">
-                <a14:hiddenLine xmlns:a14="http://schemas.microsoft.com/office/drawing/2010/main" xmlns="" w="9525">
+                <a14:hiddenLine xmlns="" xmlns:a14="http://schemas.microsoft.com/office/drawing/2010/main" w="9525">
                   <a:solidFill>
                     <a:srgbClr val="000000"/>
                   </a:solidFill>
@@ -3142,7 +3150,7 @@
             </a:ln>
             <a:extLst>
               <a:ext uri="{91240B29-F687-4f45-9708-019B960494DF}">
-                <a14:hiddenLine xmlns:a14="http://schemas.microsoft.com/office/drawing/2010/main" xmlns="" w="9525">
+                <a14:hiddenLine xmlns="" xmlns:a14="http://schemas.microsoft.com/office/drawing/2010/main" w="9525">
                   <a:solidFill>
                     <a:srgbClr val="000000"/>
                   </a:solidFill>
@@ -3232,7 +3240,7 @@
             </a:ln>
             <a:extLst>
               <a:ext uri="{91240B29-F687-4f45-9708-019B960494DF}">
-                <a14:hiddenLine xmlns:a14="http://schemas.microsoft.com/office/drawing/2010/main" xmlns="" w="9525">
+                <a14:hiddenLine xmlns="" xmlns:a14="http://schemas.microsoft.com/office/drawing/2010/main" w="9525">
                   <a:solidFill>
                     <a:srgbClr val="000000"/>
                   </a:solidFill>
@@ -3266,7 +3274,7 @@
             </a:ln>
             <a:extLst>
               <a:ext uri="{91240B29-F687-4f45-9708-019B960494DF}">
-                <a14:hiddenLine xmlns:a14="http://schemas.microsoft.com/office/drawing/2010/main" xmlns="" w="9525">
+                <a14:hiddenLine xmlns="" xmlns:a14="http://schemas.microsoft.com/office/drawing/2010/main" w="9525">
                   <a:solidFill>
                     <a:srgbClr val="000000"/>
                   </a:solidFill>
@@ -3331,7 +3339,7 @@
             </a:ln>
             <a:extLst>
               <a:ext uri="{91240B29-F687-4f45-9708-019B960494DF}">
-                <a14:hiddenLine xmlns:a14="http://schemas.microsoft.com/office/drawing/2010/main" xmlns="" w="9525">
+                <a14:hiddenLine xmlns="" xmlns:a14="http://schemas.microsoft.com/office/drawing/2010/main" w="9525">
                   <a:solidFill>
                     <a:srgbClr val="000000"/>
                   </a:solidFill>
@@ -3421,7 +3429,7 @@
             </a:ln>
             <a:extLst>
               <a:ext uri="{91240B29-F687-4f45-9708-019B960494DF}">
-                <a14:hiddenLine xmlns:a14="http://schemas.microsoft.com/office/drawing/2010/main" xmlns="" w="9525">
+                <a14:hiddenLine xmlns="" xmlns:a14="http://schemas.microsoft.com/office/drawing/2010/main" w="9525">
                   <a:solidFill>
                     <a:srgbClr val="000000"/>
                   </a:solidFill>
@@ -3483,7 +3491,7 @@
             </a:ln>
             <a:extLst>
               <a:ext uri="{91240B29-F687-4f45-9708-019B960494DF}">
-                <a14:hiddenLine xmlns:a14="http://schemas.microsoft.com/office/drawing/2010/main" xmlns="" w="9525">
+                <a14:hiddenLine xmlns="" xmlns:a14="http://schemas.microsoft.com/office/drawing/2010/main" w="9525">
                   <a:solidFill>
                     <a:srgbClr val="000000"/>
                   </a:solidFill>
@@ -3573,7 +3581,7 @@
             </a:ln>
             <a:extLst>
               <a:ext uri="{91240B29-F687-4f45-9708-019B960494DF}">
-                <a14:hiddenLine xmlns:a14="http://schemas.microsoft.com/office/drawing/2010/main" xmlns="" w="9525">
+                <a14:hiddenLine xmlns="" xmlns:a14="http://schemas.microsoft.com/office/drawing/2010/main" w="9525">
                   <a:solidFill>
                     <a:srgbClr val="000000"/>
                   </a:solidFill>
@@ -3663,7 +3671,7 @@
             </a:ln>
             <a:extLst>
               <a:ext uri="{91240B29-F687-4f45-9708-019B960494DF}">
-                <a14:hiddenLine xmlns:a14="http://schemas.microsoft.com/office/drawing/2010/main" xmlns="" w="9525">
+                <a14:hiddenLine xmlns="" xmlns:a14="http://schemas.microsoft.com/office/drawing/2010/main" w="9525">
                   <a:solidFill>
                     <a:srgbClr val="000000"/>
                   </a:solidFill>
@@ -3728,7 +3736,7 @@
             </a:ln>
             <a:extLst>
               <a:ext uri="{91240B29-F687-4f45-9708-019B960494DF}">
-                <a14:hiddenLine xmlns:a14="http://schemas.microsoft.com/office/drawing/2010/main" xmlns="" w="9525">
+                <a14:hiddenLine xmlns="" xmlns:a14="http://schemas.microsoft.com/office/drawing/2010/main" w="9525">
                   <a:solidFill>
                     <a:srgbClr val="000000"/>
                   </a:solidFill>
@@ -3790,7 +3798,7 @@
             </a:ln>
             <a:extLst>
               <a:ext uri="{91240B29-F687-4f45-9708-019B960494DF}">
-                <a14:hiddenLine xmlns:a14="http://schemas.microsoft.com/office/drawing/2010/main" xmlns="" w="9525">
+                <a14:hiddenLine xmlns="" xmlns:a14="http://schemas.microsoft.com/office/drawing/2010/main" w="9525">
                   <a:solidFill>
                     <a:srgbClr val="000000"/>
                   </a:solidFill>
@@ -3880,7 +3888,7 @@
             </a:ln>
             <a:extLst>
               <a:ext uri="{91240B29-F687-4f45-9708-019B960494DF}">
-                <a14:hiddenLine xmlns:a14="http://schemas.microsoft.com/office/drawing/2010/main" xmlns="" w="9525">
+                <a14:hiddenLine xmlns="" xmlns:a14="http://schemas.microsoft.com/office/drawing/2010/main" w="9525">
                   <a:solidFill>
                     <a:srgbClr val="000000"/>
                   </a:solidFill>
@@ -3970,7 +3978,7 @@
             </a:ln>
             <a:extLst>
               <a:ext uri="{91240B29-F687-4f45-9708-019B960494DF}">
-                <a14:hiddenLine xmlns:a14="http://schemas.microsoft.com/office/drawing/2010/main" xmlns="" w="9525">
+                <a14:hiddenLine xmlns="" xmlns:a14="http://schemas.microsoft.com/office/drawing/2010/main" w="9525">
                   <a:solidFill>
                     <a:srgbClr val="000000"/>
                   </a:solidFill>
@@ -4032,7 +4040,7 @@
             </a:ln>
             <a:extLst>
               <a:ext uri="{91240B29-F687-4f45-9708-019B960494DF}">
-                <a14:hiddenLine xmlns:a14="http://schemas.microsoft.com/office/drawing/2010/main" xmlns="" w="9525">
+                <a14:hiddenLine xmlns="" xmlns:a14="http://schemas.microsoft.com/office/drawing/2010/main" w="9525">
                   <a:solidFill>
                     <a:srgbClr val="000000"/>
                   </a:solidFill>
@@ -4152,7 +4160,7 @@
             </a:ln>
             <a:extLst>
               <a:ext uri="{91240B29-F687-4f45-9708-019B960494DF}">
-                <a14:hiddenLine xmlns:a14="http://schemas.microsoft.com/office/drawing/2010/main" xmlns="" w="9525">
+                <a14:hiddenLine xmlns="" xmlns:a14="http://schemas.microsoft.com/office/drawing/2010/main" w="9525">
                   <a:solidFill>
                     <a:srgbClr val="000000"/>
                   </a:solidFill>
@@ -4220,7 +4228,7 @@
             </a:ln>
             <a:extLst>
               <a:ext uri="{91240B29-F687-4f45-9708-019B960494DF}">
-                <a14:hiddenLine xmlns:a14="http://schemas.microsoft.com/office/drawing/2010/main" xmlns="" w="9525">
+                <a14:hiddenLine xmlns="" xmlns:a14="http://schemas.microsoft.com/office/drawing/2010/main" w="9525">
                   <a:solidFill>
                     <a:srgbClr val="000000"/>
                   </a:solidFill>
@@ -4310,7 +4318,7 @@
             </a:ln>
             <a:extLst>
               <a:ext uri="{91240B29-F687-4f45-9708-019B960494DF}">
-                <a14:hiddenLine xmlns:a14="http://schemas.microsoft.com/office/drawing/2010/main" xmlns="" w="9525">
+                <a14:hiddenLine xmlns="" xmlns:a14="http://schemas.microsoft.com/office/drawing/2010/main" w="9525">
                   <a:solidFill>
                     <a:srgbClr val="000000"/>
                   </a:solidFill>
@@ -9039,7 +9047,7 @@
           <a:noFill/>
           <a:extLst>
             <a:ext uri="{909E8E84-426E-40dd-AFC4-6F175D3DCCD1}">
-              <a14:hiddenFill xmlns:a14="http://schemas.microsoft.com/office/drawing/2010/main" xmlns="">
+              <a14:hiddenFill xmlns="" xmlns:a14="http://schemas.microsoft.com/office/drawing/2010/main">
                 <a:solidFill>
                   <a:srgbClr val="FFFFFF"/>
                 </a:solidFill>
@@ -9113,7 +9121,7 @@
               </a:ln>
               <a:extLst>
                 <a:ext uri="{91240B29-F687-4f45-9708-019B960494DF}">
-                  <a14:hiddenLine xmlns:a14="http://schemas.microsoft.com/office/drawing/2010/main" xmlns="" w="9525">
+                  <a14:hiddenLine xmlns="" xmlns:a14="http://schemas.microsoft.com/office/drawing/2010/main" w="9525">
                     <a:solidFill>
                       <a:srgbClr val="000000"/>
                     </a:solidFill>
@@ -9203,7 +9211,7 @@
               </a:ln>
               <a:extLst>
                 <a:ext uri="{91240B29-F687-4f45-9708-019B960494DF}">
-                  <a14:hiddenLine xmlns:a14="http://schemas.microsoft.com/office/drawing/2010/main" xmlns="" w="9525">
+                  <a14:hiddenLine xmlns="" xmlns:a14="http://schemas.microsoft.com/office/drawing/2010/main" w="9525">
                     <a:solidFill>
                       <a:srgbClr val="000000"/>
                     </a:solidFill>
@@ -9293,7 +9301,7 @@
               </a:ln>
               <a:extLst>
                 <a:ext uri="{91240B29-F687-4f45-9708-019B960494DF}">
-                  <a14:hiddenLine xmlns:a14="http://schemas.microsoft.com/office/drawing/2010/main" xmlns="" w="9525">
+                  <a14:hiddenLine xmlns="" xmlns:a14="http://schemas.microsoft.com/office/drawing/2010/main" w="9525">
                     <a:solidFill>
                       <a:srgbClr val="000000"/>
                     </a:solidFill>
@@ -9355,7 +9363,7 @@
               </a:ln>
               <a:extLst>
                 <a:ext uri="{91240B29-F687-4f45-9708-019B960494DF}">
-                  <a14:hiddenLine xmlns:a14="http://schemas.microsoft.com/office/drawing/2010/main" xmlns="" w="9525">
+                  <a14:hiddenLine xmlns="" xmlns:a14="http://schemas.microsoft.com/office/drawing/2010/main" w="9525">
                     <a:solidFill>
                       <a:srgbClr val="000000"/>
                     </a:solidFill>
@@ -9445,7 +9453,7 @@
               </a:ln>
               <a:extLst>
                 <a:ext uri="{91240B29-F687-4f45-9708-019B960494DF}">
-                  <a14:hiddenLine xmlns:a14="http://schemas.microsoft.com/office/drawing/2010/main" xmlns="" w="9525">
+                  <a14:hiddenLine xmlns="" xmlns:a14="http://schemas.microsoft.com/office/drawing/2010/main" w="9525">
                     <a:solidFill>
                       <a:srgbClr val="000000"/>
                     </a:solidFill>
@@ -9507,7 +9515,7 @@
               </a:ln>
               <a:extLst>
                 <a:ext uri="{91240B29-F687-4f45-9708-019B960494DF}">
-                  <a14:hiddenLine xmlns:a14="http://schemas.microsoft.com/office/drawing/2010/main" xmlns="" w="9525">
+                  <a14:hiddenLine xmlns="" xmlns:a14="http://schemas.microsoft.com/office/drawing/2010/main" w="9525">
                     <a:solidFill>
                       <a:srgbClr val="000000"/>
                     </a:solidFill>
@@ -9569,7 +9577,7 @@
               </a:ln>
               <a:extLst>
                 <a:ext uri="{91240B29-F687-4f45-9708-019B960494DF}">
-                  <a14:hiddenLine xmlns:a14="http://schemas.microsoft.com/office/drawing/2010/main" xmlns="" w="9525">
+                  <a14:hiddenLine xmlns="" xmlns:a14="http://schemas.microsoft.com/office/drawing/2010/main" w="9525">
                     <a:solidFill>
                       <a:srgbClr val="000000"/>
                     </a:solidFill>
@@ -9659,7 +9667,7 @@
               </a:ln>
               <a:extLst>
                 <a:ext uri="{91240B29-F687-4f45-9708-019B960494DF}">
-                  <a14:hiddenLine xmlns:a14="http://schemas.microsoft.com/office/drawing/2010/main" xmlns="" w="9525">
+                  <a14:hiddenLine xmlns="" xmlns:a14="http://schemas.microsoft.com/office/drawing/2010/main" w="9525">
                     <a:solidFill>
                       <a:srgbClr val="000000"/>
                     </a:solidFill>
@@ -9749,7 +9757,7 @@
               </a:ln>
               <a:extLst>
                 <a:ext uri="{91240B29-F687-4f45-9708-019B960494DF}">
-                  <a14:hiddenLine xmlns:a14="http://schemas.microsoft.com/office/drawing/2010/main" xmlns="" w="9525">
+                  <a14:hiddenLine xmlns="" xmlns:a14="http://schemas.microsoft.com/office/drawing/2010/main" w="9525">
                     <a:solidFill>
                       <a:srgbClr val="000000"/>
                     </a:solidFill>
@@ -9811,7 +9819,7 @@
               </a:ln>
               <a:extLst>
                 <a:ext uri="{91240B29-F687-4f45-9708-019B960494DF}">
-                  <a14:hiddenLine xmlns:a14="http://schemas.microsoft.com/office/drawing/2010/main" xmlns="" w="9525">
+                  <a14:hiddenLine xmlns="" xmlns:a14="http://schemas.microsoft.com/office/drawing/2010/main" w="9525">
                     <a:solidFill>
                       <a:srgbClr val="000000"/>
                     </a:solidFill>
@@ -9921,7 +9929,7 @@
               </a:ln>
               <a:extLst>
                 <a:ext uri="{91240B29-F687-4f45-9708-019B960494DF}">
-                  <a14:hiddenLine xmlns:a14="http://schemas.microsoft.com/office/drawing/2010/main" xmlns="" w="9525">
+                  <a14:hiddenLine xmlns="" xmlns:a14="http://schemas.microsoft.com/office/drawing/2010/main" w="9525">
                     <a:solidFill>
                       <a:srgbClr val="000000"/>
                     </a:solidFill>
@@ -10005,7 +10013,7 @@
               </a:ln>
               <a:extLst>
                 <a:ext uri="{91240B29-F687-4f45-9708-019B960494DF}">
-                  <a14:hiddenLine xmlns:a14="http://schemas.microsoft.com/office/drawing/2010/main" xmlns="" w="9525">
+                  <a14:hiddenLine xmlns="" xmlns:a14="http://schemas.microsoft.com/office/drawing/2010/main" w="9525">
                     <a:solidFill>
                       <a:srgbClr val="000000"/>
                     </a:solidFill>
@@ -10067,7 +10075,7 @@
               </a:ln>
               <a:extLst>
                 <a:ext uri="{91240B29-F687-4f45-9708-019B960494DF}">
-                  <a14:hiddenLine xmlns:a14="http://schemas.microsoft.com/office/drawing/2010/main" xmlns="" w="9525">
+                  <a14:hiddenLine xmlns="" xmlns:a14="http://schemas.microsoft.com/office/drawing/2010/main" w="9525">
                     <a:solidFill>
                       <a:srgbClr val="000000"/>
                     </a:solidFill>
@@ -10129,7 +10137,7 @@
               </a:ln>
               <a:extLst>
                 <a:ext uri="{91240B29-F687-4f45-9708-019B960494DF}">
-                  <a14:hiddenLine xmlns:a14="http://schemas.microsoft.com/office/drawing/2010/main" xmlns="" w="9525">
+                  <a14:hiddenLine xmlns="" xmlns:a14="http://schemas.microsoft.com/office/drawing/2010/main" w="9525">
                     <a:solidFill>
                       <a:srgbClr val="000000"/>
                     </a:solidFill>
@@ -10219,7 +10227,7 @@
               </a:ln>
               <a:extLst>
                 <a:ext uri="{91240B29-F687-4f45-9708-019B960494DF}">
-                  <a14:hiddenLine xmlns:a14="http://schemas.microsoft.com/office/drawing/2010/main" xmlns="" w="9525">
+                  <a14:hiddenLine xmlns="" xmlns:a14="http://schemas.microsoft.com/office/drawing/2010/main" w="9525">
                     <a:solidFill>
                       <a:srgbClr val="000000"/>
                     </a:solidFill>
@@ -10253,7 +10261,7 @@
               </a:ln>
               <a:extLst>
                 <a:ext uri="{91240B29-F687-4f45-9708-019B960494DF}">
-                  <a14:hiddenLine xmlns:a14="http://schemas.microsoft.com/office/drawing/2010/main" xmlns="" w="9525">
+                  <a14:hiddenLine xmlns="" xmlns:a14="http://schemas.microsoft.com/office/drawing/2010/main" w="9525">
                     <a:solidFill>
                       <a:srgbClr val="000000"/>
                     </a:solidFill>
@@ -10318,7 +10326,7 @@
               </a:ln>
               <a:extLst>
                 <a:ext uri="{91240B29-F687-4f45-9708-019B960494DF}">
-                  <a14:hiddenLine xmlns:a14="http://schemas.microsoft.com/office/drawing/2010/main" xmlns="" w="9525">
+                  <a14:hiddenLine xmlns="" xmlns:a14="http://schemas.microsoft.com/office/drawing/2010/main" w="9525">
                     <a:solidFill>
                       <a:srgbClr val="000000"/>
                     </a:solidFill>
@@ -10408,7 +10416,7 @@
               </a:ln>
               <a:extLst>
                 <a:ext uri="{91240B29-F687-4f45-9708-019B960494DF}">
-                  <a14:hiddenLine xmlns:a14="http://schemas.microsoft.com/office/drawing/2010/main" xmlns="" w="9525">
+                  <a14:hiddenLine xmlns="" xmlns:a14="http://schemas.microsoft.com/office/drawing/2010/main" w="9525">
                     <a:solidFill>
                       <a:srgbClr val="000000"/>
                     </a:solidFill>
@@ -10470,7 +10478,7 @@
               </a:ln>
               <a:extLst>
                 <a:ext uri="{91240B29-F687-4f45-9708-019B960494DF}">
-                  <a14:hiddenLine xmlns:a14="http://schemas.microsoft.com/office/drawing/2010/main" xmlns="" w="9525">
+                  <a14:hiddenLine xmlns="" xmlns:a14="http://schemas.microsoft.com/office/drawing/2010/main" w="9525">
                     <a:solidFill>
                       <a:srgbClr val="000000"/>
                     </a:solidFill>
@@ -10560,7 +10568,7 @@
               </a:ln>
               <a:extLst>
                 <a:ext uri="{91240B29-F687-4f45-9708-019B960494DF}">
-                  <a14:hiddenLine xmlns:a14="http://schemas.microsoft.com/office/drawing/2010/main" xmlns="" w="9525">
+                  <a14:hiddenLine xmlns="" xmlns:a14="http://schemas.microsoft.com/office/drawing/2010/main" w="9525">
                     <a:solidFill>
                       <a:srgbClr val="000000"/>
                     </a:solidFill>
@@ -10625,7 +10633,7 @@
               </a:ln>
               <a:extLst>
                 <a:ext uri="{91240B29-F687-4f45-9708-019B960494DF}">
-                  <a14:hiddenLine xmlns:a14="http://schemas.microsoft.com/office/drawing/2010/main" xmlns="" w="9525">
+                  <a14:hiddenLine xmlns="" xmlns:a14="http://schemas.microsoft.com/office/drawing/2010/main" w="9525">
                     <a:solidFill>
                       <a:srgbClr val="000000"/>
                     </a:solidFill>
@@ -10687,7 +10695,7 @@
               </a:ln>
               <a:extLst>
                 <a:ext uri="{91240B29-F687-4f45-9708-019B960494DF}">
-                  <a14:hiddenLine xmlns:a14="http://schemas.microsoft.com/office/drawing/2010/main" xmlns="" w="9525">
+                  <a14:hiddenLine xmlns="" xmlns:a14="http://schemas.microsoft.com/office/drawing/2010/main" w="9525">
                     <a:solidFill>
                       <a:srgbClr val="000000"/>
                     </a:solidFill>
@@ -10777,7 +10785,7 @@
               </a:ln>
               <a:extLst>
                 <a:ext uri="{91240B29-F687-4f45-9708-019B960494DF}">
-                  <a14:hiddenLine xmlns:a14="http://schemas.microsoft.com/office/drawing/2010/main" xmlns="" w="9525">
+                  <a14:hiddenLine xmlns="" xmlns:a14="http://schemas.microsoft.com/office/drawing/2010/main" w="9525">
                     <a:solidFill>
                       <a:srgbClr val="000000"/>
                     </a:solidFill>
@@ -10867,7 +10875,7 @@
               </a:ln>
               <a:extLst>
                 <a:ext uri="{91240B29-F687-4f45-9708-019B960494DF}">
-                  <a14:hiddenLine xmlns:a14="http://schemas.microsoft.com/office/drawing/2010/main" xmlns="" w="9525">
+                  <a14:hiddenLine xmlns="" xmlns:a14="http://schemas.microsoft.com/office/drawing/2010/main" w="9525">
                     <a:solidFill>
                       <a:srgbClr val="000000"/>
                     </a:solidFill>
@@ -10932,7 +10940,7 @@
               </a:ln>
               <a:extLst>
                 <a:ext uri="{91240B29-F687-4f45-9708-019B960494DF}">
-                  <a14:hiddenLine xmlns:a14="http://schemas.microsoft.com/office/drawing/2010/main" xmlns="" w="9525">
+                  <a14:hiddenLine xmlns="" xmlns:a14="http://schemas.microsoft.com/office/drawing/2010/main" w="9525">
                     <a:solidFill>
                       <a:srgbClr val="000000"/>
                     </a:solidFill>
@@ -11052,7 +11060,7 @@
               </a:ln>
               <a:extLst>
                 <a:ext uri="{91240B29-F687-4f45-9708-019B960494DF}">
-                  <a14:hiddenLine xmlns:a14="http://schemas.microsoft.com/office/drawing/2010/main" xmlns="" w="9525">
+                  <a14:hiddenLine xmlns="" xmlns:a14="http://schemas.microsoft.com/office/drawing/2010/main" w="9525">
                     <a:solidFill>
                       <a:srgbClr val="000000"/>
                     </a:solidFill>
@@ -11150,7 +11158,7 @@
               </a:ln>
               <a:extLst>
                 <a:ext uri="{91240B29-F687-4f45-9708-019B960494DF}">
-                  <a14:hiddenLine xmlns:a14="http://schemas.microsoft.com/office/drawing/2010/main" xmlns="" w="9525">
+                  <a14:hiddenLine xmlns="" xmlns:a14="http://schemas.microsoft.com/office/drawing/2010/main" w="9525">
                     <a:solidFill>
                       <a:srgbClr val="000000"/>
                     </a:solidFill>
@@ -11265,7 +11273,7 @@
               </a:ln>
               <a:extLst>
                 <a:ext uri="{91240B29-F687-4f45-9708-019B960494DF}">
-                  <a14:hiddenLine xmlns:a14="http://schemas.microsoft.com/office/drawing/2010/main" xmlns="" w="9525">
+                  <a14:hiddenLine xmlns="" xmlns:a14="http://schemas.microsoft.com/office/drawing/2010/main" w="9525">
                     <a:solidFill>
                       <a:srgbClr val="000000"/>
                     </a:solidFill>
@@ -11355,7 +11363,7 @@
               </a:ln>
               <a:extLst>
                 <a:ext uri="{91240B29-F687-4f45-9708-019B960494DF}">
-                  <a14:hiddenLine xmlns:a14="http://schemas.microsoft.com/office/drawing/2010/main" xmlns="" w="9525">
+                  <a14:hiddenLine xmlns="" xmlns:a14="http://schemas.microsoft.com/office/drawing/2010/main" w="9525">
                     <a:solidFill>
                       <a:srgbClr val="000000"/>
                     </a:solidFill>
@@ -11420,7 +11428,7 @@
               </a:ln>
               <a:extLst>
                 <a:ext uri="{91240B29-F687-4f45-9708-019B960494DF}">
-                  <a14:hiddenLine xmlns:a14="http://schemas.microsoft.com/office/drawing/2010/main" xmlns="" w="9525">
+                  <a14:hiddenLine xmlns="" xmlns:a14="http://schemas.microsoft.com/office/drawing/2010/main" w="9525">
                     <a:solidFill>
                       <a:srgbClr val="000000"/>
                     </a:solidFill>
@@ -11510,7 +11518,7 @@
               </a:ln>
               <a:extLst>
                 <a:ext uri="{91240B29-F687-4f45-9708-019B960494DF}">
-                  <a14:hiddenLine xmlns:a14="http://schemas.microsoft.com/office/drawing/2010/main" xmlns="" w="9525">
+                  <a14:hiddenLine xmlns="" xmlns:a14="http://schemas.microsoft.com/office/drawing/2010/main" w="9525">
                     <a:solidFill>
                       <a:srgbClr val="000000"/>
                     </a:solidFill>
@@ -11578,7 +11586,7 @@
               </a:ln>
               <a:extLst>
                 <a:ext uri="{91240B29-F687-4f45-9708-019B960494DF}">
-                  <a14:hiddenLine xmlns:a14="http://schemas.microsoft.com/office/drawing/2010/main" xmlns="" w="9525">
+                  <a14:hiddenLine xmlns="" xmlns:a14="http://schemas.microsoft.com/office/drawing/2010/main" w="9525">
                     <a:solidFill>
                       <a:srgbClr val="000000"/>
                     </a:solidFill>
@@ -11668,7 +11676,7 @@
               </a:ln>
               <a:extLst>
                 <a:ext uri="{91240B29-F687-4f45-9708-019B960494DF}">
-                  <a14:hiddenLine xmlns:a14="http://schemas.microsoft.com/office/drawing/2010/main" xmlns="" w="9525">
+                  <a14:hiddenLine xmlns="" xmlns:a14="http://schemas.microsoft.com/office/drawing/2010/main" w="9525">
                     <a:solidFill>
                       <a:srgbClr val="000000"/>
                     </a:solidFill>
@@ -11736,7 +11744,7 @@
               </a:ln>
               <a:extLst>
                 <a:ext uri="{91240B29-F687-4f45-9708-019B960494DF}">
-                  <a14:hiddenLine xmlns:a14="http://schemas.microsoft.com/office/drawing/2010/main" xmlns="" w="9525">
+                  <a14:hiddenLine xmlns="" xmlns:a14="http://schemas.microsoft.com/office/drawing/2010/main" w="9525">
                     <a:solidFill>
                       <a:srgbClr val="000000"/>
                     </a:solidFill>
@@ -11826,7 +11834,7 @@
               </a:ln>
               <a:extLst>
                 <a:ext uri="{91240B29-F687-4f45-9708-019B960494DF}">
-                  <a14:hiddenLine xmlns:a14="http://schemas.microsoft.com/office/drawing/2010/main" xmlns="" w="9525">
+                  <a14:hiddenLine xmlns="" xmlns:a14="http://schemas.microsoft.com/office/drawing/2010/main" w="9525">
                     <a:solidFill>
                       <a:srgbClr val="000000"/>
                     </a:solidFill>
@@ -11860,7 +11868,7 @@
               </a:ln>
               <a:extLst>
                 <a:ext uri="{91240B29-F687-4f45-9708-019B960494DF}">
-                  <a14:hiddenLine xmlns:a14="http://schemas.microsoft.com/office/drawing/2010/main" xmlns="" w="9525">
+                  <a14:hiddenLine xmlns="" xmlns:a14="http://schemas.microsoft.com/office/drawing/2010/main" w="9525">
                     <a:solidFill>
                       <a:srgbClr val="000000"/>
                     </a:solidFill>
@@ -19330,6 +19338,319 @@
 </p:sld>
 </file>
 
+<file path=ppt/slides/slide57.xml><?xml version="1.0" encoding="utf-8"?>
+<p:sld xmlns:a="http://schemas.openxmlformats.org/drawingml/2006/main" xmlns:r="http://schemas.openxmlformats.org/officeDocument/2006/relationships" xmlns:p="http://schemas.openxmlformats.org/presentationml/2006/main">
+  <p:cSld>
+    <p:spTree>
+      <p:nvGrpSpPr>
+        <p:cNvPr id="1" name=""/>
+        <p:cNvGrpSpPr/>
+        <p:nvPr/>
+      </p:nvGrpSpPr>
+      <p:grpSpPr>
+        <a:xfrm>
+          <a:off x="0" y="0"/>
+          <a:ext cx="0" cy="0"/>
+          <a:chOff x="0" y="0"/>
+          <a:chExt cx="0" cy="0"/>
+        </a:xfrm>
+      </p:grpSpPr>
+      <p:sp>
+        <p:nvSpPr>
+          <p:cNvPr id="2" name="Title 1"/>
+          <p:cNvSpPr>
+            <a:spLocks noGrp="1"/>
+          </p:cNvSpPr>
+          <p:nvPr>
+            <p:ph type="title"/>
+          </p:nvPr>
+        </p:nvSpPr>
+        <p:spPr/>
+        <p:txBody>
+          <a:bodyPr/>
+          <a:lstStyle/>
+          <a:p>
+            <a:r>
+              <a:rPr lang="sr-Latn-RS" dirty="0" smtClean="0"/>
+              <a:t>Povezivanje sa mysql bazom podataka</a:t>
+            </a:r>
+            <a:endParaRPr lang="en-US" dirty="0"/>
+          </a:p>
+        </p:txBody>
+      </p:sp>
+      <p:sp>
+        <p:nvSpPr>
+          <p:cNvPr id="3" name="Content Placeholder 2"/>
+          <p:cNvSpPr>
+            <a:spLocks noGrp="1"/>
+          </p:cNvSpPr>
+          <p:nvPr>
+            <p:ph idx="1"/>
+          </p:nvPr>
+        </p:nvSpPr>
+        <p:spPr>
+          <a:xfrm>
+            <a:off x="1081028" y="1766678"/>
+            <a:ext cx="3301192" cy="4841156"/>
+          </a:xfrm>
+        </p:spPr>
+        <p:txBody>
+          <a:bodyPr/>
+          <a:lstStyle/>
+          <a:p>
+            <a:r>
+              <a:rPr lang="sr-Latn-RS" dirty="0" smtClean="0"/>
+              <a:t>Pre nego što se povežemo sa bazom moramo je pokrenuti. Prvi korak je da otvorimo XAMPP Control Panel, a zatim pokrenemo Apache i MySQL.</a:t>
+            </a:r>
+            <a:endParaRPr lang="en-US" dirty="0"/>
+          </a:p>
+        </p:txBody>
+      </p:sp>
+      <p:pic>
+        <p:nvPicPr>
+          <p:cNvPr id="4" name="Picture 3"/>
+          <p:cNvPicPr>
+            <a:picLocks noChangeAspect="1"/>
+          </p:cNvPicPr>
+          <p:nvPr/>
+        </p:nvPicPr>
+        <p:blipFill>
+          <a:blip r:embed="rId2"/>
+          <a:stretch>
+            <a:fillRect/>
+          </a:stretch>
+        </p:blipFill>
+        <p:spPr>
+          <a:xfrm>
+            <a:off x="2882571" y="5283319"/>
+            <a:ext cx="1057275" cy="1238250"/>
+          </a:xfrm>
+          <a:prstGeom prst="rect">
+            <a:avLst/>
+          </a:prstGeom>
+        </p:spPr>
+      </p:pic>
+      <p:pic>
+        <p:nvPicPr>
+          <p:cNvPr id="5" name="Picture 4"/>
+          <p:cNvPicPr>
+            <a:picLocks noChangeAspect="1"/>
+          </p:cNvPicPr>
+          <p:nvPr/>
+        </p:nvPicPr>
+        <p:blipFill>
+          <a:blip r:embed="rId3"/>
+          <a:stretch>
+            <a:fillRect/>
+          </a:stretch>
+        </p:blipFill>
+        <p:spPr>
+          <a:xfrm>
+            <a:off x="4554746" y="1695090"/>
+            <a:ext cx="7400603" cy="4826479"/>
+          </a:xfrm>
+          <a:prstGeom prst="rect">
+            <a:avLst/>
+          </a:prstGeom>
+        </p:spPr>
+      </p:pic>
+    </p:spTree>
+    <p:extLst>
+      <p:ext uri="{BB962C8B-B14F-4D97-AF65-F5344CB8AC3E}">
+        <p14:creationId xmlns:p14="http://schemas.microsoft.com/office/powerpoint/2010/main" val="1823192522"/>
+      </p:ext>
+    </p:extLst>
+  </p:cSld>
+  <p:clrMapOvr>
+    <a:masterClrMapping/>
+  </p:clrMapOvr>
+</p:sld>
+</file>
+
+<file path=ppt/slides/slide58.xml><?xml version="1.0" encoding="utf-8"?>
+<p:sld xmlns:a="http://schemas.openxmlformats.org/drawingml/2006/main" xmlns:r="http://schemas.openxmlformats.org/officeDocument/2006/relationships" xmlns:p="http://schemas.openxmlformats.org/presentationml/2006/main">
+  <p:cSld>
+    <p:spTree>
+      <p:nvGrpSpPr>
+        <p:cNvPr id="1" name=""/>
+        <p:cNvGrpSpPr/>
+        <p:nvPr/>
+      </p:nvGrpSpPr>
+      <p:grpSpPr>
+        <a:xfrm>
+          <a:off x="0" y="0"/>
+          <a:ext cx="0" cy="0"/>
+          <a:chOff x="0" y="0"/>
+          <a:chExt cx="0" cy="0"/>
+        </a:xfrm>
+      </p:grpSpPr>
+      <p:sp>
+        <p:nvSpPr>
+          <p:cNvPr id="3" name="Content Placeholder 2"/>
+          <p:cNvSpPr>
+            <a:spLocks noGrp="1"/>
+          </p:cNvSpPr>
+          <p:nvPr>
+            <p:ph idx="1"/>
+          </p:nvPr>
+        </p:nvSpPr>
+        <p:spPr>
+          <a:xfrm>
+            <a:off x="1141412" y="785004"/>
+            <a:ext cx="9905999" cy="5006197"/>
+          </a:xfrm>
+        </p:spPr>
+        <p:txBody>
+          <a:bodyPr/>
+          <a:lstStyle/>
+          <a:p>
+            <a:r>
+              <a:rPr lang="sr-Latn-RS" dirty="0" smtClean="0"/>
+              <a:t>Zatim idemo </a:t>
+            </a:r>
+            <a:r>
+              <a:rPr lang="sr-Latn-RS" dirty="0"/>
+              <a:t>na </a:t>
+            </a:r>
+            <a:r>
+              <a:rPr lang="sr-Latn-RS" dirty="0">
+                <a:hlinkClick r:id="rId2"/>
+              </a:rPr>
+              <a:t>http://localhost/phpmyadmin</a:t>
+            </a:r>
+            <a:r>
+              <a:rPr lang="sr-Latn-RS" dirty="0" smtClean="0">
+                <a:hlinkClick r:id="rId2"/>
+              </a:rPr>
+              <a:t>/</a:t>
+            </a:r>
+            <a:r>
+              <a:rPr lang="sr-Latn-RS" dirty="0" smtClean="0"/>
+              <a:t>. Ukoliko vam traži da se prijavite username je root, a lozinku ostavite prazno. Ovde možemo videti sve baze, a ono što ćemo mi uraditi je kreirati novu na tabu databases.</a:t>
+            </a:r>
+            <a:endParaRPr lang="en-US" dirty="0"/>
+          </a:p>
+        </p:txBody>
+      </p:sp>
+      <p:pic>
+        <p:nvPicPr>
+          <p:cNvPr id="4" name="Picture 3"/>
+          <p:cNvPicPr>
+            <a:picLocks noChangeAspect="1"/>
+          </p:cNvPicPr>
+          <p:nvPr/>
+        </p:nvPicPr>
+        <p:blipFill>
+          <a:blip r:embed="rId3"/>
+          <a:stretch>
+            <a:fillRect/>
+          </a:stretch>
+        </p:blipFill>
+        <p:spPr>
+          <a:xfrm>
+            <a:off x="2546411" y="2809516"/>
+            <a:ext cx="6305550" cy="2343150"/>
+          </a:xfrm>
+          <a:prstGeom prst="rect">
+            <a:avLst/>
+          </a:prstGeom>
+        </p:spPr>
+      </p:pic>
+    </p:spTree>
+    <p:extLst>
+      <p:ext uri="{BB962C8B-B14F-4D97-AF65-F5344CB8AC3E}">
+        <p14:creationId xmlns:p14="http://schemas.microsoft.com/office/powerpoint/2010/main" val="3350508560"/>
+      </p:ext>
+    </p:extLst>
+  </p:cSld>
+  <p:clrMapOvr>
+    <a:masterClrMapping/>
+  </p:clrMapOvr>
+</p:sld>
+</file>
+
+<file path=ppt/slides/slide59.xml><?xml version="1.0" encoding="utf-8"?>
+<p:sld xmlns:a="http://schemas.openxmlformats.org/drawingml/2006/main" xmlns:r="http://schemas.openxmlformats.org/officeDocument/2006/relationships" xmlns:p="http://schemas.openxmlformats.org/presentationml/2006/main">
+  <p:cSld>
+    <p:spTree>
+      <p:nvGrpSpPr>
+        <p:cNvPr id="1" name=""/>
+        <p:cNvGrpSpPr/>
+        <p:nvPr/>
+      </p:nvGrpSpPr>
+      <p:grpSpPr>
+        <a:xfrm>
+          <a:off x="0" y="0"/>
+          <a:ext cx="0" cy="0"/>
+          <a:chOff x="0" y="0"/>
+          <a:chExt cx="0" cy="0"/>
+        </a:xfrm>
+      </p:grpSpPr>
+      <p:sp>
+        <p:nvSpPr>
+          <p:cNvPr id="3" name="Content Placeholder 2"/>
+          <p:cNvSpPr>
+            <a:spLocks noGrp="1"/>
+          </p:cNvSpPr>
+          <p:nvPr>
+            <p:ph idx="1"/>
+          </p:nvPr>
+        </p:nvSpPr>
+        <p:spPr>
+          <a:xfrm>
+            <a:off x="1141412" y="785004"/>
+            <a:ext cx="9905999" cy="5006197"/>
+          </a:xfrm>
+        </p:spPr>
+        <p:txBody>
+          <a:bodyPr/>
+          <a:lstStyle/>
+          <a:p>
+            <a:r>
+              <a:rPr lang="sr-Latn-RS" dirty="0" smtClean="0"/>
+              <a:t>Sa leve strane imamo meni sa svim bazama i mi ćemo odabrati onu koju smo upravo kreirali. U glavom prozoru će nam se sada otvoriti forma za kreiranje nove tabele. Kreiraćemo tabelu users koja će imati email kao primarni ključ, firstName, lastName, password sve tipa TEXT.</a:t>
+            </a:r>
+            <a:endParaRPr lang="en-US" dirty="0"/>
+          </a:p>
+        </p:txBody>
+      </p:sp>
+      <p:pic>
+        <p:nvPicPr>
+          <p:cNvPr id="4" name="Picture 3"/>
+          <p:cNvPicPr>
+            <a:picLocks noChangeAspect="1"/>
+          </p:cNvPicPr>
+          <p:nvPr/>
+        </p:nvPicPr>
+        <p:blipFill>
+          <a:blip r:embed="rId2"/>
+          <a:stretch>
+            <a:fillRect/>
+          </a:stretch>
+        </p:blipFill>
+        <p:spPr>
+          <a:xfrm>
+            <a:off x="1461307" y="2856832"/>
+            <a:ext cx="8096761" cy="3479539"/>
+          </a:xfrm>
+          <a:prstGeom prst="rect">
+            <a:avLst/>
+          </a:prstGeom>
+        </p:spPr>
+      </p:pic>
+    </p:spTree>
+    <p:extLst>
+      <p:ext uri="{BB962C8B-B14F-4D97-AF65-F5344CB8AC3E}">
+        <p14:creationId xmlns:p14="http://schemas.microsoft.com/office/powerpoint/2010/main" val="2004500015"/>
+      </p:ext>
+    </p:extLst>
+  </p:cSld>
+  <p:clrMapOvr>
+    <a:masterClrMapping/>
+  </p:clrMapOvr>
+</p:sld>
+</file>
+
 <file path=ppt/slides/slide6.xml><?xml version="1.0" encoding="utf-8"?>
 <p:sld xmlns:a="http://schemas.openxmlformats.org/drawingml/2006/main" xmlns:r="http://schemas.openxmlformats.org/officeDocument/2006/relationships" xmlns:p="http://schemas.openxmlformats.org/presentationml/2006/main">
   <p:cSld>
@@ -19392,6 +19713,423 @@
     <p:extLst>
       <p:ext uri="{BB962C8B-B14F-4D97-AF65-F5344CB8AC3E}">
         <p14:creationId xmlns:p14="http://schemas.microsoft.com/office/powerpoint/2010/main" val="4181371798"/>
+      </p:ext>
+    </p:extLst>
+  </p:cSld>
+  <p:clrMapOvr>
+    <a:masterClrMapping/>
+  </p:clrMapOvr>
+</p:sld>
+</file>
+
+<file path=ppt/slides/slide60.xml><?xml version="1.0" encoding="utf-8"?>
+<p:sld xmlns:a="http://schemas.openxmlformats.org/drawingml/2006/main" xmlns:r="http://schemas.openxmlformats.org/officeDocument/2006/relationships" xmlns:p="http://schemas.openxmlformats.org/presentationml/2006/main">
+  <p:cSld>
+    <p:spTree>
+      <p:nvGrpSpPr>
+        <p:cNvPr id="1" name=""/>
+        <p:cNvGrpSpPr/>
+        <p:nvPr/>
+      </p:nvGrpSpPr>
+      <p:grpSpPr>
+        <a:xfrm>
+          <a:off x="0" y="0"/>
+          <a:ext cx="0" cy="0"/>
+          <a:chOff x="0" y="0"/>
+          <a:chExt cx="0" cy="0"/>
+        </a:xfrm>
+      </p:grpSpPr>
+      <p:sp>
+        <p:nvSpPr>
+          <p:cNvPr id="3" name="Content Placeholder 2"/>
+          <p:cNvSpPr>
+            <a:spLocks noGrp="1"/>
+          </p:cNvSpPr>
+          <p:nvPr>
+            <p:ph idx="1"/>
+          </p:nvPr>
+        </p:nvSpPr>
+        <p:spPr>
+          <a:xfrm>
+            <a:off x="1141412" y="465826"/>
+            <a:ext cx="9905999" cy="5325375"/>
+          </a:xfrm>
+        </p:spPr>
+        <p:txBody>
+          <a:bodyPr/>
+          <a:lstStyle/>
+          <a:p>
+            <a:r>
+              <a:rPr lang="sr-Latn-RS" dirty="0" smtClean="0"/>
+              <a:t>Popunimo sledeću formu i kliknemo Save:</a:t>
+            </a:r>
+            <a:endParaRPr lang="en-US" dirty="0"/>
+          </a:p>
+        </p:txBody>
+      </p:sp>
+      <p:pic>
+        <p:nvPicPr>
+          <p:cNvPr id="4" name="Picture 3"/>
+          <p:cNvPicPr>
+            <a:picLocks noChangeAspect="1"/>
+          </p:cNvPicPr>
+          <p:nvPr/>
+        </p:nvPicPr>
+        <p:blipFill>
+          <a:blip r:embed="rId2"/>
+          <a:stretch>
+            <a:fillRect/>
+          </a:stretch>
+        </p:blipFill>
+        <p:spPr>
+          <a:xfrm>
+            <a:off x="638354" y="976408"/>
+            <a:ext cx="10601709" cy="5622799"/>
+          </a:xfrm>
+          <a:prstGeom prst="rect">
+            <a:avLst/>
+          </a:prstGeom>
+        </p:spPr>
+      </p:pic>
+    </p:spTree>
+    <p:extLst>
+      <p:ext uri="{BB962C8B-B14F-4D97-AF65-F5344CB8AC3E}">
+        <p14:creationId xmlns:p14="http://schemas.microsoft.com/office/powerpoint/2010/main" val="337725597"/>
+      </p:ext>
+    </p:extLst>
+  </p:cSld>
+  <p:clrMapOvr>
+    <a:masterClrMapping/>
+  </p:clrMapOvr>
+</p:sld>
+</file>
+
+<file path=ppt/slides/slide61.xml><?xml version="1.0" encoding="utf-8"?>
+<p:sld xmlns:a="http://schemas.openxmlformats.org/drawingml/2006/main" xmlns:r="http://schemas.openxmlformats.org/officeDocument/2006/relationships" xmlns:p="http://schemas.openxmlformats.org/presentationml/2006/main">
+  <p:cSld>
+    <p:spTree>
+      <p:nvGrpSpPr>
+        <p:cNvPr id="1" name=""/>
+        <p:cNvGrpSpPr/>
+        <p:nvPr/>
+      </p:nvGrpSpPr>
+      <p:grpSpPr>
+        <a:xfrm>
+          <a:off x="0" y="0"/>
+          <a:ext cx="0" cy="0"/>
+          <a:chOff x="0" y="0"/>
+          <a:chExt cx="0" cy="0"/>
+        </a:xfrm>
+      </p:grpSpPr>
+      <p:sp>
+        <p:nvSpPr>
+          <p:cNvPr id="3" name="Content Placeholder 2"/>
+          <p:cNvSpPr>
+            <a:spLocks noGrp="1"/>
+          </p:cNvSpPr>
+          <p:nvPr>
+            <p:ph idx="1"/>
+          </p:nvPr>
+        </p:nvSpPr>
+        <p:spPr>
+          <a:xfrm>
+            <a:off x="1141412" y="638355"/>
+            <a:ext cx="9905999" cy="5152846"/>
+          </a:xfrm>
+        </p:spPr>
+        <p:txBody>
+          <a:bodyPr/>
+          <a:lstStyle/>
+          <a:p>
+            <a:r>
+              <a:rPr lang="sr-Latn-RS" dirty="0"/>
+              <a:t>Sada kada smo kreirali bazu možemo se povezati na nju. Da bi to uradili u node-u potreno je da instaliramo jedan od mnogih paketa za rad sa mysql bazama. Mi ćemo koristi serverless-mysql. Instaliraćemo ovaj paket pomoću npm i </a:t>
+            </a:r>
+            <a:r>
+              <a:rPr lang="sr-Latn-RS" dirty="0" smtClean="0"/>
+              <a:t>serverless-mysql. Kreiraćemo folder database i fajl connect.js sa sledećim sadržajem</a:t>
+            </a:r>
+          </a:p>
+          <a:p>
+            <a:endParaRPr lang="sr-Latn-RS" dirty="0"/>
+          </a:p>
+        </p:txBody>
+      </p:sp>
+      <p:pic>
+        <p:nvPicPr>
+          <p:cNvPr id="6" name="Picture 5"/>
+          <p:cNvPicPr>
+            <a:picLocks noChangeAspect="1"/>
+          </p:cNvPicPr>
+          <p:nvPr/>
+        </p:nvPicPr>
+        <p:blipFill>
+          <a:blip r:embed="rId2"/>
+          <a:stretch>
+            <a:fillRect/>
+          </a:stretch>
+        </p:blipFill>
+        <p:spPr>
+          <a:xfrm>
+            <a:off x="3132017" y="2913482"/>
+            <a:ext cx="5686425" cy="3705225"/>
+          </a:xfrm>
+          <a:prstGeom prst="rect">
+            <a:avLst/>
+          </a:prstGeom>
+        </p:spPr>
+      </p:pic>
+    </p:spTree>
+    <p:extLst>
+      <p:ext uri="{BB962C8B-B14F-4D97-AF65-F5344CB8AC3E}">
+        <p14:creationId xmlns:p14="http://schemas.microsoft.com/office/powerpoint/2010/main" val="259013026"/>
+      </p:ext>
+    </p:extLst>
+  </p:cSld>
+  <p:clrMapOvr>
+    <a:masterClrMapping/>
+  </p:clrMapOvr>
+</p:sld>
+</file>
+
+<file path=ppt/slides/slide62.xml><?xml version="1.0" encoding="utf-8"?>
+<p:sld xmlns:a="http://schemas.openxmlformats.org/drawingml/2006/main" xmlns:r="http://schemas.openxmlformats.org/officeDocument/2006/relationships" xmlns:p="http://schemas.openxmlformats.org/presentationml/2006/main">
+  <p:cSld>
+    <p:spTree>
+      <p:nvGrpSpPr>
+        <p:cNvPr id="1" name=""/>
+        <p:cNvGrpSpPr/>
+        <p:nvPr/>
+      </p:nvGrpSpPr>
+      <p:grpSpPr>
+        <a:xfrm>
+          <a:off x="0" y="0"/>
+          <a:ext cx="0" cy="0"/>
+          <a:chOff x="0" y="0"/>
+          <a:chExt cx="0" cy="0"/>
+        </a:xfrm>
+      </p:grpSpPr>
+      <p:sp>
+        <p:nvSpPr>
+          <p:cNvPr id="3" name="Content Placeholder 2"/>
+          <p:cNvSpPr>
+            <a:spLocks noGrp="1"/>
+          </p:cNvSpPr>
+          <p:nvPr>
+            <p:ph idx="1"/>
+          </p:nvPr>
+        </p:nvSpPr>
+        <p:spPr>
+          <a:xfrm>
+            <a:off x="1141412" y="914400"/>
+            <a:ext cx="9905999" cy="4876801"/>
+          </a:xfrm>
+        </p:spPr>
+        <p:txBody>
+          <a:bodyPr/>
+          <a:lstStyle/>
+          <a:p>
+            <a:r>
+              <a:rPr lang="sr-Latn-RS" dirty="0" smtClean="0"/>
+              <a:t>Ovde postoji jedan problem. Naši username, hostname, databasename, password su tajne i ne bi trebalo da ih ovako ostavljamo u kodu. Ovde na stanje stupaju promenljive okruženja (enviorment variables). One se pišu u .env fajlu u root-u projekta i .env se dodaje u .gitignore. Svaka u svojoj liniji u formatu ime=vrednost (bez razmaka i znaka navoda). Da bi ih koristili u node-u potrebno je da instaliramo paket dotenv. Na početku fajla gde koristimo env promenljive potrebno je dodati require(„dotenv“).config(). Ovo nam omogućava da koristimo promenljive unutar process.env objekta.</a:t>
+            </a:r>
+          </a:p>
+          <a:p>
+            <a:r>
+              <a:rPr lang="sr-Latn-RS" dirty="0" smtClean="0"/>
+              <a:t>Env promenljive se obično pišu svim velikim slovima</a:t>
+            </a:r>
+            <a:endParaRPr lang="en-US" dirty="0"/>
+          </a:p>
+        </p:txBody>
+      </p:sp>
+    </p:spTree>
+    <p:extLst>
+      <p:ext uri="{BB962C8B-B14F-4D97-AF65-F5344CB8AC3E}">
+        <p14:creationId xmlns:p14="http://schemas.microsoft.com/office/powerpoint/2010/main" val="4065077328"/>
+      </p:ext>
+    </p:extLst>
+  </p:cSld>
+  <p:clrMapOvr>
+    <a:masterClrMapping/>
+  </p:clrMapOvr>
+</p:sld>
+</file>
+
+<file path=ppt/slides/slide63.xml><?xml version="1.0" encoding="utf-8"?>
+<p:sld xmlns:a="http://schemas.openxmlformats.org/drawingml/2006/main" xmlns:r="http://schemas.openxmlformats.org/officeDocument/2006/relationships" xmlns:p="http://schemas.openxmlformats.org/presentationml/2006/main">
+  <p:cSld>
+    <p:spTree>
+      <p:nvGrpSpPr>
+        <p:cNvPr id="1" name=""/>
+        <p:cNvGrpSpPr/>
+        <p:nvPr/>
+      </p:nvGrpSpPr>
+      <p:grpSpPr>
+        <a:xfrm>
+          <a:off x="0" y="0"/>
+          <a:ext cx="0" cy="0"/>
+          <a:chOff x="0" y="0"/>
+          <a:chExt cx="0" cy="0"/>
+        </a:xfrm>
+      </p:grpSpPr>
+      <p:pic>
+        <p:nvPicPr>
+          <p:cNvPr id="5" name="Picture 4"/>
+          <p:cNvPicPr>
+            <a:picLocks noChangeAspect="1"/>
+          </p:cNvPicPr>
+          <p:nvPr/>
+        </p:nvPicPr>
+        <p:blipFill>
+          <a:blip r:embed="rId2"/>
+          <a:stretch>
+            <a:fillRect/>
+          </a:stretch>
+        </p:blipFill>
+        <p:spPr>
+          <a:xfrm>
+            <a:off x="1075785" y="3677637"/>
+            <a:ext cx="3280555" cy="1391364"/>
+          </a:xfrm>
+          <a:prstGeom prst="rect">
+            <a:avLst/>
+          </a:prstGeom>
+        </p:spPr>
+      </p:pic>
+      <p:pic>
+        <p:nvPicPr>
+          <p:cNvPr id="6" name="Picture 5"/>
+          <p:cNvPicPr>
+            <a:picLocks noChangeAspect="1"/>
+          </p:cNvPicPr>
+          <p:nvPr/>
+        </p:nvPicPr>
+        <p:blipFill>
+          <a:blip r:embed="rId3"/>
+          <a:stretch>
+            <a:fillRect/>
+          </a:stretch>
+        </p:blipFill>
+        <p:spPr>
+          <a:xfrm>
+            <a:off x="558199" y="1170766"/>
+            <a:ext cx="4567463" cy="1995128"/>
+          </a:xfrm>
+          <a:prstGeom prst="rect">
+            <a:avLst/>
+          </a:prstGeom>
+        </p:spPr>
+      </p:pic>
+      <p:pic>
+        <p:nvPicPr>
+          <p:cNvPr id="7" name="Picture 6"/>
+          <p:cNvPicPr>
+            <a:picLocks noChangeAspect="1"/>
+          </p:cNvPicPr>
+          <p:nvPr/>
+        </p:nvPicPr>
+        <p:blipFill>
+          <a:blip r:embed="rId4"/>
+          <a:stretch>
+            <a:fillRect/>
+          </a:stretch>
+        </p:blipFill>
+        <p:spPr>
+          <a:xfrm>
+            <a:off x="5632509" y="793989"/>
+            <a:ext cx="6262639" cy="4373233"/>
+          </a:xfrm>
+          <a:prstGeom prst="rect">
+            <a:avLst/>
+          </a:prstGeom>
+        </p:spPr>
+      </p:pic>
+    </p:spTree>
+    <p:extLst>
+      <p:ext uri="{BB962C8B-B14F-4D97-AF65-F5344CB8AC3E}">
+        <p14:creationId xmlns:p14="http://schemas.microsoft.com/office/powerpoint/2010/main" val="2048525382"/>
+      </p:ext>
+    </p:extLst>
+  </p:cSld>
+  <p:clrMapOvr>
+    <a:masterClrMapping/>
+  </p:clrMapOvr>
+</p:sld>
+</file>
+
+<file path=ppt/slides/slide64.xml><?xml version="1.0" encoding="utf-8"?>
+<p:sld xmlns:a="http://schemas.openxmlformats.org/drawingml/2006/main" xmlns:r="http://schemas.openxmlformats.org/officeDocument/2006/relationships" xmlns:p="http://schemas.openxmlformats.org/presentationml/2006/main">
+  <p:cSld>
+    <p:spTree>
+      <p:nvGrpSpPr>
+        <p:cNvPr id="1" name=""/>
+        <p:cNvGrpSpPr/>
+        <p:nvPr/>
+      </p:nvGrpSpPr>
+      <p:grpSpPr>
+        <a:xfrm>
+          <a:off x="0" y="0"/>
+          <a:ext cx="0" cy="0"/>
+          <a:chOff x="0" y="0"/>
+          <a:chExt cx="0" cy="0"/>
+        </a:xfrm>
+      </p:grpSpPr>
+      <p:sp>
+        <p:nvSpPr>
+          <p:cNvPr id="3" name="Content Placeholder 2"/>
+          <p:cNvSpPr>
+            <a:spLocks noGrp="1"/>
+          </p:cNvSpPr>
+          <p:nvPr>
+            <p:ph idx="1"/>
+          </p:nvPr>
+        </p:nvSpPr>
+        <p:spPr>
+          <a:xfrm>
+            <a:off x="1141412" y="1061049"/>
+            <a:ext cx="9905999" cy="4730152"/>
+          </a:xfrm>
+        </p:spPr>
+        <p:txBody>
+          <a:bodyPr/>
+          <a:lstStyle/>
+          <a:p>
+            <a:r>
+              <a:rPr lang="sr-Latn-RS" dirty="0" smtClean="0"/>
+              <a:t>Kada hostujemo sajt pri pokretanju server će  u env da postavi broj porta na kom će raditi naša aplikacija. Mi taj port ne možemo znati unapred. Zato je bitno da pri pokretanju servera koristimo env promenljivu i to na sledeći način:</a:t>
+            </a:r>
+          </a:p>
+        </p:txBody>
+      </p:sp>
+      <p:pic>
+        <p:nvPicPr>
+          <p:cNvPr id="4" name="Picture 3"/>
+          <p:cNvPicPr>
+            <a:picLocks noChangeAspect="1"/>
+          </p:cNvPicPr>
+          <p:nvPr/>
+        </p:nvPicPr>
+        <p:blipFill>
+          <a:blip r:embed="rId2"/>
+          <a:stretch>
+            <a:fillRect/>
+          </a:stretch>
+        </p:blipFill>
+        <p:spPr>
+          <a:xfrm>
+            <a:off x="1604962" y="3109912"/>
+            <a:ext cx="8982075" cy="638175"/>
+          </a:xfrm>
+          <a:prstGeom prst="rect">
+            <a:avLst/>
+          </a:prstGeom>
+        </p:spPr>
+      </p:pic>
+    </p:spTree>
+    <p:extLst>
+      <p:ext uri="{BB962C8B-B14F-4D97-AF65-F5344CB8AC3E}">
+        <p14:creationId xmlns:p14="http://schemas.microsoft.com/office/powerpoint/2010/main" val="4282411462"/>
       </p:ext>
     </p:extLst>
   </p:cSld>
